--- a/CSCI4836-HW04-Presentation.pptx
+++ b/CSCI4836-HW04-Presentation.pptx
@@ -5,7 +5,7 @@
     <p:sldMasterId id="2147483648" r:id="rId1"/>
   </p:sldMasterIdLst>
   <p:notesMasterIdLst>
-    <p:notesMasterId r:id="rId23"/>
+    <p:notesMasterId r:id="rId19"/>
   </p:notesMasterIdLst>
   <p:sldIdLst>
     <p:sldId id="260" r:id="rId2"/>
@@ -25,10 +25,6 @@
     <p:sldId id="281" r:id="rId16"/>
     <p:sldId id="302" r:id="rId17"/>
     <p:sldId id="266" r:id="rId18"/>
-    <p:sldId id="274" r:id="rId19"/>
-    <p:sldId id="297" r:id="rId20"/>
-    <p:sldId id="317" r:id="rId21"/>
-    <p:sldId id="289" r:id="rId22"/>
   </p:sldIdLst>
   <p:sldSz cx="12192000" cy="6858000"/>
   <p:notesSz cx="6858000" cy="9144000"/>
@@ -129,14 +125,14 @@
   </p:defaultTextStyle>
   <p:extLst>
     <p:ext uri="{EFAFB233-063F-42B5-8137-9DF3F51BA10A}">
-      <p15:sldGuideLst xmlns:p15="http://schemas.microsoft.com/office/powerpoint/2012/main"/>
+      <p15:sldGuideLst xmlns:p15="http://schemas.microsoft.com/office/powerpoint/2012/main" xmlns=""/>
     </p:ext>
   </p:extLst>
 </p:presentation>
 </file>
 
 <file path=ppt/charts/chart1.xml><?xml version="1.0" encoding="utf-8"?>
-<c:chartSpace xmlns:c="http://schemas.openxmlformats.org/drawingml/2006/chart" xmlns:a="http://schemas.openxmlformats.org/drawingml/2006/main" xmlns:r="http://schemas.openxmlformats.org/officeDocument/2006/relationships" xmlns:c16r2="http://schemas.microsoft.com/office/drawing/2015/06/chart">
+<c:chartSpace xmlns:c="http://schemas.openxmlformats.org/drawingml/2006/chart" xmlns:a="http://schemas.openxmlformats.org/drawingml/2006/main" xmlns:r="http://schemas.openxmlformats.org/officeDocument/2006/relationships">
   <c:date1904 val="0"/>
   <c:lang val="en-US"/>
   <c:roundedCorners val="0"/>
@@ -184,26 +180,6 @@
         </a:ln>
         <a:effectLst/>
       </c:spPr>
-      <c:txPr>
-        <a:bodyPr rot="0" spcFirstLastPara="1" vertOverflow="ellipsis" vert="horz" wrap="square" anchor="ctr" anchorCtr="1"/>
-        <a:lstStyle/>
-        <a:p>
-          <a:pPr>
-            <a:defRPr sz="1862" b="0" i="0" u="none" strike="noStrike" kern="1200" cap="none" spc="20" baseline="0">
-              <a:solidFill>
-                <a:schemeClr val="tx1">
-                  <a:lumMod val="50000"/>
-                  <a:lumOff val="50000"/>
-                </a:schemeClr>
-              </a:solidFill>
-              <a:latin typeface="+mn-lt"/>
-              <a:ea typeface="+mn-ea"/>
-              <a:cs typeface="+mn-cs"/>
-            </a:defRPr>
-          </a:pPr>
-          <a:endParaRPr lang="ru-RU"/>
-        </a:p>
-      </c:txPr>
     </c:title>
     <c:autoTitleDeleted val="0"/>
     <c:plotArea>
@@ -291,7 +267,7 @@
                     <a:cs typeface="+mn-cs"/>
                   </a:defRPr>
                 </a:pPr>
-                <a:endParaRPr lang="ru-RU"/>
+                <a:endParaRPr lang="en-US"/>
               </a:p>
             </c:txPr>
             <c:dLblPos val="outEnd"/>
@@ -302,7 +278,7 @@
             <c:showPercent val="0"/>
             <c:showBubbleSize val="0"/>
             <c:showLeaderLines val="0"/>
-            <c:extLst>
+            <c:extLst xmlns:c16r2="http://schemas.microsoft.com/office/drawing/2015/06/chart">
               <c:ext xmlns:c15="http://schemas.microsoft.com/office/drawing/2012/chart" uri="{CE6537A1-D6FC-4f65-9D91-7224C49458BB}">
                 <c15:layout/>
                 <c15:showLeaderLines val="1"/>
@@ -363,7 +339,7 @@
               </c:numCache>
             </c:numRef>
           </c:val>
-          <c:extLst>
+          <c:extLst xmlns:c16r2="http://schemas.microsoft.com/office/drawing/2015/06/chart">
             <c:ext xmlns:c16="http://schemas.microsoft.com/office/drawing/2014/chart" uri="{C3380CC4-5D6E-409C-BE32-E72D297353CC}">
               <c16:uniqueId val="{00000000-0E84-4095-B2D7-27EA74712924}"/>
             </c:ext>
@@ -448,7 +424,7 @@
                     <a:cs typeface="+mn-cs"/>
                   </a:defRPr>
                 </a:pPr>
-                <a:endParaRPr lang="ru-RU"/>
+                <a:endParaRPr lang="en-US"/>
               </a:p>
             </c:txPr>
             <c:dLblPos val="outEnd"/>
@@ -459,7 +435,7 @@
             <c:showPercent val="0"/>
             <c:showBubbleSize val="0"/>
             <c:showLeaderLines val="0"/>
-            <c:extLst>
+            <c:extLst xmlns:c16r2="http://schemas.microsoft.com/office/drawing/2015/06/chart">
               <c:ext xmlns:c15="http://schemas.microsoft.com/office/drawing/2012/chart" uri="{CE6537A1-D6FC-4f65-9D91-7224C49458BB}">
                 <c15:layout/>
                 <c15:showLeaderLines val="1"/>
@@ -509,7 +485,7 @@
                   <c:v>2.4</c:v>
                 </c:pt>
                 <c:pt idx="1">
-                  <c:v>4.4000000000000004</c:v>
+                  <c:v>4.4</c:v>
                 </c:pt>
                 <c:pt idx="2">
                   <c:v>1.8</c:v>
@@ -520,7 +496,7 @@
               </c:numCache>
             </c:numRef>
           </c:val>
-          <c:extLst>
+          <c:extLst xmlns:c16r2="http://schemas.microsoft.com/office/drawing/2015/06/chart">
             <c:ext xmlns:c16="http://schemas.microsoft.com/office/drawing/2014/chart" uri="{C3380CC4-5D6E-409C-BE32-E72D297353CC}">
               <c16:uniqueId val="{00000001-0E84-4095-B2D7-27EA74712924}"/>
             </c:ext>
@@ -605,7 +581,7 @@
                     <a:cs typeface="+mn-cs"/>
                   </a:defRPr>
                 </a:pPr>
-                <a:endParaRPr lang="ru-RU"/>
+                <a:endParaRPr lang="en-US"/>
               </a:p>
             </c:txPr>
             <c:dLblPos val="outEnd"/>
@@ -616,7 +592,7 @@
             <c:showPercent val="0"/>
             <c:showBubbleSize val="0"/>
             <c:showLeaderLines val="0"/>
-            <c:extLst>
+            <c:extLst xmlns:c16r2="http://schemas.microsoft.com/office/drawing/2015/06/chart">
               <c:ext xmlns:c15="http://schemas.microsoft.com/office/drawing/2012/chart" uri="{CE6537A1-D6FC-4f65-9D91-7224C49458BB}">
                 <c15:layout/>
                 <c15:showLeaderLines val="1"/>
@@ -663,21 +639,21 @@
                 <c:formatCode>General</c:formatCode>
                 <c:ptCount val="4"/>
                 <c:pt idx="0">
-                  <c:v>2</c:v>
+                  <c:v>2.0</c:v>
                 </c:pt>
                 <c:pt idx="1">
-                  <c:v>2</c:v>
+                  <c:v>2.0</c:v>
                 </c:pt>
                 <c:pt idx="2">
-                  <c:v>3</c:v>
+                  <c:v>3.0</c:v>
                 </c:pt>
                 <c:pt idx="3">
-                  <c:v>5</c:v>
+                  <c:v>5.0</c:v>
                 </c:pt>
               </c:numCache>
             </c:numRef>
           </c:val>
-          <c:extLst>
+          <c:extLst xmlns:c16r2="http://schemas.microsoft.com/office/drawing/2015/06/chart">
             <c:ext xmlns:c16="http://schemas.microsoft.com/office/drawing/2014/chart" uri="{C3380CC4-5D6E-409C-BE32-E72D297353CC}">
               <c16:uniqueId val="{00000002-0E84-4095-B2D7-27EA74712924}"/>
             </c:ext>
@@ -694,11 +670,11 @@
         </c:dLbls>
         <c:gapWidth val="100"/>
         <c:overlap val="-24"/>
-        <c:axId val="320431704"/>
-        <c:axId val="320432488"/>
+        <c:axId val="-2138555416"/>
+        <c:axId val="-2138551768"/>
       </c:barChart>
       <c:catAx>
-        <c:axId val="320431704"/>
+        <c:axId val="-2138555416"/>
         <c:scaling>
           <c:orientation val="minMax"/>
         </c:scaling>
@@ -738,10 +714,10 @@
                 <a:cs typeface="+mn-cs"/>
               </a:defRPr>
             </a:pPr>
-            <a:endParaRPr lang="ru-RU"/>
+            <a:endParaRPr lang="en-US"/>
           </a:p>
         </c:txPr>
-        <c:crossAx val="320432488"/>
+        <c:crossAx val="-2138551768"/>
         <c:crosses val="autoZero"/>
         <c:auto val="1"/>
         <c:lblAlgn val="ctr"/>
@@ -749,7 +725,7 @@
         <c:noMultiLvlLbl val="0"/>
       </c:catAx>
       <c:valAx>
-        <c:axId val="320432488"/>
+        <c:axId val="-2138551768"/>
         <c:scaling>
           <c:orientation val="minMax"/>
         </c:scaling>
@@ -797,10 +773,10 @@
                 <a:cs typeface="+mn-cs"/>
               </a:defRPr>
             </a:pPr>
-            <a:endParaRPr lang="ru-RU"/>
+            <a:endParaRPr lang="en-US"/>
           </a:p>
         </c:txPr>
-        <c:crossAx val="320431704"/>
+        <c:crossAx val="-2138555416"/>
         <c:crosses val="autoZero"/>
         <c:crossBetween val="between"/>
       </c:valAx>
@@ -840,7 +816,7 @@
               <a:cs typeface="+mn-cs"/>
             </a:defRPr>
           </a:pPr>
-          <a:endParaRPr lang="ru-RU"/>
+          <a:endParaRPr lang="en-US"/>
         </a:p>
       </c:txPr>
     </c:legend>
@@ -866,10 +842,10 @@
       <a:pPr>
         <a:defRPr/>
       </a:pPr>
-      <a:endParaRPr lang="ru-RU"/>
+      <a:endParaRPr lang="en-US"/>
     </a:p>
   </c:txPr>
-  <c:externalData r:id="rId3">
+  <c:externalData r:id="rId1">
     <c:autoUpdate val="0"/>
   </c:externalData>
 </c:chartSpace>
@@ -1519,7 +1495,7 @@
           <a:p>
             <a:fld id="{B8532A3A-E1C2-42EA-BDD6-305DAB1834E8}" type="datetimeFigureOut">
               <a:rPr lang="en-US" smtClean="0"/>
-              <a:t>12/7/2018</a:t>
+              <a:t>12/8/18</a:t>
             </a:fld>
             <a:endParaRPr lang="en-US"/>
           </a:p>
@@ -2422,7 +2398,7 @@
           <a:p>
             <a:fld id="{51BBFFC7-5AFF-4374-B478-E246B74FFF84}" type="datetimeFigureOut">
               <a:rPr lang="en-US" smtClean="0"/>
-              <a:t>12/7/2018</a:t>
+              <a:t>12/8/18</a:t>
             </a:fld>
             <a:endParaRPr lang="en-US"/>
           </a:p>
@@ -2592,7 +2568,7 @@
           <a:p>
             <a:fld id="{51BBFFC7-5AFF-4374-B478-E246B74FFF84}" type="datetimeFigureOut">
               <a:rPr lang="en-US" smtClean="0"/>
-              <a:t>12/7/2018</a:t>
+              <a:t>12/8/18</a:t>
             </a:fld>
             <a:endParaRPr lang="en-US"/>
           </a:p>
@@ -2772,7 +2748,7 @@
           <a:p>
             <a:fld id="{51BBFFC7-5AFF-4374-B478-E246B74FFF84}" type="datetimeFigureOut">
               <a:rPr lang="en-US" smtClean="0"/>
-              <a:t>12/7/2018</a:t>
+              <a:t>12/8/18</a:t>
             </a:fld>
             <a:endParaRPr lang="en-US"/>
           </a:p>
@@ -2942,7 +2918,7 @@
           <a:p>
             <a:fld id="{51BBFFC7-5AFF-4374-B478-E246B74FFF84}" type="datetimeFigureOut">
               <a:rPr lang="en-US" smtClean="0"/>
-              <a:t>12/7/2018</a:t>
+              <a:t>12/8/18</a:t>
             </a:fld>
             <a:endParaRPr lang="en-US"/>
           </a:p>
@@ -3188,7 +3164,7 @@
           <a:p>
             <a:fld id="{51BBFFC7-5AFF-4374-B478-E246B74FFF84}" type="datetimeFigureOut">
               <a:rPr lang="en-US" smtClean="0"/>
-              <a:t>12/7/2018</a:t>
+              <a:t>12/8/18</a:t>
             </a:fld>
             <a:endParaRPr lang="en-US"/>
           </a:p>
@@ -3420,7 +3396,7 @@
           <a:p>
             <a:fld id="{51BBFFC7-5AFF-4374-B478-E246B74FFF84}" type="datetimeFigureOut">
               <a:rPr lang="en-US" smtClean="0"/>
-              <a:t>12/7/2018</a:t>
+              <a:t>12/8/18</a:t>
             </a:fld>
             <a:endParaRPr lang="en-US"/>
           </a:p>
@@ -3787,7 +3763,7 @@
           <a:p>
             <a:fld id="{51BBFFC7-5AFF-4374-B478-E246B74FFF84}" type="datetimeFigureOut">
               <a:rPr lang="en-US" smtClean="0"/>
-              <a:t>12/7/2018</a:t>
+              <a:t>12/8/18</a:t>
             </a:fld>
             <a:endParaRPr lang="en-US"/>
           </a:p>
@@ -3905,7 +3881,7 @@
           <a:p>
             <a:fld id="{51BBFFC7-5AFF-4374-B478-E246B74FFF84}" type="datetimeFigureOut">
               <a:rPr lang="en-US" smtClean="0"/>
-              <a:t>12/7/2018</a:t>
+              <a:t>12/8/18</a:t>
             </a:fld>
             <a:endParaRPr lang="en-US"/>
           </a:p>
@@ -4000,7 +3976,7 @@
           <a:p>
             <a:fld id="{51BBFFC7-5AFF-4374-B478-E246B74FFF84}" type="datetimeFigureOut">
               <a:rPr lang="en-US" smtClean="0"/>
-              <a:t>12/7/2018</a:t>
+              <a:t>12/8/18</a:t>
             </a:fld>
             <a:endParaRPr lang="en-US"/>
           </a:p>
@@ -4277,7 +4253,7 @@
           <a:p>
             <a:fld id="{51BBFFC7-5AFF-4374-B478-E246B74FFF84}" type="datetimeFigureOut">
               <a:rPr lang="en-US" smtClean="0"/>
-              <a:t>12/7/2018</a:t>
+              <a:t>12/8/18</a:t>
             </a:fld>
             <a:endParaRPr lang="en-US"/>
           </a:p>
@@ -4530,7 +4506,7 @@
           <a:p>
             <a:fld id="{51BBFFC7-5AFF-4374-B478-E246B74FFF84}" type="datetimeFigureOut">
               <a:rPr lang="en-US" smtClean="0"/>
-              <a:t>12/7/2018</a:t>
+              <a:t>12/8/18</a:t>
             </a:fld>
             <a:endParaRPr lang="en-US"/>
           </a:p>
@@ -4743,7 +4719,7 @@
           <a:p>
             <a:fld id="{51BBFFC7-5AFF-4374-B478-E246B74FFF84}" type="datetimeFigureOut">
               <a:rPr lang="en-US" smtClean="0"/>
-              <a:t>12/7/2018</a:t>
+              <a:t>12/8/18</a:t>
             </a:fld>
             <a:endParaRPr lang="en-US"/>
           </a:p>
@@ -5605,7 +5581,7 @@
   <p:timing>
     <p:tnLst>
       <p:par>
-        <p:cTn id="1" dur="indefinite" restart="never" nodeType="tmRoot"/>
+        <p:cTn xmlns:p14="http://schemas.microsoft.com/office/powerpoint/2010/main" id="1" dur="indefinite" restart="never" nodeType="tmRoot"/>
       </p:par>
     </p:tnLst>
   </p:timing>
@@ -6676,7 +6652,7 @@
   <p:timing>
     <p:tnLst>
       <p:par>
-        <p:cTn id="1" dur="indefinite" restart="never" nodeType="tmRoot"/>
+        <p:cTn xmlns:p14="http://schemas.microsoft.com/office/powerpoint/2010/main" id="1" dur="indefinite" restart="never" nodeType="tmRoot"/>
       </p:par>
     </p:tnLst>
   </p:timing>
@@ -8209,7 +8185,7 @@
   <p:timing>
     <p:tnLst>
       <p:par>
-        <p:cTn id="1" dur="indefinite" restart="never" nodeType="tmRoot"/>
+        <p:cTn xmlns:p14="http://schemas.microsoft.com/office/powerpoint/2010/main" id="1" dur="indefinite" restart="never" nodeType="tmRoot"/>
       </p:par>
     </p:tnLst>
   </p:timing>
@@ -9060,7 +9036,7 @@
   <p:timing>
     <p:tnLst>
       <p:par>
-        <p:cTn id="1" dur="indefinite" restart="never" nodeType="tmRoot"/>
+        <p:cTn xmlns:p14="http://schemas.microsoft.com/office/powerpoint/2010/main" id="1" dur="indefinite" restart="never" nodeType="tmRoot"/>
       </p:par>
     </p:tnLst>
   </p:timing>
@@ -9653,7 +9629,7 @@
   <p:timing>
     <p:tnLst>
       <p:par>
-        <p:cTn id="1" dur="indefinite" restart="never" nodeType="tmRoot"/>
+        <p:cTn xmlns:p14="http://schemas.microsoft.com/office/powerpoint/2010/main" id="1" dur="indefinite" restart="never" nodeType="tmRoot"/>
       </p:par>
     </p:tnLst>
   </p:timing>
@@ -9918,7 +9894,7 @@
   <p:timing>
     <p:tnLst>
       <p:par>
-        <p:cTn id="1" dur="indefinite" restart="never" nodeType="tmRoot"/>
+        <p:cTn xmlns:p14="http://schemas.microsoft.com/office/powerpoint/2010/main" id="1" dur="indefinite" restart="never" nodeType="tmRoot"/>
       </p:par>
     </p:tnLst>
   </p:timing>
@@ -10317,7 +10293,7 @@
   <p:timing>
     <p:tnLst>
       <p:par>
-        <p:cTn id="1" dur="indefinite" restart="never" nodeType="tmRoot"/>
+        <p:cTn xmlns:p14="http://schemas.microsoft.com/office/powerpoint/2010/main" id="1" dur="indefinite" restart="never" nodeType="tmRoot"/>
       </p:par>
     </p:tnLst>
   </p:timing>
@@ -11394,7 +11370,7 @@
   <p:timing>
     <p:tnLst>
       <p:par>
-        <p:cTn id="1" dur="indefinite" restart="never" nodeType="tmRoot"/>
+        <p:cTn xmlns:p14="http://schemas.microsoft.com/office/powerpoint/2010/main" id="1" dur="indefinite" restart="never" nodeType="tmRoot"/>
       </p:par>
     </p:tnLst>
   </p:timing>
@@ -11856,463 +11832,7 @@
   <p:timing>
     <p:tnLst>
       <p:par>
-        <p:cTn id="1" dur="indefinite" restart="never" nodeType="tmRoot"/>
-      </p:par>
-    </p:tnLst>
-  </p:timing>
-</p:sld>
-</file>
-
-<file path=ppt/slides/slide18.xml><?xml version="1.0" encoding="utf-8"?>
-<p:sld xmlns:a="http://schemas.openxmlformats.org/drawingml/2006/main" xmlns:r="http://schemas.openxmlformats.org/officeDocument/2006/relationships" xmlns:p="http://schemas.openxmlformats.org/presentationml/2006/main">
-  <p:cSld>
-    <p:bg>
-      <p:bgPr>
-        <a:solidFill>
-          <a:srgbClr val="444444"/>
-        </a:solidFill>
-        <a:effectLst/>
-      </p:bgPr>
-    </p:bg>
-    <p:spTree>
-      <p:nvGrpSpPr>
-        <p:cNvPr id="1" name=""/>
-        <p:cNvGrpSpPr/>
-        <p:nvPr/>
-      </p:nvGrpSpPr>
-      <p:grpSpPr>
-        <a:xfrm>
-          <a:off x="0" y="0"/>
-          <a:ext cx="0" cy="0"/>
-          <a:chOff x="0" y="0"/>
-          <a:chExt cx="0" cy="0"/>
-        </a:xfrm>
-      </p:grpSpPr>
-      <p:sp>
-        <p:nvSpPr>
-          <p:cNvPr id="2" name="Title 1"/>
-          <p:cNvSpPr>
-            <a:spLocks noGrp="1"/>
-          </p:cNvSpPr>
-          <p:nvPr>
-            <p:ph type="title"/>
-          </p:nvPr>
-        </p:nvSpPr>
-        <p:spPr>
-          <a:xfrm>
-            <a:off x="824459" y="365126"/>
-            <a:ext cx="10529341" cy="712904"/>
-          </a:xfrm>
-        </p:spPr>
-        <p:txBody>
-          <a:bodyPr/>
-          <a:lstStyle/>
-          <a:p>
-            <a:pPr algn="ctr"/>
-            <a:r>
-              <a:rPr lang="en-US" dirty="0" smtClean="0">
-                <a:solidFill>
-                  <a:srgbClr val="FFFF00"/>
-                </a:solidFill>
-              </a:rPr>
-              <a:t>Image Tips</a:t>
-            </a:r>
-            <a:endParaRPr lang="en-US" dirty="0">
-              <a:solidFill>
-                <a:srgbClr val="FFFF00"/>
-              </a:solidFill>
-            </a:endParaRPr>
-          </a:p>
-        </p:txBody>
-      </p:sp>
-      <p:sp>
-        <p:nvSpPr>
-          <p:cNvPr id="3" name="Content Placeholder 2"/>
-          <p:cNvSpPr>
-            <a:spLocks noGrp="1"/>
-          </p:cNvSpPr>
-          <p:nvPr>
-            <p:ph idx="1"/>
-          </p:nvPr>
-        </p:nvSpPr>
-        <p:spPr>
-          <a:xfrm>
-            <a:off x="0" y="1406012"/>
-            <a:ext cx="12192000" cy="5451987"/>
-          </a:xfrm>
-          <a:solidFill>
-            <a:schemeClr val="bg1">
-              <a:lumMod val="85000"/>
-              <a:alpha val="90000"/>
-            </a:schemeClr>
-          </a:solidFill>
-        </p:spPr>
-        <p:txBody>
-          <a:bodyPr>
-            <a:normAutofit/>
-          </a:bodyPr>
-          <a:lstStyle/>
-          <a:p>
-            <a:r>
-              <a:rPr lang="en-US" sz="2400" dirty="0" smtClean="0"/>
-              <a:t>Image Removal &amp; Modifications:</a:t>
-            </a:r>
-          </a:p>
-          <a:p>
-            <a:pPr marL="0" indent="0">
-              <a:buNone/>
-            </a:pPr>
-            <a:r>
-              <a:rPr lang="en-US" sz="2000" b="1" dirty="0" smtClean="0"/>
-              <a:t>Background Images:</a:t>
-            </a:r>
-          </a:p>
-          <a:p>
-            <a:pPr marL="0" indent="0">
-              <a:buNone/>
-            </a:pPr>
-            <a:r>
-              <a:rPr lang="en-US" sz="1600" dirty="0" smtClean="0"/>
-              <a:t>Many of our slides have background images, which you may want to replace or remove to fit your needs. To modify, right click the slide (in the left preview panel) and choose “format background” from the dropdown menu. A “format background” screen will open to the right of the slide. To replace image, choose “file” from the insert section to browse your computer, or “online” to search the internet.</a:t>
-            </a:r>
-          </a:p>
-          <a:p>
-            <a:pPr marL="0" indent="0">
-              <a:buNone/>
-            </a:pPr>
-            <a:r>
-              <a:rPr lang="en-US" sz="2000" b="1" dirty="0" smtClean="0"/>
-              <a:t>Smaller Images in Content:</a:t>
-            </a:r>
-          </a:p>
-          <a:p>
-            <a:pPr marL="0" indent="0">
-              <a:buNone/>
-            </a:pPr>
-            <a:r>
-              <a:rPr lang="en-US" sz="1600" dirty="0" smtClean="0"/>
-              <a:t>Simply right click the image and choose the “change picture” option, and it will give you options to browse your computer or search online.</a:t>
-            </a:r>
-          </a:p>
-          <a:p>
-            <a:pPr marL="0" indent="0">
-              <a:buNone/>
-            </a:pPr>
-            <a:r>
-              <a:rPr lang="en-US" sz="2000" b="1" dirty="0" smtClean="0"/>
-              <a:t>Color Transparency Screen:</a:t>
-            </a:r>
-          </a:p>
-          <a:p>
-            <a:pPr marL="0" indent="0">
-              <a:buNone/>
-            </a:pPr>
-            <a:r>
-              <a:rPr lang="en-US" sz="1600" dirty="0" smtClean="0"/>
-              <a:t>Many slides have colored screen with varying transparency levels to give color to the slide and allow text on slide to be seen better. This is usually placed at the back of the slide, just in front of the background image. To modify color or change transparency, right click in the slide somewhere that does not have text or objects. Then choose ‘format shape” from the dropdown box. You will now see a color selector box and transparency options to the right. Make changes to get the desired results you are looking for. If you want to just remove this screen, choose “cut” from the dropdown menu when you right click it.</a:t>
-            </a:r>
-          </a:p>
-          <a:p>
-            <a:pPr marL="0" indent="0">
-              <a:buNone/>
-            </a:pPr>
-            <a:r>
-              <a:rPr lang="en-US" sz="2000" b="1" dirty="0" smtClean="0"/>
-              <a:t>Image Usage Rights:</a:t>
-            </a:r>
-            <a:endParaRPr lang="en-US" sz="2000" b="1" dirty="0"/>
-          </a:p>
-          <a:p>
-            <a:pPr marL="0" indent="0">
-              <a:buNone/>
-            </a:pPr>
-            <a:r>
-              <a:rPr lang="en-US" sz="1600" dirty="0" smtClean="0"/>
-              <a:t>Most of our images are licensed through Shutterstock, for use within our PowerPoint Templates only. You are free to modify and transfer photos between our templates, but use outside our templates could constitute a copyright violation. </a:t>
-            </a:r>
-            <a:r>
-              <a:rPr lang="en-US" sz="1600" dirty="0"/>
-              <a:t>By providing these PowerPoint Templates to you, we are not transferring any of our licensing of images to be used outside these </a:t>
-            </a:r>
-            <a:r>
-              <a:rPr lang="en-US" sz="1600" dirty="0" smtClean="0"/>
-              <a:t>templates.</a:t>
-            </a:r>
-          </a:p>
-        </p:txBody>
-      </p:sp>
-      <p:sp>
-        <p:nvSpPr>
-          <p:cNvPr id="7" name="TextBox 6"/>
-          <p:cNvSpPr txBox="1"/>
-          <p:nvPr/>
-        </p:nvSpPr>
-        <p:spPr>
-          <a:xfrm>
-            <a:off x="11731397" y="6704111"/>
-            <a:ext cx="329610" cy="107722"/>
-          </a:xfrm>
-          <a:prstGeom prst="rect">
-            <a:avLst/>
-          </a:prstGeom>
-          <a:noFill/>
-        </p:spPr>
-        <p:txBody>
-          <a:bodyPr wrap="square" rtlCol="0">
-            <a:spAutoFit/>
-          </a:bodyPr>
-          <a:lstStyle/>
-          <a:p>
-            <a:r>
-              <a:rPr lang="en-US" sz="100" dirty="0" smtClean="0">
-                <a:solidFill>
-                  <a:schemeClr val="bg1">
-                    <a:lumMod val="75000"/>
-                  </a:schemeClr>
-                </a:solidFill>
-                <a:hlinkClick r:id="rId2"/>
-              </a:rPr>
-              <a:t>Free PowerPoint Templates</a:t>
-            </a:r>
-            <a:endParaRPr lang="en-US" sz="100" dirty="0">
-              <a:solidFill>
-                <a:schemeClr val="bg1">
-                  <a:lumMod val="75000"/>
-                </a:schemeClr>
-              </a:solidFill>
-            </a:endParaRPr>
-          </a:p>
-        </p:txBody>
-      </p:sp>
-    </p:spTree>
-    <p:extLst>
-      <p:ext uri="{BB962C8B-B14F-4D97-AF65-F5344CB8AC3E}">
-        <p14:creationId xmlns:p14="http://schemas.microsoft.com/office/powerpoint/2010/main" val="3859369620"/>
-      </p:ext>
-    </p:extLst>
-  </p:cSld>
-  <p:clrMapOvr>
-    <a:masterClrMapping/>
-  </p:clrMapOvr>
-  <p:timing>
-    <p:tnLst>
-      <p:par>
-        <p:cTn id="1" dur="indefinite" restart="never" nodeType="tmRoot"/>
-      </p:par>
-    </p:tnLst>
-  </p:timing>
-</p:sld>
-</file>
-
-<file path=ppt/slides/slide19.xml><?xml version="1.0" encoding="utf-8"?>
-<p:sld xmlns:a="http://schemas.openxmlformats.org/drawingml/2006/main" xmlns:r="http://schemas.openxmlformats.org/officeDocument/2006/relationships" xmlns:p="http://schemas.openxmlformats.org/presentationml/2006/main">
-  <p:cSld>
-    <p:bg>
-      <p:bgPr>
-        <a:solidFill>
-          <a:srgbClr val="444444"/>
-        </a:solidFill>
-        <a:effectLst/>
-      </p:bgPr>
-    </p:bg>
-    <p:spTree>
-      <p:nvGrpSpPr>
-        <p:cNvPr id="1" name=""/>
-        <p:cNvGrpSpPr/>
-        <p:nvPr/>
-      </p:nvGrpSpPr>
-      <p:grpSpPr>
-        <a:xfrm>
-          <a:off x="0" y="0"/>
-          <a:ext cx="0" cy="0"/>
-          <a:chOff x="0" y="0"/>
-          <a:chExt cx="0" cy="0"/>
-        </a:xfrm>
-      </p:grpSpPr>
-      <p:sp>
-        <p:nvSpPr>
-          <p:cNvPr id="2" name="Title 1"/>
-          <p:cNvSpPr>
-            <a:spLocks noGrp="1"/>
-          </p:cNvSpPr>
-          <p:nvPr>
-            <p:ph type="title"/>
-          </p:nvPr>
-        </p:nvSpPr>
-        <p:spPr>
-          <a:xfrm>
-            <a:off x="824459" y="365126"/>
-            <a:ext cx="10529341" cy="712904"/>
-          </a:xfrm>
-        </p:spPr>
-        <p:txBody>
-          <a:bodyPr/>
-          <a:lstStyle/>
-          <a:p>
-            <a:pPr algn="ctr"/>
-            <a:r>
-              <a:rPr lang="en-US" dirty="0">
-                <a:solidFill>
-                  <a:srgbClr val="FFFF00"/>
-                </a:solidFill>
-              </a:rPr>
-              <a:t>T</a:t>
-            </a:r>
-            <a:r>
-              <a:rPr lang="en-US" dirty="0" smtClean="0">
-                <a:solidFill>
-                  <a:srgbClr val="FFFF00"/>
-                </a:solidFill>
-              </a:rPr>
-              <a:t>ransitions</a:t>
-            </a:r>
-            <a:endParaRPr lang="en-US" dirty="0">
-              <a:solidFill>
-                <a:srgbClr val="FFFF00"/>
-              </a:solidFill>
-            </a:endParaRPr>
-          </a:p>
-        </p:txBody>
-      </p:sp>
-      <p:sp>
-        <p:nvSpPr>
-          <p:cNvPr id="3" name="Content Placeholder 2"/>
-          <p:cNvSpPr>
-            <a:spLocks noGrp="1"/>
-          </p:cNvSpPr>
-          <p:nvPr>
-            <p:ph idx="1"/>
-          </p:nvPr>
-        </p:nvSpPr>
-        <p:spPr>
-          <a:xfrm>
-            <a:off x="0" y="1406013"/>
-            <a:ext cx="12192000" cy="5251932"/>
-          </a:xfrm>
-          <a:solidFill>
-            <a:schemeClr val="bg1">
-              <a:lumMod val="85000"/>
-              <a:alpha val="90000"/>
-            </a:schemeClr>
-          </a:solidFill>
-        </p:spPr>
-        <p:txBody>
-          <a:bodyPr>
-            <a:normAutofit/>
-          </a:bodyPr>
-          <a:lstStyle/>
-          <a:p>
-            <a:pPr marL="0" indent="0">
-              <a:buNone/>
-            </a:pPr>
-            <a:endParaRPr lang="en-US" sz="2000" dirty="0" smtClean="0"/>
-          </a:p>
-          <a:p>
-            <a:pPr marL="0" indent="0">
-              <a:buNone/>
-            </a:pPr>
-            <a:r>
-              <a:rPr lang="en-US" sz="2000" dirty="0" smtClean="0"/>
-              <a:t>Some of our templates have transitions (graphic effects on slide change). To see if a template has transitions or how it would look in presentation mode, click the </a:t>
-            </a:r>
-            <a:r>
-              <a:rPr lang="en-US" sz="2000" dirty="0" smtClean="0">
-                <a:solidFill>
-                  <a:srgbClr val="0070C0"/>
-                </a:solidFill>
-              </a:rPr>
-              <a:t>View&gt;Reading View </a:t>
-            </a:r>
-            <a:r>
-              <a:rPr lang="en-US" sz="2000" dirty="0" smtClean="0"/>
-              <a:t>options on the menu above. If you want to add, remove or modify transitions, click the slide, then click the </a:t>
-            </a:r>
-            <a:r>
-              <a:rPr lang="en-US" sz="2000" dirty="0">
-                <a:solidFill>
-                  <a:srgbClr val="0070C0"/>
-                </a:solidFill>
-              </a:rPr>
-              <a:t>T</a:t>
-            </a:r>
-            <a:r>
-              <a:rPr lang="en-US" sz="2000" dirty="0" smtClean="0">
-                <a:solidFill>
-                  <a:srgbClr val="0070C0"/>
-                </a:solidFill>
-              </a:rPr>
-              <a:t>ransitions</a:t>
-            </a:r>
-            <a:r>
-              <a:rPr lang="en-US" sz="2000" dirty="0" smtClean="0"/>
-              <a:t> tab at top of page. Select “none” to remove, or select the appropriate effect to add/modify. This must be done to each slide, as changes only affect the slide you are currently working on.</a:t>
-            </a:r>
-          </a:p>
-          <a:p>
-            <a:pPr marL="0" indent="0">
-              <a:buNone/>
-            </a:pPr>
-            <a:endParaRPr lang="en-US" sz="2000" dirty="0" smtClean="0"/>
-          </a:p>
-        </p:txBody>
-      </p:sp>
-      <p:sp>
-        <p:nvSpPr>
-          <p:cNvPr id="7" name="TextBox 6"/>
-          <p:cNvSpPr txBox="1"/>
-          <p:nvPr/>
-        </p:nvSpPr>
-        <p:spPr>
-          <a:xfrm>
-            <a:off x="11731397" y="6704111"/>
-            <a:ext cx="329610" cy="107722"/>
-          </a:xfrm>
-          <a:prstGeom prst="rect">
-            <a:avLst/>
-          </a:prstGeom>
-          <a:noFill/>
-        </p:spPr>
-        <p:txBody>
-          <a:bodyPr wrap="square" rtlCol="0">
-            <a:spAutoFit/>
-          </a:bodyPr>
-          <a:lstStyle/>
-          <a:p>
-            <a:r>
-              <a:rPr lang="en-US" sz="100" dirty="0" smtClean="0">
-                <a:solidFill>
-                  <a:schemeClr val="bg1">
-                    <a:lumMod val="75000"/>
-                  </a:schemeClr>
-                </a:solidFill>
-                <a:hlinkClick r:id="rId2"/>
-              </a:rPr>
-              <a:t>Free PowerPoint Templates</a:t>
-            </a:r>
-            <a:endParaRPr lang="en-US" sz="100" dirty="0">
-              <a:solidFill>
-                <a:schemeClr val="bg1">
-                  <a:lumMod val="75000"/>
-                </a:schemeClr>
-              </a:solidFill>
-            </a:endParaRPr>
-          </a:p>
-        </p:txBody>
-      </p:sp>
-    </p:spTree>
-    <p:extLst>
-      <p:ext uri="{BB962C8B-B14F-4D97-AF65-F5344CB8AC3E}">
-        <p14:creationId xmlns:p14="http://schemas.microsoft.com/office/powerpoint/2010/main" val="2848256944"/>
-      </p:ext>
-    </p:extLst>
-  </p:cSld>
-  <p:clrMapOvr>
-    <a:masterClrMapping/>
-  </p:clrMapOvr>
-  <p:timing>
-    <p:tnLst>
-      <p:par>
-        <p:cTn id="1" dur="indefinite" restart="never" nodeType="tmRoot"/>
+        <p:cTn xmlns:p14="http://schemas.microsoft.com/office/powerpoint/2010/main" id="1" dur="indefinite" restart="never" nodeType="tmRoot"/>
       </p:par>
     </p:tnLst>
   </p:timing>
@@ -12504,7 +12024,7 @@
         </p:blipFill>
         <p:spPr>
           <a:xfrm>
-            <a:off x="413793" y="3996745"/>
+            <a:off x="0" y="2781173"/>
             <a:ext cx="1130951" cy="961792"/>
           </a:xfrm>
           <a:prstGeom prst="rect">
@@ -12577,14 +12097,14 @@
           <p:nvPr>
             <p:extLst>
               <p:ext uri="{D42A27DB-BD31-4B8C-83A1-F6EECF244321}">
-                <p14:modId xmlns:p14="http://schemas.microsoft.com/office/powerpoint/2010/main" val="2864866865"/>
+                <p14:modId xmlns:p14="http://schemas.microsoft.com/office/powerpoint/2010/main" val="871539035"/>
               </p:ext>
             </p:extLst>
           </p:nvPr>
         </p:nvGraphicFramePr>
         <p:xfrm>
-          <a:off x="2823356" y="3146723"/>
-          <a:ext cx="9100391" cy="3880940"/>
+          <a:off x="2873895" y="2765723"/>
+          <a:ext cx="9100391" cy="3896180"/>
         </p:xfrm>
         <a:graphic>
           <a:graphicData uri="http://schemas.openxmlformats.org/drawingml/2006/table">
@@ -12596,21 +12116,21 @@
                 <a:gridCol w="2216295">
                   <a:extLst>
                     <a:ext uri="{9D8B030D-6E8A-4147-A177-3AD203B41FA5}">
-                      <a16:colId xmlns:a16="http://schemas.microsoft.com/office/drawing/2014/main" val="20000"/>
+                      <a16:colId xmlns:a16="http://schemas.microsoft.com/office/drawing/2014/main" xmlns="" val="20000"/>
                     </a:ext>
                   </a:extLst>
                 </a:gridCol>
                 <a:gridCol w="4640766">
                   <a:extLst>
                     <a:ext uri="{9D8B030D-6E8A-4147-A177-3AD203B41FA5}">
-                      <a16:colId xmlns:a16="http://schemas.microsoft.com/office/drawing/2014/main" val="20001"/>
+                      <a16:colId xmlns:a16="http://schemas.microsoft.com/office/drawing/2014/main" xmlns="" val="20001"/>
                     </a:ext>
                   </a:extLst>
                 </a:gridCol>
                 <a:gridCol w="2243330">
                   <a:extLst>
                     <a:ext uri="{9D8B030D-6E8A-4147-A177-3AD203B41FA5}">
-                      <a16:colId xmlns:a16="http://schemas.microsoft.com/office/drawing/2014/main" val="20002"/>
+                      <a16:colId xmlns:a16="http://schemas.microsoft.com/office/drawing/2014/main" xmlns="" val="20002"/>
                     </a:ext>
                   </a:extLst>
                 </a:gridCol>
@@ -12797,7 +12317,7 @@
                 </a:tc>
                 <a:extLst>
                   <a:ext uri="{0D108BD9-81ED-4DB2-BD59-A6C34878D82A}">
-                    <a16:rowId xmlns:a16="http://schemas.microsoft.com/office/drawing/2014/main" val="10000"/>
+                    <a16:rowId xmlns:a16="http://schemas.microsoft.com/office/drawing/2014/main" xmlns="" val="10000"/>
                   </a:ext>
                 </a:extLst>
               </a:tr>
@@ -12904,7 +12424,7 @@
                         </a:spcAft>
                       </a:pPr>
                       <a:r>
-                        <a:rPr lang="en-US" sz="1700" dirty="0" smtClean="0">
+                        <a:rPr lang="en-US" sz="1700" dirty="0" err="1" smtClean="0">
                           <a:solidFill>
                             <a:schemeClr val="bg1"/>
                           </a:solidFill>
@@ -12912,15 +12432,43 @@
                           <a:ea typeface="Times New Roman"/>
                           <a:cs typeface="Arial" pitchFamily="34" charset="0"/>
                         </a:rPr>
-                        <a:t>Player, Opponent and Summary</a:t>
+                        <a:t>Introduction,Questions</a:t>
                       </a:r>
+                      <a:endParaRPr lang="en-US" sz="1700" dirty="0" smtClean="0">
+                        <a:solidFill>
+                          <a:schemeClr val="bg1"/>
+                        </a:solidFill>
+                        <a:latin typeface="Arial" pitchFamily="34" charset="0"/>
+                        <a:ea typeface="Times New Roman"/>
+                        <a:cs typeface="Arial" pitchFamily="34" charset="0"/>
+                      </a:endParaRPr>
                     </a:p>
                     <a:p>
-                      <a:pPr>
+                      <a:pPr marL="0" marR="0" indent="0" algn="l" defTabSz="914400" rtl="0" eaLnBrk="1" fontAlgn="auto" latinLnBrk="0" hangingPunct="1">
+                        <a:lnSpc>
+                          <a:spcPct val="100000"/>
+                        </a:lnSpc>
+                        <a:spcBef>
+                          <a:spcPts val="0"/>
+                        </a:spcBef>
                         <a:spcAft>
                           <a:spcPts val="0"/>
                         </a:spcAft>
+                        <a:buClrTx/>
+                        <a:buSzTx/>
+                        <a:buFontTx/>
+                        <a:buNone/>
+                        <a:tabLst/>
+                        <a:defRPr/>
                       </a:pPr>
+                      <a:r>
+                        <a:rPr lang="en-US" sz="1600" dirty="0" smtClean="0">
+                          <a:solidFill>
+                            <a:schemeClr val="bg1"/>
+                          </a:solidFill>
+                        </a:rPr>
+                        <a:t>Overview,</a:t>
+                      </a:r>
                       <a:r>
                         <a:rPr lang="en-US" sz="1700" dirty="0" smtClean="0">
                           <a:solidFill>
@@ -12930,7 +12478,7 @@
                           <a:ea typeface="Times New Roman"/>
                           <a:cs typeface="Arial" pitchFamily="34" charset="0"/>
                         </a:rPr>
-                        <a:t>Introduction and Questions</a:t>
+                        <a:t> Quest </a:t>
                       </a:r>
                     </a:p>
                     <a:p>
@@ -12939,14 +12487,6 @@
                           <a:spcPts val="0"/>
                         </a:spcAft>
                       </a:pPr>
-                      <a:r>
-                        <a:rPr lang="en-US" sz="1600" dirty="0" smtClean="0">
-                          <a:solidFill>
-                            <a:schemeClr val="bg1"/>
-                          </a:solidFill>
-                        </a:rPr>
-                        <a:t>Game Description: Overview</a:t>
-                      </a:r>
                       <a:endParaRPr lang="en-US" sz="1700" dirty="0">
                         <a:solidFill>
                           <a:schemeClr val="bg1"/>
@@ -13060,7 +12600,7 @@
                 </a:tc>
                 <a:extLst>
                   <a:ext uri="{0D108BD9-81ED-4DB2-BD59-A6C34878D82A}">
-                    <a16:rowId xmlns:a16="http://schemas.microsoft.com/office/drawing/2014/main" val="10001"/>
+                    <a16:rowId xmlns:a16="http://schemas.microsoft.com/office/drawing/2014/main" xmlns="" val="10001"/>
                   </a:ext>
                 </a:extLst>
               </a:tr>
@@ -13319,7 +12859,7 @@
                 </a:tc>
                 <a:extLst>
                   <a:ext uri="{0D108BD9-81ED-4DB2-BD59-A6C34878D82A}">
-                    <a16:rowId xmlns:a16="http://schemas.microsoft.com/office/drawing/2014/main" val="10002"/>
+                    <a16:rowId xmlns:a16="http://schemas.microsoft.com/office/drawing/2014/main" xmlns="" val="10002"/>
                   </a:ext>
                 </a:extLst>
               </a:tr>
@@ -13530,7 +13070,7 @@
                 </a:tc>
                 <a:extLst>
                   <a:ext uri="{0D108BD9-81ED-4DB2-BD59-A6C34878D82A}">
-                    <a16:rowId xmlns:a16="http://schemas.microsoft.com/office/drawing/2014/main" val="10003"/>
+                    <a16:rowId xmlns:a16="http://schemas.microsoft.com/office/drawing/2014/main" xmlns="" val="10003"/>
                   </a:ext>
                 </a:extLst>
               </a:tr>
@@ -13754,7 +13294,7 @@
                 </a:tc>
                 <a:extLst>
                   <a:ext uri="{0D108BD9-81ED-4DB2-BD59-A6C34878D82A}">
-                    <a16:rowId xmlns:a16="http://schemas.microsoft.com/office/drawing/2014/main" val="10004"/>
+                    <a16:rowId xmlns:a16="http://schemas.microsoft.com/office/drawing/2014/main" xmlns="" val="10004"/>
                   </a:ext>
                 </a:extLst>
               </a:tr>
@@ -13762,45 +13302,6 @@
           </a:graphicData>
         </a:graphic>
       </p:graphicFrame>
-      <p:sp>
-        <p:nvSpPr>
-          <p:cNvPr id="2" name="Rectangle 1"/>
-          <p:cNvSpPr/>
-          <p:nvPr/>
-        </p:nvSpPr>
-        <p:spPr>
-          <a:xfrm>
-            <a:off x="3399845" y="282278"/>
-            <a:ext cx="7177210" cy="769441"/>
-          </a:xfrm>
-          <a:prstGeom prst="rect">
-            <a:avLst/>
-          </a:prstGeom>
-        </p:spPr>
-        <p:txBody>
-          <a:bodyPr wrap="square">
-            <a:spAutoFit/>
-          </a:bodyPr>
-          <a:lstStyle/>
-          <a:p>
-            <a:r>
-              <a:rPr lang="en-US" sz="4400" dirty="0">
-                <a:solidFill>
-                  <a:schemeClr val="bg1"/>
-                </a:solidFill>
-                <a:latin typeface="Arial" pitchFamily="34" charset="0"/>
-                <a:cs typeface="Arial" pitchFamily="34" charset="0"/>
-              </a:rPr>
-              <a:t>Team contribution</a:t>
-            </a:r>
-            <a:endParaRPr lang="ru-RU" sz="4400" dirty="0">
-              <a:solidFill>
-                <a:schemeClr val="bg1"/>
-              </a:solidFill>
-            </a:endParaRPr>
-          </a:p>
-        </p:txBody>
-      </p:sp>
       <p:sp>
         <p:nvSpPr>
           <p:cNvPr id="30" name="Rectangle 29"/>
@@ -13857,6 +13358,61 @@
             <a:endParaRPr lang="en-US" sz="3000" dirty="0">
               <a:solidFill>
                 <a:schemeClr val="tx1"/>
+              </a:solidFill>
+            </a:endParaRPr>
+          </a:p>
+        </p:txBody>
+      </p:sp>
+      <p:sp>
+        <p:nvSpPr>
+          <p:cNvPr id="9" name="TextBox 8"/>
+          <p:cNvSpPr txBox="1"/>
+          <p:nvPr/>
+        </p:nvSpPr>
+        <p:spPr>
+          <a:xfrm>
+            <a:off x="0" y="907144"/>
+            <a:ext cx="12192000" cy="707886"/>
+          </a:xfrm>
+          <a:prstGeom prst="rect">
+            <a:avLst/>
+          </a:prstGeom>
+          <a:solidFill>
+            <a:schemeClr val="accent1">
+              <a:alpha val="30000"/>
+            </a:schemeClr>
+          </a:solidFill>
+        </p:spPr>
+        <p:txBody>
+          <a:bodyPr wrap="square" rtlCol="0">
+            <a:spAutoFit/>
+          </a:bodyPr>
+          <a:lstStyle/>
+          <a:p>
+            <a:pPr algn="ctr"/>
+            <a:r>
+              <a:rPr lang="en-US" sz="4000" dirty="0">
+                <a:solidFill>
+                  <a:schemeClr val="bg1"/>
+                </a:solidFill>
+                <a:latin typeface="Arial" pitchFamily="34" charset="0"/>
+                <a:cs typeface="Arial" pitchFamily="34" charset="0"/>
+              </a:rPr>
+              <a:t>Team </a:t>
+            </a:r>
+            <a:r>
+              <a:rPr lang="en-US" sz="4000" dirty="0" smtClean="0">
+                <a:solidFill>
+                  <a:schemeClr val="bg1"/>
+                </a:solidFill>
+                <a:latin typeface="Arial" pitchFamily="34" charset="0"/>
+                <a:cs typeface="Arial" pitchFamily="34" charset="0"/>
+              </a:rPr>
+              <a:t>contribution</a:t>
+            </a:r>
+            <a:endParaRPr lang="ru-RU" sz="4000" dirty="0">
+              <a:solidFill>
+                <a:schemeClr val="bg1"/>
               </a:solidFill>
             </a:endParaRPr>
           </a:p>
@@ -13887,565 +13443,7 @@
   <p:timing>
     <p:tnLst>
       <p:par>
-        <p:cTn id="1" dur="indefinite" restart="never" nodeType="tmRoot"/>
-      </p:par>
-    </p:tnLst>
-  </p:timing>
-</p:sld>
-</file>
-
-<file path=ppt/slides/slide20.xml><?xml version="1.0" encoding="utf-8"?>
-<p:sld xmlns:a="http://schemas.openxmlformats.org/drawingml/2006/main" xmlns:r="http://schemas.openxmlformats.org/officeDocument/2006/relationships" xmlns:p="http://schemas.openxmlformats.org/presentationml/2006/main">
-  <p:cSld>
-    <p:bg>
-      <p:bgPr>
-        <a:solidFill>
-          <a:srgbClr val="444444"/>
-        </a:solidFill>
-        <a:effectLst/>
-      </p:bgPr>
-    </p:bg>
-    <p:spTree>
-      <p:nvGrpSpPr>
-        <p:cNvPr id="1" name=""/>
-        <p:cNvGrpSpPr/>
-        <p:nvPr/>
-      </p:nvGrpSpPr>
-      <p:grpSpPr>
-        <a:xfrm>
-          <a:off x="0" y="0"/>
-          <a:ext cx="0" cy="0"/>
-          <a:chOff x="0" y="0"/>
-          <a:chExt cx="0" cy="0"/>
-        </a:xfrm>
-      </p:grpSpPr>
-      <p:sp>
-        <p:nvSpPr>
-          <p:cNvPr id="2" name="Title 1"/>
-          <p:cNvSpPr>
-            <a:spLocks noGrp="1"/>
-          </p:cNvSpPr>
-          <p:nvPr>
-            <p:ph type="title"/>
-          </p:nvPr>
-        </p:nvSpPr>
-        <p:spPr>
-          <a:xfrm>
-            <a:off x="824459" y="365126"/>
-            <a:ext cx="10529341" cy="712904"/>
-          </a:xfrm>
-        </p:spPr>
-        <p:txBody>
-          <a:bodyPr>
-            <a:normAutofit/>
-          </a:bodyPr>
-          <a:lstStyle/>
-          <a:p>
-            <a:pPr algn="ctr"/>
-            <a:r>
-              <a:rPr lang="en-US" sz="4000" u="sng" dirty="0" smtClean="0">
-                <a:solidFill>
-                  <a:srgbClr val="FFFF00"/>
-                </a:solidFill>
-              </a:rPr>
-              <a:t>Please Support Our Free </a:t>
-            </a:r>
-            <a:r>
-              <a:rPr lang="en-US" sz="4000" u="sng" dirty="0">
-                <a:solidFill>
-                  <a:srgbClr val="FFFF00"/>
-                </a:solidFill>
-              </a:rPr>
-              <a:t>T</a:t>
-            </a:r>
-            <a:r>
-              <a:rPr lang="en-US" sz="4000" u="sng" dirty="0" smtClean="0">
-                <a:solidFill>
-                  <a:srgbClr val="FFFF00"/>
-                </a:solidFill>
-              </a:rPr>
-              <a:t>emplate Service!</a:t>
-            </a:r>
-            <a:endParaRPr lang="en-US" sz="4000" u="sng" dirty="0">
-              <a:solidFill>
-                <a:srgbClr val="FFFF00"/>
-              </a:solidFill>
-            </a:endParaRPr>
-          </a:p>
-        </p:txBody>
-      </p:sp>
-      <p:sp>
-        <p:nvSpPr>
-          <p:cNvPr id="3" name="Content Placeholder 2"/>
-          <p:cNvSpPr>
-            <a:spLocks noGrp="1"/>
-          </p:cNvSpPr>
-          <p:nvPr>
-            <p:ph idx="1"/>
-          </p:nvPr>
-        </p:nvSpPr>
-        <p:spPr>
-          <a:xfrm>
-            <a:off x="0" y="1406013"/>
-            <a:ext cx="12192000" cy="5251932"/>
-          </a:xfrm>
-          <a:solidFill>
-            <a:schemeClr val="bg1">
-              <a:lumMod val="85000"/>
-              <a:alpha val="90000"/>
-            </a:schemeClr>
-          </a:solidFill>
-        </p:spPr>
-        <p:txBody>
-          <a:bodyPr>
-            <a:normAutofit/>
-          </a:bodyPr>
-          <a:lstStyle/>
-          <a:p>
-            <a:pPr marL="0" indent="0">
-              <a:buNone/>
-            </a:pPr>
-            <a:endParaRPr lang="en-US" sz="2000" dirty="0" smtClean="0"/>
-          </a:p>
-          <a:p>
-            <a:pPr marL="0" indent="0">
-              <a:buNone/>
-            </a:pPr>
-            <a:r>
-              <a:rPr lang="en-US" sz="2000" dirty="0" smtClean="0"/>
-              <a:t>We are a free service, and we will never ask for money. We do however ask that you support us by letting others know about our free service. We maintain operations through advertisements on the site, and the more people who visit our site, the easier it will be for us to maintain costs for servers, continue new developments, etc. </a:t>
-            </a:r>
-          </a:p>
-          <a:p>
-            <a:pPr marL="0" indent="0">
-              <a:buNone/>
-            </a:pPr>
-            <a:endParaRPr lang="en-US" sz="2000" dirty="0"/>
-          </a:p>
-          <a:p>
-            <a:pPr marL="0" indent="0">
-              <a:buNone/>
-            </a:pPr>
-            <a:r>
-              <a:rPr lang="en-US" sz="2000" dirty="0" smtClean="0"/>
-              <a:t>There are many ways to help get the word out:</a:t>
-            </a:r>
-          </a:p>
-          <a:p>
-            <a:pPr marL="457200" indent="-457200">
-              <a:buAutoNum type="arabicParenR"/>
-            </a:pPr>
-            <a:r>
-              <a:rPr lang="en-US" sz="2000" dirty="0" smtClean="0"/>
-              <a:t>Social media likes and shares.</a:t>
-            </a:r>
-          </a:p>
-          <a:p>
-            <a:pPr marL="457200" indent="-457200">
-              <a:buAutoNum type="arabicParenR"/>
-            </a:pPr>
-            <a:r>
-              <a:rPr lang="en-US" sz="2000" dirty="0" smtClean="0"/>
-              <a:t>Forum posts in communities you are already members (please do not spam).</a:t>
-            </a:r>
-          </a:p>
-          <a:p>
-            <a:pPr marL="457200" indent="-457200">
-              <a:buAutoNum type="arabicParenR"/>
-            </a:pPr>
-            <a:r>
-              <a:rPr lang="en-US" sz="2000" dirty="0" smtClean="0"/>
-              <a:t>Telling classmates, teachers, coworkers about our PowerPoint Templates.</a:t>
-            </a:r>
-          </a:p>
-          <a:p>
-            <a:pPr marL="457200" indent="-457200">
-              <a:buAutoNum type="arabicParenR"/>
-            </a:pPr>
-            <a:r>
-              <a:rPr lang="en-US" sz="2000" dirty="0" smtClean="0"/>
-              <a:t>Placing one of our banners on your website, blog, etc.</a:t>
-            </a:r>
-            <a:endParaRPr lang="en-US" sz="2000" dirty="0"/>
-          </a:p>
-          <a:p>
-            <a:pPr marL="0" indent="0">
-              <a:buNone/>
-            </a:pPr>
-            <a:r>
-              <a:rPr lang="en-US" sz="2000" dirty="0" smtClean="0"/>
-              <a:t>Note: If you click the “site pages” menu on our website (http://sage-fox.com), you will see a “link to us” page, which contains various banners and codes for you to easily insert text or image links into forums, websites, etc.</a:t>
-            </a:r>
-          </a:p>
-          <a:p>
-            <a:pPr marL="0" indent="0">
-              <a:buNone/>
-            </a:pPr>
-            <a:endParaRPr lang="en-US" sz="2000" dirty="0" smtClean="0"/>
-          </a:p>
-        </p:txBody>
-      </p:sp>
-      <p:sp>
-        <p:nvSpPr>
-          <p:cNvPr id="7" name="TextBox 6"/>
-          <p:cNvSpPr txBox="1"/>
-          <p:nvPr/>
-        </p:nvSpPr>
-        <p:spPr>
-          <a:xfrm>
-            <a:off x="11731397" y="6704111"/>
-            <a:ext cx="329610" cy="107722"/>
-          </a:xfrm>
-          <a:prstGeom prst="rect">
-            <a:avLst/>
-          </a:prstGeom>
-          <a:noFill/>
-        </p:spPr>
-        <p:txBody>
-          <a:bodyPr wrap="square" rtlCol="0">
-            <a:spAutoFit/>
-          </a:bodyPr>
-          <a:lstStyle/>
-          <a:p>
-            <a:r>
-              <a:rPr lang="en-US" sz="100" dirty="0" smtClean="0">
-                <a:solidFill>
-                  <a:schemeClr val="bg1">
-                    <a:lumMod val="75000"/>
-                  </a:schemeClr>
-                </a:solidFill>
-                <a:hlinkClick r:id="rId2"/>
-              </a:rPr>
-              <a:t>Free PowerPoint Templates</a:t>
-            </a:r>
-            <a:endParaRPr lang="en-US" sz="100" dirty="0">
-              <a:solidFill>
-                <a:schemeClr val="bg1">
-                  <a:lumMod val="75000"/>
-                </a:schemeClr>
-              </a:solidFill>
-            </a:endParaRPr>
-          </a:p>
-        </p:txBody>
-      </p:sp>
-    </p:spTree>
-    <p:extLst>
-      <p:ext uri="{BB962C8B-B14F-4D97-AF65-F5344CB8AC3E}">
-        <p14:creationId xmlns:p14="http://schemas.microsoft.com/office/powerpoint/2010/main" val="1600223639"/>
-      </p:ext>
-    </p:extLst>
-  </p:cSld>
-  <p:clrMapOvr>
-    <a:masterClrMapping/>
-  </p:clrMapOvr>
-  <p:timing>
-    <p:tnLst>
-      <p:par>
-        <p:cTn id="1" dur="indefinite" restart="never" nodeType="tmRoot"/>
-      </p:par>
-    </p:tnLst>
-  </p:timing>
-</p:sld>
-</file>
-
-<file path=ppt/slides/slide21.xml><?xml version="1.0" encoding="utf-8"?>
-<p:sld xmlns:a="http://schemas.openxmlformats.org/drawingml/2006/main" xmlns:r="http://schemas.openxmlformats.org/officeDocument/2006/relationships" xmlns:p="http://schemas.openxmlformats.org/presentationml/2006/main">
-  <p:cSld>
-    <p:bg>
-      <p:bgPr>
-        <a:solidFill>
-          <a:srgbClr val="444444"/>
-        </a:solidFill>
-        <a:effectLst/>
-      </p:bgPr>
-    </p:bg>
-    <p:spTree>
-      <p:nvGrpSpPr>
-        <p:cNvPr id="1" name=""/>
-        <p:cNvGrpSpPr/>
-        <p:nvPr/>
-      </p:nvGrpSpPr>
-      <p:grpSpPr>
-        <a:xfrm>
-          <a:off x="0" y="0"/>
-          <a:ext cx="0" cy="0"/>
-          <a:chOff x="0" y="0"/>
-          <a:chExt cx="0" cy="0"/>
-        </a:xfrm>
-      </p:grpSpPr>
-      <p:sp>
-        <p:nvSpPr>
-          <p:cNvPr id="2" name="Title 1"/>
-          <p:cNvSpPr>
-            <a:spLocks noGrp="1"/>
-          </p:cNvSpPr>
-          <p:nvPr>
-            <p:ph type="title"/>
-          </p:nvPr>
-        </p:nvSpPr>
-        <p:spPr>
-          <a:xfrm>
-            <a:off x="3482000" y="366452"/>
-            <a:ext cx="5227998" cy="712904"/>
-          </a:xfrm>
-        </p:spPr>
-        <p:txBody>
-          <a:bodyPr/>
-          <a:lstStyle/>
-          <a:p>
-            <a:pPr algn="ctr"/>
-            <a:r>
-              <a:rPr lang="en-US" dirty="0">
-                <a:solidFill>
-                  <a:srgbClr val="FFFF00"/>
-                </a:solidFill>
-              </a:rPr>
-              <a:t>Copyright </a:t>
-            </a:r>
-            <a:r>
-              <a:rPr lang="en-US" dirty="0" smtClean="0">
-                <a:solidFill>
-                  <a:srgbClr val="FFFF00"/>
-                </a:solidFill>
-              </a:rPr>
-              <a:t>Notice</a:t>
-            </a:r>
-            <a:endParaRPr lang="en-US" dirty="0">
-              <a:solidFill>
-                <a:srgbClr val="FFFF00"/>
-              </a:solidFill>
-            </a:endParaRPr>
-          </a:p>
-        </p:txBody>
-      </p:sp>
-      <p:sp>
-        <p:nvSpPr>
-          <p:cNvPr id="3" name="Content Placeholder 2"/>
-          <p:cNvSpPr>
-            <a:spLocks noGrp="1"/>
-          </p:cNvSpPr>
-          <p:nvPr>
-            <p:ph idx="1"/>
-          </p:nvPr>
-        </p:nvSpPr>
-        <p:spPr>
-          <a:xfrm>
-            <a:off x="0" y="2830286"/>
-            <a:ext cx="12192000" cy="4027713"/>
-          </a:xfrm>
-          <a:solidFill>
-            <a:schemeClr val="bg1">
-              <a:lumMod val="85000"/>
-              <a:alpha val="90000"/>
-            </a:schemeClr>
-          </a:solidFill>
-        </p:spPr>
-        <p:txBody>
-          <a:bodyPr>
-            <a:normAutofit/>
-          </a:bodyPr>
-          <a:lstStyle/>
-          <a:p>
-            <a:pPr marL="0" indent="0">
-              <a:buNone/>
-            </a:pPr>
-            <a:r>
-              <a:rPr lang="en-US" sz="2400" b="1" dirty="0" smtClean="0"/>
-              <a:t>Allowed Actions:</a:t>
-            </a:r>
-          </a:p>
-          <a:p>
-            <a:pPr marL="0" indent="0">
-              <a:buNone/>
-            </a:pPr>
-            <a:r>
-              <a:rPr lang="en-US" sz="1600" dirty="0" smtClean="0"/>
-              <a:t>You are free to use for school, personal or business presentations. Just delete this slide and edit or delete other slides to fit your needs. No fees, no royalties, just free PowerPoint Templates for you to use as you wish.</a:t>
-            </a:r>
-          </a:p>
-          <a:p>
-            <a:pPr marL="0" indent="0">
-              <a:buNone/>
-            </a:pPr>
-            <a:r>
-              <a:rPr lang="en-US" sz="2400" b="1" dirty="0" smtClean="0"/>
-              <a:t>Not Allowed:</a:t>
-            </a:r>
-            <a:endParaRPr lang="en-US" sz="2400" b="1" dirty="0"/>
-          </a:p>
-          <a:p>
-            <a:pPr marL="0" indent="0">
-              <a:buNone/>
-            </a:pPr>
-            <a:r>
-              <a:rPr lang="en-US" sz="1600" dirty="0" smtClean="0"/>
-              <a:t>You are not authorized to redistribute in any manner. Even if you edit this document, it will still contain our hidden copyright watermark. As long as any product contains our hidden watermark, it is considered our intellectual property, with full protections under the law. If you are an educator, you are free to download and provide to your class as needed. </a:t>
-            </a:r>
-          </a:p>
-          <a:p>
-            <a:pPr marL="0" indent="0">
-              <a:buNone/>
-            </a:pPr>
-            <a:r>
-              <a:rPr lang="en-US" sz="2400" b="1" dirty="0" smtClean="0"/>
-              <a:t>Image </a:t>
-            </a:r>
-            <a:r>
-              <a:rPr lang="en-US" sz="2400" b="1" dirty="0"/>
-              <a:t>Usage Rights:</a:t>
-            </a:r>
-          </a:p>
-          <a:p>
-            <a:pPr marL="0" indent="0">
-              <a:buNone/>
-            </a:pPr>
-            <a:r>
-              <a:rPr lang="en-US" sz="1700" dirty="0"/>
-              <a:t>Most of our images are licensed through </a:t>
-            </a:r>
-            <a:r>
-              <a:rPr lang="en-US" sz="1700" dirty="0" smtClean="0"/>
-              <a:t>Shutterstock, </a:t>
-            </a:r>
-            <a:r>
-              <a:rPr lang="en-US" sz="1700" dirty="0"/>
-              <a:t>for use within our PowerPoint Templates only. You are free to modify and transfer photos between our templates, but use outside our templates could constitute a copyright violation. By providing these PowerPoint Templates to you, we are not transferring any of our licensing of images to be used outside these templates.</a:t>
-            </a:r>
-          </a:p>
-          <a:p>
-            <a:pPr marL="0" indent="0">
-              <a:buNone/>
-            </a:pPr>
-            <a:endParaRPr lang="en-US" sz="2000" dirty="0"/>
-          </a:p>
-        </p:txBody>
-      </p:sp>
-      <p:sp>
-        <p:nvSpPr>
-          <p:cNvPr id="5" name="TextBox 4"/>
-          <p:cNvSpPr txBox="1"/>
-          <p:nvPr/>
-        </p:nvSpPr>
-        <p:spPr>
-          <a:xfrm>
-            <a:off x="3913433" y="1197770"/>
-            <a:ext cx="4365133" cy="461665"/>
-          </a:xfrm>
-          <a:prstGeom prst="rect">
-            <a:avLst/>
-          </a:prstGeom>
-          <a:solidFill>
-            <a:srgbClr val="FF0000"/>
-          </a:solidFill>
-          <a:ln w="12700">
-            <a:solidFill>
-              <a:schemeClr val="tx1"/>
-            </a:solidFill>
-          </a:ln>
-        </p:spPr>
-        <p:txBody>
-          <a:bodyPr wrap="square" rtlCol="0">
-            <a:spAutoFit/>
-          </a:bodyPr>
-          <a:lstStyle/>
-          <a:p>
-            <a:pPr algn="ctr"/>
-            <a:r>
-              <a:rPr lang="en-US" sz="2400" dirty="0"/>
-              <a:t>© 2015-2016 sage-fox.com</a:t>
-            </a:r>
-          </a:p>
-        </p:txBody>
-      </p:sp>
-      <p:sp>
-        <p:nvSpPr>
-          <p:cNvPr id="4" name="TextBox 3"/>
-          <p:cNvSpPr txBox="1"/>
-          <p:nvPr/>
-        </p:nvSpPr>
-        <p:spPr>
-          <a:xfrm>
-            <a:off x="0" y="2008682"/>
-            <a:ext cx="12192000" cy="584775"/>
-          </a:xfrm>
-          <a:prstGeom prst="rect">
-            <a:avLst/>
-          </a:prstGeom>
-          <a:solidFill>
-            <a:schemeClr val="bg1"/>
-          </a:solidFill>
-        </p:spPr>
-        <p:txBody>
-          <a:bodyPr wrap="square" rtlCol="0">
-            <a:spAutoFit/>
-          </a:bodyPr>
-          <a:lstStyle/>
-          <a:p>
-            <a:pPr algn="ctr"/>
-            <a:r>
-              <a:rPr lang="en-US" sz="3200" dirty="0" smtClean="0"/>
-              <a:t>Delete This Slide. This is allowed usage information only.</a:t>
-            </a:r>
-          </a:p>
-        </p:txBody>
-      </p:sp>
-      <p:sp>
-        <p:nvSpPr>
-          <p:cNvPr id="7" name="TextBox 6"/>
-          <p:cNvSpPr txBox="1"/>
-          <p:nvPr/>
-        </p:nvSpPr>
-        <p:spPr>
-          <a:xfrm>
-            <a:off x="11731397" y="6704111"/>
-            <a:ext cx="329610" cy="107722"/>
-          </a:xfrm>
-          <a:prstGeom prst="rect">
-            <a:avLst/>
-          </a:prstGeom>
-          <a:noFill/>
-        </p:spPr>
-        <p:txBody>
-          <a:bodyPr wrap="square" rtlCol="0">
-            <a:spAutoFit/>
-          </a:bodyPr>
-          <a:lstStyle/>
-          <a:p>
-            <a:r>
-              <a:rPr lang="en-US" sz="100" dirty="0" smtClean="0">
-                <a:solidFill>
-                  <a:schemeClr val="bg1">
-                    <a:lumMod val="75000"/>
-                  </a:schemeClr>
-                </a:solidFill>
-                <a:hlinkClick r:id="rId2"/>
-              </a:rPr>
-              <a:t>Free PowerPoint Templates</a:t>
-            </a:r>
-            <a:endParaRPr lang="en-US" sz="100" dirty="0">
-              <a:solidFill>
-                <a:schemeClr val="bg1">
-                  <a:lumMod val="75000"/>
-                </a:schemeClr>
-              </a:solidFill>
-            </a:endParaRPr>
-          </a:p>
-        </p:txBody>
-      </p:sp>
-    </p:spTree>
-    <p:extLst>
-      <p:ext uri="{BB962C8B-B14F-4D97-AF65-F5344CB8AC3E}">
-        <p14:creationId xmlns:p14="http://schemas.microsoft.com/office/powerpoint/2010/main" val="1919190527"/>
-      </p:ext>
-    </p:extLst>
-  </p:cSld>
-  <p:clrMapOvr>
-    <a:masterClrMapping/>
-  </p:clrMapOvr>
-  <p:timing>
-    <p:tnLst>
-      <p:par>
-        <p:cTn id="1" dur="indefinite" restart="never" nodeType="tmRoot"/>
+        <p:cTn xmlns:p14="http://schemas.microsoft.com/office/powerpoint/2010/main" id="1" dur="indefinite" restart="never" nodeType="tmRoot"/>
       </p:par>
     </p:tnLst>
   </p:timing>
@@ -15380,7 +14378,7 @@
   <p:timing>
     <p:tnLst>
       <p:par>
-        <p:cTn id="1" dur="indefinite" restart="never" nodeType="tmRoot"/>
+        <p:cTn xmlns:p14="http://schemas.microsoft.com/office/powerpoint/2010/main" id="1" dur="indefinite" restart="never" nodeType="tmRoot"/>
       </p:par>
     </p:tnLst>
   </p:timing>
@@ -15426,7 +14424,7 @@
         </p:nvSpPr>
         <p:spPr>
           <a:xfrm>
-            <a:off x="-2" y="0"/>
+            <a:off x="0" y="0"/>
             <a:ext cx="12192000" cy="6858000"/>
           </a:xfrm>
           <a:prstGeom prst="rect">
@@ -15570,7 +14568,7 @@
         </p:nvSpPr>
         <p:spPr>
           <a:xfrm>
-            <a:off x="-1" y="1378414"/>
+            <a:off x="-36286" y="1432842"/>
             <a:ext cx="3657600" cy="1109116"/>
           </a:xfrm>
           <a:prstGeom prst="homePlate">
@@ -16225,47 +15223,6 @@
           <a:xfrm>
             <a:off x="6687265" y="1532168"/>
             <a:ext cx="5373742" cy="830997"/>
-          </a:xfrm>
-          <a:prstGeom prst="rect">
-            <a:avLst/>
-          </a:prstGeom>
-          <a:noFill/>
-        </p:spPr>
-        <p:txBody>
-          <a:bodyPr wrap="square" rtlCol="0">
-            <a:spAutoFit/>
-          </a:bodyPr>
-          <a:lstStyle/>
-          <a:p>
-            <a:r>
-              <a:rPr lang="en-US" sz="2400" dirty="0">
-                <a:solidFill>
-                  <a:schemeClr val="bg1"/>
-                </a:solidFill>
-                <a:latin typeface="+mj-lt"/>
-              </a:rPr>
-              <a:t>Lorem ipsum dolor sit amet, urna scelerisque</a:t>
-            </a:r>
-            <a:endParaRPr lang="en-US" sz="2400" dirty="0">
-              <a:solidFill>
-                <a:schemeClr val="bg1"/>
-              </a:solidFill>
-              <a:latin typeface="+mj-lt"/>
-              <a:cs typeface="Browallia New" panose="020B0604020202020204" pitchFamily="34" charset="-34"/>
-            </a:endParaRPr>
-          </a:p>
-        </p:txBody>
-      </p:sp>
-      <p:sp>
-        <p:nvSpPr>
-          <p:cNvPr id="51" name="TextBox 50"/>
-          <p:cNvSpPr txBox="1"/>
-          <p:nvPr/>
-        </p:nvSpPr>
-        <p:spPr>
-          <a:xfrm>
-            <a:off x="9058832" y="5189235"/>
-            <a:ext cx="3049774" cy="830997"/>
           </a:xfrm>
           <a:prstGeom prst="rect">
             <a:avLst/>
@@ -16577,6 +15534,50 @@
               <a:t>4</a:t>
             </a:r>
             <a:endParaRPr lang="en-US" sz="3000" dirty="0">
+              <a:cs typeface="Browallia New" panose="020B0604020202020204" pitchFamily="34" charset="-34"/>
+            </a:endParaRPr>
+          </a:p>
+        </p:txBody>
+      </p:sp>
+      <p:sp>
+        <p:nvSpPr>
+          <p:cNvPr id="32" name="TextBox 31"/>
+          <p:cNvSpPr txBox="1"/>
+          <p:nvPr/>
+        </p:nvSpPr>
+        <p:spPr>
+          <a:xfrm>
+            <a:off x="3973285" y="707572"/>
+            <a:ext cx="5261429" cy="707886"/>
+          </a:xfrm>
+          <a:prstGeom prst="rect">
+            <a:avLst/>
+          </a:prstGeom>
+          <a:solidFill>
+            <a:schemeClr val="accent1">
+              <a:alpha val="30000"/>
+            </a:schemeClr>
+          </a:solidFill>
+        </p:spPr>
+        <p:txBody>
+          <a:bodyPr wrap="square" rtlCol="0">
+            <a:spAutoFit/>
+          </a:bodyPr>
+          <a:lstStyle/>
+          <a:p>
+            <a:pPr algn="ctr"/>
+            <a:r>
+              <a:rPr lang="en-US" sz="4000" dirty="0" smtClean="0">
+                <a:solidFill>
+                  <a:schemeClr val="bg1"/>
+                </a:solidFill>
+              </a:rPr>
+              <a:t>Questions</a:t>
+            </a:r>
+            <a:endParaRPr lang="en-US" sz="4000" dirty="0">
+              <a:solidFill>
+                <a:schemeClr val="bg1"/>
+              </a:solidFill>
               <a:cs typeface="Browallia New" panose="020B0604020202020204" pitchFamily="34" charset="-34"/>
             </a:endParaRPr>
           </a:p>
@@ -16607,7 +15608,7 @@
   <p:timing>
     <p:tnLst>
       <p:par>
-        <p:cTn id="1" dur="indefinite" restart="never" nodeType="tmRoot"/>
+        <p:cTn xmlns:p14="http://schemas.microsoft.com/office/powerpoint/2010/main" id="1" dur="indefinite" restart="never" nodeType="tmRoot"/>
       </p:par>
     </p:tnLst>
   </p:timing>
@@ -16992,52 +15993,6 @@
       </p:sp>
       <p:sp>
         <p:nvSpPr>
-          <p:cNvPr id="43" name="Rounded Rectangle 42"/>
-          <p:cNvSpPr/>
-          <p:nvPr/>
-        </p:nvSpPr>
-        <p:spPr>
-          <a:xfrm>
-            <a:off x="3632687" y="667577"/>
-            <a:ext cx="4034354" cy="950507"/>
-          </a:xfrm>
-          <a:prstGeom prst="roundRect">
-            <a:avLst/>
-          </a:prstGeom>
-          <a:solidFill>
-            <a:schemeClr val="accent1"/>
-          </a:solidFill>
-          <a:ln>
-            <a:noFill/>
-          </a:ln>
-        </p:spPr>
-        <p:style>
-          <a:lnRef idx="2">
-            <a:schemeClr val="accent1">
-              <a:shade val="50000"/>
-            </a:schemeClr>
-          </a:lnRef>
-          <a:fillRef idx="1">
-            <a:schemeClr val="accent1"/>
-          </a:fillRef>
-          <a:effectRef idx="0">
-            <a:schemeClr val="accent1"/>
-          </a:effectRef>
-          <a:fontRef idx="minor">
-            <a:schemeClr val="lt1"/>
-          </a:fontRef>
-        </p:style>
-        <p:txBody>
-          <a:bodyPr rtlCol="0" anchor="ctr"/>
-          <a:lstStyle/>
-          <a:p>
-            <a:pPr algn="ctr"/>
-            <a:endParaRPr lang="en-US"/>
-          </a:p>
-        </p:txBody>
-      </p:sp>
-      <p:sp>
-        <p:nvSpPr>
           <p:cNvPr id="57" name="TextBox 56"/>
           <p:cNvSpPr txBox="1"/>
           <p:nvPr/>
@@ -17069,43 +16024,6 @@
             <a:r>
               <a:rPr lang="en-US" dirty="0"/>
               <a:t>three-dimensional model of real-world location of the circuit, which is in Baku, Azerbaijan. Furthermore, our 3D models include central streets of Baku, modern buildings and old towers of the city.</a:t>
-            </a:r>
-            <a:endParaRPr lang="en-US" sz="2400" dirty="0">
-              <a:latin typeface="+mj-lt"/>
-              <a:cs typeface="Browallia New" panose="020B0604020202020204" pitchFamily="34" charset="-34"/>
-            </a:endParaRPr>
-          </a:p>
-        </p:txBody>
-      </p:sp>
-      <p:sp>
-        <p:nvSpPr>
-          <p:cNvPr id="58" name="TextBox 57"/>
-          <p:cNvSpPr txBox="1"/>
-          <p:nvPr/>
-        </p:nvSpPr>
-        <p:spPr>
-          <a:xfrm>
-            <a:off x="3696589" y="701277"/>
-            <a:ext cx="4109930" cy="461665"/>
-          </a:xfrm>
-          <a:prstGeom prst="rect">
-            <a:avLst/>
-          </a:prstGeom>
-          <a:noFill/>
-        </p:spPr>
-        <p:txBody>
-          <a:bodyPr wrap="square" rtlCol="0">
-            <a:spAutoFit/>
-          </a:bodyPr>
-          <a:lstStyle/>
-          <a:p>
-            <a:r>
-              <a:rPr lang="en-US" sz="2400" dirty="0"/>
-              <a:t>Game </a:t>
-            </a:r>
-            <a:r>
-              <a:rPr lang="en-US" sz="2400" dirty="0" smtClean="0"/>
-              <a:t>Description: Overview</a:t>
             </a:r>
             <a:endParaRPr lang="en-US" sz="2400" dirty="0">
               <a:latin typeface="+mj-lt"/>
@@ -17377,6 +16295,51 @@
             <a:endParaRPr lang="en-US" sz="2400" dirty="0">
               <a:solidFill>
                 <a:schemeClr val="tx1"/>
+              </a:solidFill>
+              <a:cs typeface="Browallia New" panose="020B0604020202020204" pitchFamily="34" charset="-34"/>
+            </a:endParaRPr>
+          </a:p>
+        </p:txBody>
+      </p:sp>
+      <p:sp>
+        <p:nvSpPr>
+          <p:cNvPr id="20" name="TextBox 19"/>
+          <p:cNvSpPr txBox="1"/>
+          <p:nvPr/>
+        </p:nvSpPr>
+        <p:spPr>
+          <a:xfrm>
+            <a:off x="1" y="812306"/>
+            <a:ext cx="12192000" cy="646331"/>
+          </a:xfrm>
+          <a:prstGeom prst="rect">
+            <a:avLst/>
+          </a:prstGeom>
+          <a:solidFill>
+            <a:schemeClr val="accent1">
+              <a:alpha val="30000"/>
+            </a:schemeClr>
+          </a:solidFill>
+        </p:spPr>
+        <p:txBody>
+          <a:bodyPr wrap="square" rtlCol="0">
+            <a:spAutoFit/>
+          </a:bodyPr>
+          <a:lstStyle/>
+          <a:p>
+            <a:pPr algn="ctr"/>
+            <a:r>
+              <a:rPr lang="en-US" sz="3600" dirty="0">
+                <a:solidFill>
+                  <a:schemeClr val="bg1"/>
+                </a:solidFill>
+                <a:cs typeface="Browallia New" panose="020B0604020202020204" pitchFamily="34" charset="-34"/>
+              </a:rPr>
+              <a:t>Game Description: Overview</a:t>
+            </a:r>
+            <a:endParaRPr lang="en-US" sz="3600" dirty="0">
+              <a:solidFill>
+                <a:schemeClr val="bg1"/>
               </a:solidFill>
               <a:cs typeface="Browallia New" panose="020B0604020202020204" pitchFamily="34" charset="-34"/>
             </a:endParaRPr>
@@ -17408,7 +16371,7 @@
   <p:timing>
     <p:tnLst>
       <p:par>
-        <p:cTn id="1" dur="indefinite" restart="never" nodeType="tmRoot"/>
+        <p:cTn xmlns:p14="http://schemas.microsoft.com/office/powerpoint/2010/main" id="1" dur="indefinite" restart="never" nodeType="tmRoot"/>
       </p:par>
     </p:tnLst>
   </p:timing>
@@ -17919,16 +16882,7 @@
                 </a:solidFill>
                 <a:latin typeface="+mj-lt"/>
               </a:rPr>
-              <a:t> </a:t>
-            </a:r>
-            <a:r>
-              <a:rPr lang="en-US" sz="1400" dirty="0" smtClean="0">
-                <a:solidFill>
-                  <a:schemeClr val="bg1"/>
-                </a:solidFill>
-                <a:latin typeface="+mj-lt"/>
-              </a:rPr>
-              <a:t>AI drivers</a:t>
+              <a:t> AI drivers</a:t>
             </a:r>
             <a:endParaRPr lang="en-US" sz="1400" dirty="0">
               <a:solidFill>
@@ -17979,16 +16933,7 @@
                 </a:solidFill>
                 <a:latin typeface="+mj-lt"/>
               </a:rPr>
-              <a:t> </a:t>
-            </a:r>
-            <a:r>
-              <a:rPr lang="en-US" sz="1400" dirty="0" smtClean="0">
-                <a:solidFill>
-                  <a:schemeClr val="bg1"/>
-                </a:solidFill>
-                <a:latin typeface="+mj-lt"/>
-              </a:rPr>
-              <a:t>Cash</a:t>
+              <a:t> Cash</a:t>
             </a:r>
             <a:endParaRPr lang="en-US" sz="1400" dirty="0">
               <a:solidFill>
@@ -18039,16 +16984,7 @@
                 </a:solidFill>
                 <a:latin typeface="+mj-lt"/>
               </a:rPr>
-              <a:t> </a:t>
-            </a:r>
-            <a:r>
-              <a:rPr lang="en-US" sz="1400" dirty="0" smtClean="0">
-                <a:solidFill>
-                  <a:schemeClr val="bg1"/>
-                </a:solidFill>
-                <a:latin typeface="+mj-lt"/>
-              </a:rPr>
-              <a:t>Barriers</a:t>
+              <a:t> Barriers</a:t>
             </a:r>
             <a:endParaRPr lang="en-US" sz="1400" dirty="0">
               <a:solidFill>
@@ -18278,59 +17214,39 @@
       </p:sp>
       <p:sp>
         <p:nvSpPr>
-          <p:cNvPr id="32" name="Rounded Rectangle 31"/>
-          <p:cNvSpPr/>
-          <p:nvPr/>
-        </p:nvSpPr>
-        <p:spPr>
-          <a:xfrm>
-            <a:off x="7527042" y="373983"/>
-            <a:ext cx="3916112" cy="950507"/>
-          </a:xfrm>
-          <a:prstGeom prst="roundRect">
+          <p:cNvPr id="23" name="TextBox 22"/>
+          <p:cNvSpPr txBox="1"/>
+          <p:nvPr/>
+        </p:nvSpPr>
+        <p:spPr>
+          <a:xfrm>
+            <a:off x="5968999" y="308430"/>
+            <a:ext cx="6059714" cy="646331"/>
+          </a:xfrm>
+          <a:prstGeom prst="rect">
             <a:avLst/>
           </a:prstGeom>
           <a:solidFill>
-            <a:schemeClr val="accent1"/>
+            <a:schemeClr val="accent1">
+              <a:alpha val="30000"/>
+            </a:schemeClr>
           </a:solidFill>
-          <a:ln>
-            <a:noFill/>
-          </a:ln>
-        </p:spPr>
-        <p:style>
-          <a:lnRef idx="2">
-            <a:schemeClr val="accent1">
-              <a:shade val="50000"/>
-            </a:schemeClr>
-          </a:lnRef>
-          <a:fillRef idx="1">
-            <a:schemeClr val="accent1"/>
-          </a:fillRef>
-          <a:effectRef idx="0">
-            <a:schemeClr val="accent1"/>
-          </a:effectRef>
-          <a:fontRef idx="minor">
-            <a:schemeClr val="lt1"/>
-          </a:fontRef>
-        </p:style>
-        <p:txBody>
-          <a:bodyPr rtlCol="0" anchor="ctr"/>
+        </p:spPr>
+        <p:txBody>
+          <a:bodyPr wrap="square" rtlCol="0">
+            <a:spAutoFit/>
+          </a:bodyPr>
           <a:lstStyle/>
           <a:p>
             <a:pPr algn="ctr"/>
             <a:r>
-              <a:rPr lang="en-US" sz="2400" dirty="0">
+              <a:rPr lang="en-US" sz="3600" dirty="0">
                 <a:solidFill>
-                  <a:schemeClr val="tx1"/>
+                  <a:srgbClr val="FFFFFF"/>
                 </a:solidFill>
               </a:rPr>
               <a:t>Game Description: The Quest</a:t>
             </a:r>
-            <a:endParaRPr lang="en-US" sz="2400" dirty="0">
-              <a:solidFill>
-                <a:schemeClr val="tx1"/>
-              </a:solidFill>
-            </a:endParaRPr>
           </a:p>
         </p:txBody>
       </p:sp>
@@ -18359,7 +17275,7 @@
   <p:timing>
     <p:tnLst>
       <p:par>
-        <p:cTn id="1" dur="indefinite" restart="never" nodeType="tmRoot"/>
+        <p:cTn xmlns:p14="http://schemas.microsoft.com/office/powerpoint/2010/main" id="1" dur="indefinite" restart="never" nodeType="tmRoot"/>
       </p:par>
     </p:tnLst>
   </p:timing>
@@ -18973,8 +17889,49 @@
           <a:prstGeom prst="rect">
             <a:avLst/>
           </a:prstGeom>
+          <a:scene3d>
+            <a:camera prst="perspectiveBelow"/>
+            <a:lightRig rig="threePt" dir="t"/>
+          </a:scene3d>
         </p:spPr>
       </p:pic>
+      <p:cxnSp>
+        <p:nvCxnSpPr>
+          <p:cNvPr id="18" name="Straight Connector 17"/>
+          <p:cNvCxnSpPr>
+            <a:endCxn id="55" idx="1"/>
+          </p:cNvCxnSpPr>
+          <p:nvPr/>
+        </p:nvCxnSpPr>
+        <p:spPr>
+          <a:xfrm flipV="1">
+            <a:off x="3312886" y="3811023"/>
+            <a:ext cx="1802617" cy="1763196"/>
+          </a:xfrm>
+          <a:prstGeom prst="line">
+            <a:avLst/>
+          </a:prstGeom>
+          <a:ln>
+            <a:solidFill>
+              <a:schemeClr val="bg1"/>
+            </a:solidFill>
+          </a:ln>
+        </p:spPr>
+        <p:style>
+          <a:lnRef idx="1">
+            <a:schemeClr val="accent1"/>
+          </a:lnRef>
+          <a:fillRef idx="0">
+            <a:schemeClr val="accent1"/>
+          </a:fillRef>
+          <a:effectRef idx="0">
+            <a:schemeClr val="accent1"/>
+          </a:effectRef>
+          <a:fontRef idx="minor">
+            <a:schemeClr val="tx1"/>
+          </a:fontRef>
+        </p:style>
+      </p:cxnSp>
     </p:spTree>
     <p:extLst>
       <p:ext uri="{BB962C8B-B14F-4D97-AF65-F5344CB8AC3E}">
@@ -19000,7 +17957,7 @@
   <p:timing>
     <p:tnLst>
       <p:par>
-        <p:cTn id="1" dur="indefinite" restart="never" nodeType="tmRoot"/>
+        <p:cTn xmlns:p14="http://schemas.microsoft.com/office/powerpoint/2010/main" id="1" dur="indefinite" restart="never" nodeType="tmRoot"/>
       </p:par>
     </p:tnLst>
   </p:timing>
@@ -19231,7 +18188,6 @@
               <a:rPr lang="en-US" sz="3500" dirty="0"/>
               <a:t>Opponents</a:t>
             </a:r>
-            <a:endParaRPr lang="en-US" sz="3500" dirty="0"/>
           </a:p>
         </p:txBody>
       </p:sp>
@@ -19431,6 +18387,10 @@
           <a:prstGeom prst="rect">
             <a:avLst/>
           </a:prstGeom>
+          <a:scene3d>
+            <a:camera prst="perspectiveContrastingRightFacing"/>
+            <a:lightRig rig="threePt" dir="t"/>
+          </a:scene3d>
         </p:spPr>
       </p:pic>
       <p:pic>
@@ -19455,7 +18415,27 @@
           <a:prstGeom prst="rect">
             <a:avLst/>
           </a:prstGeom>
-        </p:spPr>
+          <a:scene3d>
+            <a:camera prst="perspectiveContrastingLeftFacing"/>
+            <a:lightRig rig="threePt" dir="t"/>
+          </a:scene3d>
+        </p:spPr>
+        <p:style>
+          <a:lnRef idx="2">
+            <a:schemeClr val="dk1">
+              <a:shade val="50000"/>
+            </a:schemeClr>
+          </a:lnRef>
+          <a:fillRef idx="1">
+            <a:schemeClr val="dk1"/>
+          </a:fillRef>
+          <a:effectRef idx="0">
+            <a:schemeClr val="dk1"/>
+          </a:effectRef>
+          <a:fontRef idx="minor">
+            <a:schemeClr val="lt1"/>
+          </a:fontRef>
+        </p:style>
       </p:pic>
     </p:spTree>
     <p:extLst>
@@ -19482,7 +18462,7 @@
   <p:timing>
     <p:tnLst>
       <p:par>
-        <p:cTn id="1" dur="indefinite" restart="never" nodeType="tmRoot"/>
+        <p:cTn xmlns:p14="http://schemas.microsoft.com/office/powerpoint/2010/main" id="1" dur="indefinite" restart="never" nodeType="tmRoot"/>
       </p:par>
     </p:tnLst>
   </p:timing>
@@ -20122,7 +19102,7 @@
   <p:timing>
     <p:tnLst>
       <p:par>
-        <p:cTn id="1" dur="indefinite" restart="never" nodeType="tmRoot"/>
+        <p:cTn xmlns:p14="http://schemas.microsoft.com/office/powerpoint/2010/main" id="1" dur="indefinite" restart="never" nodeType="tmRoot"/>
       </p:par>
     </p:tnLst>
   </p:timing>
@@ -20172,7 +19152,7 @@
     </a:clrScheme>
     <a:fontScheme name="Office">
       <a:majorFont>
-        <a:latin typeface="Calibri Light" panose="020F0302020204030204"/>
+        <a:latin typeface="Calibri Light"/>
         <a:ea typeface=""/>
         <a:cs typeface=""/>
         <a:font script="Jpan" typeface="ＭＳ Ｐゴシック"/>
@@ -20207,7 +19187,7 @@
         <a:font script="Geor" typeface="Sylfaen"/>
       </a:majorFont>
       <a:minorFont>
-        <a:latin typeface="Calibri" panose="020F0502020204030204"/>
+        <a:latin typeface="Calibri"/>
         <a:ea typeface=""/>
         <a:cs typeface=""/>
         <a:font script="Jpan" typeface="ＭＳ Ｐゴシック"/>
@@ -20384,7 +19364,7 @@
   <a:extraClrSchemeLst/>
   <a:extLst>
     <a:ext uri="{05A4C25C-085E-4340-85A3-A5531E510DB2}">
-      <thm15:themeFamily xmlns:thm15="http://schemas.microsoft.com/office/thememl/2012/main" name="Office Theme" id="{62F939B6-93AF-4DB8-9C6B-D6C7DFDC589F}" vid="{4A3C46E8-61CC-4603-A589-7422A47A8E4A}"/>
+      <thm15:themeFamily xmlns:thm15="http://schemas.microsoft.com/office/thememl/2012/main" xmlns="" name="Office Theme" id="{62F939B6-93AF-4DB8-9C6B-D6C7DFDC589F}" vid="{4A3C46E8-61CC-4603-A589-7422A47A8E4A}"/>
     </a:ext>
   </a:extLst>
 </a:theme>
@@ -20433,7 +19413,7 @@
     </a:clrScheme>
     <a:fontScheme name="Office">
       <a:majorFont>
-        <a:latin typeface="Calibri Light" panose="020F0302020204030204"/>
+        <a:latin typeface="Calibri Light"/>
         <a:ea typeface=""/>
         <a:cs typeface=""/>
         <a:font script="Jpan" typeface="ＭＳ Ｐゴシック"/>
@@ -20468,7 +19448,7 @@
         <a:font script="Geor" typeface="Sylfaen"/>
       </a:majorFont>
       <a:minorFont>
-        <a:latin typeface="Calibri" panose="020F0502020204030204"/>
+        <a:latin typeface="Calibri"/>
         <a:ea typeface=""/>
         <a:cs typeface=""/>
         <a:font script="Jpan" typeface="ＭＳ Ｐゴシック"/>
@@ -20645,7 +19625,7 @@
   <a:extraClrSchemeLst/>
   <a:extLst>
     <a:ext uri="{05A4C25C-085E-4340-85A3-A5531E510DB2}">
-      <thm15:themeFamily xmlns:thm15="http://schemas.microsoft.com/office/thememl/2012/main" name="Office Theme" id="{62F939B6-93AF-4DB8-9C6B-D6C7DFDC589F}" vid="{4A3C46E8-61CC-4603-A589-7422A47A8E4A}"/>
+      <thm15:themeFamily xmlns:thm15="http://schemas.microsoft.com/office/thememl/2012/main" xmlns="" name="Office Theme" id="{62F939B6-93AF-4DB8-9C6B-D6C7DFDC589F}" vid="{4A3C46E8-61CC-4603-A589-7422A47A8E4A}"/>
     </a:ext>
   </a:extLst>
 </a:theme>

--- a/CSCI4836-HW04-Presentation.pptx
+++ b/CSCI4836-HW04-Presentation.pptx
@@ -125,7 +125,7 @@
   </p:defaultTextStyle>
   <p:extLst>
     <p:ext uri="{EFAFB233-063F-42B5-8137-9DF3F51BA10A}">
-      <p15:sldGuideLst xmlns:p15="http://schemas.microsoft.com/office/powerpoint/2012/main" xmlns=""/>
+      <p15:sldGuideLst xmlns="" xmlns:p15="http://schemas.microsoft.com/office/powerpoint/2012/main"/>
     </p:ext>
   </p:extLst>
 </p:presentation>
@@ -670,11 +670,11 @@
         </c:dLbls>
         <c:gapWidth val="100"/>
         <c:overlap val="-24"/>
-        <c:axId val="-2138555416"/>
-        <c:axId val="-2138551768"/>
+        <c:axId val="2142178776"/>
+        <c:axId val="-2133219496"/>
       </c:barChart>
       <c:catAx>
-        <c:axId val="-2138555416"/>
+        <c:axId val="2142178776"/>
         <c:scaling>
           <c:orientation val="minMax"/>
         </c:scaling>
@@ -717,7 +717,7 @@
             <a:endParaRPr lang="en-US"/>
           </a:p>
         </c:txPr>
-        <c:crossAx val="-2138551768"/>
+        <c:crossAx val="-2133219496"/>
         <c:crosses val="autoZero"/>
         <c:auto val="1"/>
         <c:lblAlgn val="ctr"/>
@@ -725,7 +725,7 @@
         <c:noMultiLvlLbl val="0"/>
       </c:catAx>
       <c:valAx>
-        <c:axId val="-2138551768"/>
+        <c:axId val="-2133219496"/>
         <c:scaling>
           <c:orientation val="minMax"/>
         </c:scaling>
@@ -776,7 +776,7 @@
             <a:endParaRPr lang="en-US"/>
           </a:p>
         </c:txPr>
-        <c:crossAx val="-2138555416"/>
+        <c:crossAx val="2142178776"/>
         <c:crosses val="autoZero"/>
         <c:crossBetween val="between"/>
       </c:valAx>
@@ -12116,21 +12116,21 @@
                 <a:gridCol w="2216295">
                   <a:extLst>
                     <a:ext uri="{9D8B030D-6E8A-4147-A177-3AD203B41FA5}">
-                      <a16:colId xmlns:a16="http://schemas.microsoft.com/office/drawing/2014/main" xmlns="" val="20000"/>
+                      <a16:colId xmlns="" xmlns:a16="http://schemas.microsoft.com/office/drawing/2014/main" val="20000"/>
                     </a:ext>
                   </a:extLst>
                 </a:gridCol>
                 <a:gridCol w="4640766">
                   <a:extLst>
                     <a:ext uri="{9D8B030D-6E8A-4147-A177-3AD203B41FA5}">
-                      <a16:colId xmlns:a16="http://schemas.microsoft.com/office/drawing/2014/main" xmlns="" val="20001"/>
+                      <a16:colId xmlns="" xmlns:a16="http://schemas.microsoft.com/office/drawing/2014/main" val="20001"/>
                     </a:ext>
                   </a:extLst>
                 </a:gridCol>
                 <a:gridCol w="2243330">
                   <a:extLst>
                     <a:ext uri="{9D8B030D-6E8A-4147-A177-3AD203B41FA5}">
-                      <a16:colId xmlns:a16="http://schemas.microsoft.com/office/drawing/2014/main" xmlns="" val="20002"/>
+                      <a16:colId xmlns="" xmlns:a16="http://schemas.microsoft.com/office/drawing/2014/main" val="20002"/>
                     </a:ext>
                   </a:extLst>
                 </a:gridCol>
@@ -12317,7 +12317,7 @@
                 </a:tc>
                 <a:extLst>
                   <a:ext uri="{0D108BD9-81ED-4DB2-BD59-A6C34878D82A}">
-                    <a16:rowId xmlns:a16="http://schemas.microsoft.com/office/drawing/2014/main" xmlns="" val="10000"/>
+                    <a16:rowId xmlns="" xmlns:a16="http://schemas.microsoft.com/office/drawing/2014/main" val="10000"/>
                   </a:ext>
                 </a:extLst>
               </a:tr>
@@ -12600,7 +12600,7 @@
                 </a:tc>
                 <a:extLst>
                   <a:ext uri="{0D108BD9-81ED-4DB2-BD59-A6C34878D82A}">
-                    <a16:rowId xmlns:a16="http://schemas.microsoft.com/office/drawing/2014/main" xmlns="" val="10001"/>
+                    <a16:rowId xmlns="" xmlns:a16="http://schemas.microsoft.com/office/drawing/2014/main" val="10001"/>
                   </a:ext>
                 </a:extLst>
               </a:tr>
@@ -12859,7 +12859,7 @@
                 </a:tc>
                 <a:extLst>
                   <a:ext uri="{0D108BD9-81ED-4DB2-BD59-A6C34878D82A}">
-                    <a16:rowId xmlns:a16="http://schemas.microsoft.com/office/drawing/2014/main" xmlns="" val="10002"/>
+                    <a16:rowId xmlns="" xmlns:a16="http://schemas.microsoft.com/office/drawing/2014/main" val="10002"/>
                   </a:ext>
                 </a:extLst>
               </a:tr>
@@ -13070,7 +13070,7 @@
                 </a:tc>
                 <a:extLst>
                   <a:ext uri="{0D108BD9-81ED-4DB2-BD59-A6C34878D82A}">
-                    <a16:rowId xmlns:a16="http://schemas.microsoft.com/office/drawing/2014/main" xmlns="" val="10003"/>
+                    <a16:rowId xmlns="" xmlns:a16="http://schemas.microsoft.com/office/drawing/2014/main" val="10003"/>
                   </a:ext>
                 </a:extLst>
               </a:tr>
@@ -13294,7 +13294,7 @@
                 </a:tc>
                 <a:extLst>
                   <a:ext uri="{0D108BD9-81ED-4DB2-BD59-A6C34878D82A}">
-                    <a16:rowId xmlns:a16="http://schemas.microsoft.com/office/drawing/2014/main" xmlns="" val="10004"/>
+                    <a16:rowId xmlns="" xmlns:a16="http://schemas.microsoft.com/office/drawing/2014/main" val="10004"/>
                   </a:ext>
                 </a:extLst>
               </a:tr>
@@ -14472,8 +14472,8 @@
         </p:nvSpPr>
         <p:spPr>
           <a:xfrm>
-            <a:off x="3061323" y="1380744"/>
-            <a:ext cx="3242267" cy="1109116"/>
+            <a:off x="3061324" y="1453315"/>
+            <a:ext cx="3234248" cy="1014114"/>
           </a:xfrm>
           <a:prstGeom prst="rect">
             <a:avLst/>
@@ -14710,8 +14710,8 @@
         </p:nvSpPr>
         <p:spPr>
           <a:xfrm>
-            <a:off x="4017666" y="2597571"/>
-            <a:ext cx="3242267" cy="1109116"/>
+            <a:off x="4017666" y="2630713"/>
+            <a:ext cx="3242267" cy="1075973"/>
           </a:xfrm>
           <a:prstGeom prst="rect">
             <a:avLst/>
@@ -14975,7 +14975,7 @@
           <a:lstStyle/>
           <a:p>
             <a:pPr algn="ctr"/>
-            <a:endParaRPr lang="en-US"/>
+            <a:endParaRPr lang="en-US" dirty="0"/>
           </a:p>
         </p:txBody>
       </p:sp>
@@ -15071,7 +15071,7 @@
           <a:lstStyle/>
           <a:p>
             <a:pPr algn="ctr"/>
-            <a:endParaRPr lang="en-US"/>
+            <a:endParaRPr lang="en-US" dirty="0"/>
           </a:p>
         </p:txBody>
       </p:sp>
@@ -15155,7 +15155,7 @@
         <p:spPr>
           <a:xfrm>
             <a:off x="-425309" y="3843010"/>
-            <a:ext cx="5563363" cy="769441"/>
+            <a:ext cx="5563363" cy="1015663"/>
           </a:xfrm>
           <a:prstGeom prst="rect">
             <a:avLst/>
@@ -15168,10 +15168,12 @@
           </a:bodyPr>
           <a:lstStyle/>
           <a:p>
-            <a:pPr lvl="1"/>
-            <a:r>
-              <a:rPr lang="en-US" sz="2200" dirty="0"/>
-              <a:t>How well (or not) it worked? Which Unity functionality was used?</a:t>
+            <a:pPr lvl="1">
+              <a:defRPr/>
+            </a:pPr>
+            <a:r>
+              <a:rPr lang="en-US" sz="2000" dirty="0"/>
+              <a:t>What you thought would be easy that turned out hard or thought would be hard that turned out easy?</a:t>
             </a:r>
           </a:p>
         </p:txBody>
@@ -15222,7 +15224,7 @@
         <p:spPr>
           <a:xfrm>
             <a:off x="6687265" y="1532168"/>
-            <a:ext cx="5373742" cy="830997"/>
+            <a:ext cx="5373742" cy="461665"/>
           </a:xfrm>
           <a:prstGeom prst="rect">
             <a:avLst/>
@@ -15236,13 +15238,14 @@
           <a:lstStyle/>
           <a:p>
             <a:r>
-              <a:rPr lang="en-US" sz="2400" dirty="0">
+              <a:rPr lang="en-US" sz="2400" dirty="0" smtClean="0">
                 <a:solidFill>
                   <a:schemeClr val="bg1"/>
                 </a:solidFill>
                 <a:latin typeface="+mj-lt"/>
+                <a:cs typeface="Browallia New" panose="020B0604020202020204" pitchFamily="34" charset="-34"/>
               </a:rPr>
-              <a:t>Lorem ipsum dolor sit amet, urna scelerisque</a:t>
+              <a:t>Hmm</a:t>
             </a:r>
             <a:endParaRPr lang="en-US" sz="2400" dirty="0">
               <a:solidFill>
@@ -15256,14 +15259,14 @@
       </p:sp>
       <p:sp>
         <p:nvSpPr>
-          <p:cNvPr id="52" name="TextBox 51"/>
+          <p:cNvPr id="53" name="TextBox 52"/>
           <p:cNvSpPr txBox="1"/>
           <p:nvPr/>
         </p:nvSpPr>
         <p:spPr>
           <a:xfrm>
-            <a:off x="9052907" y="3920044"/>
-            <a:ext cx="3049774" cy="830997"/>
+            <a:off x="7369791" y="2687414"/>
+            <a:ext cx="4738539" cy="830997"/>
           </a:xfrm>
           <a:prstGeom prst="rect">
             <a:avLst/>
@@ -15276,55 +15279,35 @@
           </a:bodyPr>
           <a:lstStyle/>
           <a:p>
+            <a:r>
+              <a:rPr lang="nb-NO" sz="2400" dirty="0" err="1" smtClean="0">
+                <a:solidFill>
+                  <a:schemeClr val="bg1"/>
+                </a:solidFill>
+                <a:latin typeface="+mj-lt"/>
+                <a:cs typeface="Browallia New" panose="020B0604020202020204" pitchFamily="34" charset="-34"/>
+              </a:rPr>
+              <a:t>OnTriggerEnter</a:t>
+            </a:r>
+            <a:r>
+              <a:rPr lang="nb-NO" sz="2400" dirty="0" smtClean="0">
+                <a:solidFill>
+                  <a:schemeClr val="bg1"/>
+                </a:solidFill>
+                <a:latin typeface="+mj-lt"/>
+                <a:cs typeface="Browallia New" panose="020B0604020202020204" pitchFamily="34" charset="-34"/>
+              </a:rPr>
+              <a:t> </a:t>
+            </a:r>
             <a:r>
               <a:rPr lang="en-US" sz="2400" dirty="0">
                 <a:solidFill>
                   <a:schemeClr val="bg1"/>
                 </a:solidFill>
                 <a:latin typeface="+mj-lt"/>
+                <a:cs typeface="Browallia New" panose="020B0604020202020204" pitchFamily="34" charset="-34"/>
               </a:rPr>
-              <a:t>Lorem ipsum dolor sit amet, urna scelerisque</a:t>
-            </a:r>
-            <a:endParaRPr lang="en-US" sz="2400" dirty="0">
-              <a:solidFill>
-                <a:schemeClr val="bg1"/>
-              </a:solidFill>
-              <a:latin typeface="+mj-lt"/>
-              <a:cs typeface="Browallia New" panose="020B0604020202020204" pitchFamily="34" charset="-34"/>
-            </a:endParaRPr>
-          </a:p>
-        </p:txBody>
-      </p:sp>
-      <p:sp>
-        <p:nvSpPr>
-          <p:cNvPr id="53" name="TextBox 52"/>
-          <p:cNvSpPr txBox="1"/>
-          <p:nvPr/>
-        </p:nvSpPr>
-        <p:spPr>
-          <a:xfrm>
-            <a:off x="7369791" y="2687414"/>
-            <a:ext cx="4738539" cy="830997"/>
-          </a:xfrm>
-          <a:prstGeom prst="rect">
-            <a:avLst/>
-          </a:prstGeom>
-          <a:noFill/>
-        </p:spPr>
-        <p:txBody>
-          <a:bodyPr wrap="square" rtlCol="0">
-            <a:spAutoFit/>
-          </a:bodyPr>
-          <a:lstStyle/>
-          <a:p>
-            <a:r>
-              <a:rPr lang="en-US" sz="2400" dirty="0">
-                <a:solidFill>
-                  <a:schemeClr val="bg1"/>
-                </a:solidFill>
-                <a:latin typeface="+mj-lt"/>
-              </a:rPr>
-              <a:t>Lorem ipsum dolor sit amet, urna scelerisque</a:t>
+              <a:t>was used in Unity </a:t>
             </a:r>
             <a:endParaRPr lang="en-US" sz="2400" dirty="0">
               <a:solidFill>
@@ -15547,7 +15530,7 @@
         </p:nvSpPr>
         <p:spPr>
           <a:xfrm>
-            <a:off x="3973285" y="707572"/>
+            <a:off x="3973285" y="254001"/>
             <a:ext cx="5261429" cy="707886"/>
           </a:xfrm>
           <a:prstGeom prst="rect">
@@ -15575,6 +15558,121 @@
               <a:t>Questions</a:t>
             </a:r>
             <a:endParaRPr lang="en-US" sz="4000" dirty="0">
+              <a:solidFill>
+                <a:schemeClr val="bg1"/>
+              </a:solidFill>
+              <a:cs typeface="Browallia New" panose="020B0604020202020204" pitchFamily="34" charset="-34"/>
+            </a:endParaRPr>
+          </a:p>
+        </p:txBody>
+      </p:sp>
+      <p:sp>
+        <p:nvSpPr>
+          <p:cNvPr id="3" name="Rectangle 2"/>
+          <p:cNvSpPr/>
+          <p:nvPr/>
+        </p:nvSpPr>
+        <p:spPr>
+          <a:xfrm>
+            <a:off x="8037286" y="4097048"/>
+            <a:ext cx="4154714" cy="646331"/>
+          </a:xfrm>
+          <a:prstGeom prst="rect">
+            <a:avLst/>
+          </a:prstGeom>
+        </p:spPr>
+        <p:txBody>
+          <a:bodyPr wrap="square">
+            <a:spAutoFit/>
+          </a:bodyPr>
+          <a:lstStyle/>
+          <a:p>
+            <a:r>
+              <a:rPr lang="en-US" dirty="0" smtClean="0">
+                <a:solidFill>
+                  <a:schemeClr val="bg1"/>
+                </a:solidFill>
+              </a:rPr>
+              <a:t>Fixing Bugs after changing functionality  is hardest part of this project  </a:t>
+            </a:r>
+            <a:endParaRPr lang="en-US" dirty="0">
+              <a:solidFill>
+                <a:schemeClr val="bg1"/>
+              </a:solidFill>
+              <a:cs typeface="Browallia New" panose="020B0604020202020204" pitchFamily="34" charset="-34"/>
+            </a:endParaRPr>
+          </a:p>
+        </p:txBody>
+      </p:sp>
+      <p:sp>
+        <p:nvSpPr>
+          <p:cNvPr id="10" name="Rectangle 9"/>
+          <p:cNvSpPr/>
+          <p:nvPr/>
+        </p:nvSpPr>
+        <p:spPr>
+          <a:xfrm>
+            <a:off x="9125856" y="5188857"/>
+            <a:ext cx="3066144" cy="923330"/>
+          </a:xfrm>
+          <a:prstGeom prst="rect">
+            <a:avLst/>
+          </a:prstGeom>
+        </p:spPr>
+        <p:txBody>
+          <a:bodyPr wrap="square">
+            <a:spAutoFit/>
+          </a:bodyPr>
+          <a:lstStyle/>
+          <a:p>
+            <a:r>
+              <a:rPr lang="en-US" dirty="0" smtClean="0">
+                <a:solidFill>
+                  <a:schemeClr val="bg1"/>
+                </a:solidFill>
+                <a:cs typeface="Browallia New" panose="020B0604020202020204" pitchFamily="34" charset="-34"/>
+              </a:rPr>
+              <a:t>Presenting Our country’s national values to other </a:t>
+            </a:r>
+          </a:p>
+          <a:p>
+            <a:r>
+              <a:rPr lang="en-US" dirty="0" smtClean="0">
+                <a:solidFill>
+                  <a:schemeClr val="bg1"/>
+                </a:solidFill>
+                <a:cs typeface="Browallia New" panose="020B0604020202020204" pitchFamily="34" charset="-34"/>
+              </a:rPr>
+              <a:t> </a:t>
+            </a:r>
+            <a:r>
+              <a:rPr lang="en-US" dirty="0" err="1" smtClean="0">
+                <a:solidFill>
+                  <a:schemeClr val="bg1"/>
+                </a:solidFill>
+                <a:cs typeface="Browallia New" panose="020B0604020202020204" pitchFamily="34" charset="-34"/>
+              </a:rPr>
+              <a:t>ex:Buildings</a:t>
+            </a:r>
+            <a:r>
+              <a:rPr lang="en-US" dirty="0" smtClean="0">
+                <a:solidFill>
+                  <a:schemeClr val="bg1"/>
+                </a:solidFill>
+                <a:cs typeface="Browallia New" panose="020B0604020202020204" pitchFamily="34" charset="-34"/>
+              </a:rPr>
+              <a:t>, </a:t>
+            </a:r>
+            <a:r>
+              <a:rPr lang="en-US" dirty="0" err="1" smtClean="0">
+                <a:solidFill>
+                  <a:schemeClr val="bg1"/>
+                </a:solidFill>
+                <a:cs typeface="Browallia New" panose="020B0604020202020204" pitchFamily="34" charset="-34"/>
+              </a:rPr>
+              <a:t>Cityview</a:t>
+            </a:r>
+            <a:endParaRPr lang="en-US" dirty="0">
               <a:solidFill>
                 <a:schemeClr val="bg1"/>
               </a:solidFill>
@@ -16337,12 +16435,6 @@
               </a:rPr>
               <a:t>Game Description: Overview</a:t>
             </a:r>
-            <a:endParaRPr lang="en-US" sz="3600" dirty="0">
-              <a:solidFill>
-                <a:schemeClr val="bg1"/>
-              </a:solidFill>
-              <a:cs typeface="Browallia New" panose="020B0604020202020204" pitchFamily="34" charset="-34"/>
-            </a:endParaRPr>
           </a:p>
         </p:txBody>
       </p:sp>
@@ -19364,7 +19456,7 @@
   <a:extraClrSchemeLst/>
   <a:extLst>
     <a:ext uri="{05A4C25C-085E-4340-85A3-A5531E510DB2}">
-      <thm15:themeFamily xmlns:thm15="http://schemas.microsoft.com/office/thememl/2012/main" xmlns="" name="Office Theme" id="{62F939B6-93AF-4DB8-9C6B-D6C7DFDC589F}" vid="{4A3C46E8-61CC-4603-A589-7422A47A8E4A}"/>
+      <thm15:themeFamily xmlns="" xmlns:thm15="http://schemas.microsoft.com/office/thememl/2012/main" name="Office Theme" id="{62F939B6-93AF-4DB8-9C6B-D6C7DFDC589F}" vid="{4A3C46E8-61CC-4603-A589-7422A47A8E4A}"/>
     </a:ext>
   </a:extLst>
 </a:theme>
@@ -19625,7 +19717,7 @@
   <a:extraClrSchemeLst/>
   <a:extLst>
     <a:ext uri="{05A4C25C-085E-4340-85A3-A5531E510DB2}">
-      <thm15:themeFamily xmlns:thm15="http://schemas.microsoft.com/office/thememl/2012/main" xmlns="" name="Office Theme" id="{62F939B6-93AF-4DB8-9C6B-D6C7DFDC589F}" vid="{4A3C46E8-61CC-4603-A589-7422A47A8E4A}"/>
+      <thm15:themeFamily xmlns="" xmlns:thm15="http://schemas.microsoft.com/office/thememl/2012/main" name="Office Theme" id="{62F939B6-93AF-4DB8-9C6B-D6C7DFDC589F}" vid="{4A3C46E8-61CC-4603-A589-7422A47A8E4A}"/>
     </a:ext>
   </a:extLst>
 </a:theme>

--- a/CSCI4836-HW04-Presentation.pptx
+++ b/CSCI4836-HW04-Presentation.pptx
@@ -5,7 +5,7 @@
     <p:sldMasterId id="2147483648" r:id="rId1"/>
   </p:sldMasterIdLst>
   <p:notesMasterIdLst>
-    <p:notesMasterId r:id="rId19"/>
+    <p:notesMasterId r:id="rId16"/>
   </p:notesMasterIdLst>
   <p:sldIdLst>
     <p:sldId id="260" r:id="rId2"/>
@@ -17,14 +17,11 @@
     <p:sldId id="310" r:id="rId8"/>
     <p:sldId id="300" r:id="rId9"/>
     <p:sldId id="292" r:id="rId10"/>
-    <p:sldId id="311" r:id="rId11"/>
-    <p:sldId id="307" r:id="rId12"/>
+    <p:sldId id="307" r:id="rId11"/>
+    <p:sldId id="311" r:id="rId12"/>
     <p:sldId id="295" r:id="rId13"/>
-    <p:sldId id="278" r:id="rId14"/>
-    <p:sldId id="298" r:id="rId15"/>
-    <p:sldId id="281" r:id="rId16"/>
-    <p:sldId id="302" r:id="rId17"/>
-    <p:sldId id="266" r:id="rId18"/>
+    <p:sldId id="302" r:id="rId14"/>
+    <p:sldId id="317" r:id="rId15"/>
   </p:sldIdLst>
   <p:sldSz cx="12192000" cy="6858000"/>
   <p:notesSz cx="6858000" cy="9144000"/>
@@ -125,1292 +122,21 @@
   </p:defaultTextStyle>
   <p:extLst>
     <p:ext uri="{EFAFB233-063F-42B5-8137-9DF3F51BA10A}">
-      <p15:sldGuideLst xmlns="" xmlns:p15="http://schemas.microsoft.com/office/powerpoint/2012/main"/>
+      <p15:sldGuideLst xmlns:p15="http://schemas.microsoft.com/office/powerpoint/2012/main">
+        <p15:guide id="1" orient="horz" pos="2160">
+          <p15:clr>
+            <a:srgbClr val="A4A3A4"/>
+          </p15:clr>
+        </p15:guide>
+        <p15:guide id="2" pos="3840">
+          <p15:clr>
+            <a:srgbClr val="A4A3A4"/>
+          </p15:clr>
+        </p15:guide>
+      </p15:sldGuideLst>
     </p:ext>
   </p:extLst>
 </p:presentation>
-</file>
-
-<file path=ppt/charts/chart1.xml><?xml version="1.0" encoding="utf-8"?>
-<c:chartSpace xmlns:c="http://schemas.openxmlformats.org/drawingml/2006/chart" xmlns:a="http://schemas.openxmlformats.org/drawingml/2006/main" xmlns:r="http://schemas.openxmlformats.org/officeDocument/2006/relationships">
-  <c:date1904 val="0"/>
-  <c:lang val="en-US"/>
-  <c:roundedCorners val="0"/>
-  <mc:AlternateContent xmlns:mc="http://schemas.openxmlformats.org/markup-compatibility/2006">
-    <mc:Choice xmlns:c14="http://schemas.microsoft.com/office/drawing/2007/8/2/chart" Requires="c14">
-      <c14:style val="102"/>
-    </mc:Choice>
-    <mc:Fallback>
-      <c:style val="2"/>
-    </mc:Fallback>
-  </mc:AlternateContent>
-  <c:chart>
-    <c:title>
-      <c:tx>
-        <c:rich>
-          <a:bodyPr rot="0" spcFirstLastPara="1" vertOverflow="ellipsis" vert="horz" wrap="square" anchor="ctr" anchorCtr="1"/>
-          <a:lstStyle/>
-          <a:p>
-            <a:pPr>
-              <a:defRPr sz="1862" b="0" i="0" u="none" strike="noStrike" kern="1200" cap="none" spc="20" baseline="0">
-                <a:solidFill>
-                  <a:schemeClr val="tx1">
-                    <a:lumMod val="50000"/>
-                    <a:lumOff val="50000"/>
-                  </a:schemeClr>
-                </a:solidFill>
-                <a:latin typeface="+mn-lt"/>
-                <a:ea typeface="+mn-ea"/>
-                <a:cs typeface="+mn-cs"/>
-              </a:defRPr>
-            </a:pPr>
-            <a:r>
-              <a:rPr lang="en-US"/>
-              <a:t>Chart Title</a:t>
-            </a:r>
-          </a:p>
-        </c:rich>
-      </c:tx>
-      <c:layout/>
-      <c:overlay val="0"/>
-      <c:spPr>
-        <a:noFill/>
-        <a:ln>
-          <a:noFill/>
-        </a:ln>
-        <a:effectLst/>
-      </c:spPr>
-    </c:title>
-    <c:autoTitleDeleted val="0"/>
-    <c:plotArea>
-      <c:layout/>
-      <c:barChart>
-        <c:barDir val="col"/>
-        <c:grouping val="clustered"/>
-        <c:varyColors val="0"/>
-        <c:ser>
-          <c:idx val="0"/>
-          <c:order val="0"/>
-          <c:tx>
-            <c:strRef>
-              <c:f>Sheet1!$B$1</c:f>
-              <c:strCache>
-                <c:ptCount val="1"/>
-                <c:pt idx="0">
-                  <c:v>Series 1</c:v>
-                </c:pt>
-              </c:strCache>
-            </c:strRef>
-          </c:tx>
-          <c:spPr>
-            <a:gradFill rotWithShape="1">
-              <a:gsLst>
-                <a:gs pos="0">
-                  <a:schemeClr val="accent6">
-                    <a:lumMod val="110000"/>
-                    <a:satMod val="105000"/>
-                    <a:tint val="67000"/>
-                  </a:schemeClr>
-                </a:gs>
-                <a:gs pos="50000">
-                  <a:schemeClr val="accent6">
-                    <a:lumMod val="105000"/>
-                    <a:satMod val="103000"/>
-                    <a:tint val="73000"/>
-                  </a:schemeClr>
-                </a:gs>
-                <a:gs pos="100000">
-                  <a:schemeClr val="accent6">
-                    <a:lumMod val="105000"/>
-                    <a:satMod val="109000"/>
-                    <a:tint val="81000"/>
-                  </a:schemeClr>
-                </a:gs>
-              </a:gsLst>
-              <a:lin ang="5400000" scaled="0"/>
-            </a:gradFill>
-            <a:ln w="9525" cap="flat" cmpd="sng" algn="ctr">
-              <a:solidFill>
-                <a:schemeClr val="accent6">
-                  <a:shade val="95000"/>
-                </a:schemeClr>
-              </a:solidFill>
-              <a:round/>
-            </a:ln>
-            <a:effectLst/>
-          </c:spPr>
-          <c:invertIfNegative val="0"/>
-          <c:dLbls>
-            <c:spPr>
-              <a:noFill/>
-              <a:ln>
-                <a:noFill/>
-              </a:ln>
-              <a:effectLst/>
-            </c:spPr>
-            <c:txPr>
-              <a:bodyPr rot="0" spcFirstLastPara="1" vertOverflow="ellipsis" vert="horz" wrap="square" lIns="38100" tIns="19050" rIns="38100" bIns="19050" anchor="ctr" anchorCtr="1">
-                <a:spAutoFit/>
-              </a:bodyPr>
-              <a:lstStyle/>
-              <a:p>
-                <a:pPr>
-                  <a:defRPr sz="1197" b="0" i="0" u="none" strike="noStrike" kern="1200" baseline="0">
-                    <a:solidFill>
-                      <a:schemeClr val="tx1">
-                        <a:lumMod val="50000"/>
-                        <a:lumOff val="50000"/>
-                      </a:schemeClr>
-                    </a:solidFill>
-                    <a:latin typeface="+mn-lt"/>
-                    <a:ea typeface="+mn-ea"/>
-                    <a:cs typeface="+mn-cs"/>
-                  </a:defRPr>
-                </a:pPr>
-                <a:endParaRPr lang="en-US"/>
-              </a:p>
-            </c:txPr>
-            <c:dLblPos val="outEnd"/>
-            <c:showLegendKey val="0"/>
-            <c:showVal val="1"/>
-            <c:showCatName val="0"/>
-            <c:showSerName val="0"/>
-            <c:showPercent val="0"/>
-            <c:showBubbleSize val="0"/>
-            <c:showLeaderLines val="0"/>
-            <c:extLst xmlns:c16r2="http://schemas.microsoft.com/office/drawing/2015/06/chart">
-              <c:ext xmlns:c15="http://schemas.microsoft.com/office/drawing/2012/chart" uri="{CE6537A1-D6FC-4f65-9D91-7224C49458BB}">
-                <c15:layout/>
-                <c15:showLeaderLines val="1"/>
-                <c15:leaderLines>
-                  <c:spPr>
-                    <a:ln w="9525">
-                      <a:solidFill>
-                        <a:schemeClr val="tx1">
-                          <a:lumMod val="35000"/>
-                          <a:lumOff val="65000"/>
-                        </a:schemeClr>
-                      </a:solidFill>
-                    </a:ln>
-                    <a:effectLst/>
-                  </c:spPr>
-                </c15:leaderLines>
-              </c:ext>
-            </c:extLst>
-          </c:dLbls>
-          <c:cat>
-            <c:strRef>
-              <c:f>Sheet1!$A$2:$A$5</c:f>
-              <c:strCache>
-                <c:ptCount val="4"/>
-                <c:pt idx="0">
-                  <c:v>Category 1</c:v>
-                </c:pt>
-                <c:pt idx="1">
-                  <c:v>Category 2</c:v>
-                </c:pt>
-                <c:pt idx="2">
-                  <c:v>Category 3</c:v>
-                </c:pt>
-                <c:pt idx="3">
-                  <c:v>Category 4</c:v>
-                </c:pt>
-              </c:strCache>
-            </c:strRef>
-          </c:cat>
-          <c:val>
-            <c:numRef>
-              <c:f>Sheet1!$B$2:$B$5</c:f>
-              <c:numCache>
-                <c:formatCode>General</c:formatCode>
-                <c:ptCount val="4"/>
-                <c:pt idx="0">
-                  <c:v>4.3</c:v>
-                </c:pt>
-                <c:pt idx="1">
-                  <c:v>2.5</c:v>
-                </c:pt>
-                <c:pt idx="2">
-                  <c:v>3.5</c:v>
-                </c:pt>
-                <c:pt idx="3">
-                  <c:v>4.5</c:v>
-                </c:pt>
-              </c:numCache>
-            </c:numRef>
-          </c:val>
-          <c:extLst xmlns:c16r2="http://schemas.microsoft.com/office/drawing/2015/06/chart">
-            <c:ext xmlns:c16="http://schemas.microsoft.com/office/drawing/2014/chart" uri="{C3380CC4-5D6E-409C-BE32-E72D297353CC}">
-              <c16:uniqueId val="{00000000-0E84-4095-B2D7-27EA74712924}"/>
-            </c:ext>
-          </c:extLst>
-        </c:ser>
-        <c:ser>
-          <c:idx val="1"/>
-          <c:order val="1"/>
-          <c:tx>
-            <c:strRef>
-              <c:f>Sheet1!$C$1</c:f>
-              <c:strCache>
-                <c:ptCount val="1"/>
-                <c:pt idx="0">
-                  <c:v>Series 2</c:v>
-                </c:pt>
-              </c:strCache>
-            </c:strRef>
-          </c:tx>
-          <c:spPr>
-            <a:gradFill rotWithShape="1">
-              <a:gsLst>
-                <a:gs pos="0">
-                  <a:schemeClr val="accent5">
-                    <a:lumMod val="110000"/>
-                    <a:satMod val="105000"/>
-                    <a:tint val="67000"/>
-                  </a:schemeClr>
-                </a:gs>
-                <a:gs pos="50000">
-                  <a:schemeClr val="accent5">
-                    <a:lumMod val="105000"/>
-                    <a:satMod val="103000"/>
-                    <a:tint val="73000"/>
-                  </a:schemeClr>
-                </a:gs>
-                <a:gs pos="100000">
-                  <a:schemeClr val="accent5">
-                    <a:lumMod val="105000"/>
-                    <a:satMod val="109000"/>
-                    <a:tint val="81000"/>
-                  </a:schemeClr>
-                </a:gs>
-              </a:gsLst>
-              <a:lin ang="5400000" scaled="0"/>
-            </a:gradFill>
-            <a:ln w="9525" cap="flat" cmpd="sng" algn="ctr">
-              <a:solidFill>
-                <a:schemeClr val="accent5">
-                  <a:shade val="95000"/>
-                </a:schemeClr>
-              </a:solidFill>
-              <a:round/>
-            </a:ln>
-            <a:effectLst/>
-          </c:spPr>
-          <c:invertIfNegative val="0"/>
-          <c:dLbls>
-            <c:spPr>
-              <a:noFill/>
-              <a:ln>
-                <a:noFill/>
-              </a:ln>
-              <a:effectLst/>
-            </c:spPr>
-            <c:txPr>
-              <a:bodyPr rot="0" spcFirstLastPara="1" vertOverflow="ellipsis" vert="horz" wrap="square" lIns="38100" tIns="19050" rIns="38100" bIns="19050" anchor="ctr" anchorCtr="1">
-                <a:spAutoFit/>
-              </a:bodyPr>
-              <a:lstStyle/>
-              <a:p>
-                <a:pPr>
-                  <a:defRPr sz="1197" b="0" i="0" u="none" strike="noStrike" kern="1200" baseline="0">
-                    <a:solidFill>
-                      <a:schemeClr val="tx1">
-                        <a:lumMod val="50000"/>
-                        <a:lumOff val="50000"/>
-                      </a:schemeClr>
-                    </a:solidFill>
-                    <a:latin typeface="+mn-lt"/>
-                    <a:ea typeface="+mn-ea"/>
-                    <a:cs typeface="+mn-cs"/>
-                  </a:defRPr>
-                </a:pPr>
-                <a:endParaRPr lang="en-US"/>
-              </a:p>
-            </c:txPr>
-            <c:dLblPos val="outEnd"/>
-            <c:showLegendKey val="0"/>
-            <c:showVal val="1"/>
-            <c:showCatName val="0"/>
-            <c:showSerName val="0"/>
-            <c:showPercent val="0"/>
-            <c:showBubbleSize val="0"/>
-            <c:showLeaderLines val="0"/>
-            <c:extLst xmlns:c16r2="http://schemas.microsoft.com/office/drawing/2015/06/chart">
-              <c:ext xmlns:c15="http://schemas.microsoft.com/office/drawing/2012/chart" uri="{CE6537A1-D6FC-4f65-9D91-7224C49458BB}">
-                <c15:layout/>
-                <c15:showLeaderLines val="1"/>
-                <c15:leaderLines>
-                  <c:spPr>
-                    <a:ln w="9525">
-                      <a:solidFill>
-                        <a:schemeClr val="tx1">
-                          <a:lumMod val="35000"/>
-                          <a:lumOff val="65000"/>
-                        </a:schemeClr>
-                      </a:solidFill>
-                    </a:ln>
-                    <a:effectLst/>
-                  </c:spPr>
-                </c15:leaderLines>
-              </c:ext>
-            </c:extLst>
-          </c:dLbls>
-          <c:cat>
-            <c:strRef>
-              <c:f>Sheet1!$A$2:$A$5</c:f>
-              <c:strCache>
-                <c:ptCount val="4"/>
-                <c:pt idx="0">
-                  <c:v>Category 1</c:v>
-                </c:pt>
-                <c:pt idx="1">
-                  <c:v>Category 2</c:v>
-                </c:pt>
-                <c:pt idx="2">
-                  <c:v>Category 3</c:v>
-                </c:pt>
-                <c:pt idx="3">
-                  <c:v>Category 4</c:v>
-                </c:pt>
-              </c:strCache>
-            </c:strRef>
-          </c:cat>
-          <c:val>
-            <c:numRef>
-              <c:f>Sheet1!$C$2:$C$5</c:f>
-              <c:numCache>
-                <c:formatCode>General</c:formatCode>
-                <c:ptCount val="4"/>
-                <c:pt idx="0">
-                  <c:v>2.4</c:v>
-                </c:pt>
-                <c:pt idx="1">
-                  <c:v>4.4</c:v>
-                </c:pt>
-                <c:pt idx="2">
-                  <c:v>1.8</c:v>
-                </c:pt>
-                <c:pt idx="3">
-                  <c:v>2.8</c:v>
-                </c:pt>
-              </c:numCache>
-            </c:numRef>
-          </c:val>
-          <c:extLst xmlns:c16r2="http://schemas.microsoft.com/office/drawing/2015/06/chart">
-            <c:ext xmlns:c16="http://schemas.microsoft.com/office/drawing/2014/chart" uri="{C3380CC4-5D6E-409C-BE32-E72D297353CC}">
-              <c16:uniqueId val="{00000001-0E84-4095-B2D7-27EA74712924}"/>
-            </c:ext>
-          </c:extLst>
-        </c:ser>
-        <c:ser>
-          <c:idx val="2"/>
-          <c:order val="2"/>
-          <c:tx>
-            <c:strRef>
-              <c:f>Sheet1!$D$1</c:f>
-              <c:strCache>
-                <c:ptCount val="1"/>
-                <c:pt idx="0">
-                  <c:v>Series 3</c:v>
-                </c:pt>
-              </c:strCache>
-            </c:strRef>
-          </c:tx>
-          <c:spPr>
-            <a:gradFill rotWithShape="1">
-              <a:gsLst>
-                <a:gs pos="0">
-                  <a:schemeClr val="accent4">
-                    <a:lumMod val="110000"/>
-                    <a:satMod val="105000"/>
-                    <a:tint val="67000"/>
-                  </a:schemeClr>
-                </a:gs>
-                <a:gs pos="50000">
-                  <a:schemeClr val="accent4">
-                    <a:lumMod val="105000"/>
-                    <a:satMod val="103000"/>
-                    <a:tint val="73000"/>
-                  </a:schemeClr>
-                </a:gs>
-                <a:gs pos="100000">
-                  <a:schemeClr val="accent4">
-                    <a:lumMod val="105000"/>
-                    <a:satMod val="109000"/>
-                    <a:tint val="81000"/>
-                  </a:schemeClr>
-                </a:gs>
-              </a:gsLst>
-              <a:lin ang="5400000" scaled="0"/>
-            </a:gradFill>
-            <a:ln w="9525" cap="flat" cmpd="sng" algn="ctr">
-              <a:solidFill>
-                <a:schemeClr val="accent4">
-                  <a:shade val="95000"/>
-                </a:schemeClr>
-              </a:solidFill>
-              <a:round/>
-            </a:ln>
-            <a:effectLst/>
-          </c:spPr>
-          <c:invertIfNegative val="0"/>
-          <c:dLbls>
-            <c:spPr>
-              <a:noFill/>
-              <a:ln>
-                <a:noFill/>
-              </a:ln>
-              <a:effectLst/>
-            </c:spPr>
-            <c:txPr>
-              <a:bodyPr rot="0" spcFirstLastPara="1" vertOverflow="ellipsis" vert="horz" wrap="square" lIns="38100" tIns="19050" rIns="38100" bIns="19050" anchor="ctr" anchorCtr="1">
-                <a:spAutoFit/>
-              </a:bodyPr>
-              <a:lstStyle/>
-              <a:p>
-                <a:pPr>
-                  <a:defRPr sz="1197" b="0" i="0" u="none" strike="noStrike" kern="1200" baseline="0">
-                    <a:solidFill>
-                      <a:schemeClr val="tx1">
-                        <a:lumMod val="50000"/>
-                        <a:lumOff val="50000"/>
-                      </a:schemeClr>
-                    </a:solidFill>
-                    <a:latin typeface="+mn-lt"/>
-                    <a:ea typeface="+mn-ea"/>
-                    <a:cs typeface="+mn-cs"/>
-                  </a:defRPr>
-                </a:pPr>
-                <a:endParaRPr lang="en-US"/>
-              </a:p>
-            </c:txPr>
-            <c:dLblPos val="outEnd"/>
-            <c:showLegendKey val="0"/>
-            <c:showVal val="1"/>
-            <c:showCatName val="0"/>
-            <c:showSerName val="0"/>
-            <c:showPercent val="0"/>
-            <c:showBubbleSize val="0"/>
-            <c:showLeaderLines val="0"/>
-            <c:extLst xmlns:c16r2="http://schemas.microsoft.com/office/drawing/2015/06/chart">
-              <c:ext xmlns:c15="http://schemas.microsoft.com/office/drawing/2012/chart" uri="{CE6537A1-D6FC-4f65-9D91-7224C49458BB}">
-                <c15:layout/>
-                <c15:showLeaderLines val="1"/>
-                <c15:leaderLines>
-                  <c:spPr>
-                    <a:ln w="9525">
-                      <a:solidFill>
-                        <a:schemeClr val="tx1">
-                          <a:lumMod val="35000"/>
-                          <a:lumOff val="65000"/>
-                        </a:schemeClr>
-                      </a:solidFill>
-                    </a:ln>
-                    <a:effectLst/>
-                  </c:spPr>
-                </c15:leaderLines>
-              </c:ext>
-            </c:extLst>
-          </c:dLbls>
-          <c:cat>
-            <c:strRef>
-              <c:f>Sheet1!$A$2:$A$5</c:f>
-              <c:strCache>
-                <c:ptCount val="4"/>
-                <c:pt idx="0">
-                  <c:v>Category 1</c:v>
-                </c:pt>
-                <c:pt idx="1">
-                  <c:v>Category 2</c:v>
-                </c:pt>
-                <c:pt idx="2">
-                  <c:v>Category 3</c:v>
-                </c:pt>
-                <c:pt idx="3">
-                  <c:v>Category 4</c:v>
-                </c:pt>
-              </c:strCache>
-            </c:strRef>
-          </c:cat>
-          <c:val>
-            <c:numRef>
-              <c:f>Sheet1!$D$2:$D$5</c:f>
-              <c:numCache>
-                <c:formatCode>General</c:formatCode>
-                <c:ptCount val="4"/>
-                <c:pt idx="0">
-                  <c:v>2.0</c:v>
-                </c:pt>
-                <c:pt idx="1">
-                  <c:v>2.0</c:v>
-                </c:pt>
-                <c:pt idx="2">
-                  <c:v>3.0</c:v>
-                </c:pt>
-                <c:pt idx="3">
-                  <c:v>5.0</c:v>
-                </c:pt>
-              </c:numCache>
-            </c:numRef>
-          </c:val>
-          <c:extLst xmlns:c16r2="http://schemas.microsoft.com/office/drawing/2015/06/chart">
-            <c:ext xmlns:c16="http://schemas.microsoft.com/office/drawing/2014/chart" uri="{C3380CC4-5D6E-409C-BE32-E72D297353CC}">
-              <c16:uniqueId val="{00000002-0E84-4095-B2D7-27EA74712924}"/>
-            </c:ext>
-          </c:extLst>
-        </c:ser>
-        <c:dLbls>
-          <c:dLblPos val="outEnd"/>
-          <c:showLegendKey val="0"/>
-          <c:showVal val="1"/>
-          <c:showCatName val="0"/>
-          <c:showSerName val="0"/>
-          <c:showPercent val="0"/>
-          <c:showBubbleSize val="0"/>
-        </c:dLbls>
-        <c:gapWidth val="100"/>
-        <c:overlap val="-24"/>
-        <c:axId val="2142178776"/>
-        <c:axId val="-2133219496"/>
-      </c:barChart>
-      <c:catAx>
-        <c:axId val="2142178776"/>
-        <c:scaling>
-          <c:orientation val="minMax"/>
-        </c:scaling>
-        <c:delete val="0"/>
-        <c:axPos val="b"/>
-        <c:numFmt formatCode="General" sourceLinked="1"/>
-        <c:majorTickMark val="none"/>
-        <c:minorTickMark val="none"/>
-        <c:tickLblPos val="nextTo"/>
-        <c:spPr>
-          <a:noFill/>
-          <a:ln w="9525" cap="flat" cmpd="sng" algn="ctr">
-            <a:solidFill>
-              <a:schemeClr val="tx1">
-                <a:lumMod val="15000"/>
-                <a:lumOff val="85000"/>
-              </a:schemeClr>
-            </a:solidFill>
-            <a:round/>
-          </a:ln>
-          <a:effectLst/>
-        </c:spPr>
-        <c:txPr>
-          <a:bodyPr rot="-60000000" spcFirstLastPara="1" vertOverflow="ellipsis" vert="horz" wrap="square" anchor="ctr" anchorCtr="1"/>
-          <a:lstStyle/>
-          <a:p>
-            <a:pPr>
-              <a:defRPr sz="1197" b="0" i="0" u="none" strike="noStrike" kern="1200" baseline="0">
-                <a:solidFill>
-                  <a:schemeClr val="tx1">
-                    <a:lumMod val="50000"/>
-                    <a:lumOff val="50000"/>
-                  </a:schemeClr>
-                </a:solidFill>
-                <a:latin typeface="+mn-lt"/>
-                <a:ea typeface="+mn-ea"/>
-                <a:cs typeface="+mn-cs"/>
-              </a:defRPr>
-            </a:pPr>
-            <a:endParaRPr lang="en-US"/>
-          </a:p>
-        </c:txPr>
-        <c:crossAx val="-2133219496"/>
-        <c:crosses val="autoZero"/>
-        <c:auto val="1"/>
-        <c:lblAlgn val="ctr"/>
-        <c:lblOffset val="100"/>
-        <c:noMultiLvlLbl val="0"/>
-      </c:catAx>
-      <c:valAx>
-        <c:axId val="-2133219496"/>
-        <c:scaling>
-          <c:orientation val="minMax"/>
-        </c:scaling>
-        <c:delete val="0"/>
-        <c:axPos val="l"/>
-        <c:majorGridlines>
-          <c:spPr>
-            <a:ln w="9525" cap="flat" cmpd="sng" algn="ctr">
-              <a:solidFill>
-                <a:schemeClr val="tx1">
-                  <a:lumMod val="15000"/>
-                  <a:lumOff val="85000"/>
-                </a:schemeClr>
-              </a:solidFill>
-              <a:round/>
-            </a:ln>
-            <a:effectLst/>
-          </c:spPr>
-        </c:majorGridlines>
-        <c:numFmt formatCode="General" sourceLinked="1"/>
-        <c:majorTickMark val="none"/>
-        <c:minorTickMark val="none"/>
-        <c:tickLblPos val="nextTo"/>
-        <c:spPr>
-          <a:noFill/>
-          <a:ln>
-            <a:noFill/>
-          </a:ln>
-          <a:effectLst/>
-        </c:spPr>
-        <c:txPr>
-          <a:bodyPr rot="-60000000" spcFirstLastPara="1" vertOverflow="ellipsis" vert="horz" wrap="square" anchor="ctr" anchorCtr="1"/>
-          <a:lstStyle/>
-          <a:p>
-            <a:pPr>
-              <a:defRPr sz="1197" b="0" i="0" u="none" strike="noStrike" kern="1200" baseline="0">
-                <a:solidFill>
-                  <a:schemeClr val="tx1">
-                    <a:lumMod val="50000"/>
-                    <a:lumOff val="50000"/>
-                  </a:schemeClr>
-                </a:solidFill>
-                <a:latin typeface="+mn-lt"/>
-                <a:ea typeface="+mn-ea"/>
-                <a:cs typeface="+mn-cs"/>
-              </a:defRPr>
-            </a:pPr>
-            <a:endParaRPr lang="en-US"/>
-          </a:p>
-        </c:txPr>
-        <c:crossAx val="2142178776"/>
-        <c:crosses val="autoZero"/>
-        <c:crossBetween val="between"/>
-      </c:valAx>
-      <c:spPr>
-        <a:noFill/>
-        <a:ln>
-          <a:noFill/>
-        </a:ln>
-        <a:effectLst/>
-      </c:spPr>
-    </c:plotArea>
-    <c:legend>
-      <c:legendPos val="b"/>
-      <c:layout/>
-      <c:overlay val="0"/>
-      <c:spPr>
-        <a:noFill/>
-        <a:ln>
-          <a:noFill/>
-        </a:ln>
-        <a:effectLst/>
-      </c:spPr>
-      <c:txPr>
-        <a:bodyPr rot="0" spcFirstLastPara="1" vertOverflow="ellipsis" vert="horz" wrap="square" anchor="ctr" anchorCtr="1"/>
-        <a:lstStyle/>
-        <a:p>
-          <a:pPr>
-            <a:defRPr sz="1197" b="0" i="0" u="none" strike="noStrike" kern="1200" baseline="0">
-              <a:solidFill>
-                <a:schemeClr val="tx1">
-                  <a:lumMod val="50000"/>
-                  <a:lumOff val="50000"/>
-                </a:schemeClr>
-              </a:solidFill>
-              <a:latin typeface="+mn-lt"/>
-              <a:ea typeface="+mn-ea"/>
-              <a:cs typeface="+mn-cs"/>
-            </a:defRPr>
-          </a:pPr>
-          <a:endParaRPr lang="en-US"/>
-        </a:p>
-      </c:txPr>
-    </c:legend>
-    <c:plotVisOnly val="1"/>
-    <c:dispBlanksAs val="gap"/>
-    <c:showDLblsOverMax val="0"/>
-  </c:chart>
-  <c:spPr>
-    <a:solidFill>
-      <a:schemeClr val="bg2">
-        <a:lumMod val="10000"/>
-      </a:schemeClr>
-    </a:solidFill>
-    <a:ln>
-      <a:noFill/>
-    </a:ln>
-    <a:effectLst/>
-  </c:spPr>
-  <c:txPr>
-    <a:bodyPr/>
-    <a:lstStyle/>
-    <a:p>
-      <a:pPr>
-        <a:defRPr/>
-      </a:pPr>
-      <a:endParaRPr lang="en-US"/>
-    </a:p>
-  </c:txPr>
-  <c:externalData r:id="rId1">
-    <c:autoUpdate val="0"/>
-  </c:externalData>
-</c:chartSpace>
-</file>
-
-<file path=ppt/charts/colors1.xml><?xml version="1.0" encoding="utf-8"?>
-<cs:colorStyle xmlns:cs="http://schemas.microsoft.com/office/drawing/2012/chartStyle" xmlns:a="http://schemas.openxmlformats.org/drawingml/2006/main" meth="cycle" id="13">
-  <a:schemeClr val="accent6"/>
-  <a:schemeClr val="accent5"/>
-  <a:schemeClr val="accent4"/>
-  <cs:variation/>
-  <cs:variation>
-    <a:lumMod val="60000"/>
-  </cs:variation>
-  <cs:variation>
-    <a:lumMod val="80000"/>
-    <a:lumOff val="20000"/>
-  </cs:variation>
-  <cs:variation>
-    <a:lumMod val="80000"/>
-  </cs:variation>
-  <cs:variation>
-    <a:lumMod val="60000"/>
-    <a:lumOff val="40000"/>
-  </cs:variation>
-  <cs:variation>
-    <a:lumMod val="50000"/>
-  </cs:variation>
-  <cs:variation>
-    <a:lumMod val="70000"/>
-    <a:lumOff val="30000"/>
-  </cs:variation>
-  <cs:variation>
-    <a:lumMod val="70000"/>
-  </cs:variation>
-  <cs:variation>
-    <a:lumMod val="50000"/>
-    <a:lumOff val="50000"/>
-  </cs:variation>
-</cs:colorStyle>
-</file>
-
-<file path=ppt/charts/style1.xml><?xml version="1.0" encoding="utf-8"?>
-<cs:chartStyle xmlns:cs="http://schemas.microsoft.com/office/drawing/2012/chartStyle" xmlns:a="http://schemas.openxmlformats.org/drawingml/2006/main" id="206">
-  <cs:axisTitle>
-    <cs:lnRef idx="0"/>
-    <cs:fillRef idx="0"/>
-    <cs:effectRef idx="0"/>
-    <cs:fontRef idx="minor">
-      <a:schemeClr val="tx1">
-        <a:lumMod val="50000"/>
-        <a:lumOff val="50000"/>
-      </a:schemeClr>
-    </cs:fontRef>
-    <cs:defRPr sz="1197" kern="1200" cap="all"/>
-  </cs:axisTitle>
-  <cs:categoryAxis>
-    <cs:lnRef idx="0"/>
-    <cs:fillRef idx="0"/>
-    <cs:effectRef idx="0"/>
-    <cs:fontRef idx="minor">
-      <a:schemeClr val="tx1">
-        <a:lumMod val="50000"/>
-        <a:lumOff val="50000"/>
-      </a:schemeClr>
-    </cs:fontRef>
-    <cs:spPr>
-      <a:ln w="9525" cap="flat" cmpd="sng" algn="ctr">
-        <a:solidFill>
-          <a:schemeClr val="tx1">
-            <a:lumMod val="15000"/>
-            <a:lumOff val="85000"/>
-          </a:schemeClr>
-        </a:solidFill>
-        <a:round/>
-      </a:ln>
-    </cs:spPr>
-    <cs:defRPr sz="1197" kern="1200"/>
-  </cs:categoryAxis>
-  <cs:chartArea mods="allowNoFillOverride allowNoLineOverride">
-    <cs:lnRef idx="0"/>
-    <cs:fillRef idx="0"/>
-    <cs:effectRef idx="0"/>
-    <cs:fontRef idx="minor">
-      <a:schemeClr val="dk1"/>
-    </cs:fontRef>
-    <cs:spPr>
-      <a:solidFill>
-        <a:schemeClr val="bg1"/>
-      </a:solidFill>
-      <a:ln w="9525" cap="flat" cmpd="sng" algn="ctr">
-        <a:solidFill>
-          <a:schemeClr val="tx1">
-            <a:lumMod val="15000"/>
-            <a:lumOff val="85000"/>
-          </a:schemeClr>
-        </a:solidFill>
-        <a:round/>
-      </a:ln>
-    </cs:spPr>
-    <cs:defRPr sz="1197" kern="1200"/>
-  </cs:chartArea>
-  <cs:dataLabel>
-    <cs:lnRef idx="0"/>
-    <cs:fillRef idx="0"/>
-    <cs:effectRef idx="0"/>
-    <cs:fontRef idx="minor">
-      <a:schemeClr val="tx1">
-        <a:lumMod val="50000"/>
-        <a:lumOff val="50000"/>
-      </a:schemeClr>
-    </cs:fontRef>
-    <cs:defRPr sz="1197" kern="1200"/>
-  </cs:dataLabel>
-  <cs:dataLabelCallout>
-    <cs:lnRef idx="0"/>
-    <cs:fillRef idx="0"/>
-    <cs:effectRef idx="0"/>
-    <cs:fontRef idx="minor">
-      <a:schemeClr val="dk1">
-        <a:lumMod val="65000"/>
-        <a:lumOff val="35000"/>
-      </a:schemeClr>
-    </cs:fontRef>
-    <cs:spPr>
-      <a:solidFill>
-        <a:schemeClr val="lt1"/>
-      </a:solidFill>
-      <a:ln>
-        <a:solidFill>
-          <a:schemeClr val="dk1">
-            <a:lumMod val="25000"/>
-            <a:lumOff val="75000"/>
-          </a:schemeClr>
-        </a:solidFill>
-      </a:ln>
-    </cs:spPr>
-    <cs:defRPr sz="1197" kern="1200"/>
-    <cs:bodyPr rot="0" spcFirstLastPara="1" vertOverflow="clip" horzOverflow="clip" vert="horz" wrap="square" lIns="36576" tIns="18288" rIns="36576" bIns="18288" anchor="ctr" anchorCtr="1">
-      <a:spAutoFit/>
-    </cs:bodyPr>
-  </cs:dataLabelCallout>
-  <cs:dataPoint>
-    <cs:lnRef idx="0">
-      <cs:styleClr val="auto"/>
-    </cs:lnRef>
-    <cs:fillRef idx="2">
-      <cs:styleClr val="auto"/>
-    </cs:fillRef>
-    <cs:effectRef idx="1"/>
-    <cs:fontRef idx="minor">
-      <a:schemeClr val="dk1"/>
-    </cs:fontRef>
-    <cs:spPr>
-      <a:ln w="9525" cap="flat" cmpd="sng" algn="ctr">
-        <a:solidFill>
-          <a:schemeClr val="phClr">
-            <a:shade val="95000"/>
-          </a:schemeClr>
-        </a:solidFill>
-        <a:round/>
-      </a:ln>
-    </cs:spPr>
-  </cs:dataPoint>
-  <cs:dataPoint3D>
-    <cs:lnRef idx="0">
-      <cs:styleClr val="auto"/>
-    </cs:lnRef>
-    <cs:fillRef idx="2">
-      <cs:styleClr val="auto"/>
-    </cs:fillRef>
-    <cs:effectRef idx="1"/>
-    <cs:fontRef idx="minor">
-      <a:schemeClr val="dk1"/>
-    </cs:fontRef>
-    <cs:spPr>
-      <a:ln w="9525" cap="flat" cmpd="sng" algn="ctr">
-        <a:solidFill>
-          <a:schemeClr val="phClr">
-            <a:shade val="95000"/>
-          </a:schemeClr>
-        </a:solidFill>
-        <a:round/>
-      </a:ln>
-    </cs:spPr>
-  </cs:dataPoint3D>
-  <cs:dataPointLine>
-    <cs:lnRef idx="0">
-      <cs:styleClr val="auto"/>
-    </cs:lnRef>
-    <cs:fillRef idx="2">
-      <cs:styleClr val="auto"/>
-    </cs:fillRef>
-    <cs:effectRef idx="1"/>
-    <cs:fontRef idx="minor">
-      <a:schemeClr val="dk1"/>
-    </cs:fontRef>
-    <cs:spPr>
-      <a:ln w="15875" cap="rnd">
-        <a:solidFill>
-          <a:schemeClr val="phClr"/>
-        </a:solidFill>
-        <a:round/>
-      </a:ln>
-    </cs:spPr>
-  </cs:dataPointLine>
-  <cs:dataPointMarker>
-    <cs:lnRef idx="0">
-      <cs:styleClr val="auto"/>
-    </cs:lnRef>
-    <cs:fillRef idx="2">
-      <cs:styleClr val="auto"/>
-    </cs:fillRef>
-    <cs:effectRef idx="1"/>
-    <cs:fontRef idx="minor">
-      <a:schemeClr val="dk1"/>
-    </cs:fontRef>
-    <cs:spPr>
-      <a:ln w="9525" cap="flat" cmpd="sng" algn="ctr">
-        <a:solidFill>
-          <a:schemeClr val="phClr">
-            <a:shade val="95000"/>
-          </a:schemeClr>
-        </a:solidFill>
-        <a:round/>
-      </a:ln>
-    </cs:spPr>
-  </cs:dataPointMarker>
-  <cs:dataPointMarkerLayout symbol="circle" size="4"/>
-  <cs:dataPointWireframe>
-    <cs:lnRef idx="0">
-      <cs:styleClr val="auto"/>
-    </cs:lnRef>
-    <cs:fillRef idx="2"/>
-    <cs:effectRef idx="0"/>
-    <cs:fontRef idx="minor">
-      <a:schemeClr val="dk1"/>
-    </cs:fontRef>
-    <cs:spPr>
-      <a:ln w="9525" cap="rnd">
-        <a:solidFill>
-          <a:schemeClr val="phClr"/>
-        </a:solidFill>
-        <a:round/>
-      </a:ln>
-    </cs:spPr>
-  </cs:dataPointWireframe>
-  <cs:dataTable>
-    <cs:lnRef idx="0"/>
-    <cs:fillRef idx="0"/>
-    <cs:effectRef idx="0"/>
-    <cs:fontRef idx="minor">
-      <a:schemeClr val="tx1">
-        <a:lumMod val="50000"/>
-        <a:lumOff val="50000"/>
-      </a:schemeClr>
-    </cs:fontRef>
-    <cs:spPr>
-      <a:ln w="9525">
-        <a:solidFill>
-          <a:schemeClr val="tx1">
-            <a:lumMod val="15000"/>
-            <a:lumOff val="85000"/>
-          </a:schemeClr>
-        </a:solidFill>
-      </a:ln>
-    </cs:spPr>
-    <cs:defRPr sz="1197" kern="1200"/>
-  </cs:dataTable>
-  <cs:downBar>
-    <cs:lnRef idx="0"/>
-    <cs:fillRef idx="0"/>
-    <cs:effectRef idx="0"/>
-    <cs:fontRef idx="minor">
-      <a:schemeClr val="dk1"/>
-    </cs:fontRef>
-    <cs:spPr>
-      <a:solidFill>
-        <a:schemeClr val="dk1">
-          <a:lumMod val="75000"/>
-          <a:lumOff val="25000"/>
-        </a:schemeClr>
-      </a:solidFill>
-      <a:ln w="9525">
-        <a:solidFill>
-          <a:schemeClr val="tx1">
-            <a:lumMod val="50000"/>
-            <a:lumOff val="50000"/>
-          </a:schemeClr>
-        </a:solidFill>
-      </a:ln>
-    </cs:spPr>
-  </cs:downBar>
-  <cs:dropLine>
-    <cs:lnRef idx="0"/>
-    <cs:fillRef idx="0"/>
-    <cs:effectRef idx="0"/>
-    <cs:fontRef idx="minor">
-      <a:schemeClr val="dk1"/>
-    </cs:fontRef>
-    <cs:spPr>
-      <a:ln w="9525">
-        <a:solidFill>
-          <a:schemeClr val="tx1">
-            <a:lumMod val="35000"/>
-            <a:lumOff val="65000"/>
-          </a:schemeClr>
-        </a:solidFill>
-        <a:prstDash val="dash"/>
-      </a:ln>
-    </cs:spPr>
-  </cs:dropLine>
-  <cs:errorBar>
-    <cs:lnRef idx="0"/>
-    <cs:fillRef idx="0"/>
-    <cs:effectRef idx="0"/>
-    <cs:fontRef idx="minor">
-      <a:schemeClr val="dk1"/>
-    </cs:fontRef>
-    <cs:spPr>
-      <a:ln w="9525">
-        <a:solidFill>
-          <a:schemeClr val="tx1">
-            <a:lumMod val="50000"/>
-            <a:lumOff val="50000"/>
-          </a:schemeClr>
-        </a:solidFill>
-      </a:ln>
-    </cs:spPr>
-  </cs:errorBar>
-  <cs:floor>
-    <cs:lnRef idx="0"/>
-    <cs:fillRef idx="0"/>
-    <cs:effectRef idx="0"/>
-    <cs:fontRef idx="minor">
-      <a:schemeClr val="dk1"/>
-    </cs:fontRef>
-  </cs:floor>
-  <cs:gridlineMajor>
-    <cs:lnRef idx="0"/>
-    <cs:fillRef idx="0"/>
-    <cs:effectRef idx="0"/>
-    <cs:fontRef idx="minor">
-      <a:schemeClr val="dk1"/>
-    </cs:fontRef>
-    <cs:spPr>
-      <a:ln w="9525" cap="flat" cmpd="sng" algn="ctr">
-        <a:solidFill>
-          <a:schemeClr val="tx1">
-            <a:lumMod val="15000"/>
-            <a:lumOff val="85000"/>
-          </a:schemeClr>
-        </a:solidFill>
-        <a:round/>
-      </a:ln>
-    </cs:spPr>
-  </cs:gridlineMajor>
-  <cs:gridlineMinor>
-    <cs:lnRef idx="0"/>
-    <cs:fillRef idx="0"/>
-    <cs:effectRef idx="0"/>
-    <cs:fontRef idx="minor">
-      <a:schemeClr val="dk1"/>
-    </cs:fontRef>
-    <cs:spPr>
-      <a:ln>
-        <a:solidFill>
-          <a:schemeClr val="tx1">
-            <a:lumMod val="5000"/>
-            <a:lumOff val="95000"/>
-          </a:schemeClr>
-        </a:solidFill>
-      </a:ln>
-    </cs:spPr>
-  </cs:gridlineMinor>
-  <cs:hiLoLine>
-    <cs:lnRef idx="0"/>
-    <cs:fillRef idx="0"/>
-    <cs:effectRef idx="0"/>
-    <cs:fontRef idx="minor">
-      <a:schemeClr val="dk1"/>
-    </cs:fontRef>
-    <cs:spPr>
-      <a:ln w="9525">
-        <a:solidFill>
-          <a:schemeClr val="tx1">
-            <a:lumMod val="50000"/>
-            <a:lumOff val="50000"/>
-          </a:schemeClr>
-        </a:solidFill>
-        <a:prstDash val="dash"/>
-      </a:ln>
-    </cs:spPr>
-  </cs:hiLoLine>
-  <cs:leaderLine>
-    <cs:lnRef idx="0"/>
-    <cs:fillRef idx="0"/>
-    <cs:effectRef idx="0"/>
-    <cs:fontRef idx="minor">
-      <a:schemeClr val="dk1"/>
-    </cs:fontRef>
-    <cs:spPr>
-      <a:ln w="9525">
-        <a:solidFill>
-          <a:schemeClr val="tx1">
-            <a:lumMod val="35000"/>
-            <a:lumOff val="65000"/>
-          </a:schemeClr>
-        </a:solidFill>
-      </a:ln>
-    </cs:spPr>
-  </cs:leaderLine>
-  <cs:legend>
-    <cs:lnRef idx="0"/>
-    <cs:fillRef idx="0"/>
-    <cs:effectRef idx="0"/>
-    <cs:fontRef idx="minor">
-      <a:schemeClr val="tx1">
-        <a:lumMod val="50000"/>
-        <a:lumOff val="50000"/>
-      </a:schemeClr>
-    </cs:fontRef>
-    <cs:defRPr sz="1197" kern="1200"/>
-  </cs:legend>
-  <cs:plotArea mods="allowNoFillOverride allowNoLineOverride">
-    <cs:lnRef idx="0"/>
-    <cs:fillRef idx="0"/>
-    <cs:effectRef idx="0"/>
-    <cs:fontRef idx="minor">
-      <a:schemeClr val="dk1"/>
-    </cs:fontRef>
-  </cs:plotArea>
-  <cs:plotArea3D mods="allowNoFillOverride allowNoLineOverride">
-    <cs:lnRef idx="0"/>
-    <cs:fillRef idx="0"/>
-    <cs:effectRef idx="0"/>
-    <cs:fontRef idx="minor">
-      <a:schemeClr val="dk1"/>
-    </cs:fontRef>
-  </cs:plotArea3D>
-  <cs:seriesAxis>
-    <cs:lnRef idx="0"/>
-    <cs:fillRef idx="0"/>
-    <cs:effectRef idx="0"/>
-    <cs:fontRef idx="minor">
-      <a:schemeClr val="tx1">
-        <a:lumMod val="50000"/>
-        <a:lumOff val="50000"/>
-      </a:schemeClr>
-    </cs:fontRef>
-    <cs:spPr>
-      <a:ln w="9525" cap="flat" cmpd="sng" algn="ctr">
-        <a:solidFill>
-          <a:schemeClr val="tx1">
-            <a:lumMod val="15000"/>
-            <a:lumOff val="85000"/>
-          </a:schemeClr>
-        </a:solidFill>
-        <a:round/>
-      </a:ln>
-    </cs:spPr>
-    <cs:defRPr sz="1197" kern="1200"/>
-  </cs:seriesAxis>
-  <cs:seriesLine>
-    <cs:lnRef idx="0"/>
-    <cs:fillRef idx="0"/>
-    <cs:effectRef idx="0"/>
-    <cs:fontRef idx="minor">
-      <a:schemeClr val="dk1"/>
-    </cs:fontRef>
-    <cs:spPr>
-      <a:ln w="9525">
-        <a:solidFill>
-          <a:schemeClr val="tx1">
-            <a:lumMod val="35000"/>
-            <a:lumOff val="65000"/>
-          </a:schemeClr>
-        </a:solidFill>
-        <a:prstDash val="dash"/>
-      </a:ln>
-    </cs:spPr>
-  </cs:seriesLine>
-  <cs:title>
-    <cs:lnRef idx="0"/>
-    <cs:fillRef idx="0"/>
-    <cs:effectRef idx="0"/>
-    <cs:fontRef idx="minor">
-      <a:schemeClr val="tx1">
-        <a:lumMod val="50000"/>
-        <a:lumOff val="50000"/>
-      </a:schemeClr>
-    </cs:fontRef>
-    <cs:defRPr sz="1862" kern="1200" cap="none" spc="20" baseline="0"/>
-  </cs:title>
-  <cs:trendline>
-    <cs:lnRef idx="0">
-      <cs:styleClr val="auto"/>
-    </cs:lnRef>
-    <cs:fillRef idx="2"/>
-    <cs:effectRef idx="0"/>
-    <cs:fontRef idx="minor">
-      <a:schemeClr val="dk1"/>
-    </cs:fontRef>
-    <cs:spPr>
-      <a:ln w="9525" cap="rnd">
-        <a:solidFill>
-          <a:schemeClr val="phClr"/>
-        </a:solidFill>
-      </a:ln>
-    </cs:spPr>
-  </cs:trendline>
-  <cs:trendlineLabel>
-    <cs:lnRef idx="0"/>
-    <cs:fillRef idx="0"/>
-    <cs:effectRef idx="0"/>
-    <cs:fontRef idx="minor">
-      <a:schemeClr val="tx1">
-        <a:lumMod val="50000"/>
-        <a:lumOff val="50000"/>
-      </a:schemeClr>
-    </cs:fontRef>
-    <cs:defRPr sz="1197" kern="1200"/>
-  </cs:trendlineLabel>
-  <cs:upBar>
-    <cs:lnRef idx="0"/>
-    <cs:fillRef idx="0"/>
-    <cs:effectRef idx="0"/>
-    <cs:fontRef idx="minor">
-      <a:schemeClr val="dk1"/>
-    </cs:fontRef>
-    <cs:spPr>
-      <a:solidFill>
-        <a:schemeClr val="lt1"/>
-      </a:solidFill>
-      <a:ln w="9525">
-        <a:solidFill>
-          <a:schemeClr val="tx1">
-            <a:lumMod val="50000"/>
-            <a:lumOff val="50000"/>
-          </a:schemeClr>
-        </a:solidFill>
-      </a:ln>
-    </cs:spPr>
-  </cs:upBar>
-  <cs:valueAxis>
-    <cs:lnRef idx="0"/>
-    <cs:fillRef idx="0"/>
-    <cs:effectRef idx="0"/>
-    <cs:fontRef idx="minor">
-      <a:schemeClr val="tx1">
-        <a:lumMod val="50000"/>
-        <a:lumOff val="50000"/>
-      </a:schemeClr>
-    </cs:fontRef>
-    <cs:defRPr sz="1197" kern="1200"/>
-  </cs:valueAxis>
-  <cs:wall>
-    <cs:lnRef idx="0"/>
-    <cs:fillRef idx="0"/>
-    <cs:effectRef idx="0"/>
-    <cs:fontRef idx="minor">
-      <a:schemeClr val="dk1"/>
-    </cs:fontRef>
-  </cs:wall>
-</cs:chartStyle>
 </file>
 
 <file path=ppt/notesMasters/notesMaster1.xml><?xml version="1.0" encoding="utf-8"?>
@@ -1495,7 +221,7 @@
           <a:p>
             <a:fld id="{B8532A3A-E1C2-42EA-BDD6-305DAB1834E8}" type="datetimeFigureOut">
               <a:rPr lang="en-US" smtClean="0"/>
-              <a:t>12/8/18</a:t>
+              <a:t>12/8/2018</a:t>
             </a:fld>
             <a:endParaRPr lang="en-US"/>
           </a:p>
@@ -2164,7 +890,7 @@
           <a:p>
             <a:fld id="{C98A03FD-669F-475F-B08E-D2CB64605A77}" type="slidenum">
               <a:rPr lang="en-US" smtClean="0"/>
-              <a:t>10</a:t>
+              <a:t>11</a:t>
             </a:fld>
             <a:endParaRPr lang="en-US"/>
           </a:p>
@@ -2174,90 +900,6 @@
     <p:extLst>
       <p:ext uri="{BB962C8B-B14F-4D97-AF65-F5344CB8AC3E}">
         <p14:creationId xmlns:p14="http://schemas.microsoft.com/office/powerpoint/2010/main" val="1566423573"/>
-      </p:ext>
-    </p:extLst>
-  </p:cSld>
-  <p:clrMapOvr>
-    <a:masterClrMapping/>
-  </p:clrMapOvr>
-</p:notes>
-</file>
-
-<file path=ppt/notesSlides/notesSlide6.xml><?xml version="1.0" encoding="utf-8"?>
-<p:notes xmlns:a="http://schemas.openxmlformats.org/drawingml/2006/main" xmlns:r="http://schemas.openxmlformats.org/officeDocument/2006/relationships" xmlns:p="http://schemas.openxmlformats.org/presentationml/2006/main">
-  <p:cSld>
-    <p:spTree>
-      <p:nvGrpSpPr>
-        <p:cNvPr id="1" name=""/>
-        <p:cNvGrpSpPr/>
-        <p:nvPr/>
-      </p:nvGrpSpPr>
-      <p:grpSpPr>
-        <a:xfrm>
-          <a:off x="0" y="0"/>
-          <a:ext cx="0" cy="0"/>
-          <a:chOff x="0" y="0"/>
-          <a:chExt cx="0" cy="0"/>
-        </a:xfrm>
-      </p:grpSpPr>
-      <p:sp>
-        <p:nvSpPr>
-          <p:cNvPr id="2" name="Slide Image Placeholder 1"/>
-          <p:cNvSpPr>
-            <a:spLocks noGrp="1" noRot="1" noChangeAspect="1"/>
-          </p:cNvSpPr>
-          <p:nvPr>
-            <p:ph type="sldImg"/>
-          </p:nvPr>
-        </p:nvSpPr>
-        <p:spPr/>
-      </p:sp>
-      <p:sp>
-        <p:nvSpPr>
-          <p:cNvPr id="3" name="Notes Placeholder 2"/>
-          <p:cNvSpPr>
-            <a:spLocks noGrp="1"/>
-          </p:cNvSpPr>
-          <p:nvPr>
-            <p:ph type="body" idx="1"/>
-          </p:nvPr>
-        </p:nvSpPr>
-        <p:spPr/>
-        <p:txBody>
-          <a:bodyPr/>
-          <a:lstStyle/>
-          <a:p>
-            <a:endParaRPr lang="en-US" dirty="0"/>
-          </a:p>
-        </p:txBody>
-      </p:sp>
-      <p:sp>
-        <p:nvSpPr>
-          <p:cNvPr id="4" name="Slide Number Placeholder 3"/>
-          <p:cNvSpPr>
-            <a:spLocks noGrp="1"/>
-          </p:cNvSpPr>
-          <p:nvPr>
-            <p:ph type="sldNum" sz="quarter" idx="10"/>
-          </p:nvPr>
-        </p:nvSpPr>
-        <p:spPr/>
-        <p:txBody>
-          <a:bodyPr/>
-          <a:lstStyle/>
-          <a:p>
-            <a:fld id="{C98A03FD-669F-475F-B08E-D2CB64605A77}" type="slidenum">
-              <a:rPr lang="en-US" smtClean="0"/>
-              <a:t>14</a:t>
-            </a:fld>
-            <a:endParaRPr lang="en-US"/>
-          </a:p>
-        </p:txBody>
-      </p:sp>
-    </p:spTree>
-    <p:extLst>
-      <p:ext uri="{BB962C8B-B14F-4D97-AF65-F5344CB8AC3E}">
-        <p14:creationId xmlns:p14="http://schemas.microsoft.com/office/powerpoint/2010/main" val="3569177937"/>
       </p:ext>
     </p:extLst>
   </p:cSld>
@@ -2398,7 +1040,7 @@
           <a:p>
             <a:fld id="{51BBFFC7-5AFF-4374-B478-E246B74FFF84}" type="datetimeFigureOut">
               <a:rPr lang="en-US" smtClean="0"/>
-              <a:t>12/8/18</a:t>
+              <a:t>12/8/2018</a:t>
             </a:fld>
             <a:endParaRPr lang="en-US"/>
           </a:p>
@@ -2568,7 +1210,7 @@
           <a:p>
             <a:fld id="{51BBFFC7-5AFF-4374-B478-E246B74FFF84}" type="datetimeFigureOut">
               <a:rPr lang="en-US" smtClean="0"/>
-              <a:t>12/8/18</a:t>
+              <a:t>12/8/2018</a:t>
             </a:fld>
             <a:endParaRPr lang="en-US"/>
           </a:p>
@@ -2748,7 +1390,7 @@
           <a:p>
             <a:fld id="{51BBFFC7-5AFF-4374-B478-E246B74FFF84}" type="datetimeFigureOut">
               <a:rPr lang="en-US" smtClean="0"/>
-              <a:t>12/8/18</a:t>
+              <a:t>12/8/2018</a:t>
             </a:fld>
             <a:endParaRPr lang="en-US"/>
           </a:p>
@@ -2918,7 +1560,7 @@
           <a:p>
             <a:fld id="{51BBFFC7-5AFF-4374-B478-E246B74FFF84}" type="datetimeFigureOut">
               <a:rPr lang="en-US" smtClean="0"/>
-              <a:t>12/8/18</a:t>
+              <a:t>12/8/2018</a:t>
             </a:fld>
             <a:endParaRPr lang="en-US"/>
           </a:p>
@@ -3164,7 +1806,7 @@
           <a:p>
             <a:fld id="{51BBFFC7-5AFF-4374-B478-E246B74FFF84}" type="datetimeFigureOut">
               <a:rPr lang="en-US" smtClean="0"/>
-              <a:t>12/8/18</a:t>
+              <a:t>12/8/2018</a:t>
             </a:fld>
             <a:endParaRPr lang="en-US"/>
           </a:p>
@@ -3396,7 +2038,7 @@
           <a:p>
             <a:fld id="{51BBFFC7-5AFF-4374-B478-E246B74FFF84}" type="datetimeFigureOut">
               <a:rPr lang="en-US" smtClean="0"/>
-              <a:t>12/8/18</a:t>
+              <a:t>12/8/2018</a:t>
             </a:fld>
             <a:endParaRPr lang="en-US"/>
           </a:p>
@@ -3763,7 +2405,7 @@
           <a:p>
             <a:fld id="{51BBFFC7-5AFF-4374-B478-E246B74FFF84}" type="datetimeFigureOut">
               <a:rPr lang="en-US" smtClean="0"/>
-              <a:t>12/8/18</a:t>
+              <a:t>12/8/2018</a:t>
             </a:fld>
             <a:endParaRPr lang="en-US"/>
           </a:p>
@@ -3881,7 +2523,7 @@
           <a:p>
             <a:fld id="{51BBFFC7-5AFF-4374-B478-E246B74FFF84}" type="datetimeFigureOut">
               <a:rPr lang="en-US" smtClean="0"/>
-              <a:t>12/8/18</a:t>
+              <a:t>12/8/2018</a:t>
             </a:fld>
             <a:endParaRPr lang="en-US"/>
           </a:p>
@@ -3976,7 +2618,7 @@
           <a:p>
             <a:fld id="{51BBFFC7-5AFF-4374-B478-E246B74FFF84}" type="datetimeFigureOut">
               <a:rPr lang="en-US" smtClean="0"/>
-              <a:t>12/8/18</a:t>
+              <a:t>12/8/2018</a:t>
             </a:fld>
             <a:endParaRPr lang="en-US"/>
           </a:p>
@@ -4253,7 +2895,7 @@
           <a:p>
             <a:fld id="{51BBFFC7-5AFF-4374-B478-E246B74FFF84}" type="datetimeFigureOut">
               <a:rPr lang="en-US" smtClean="0"/>
-              <a:t>12/8/18</a:t>
+              <a:t>12/8/2018</a:t>
             </a:fld>
             <a:endParaRPr lang="en-US"/>
           </a:p>
@@ -4506,7 +3148,7 @@
           <a:p>
             <a:fld id="{51BBFFC7-5AFF-4374-B478-E246B74FFF84}" type="datetimeFigureOut">
               <a:rPr lang="en-US" smtClean="0"/>
-              <a:t>12/8/18</a:t>
+              <a:t>12/8/2018</a:t>
             </a:fld>
             <a:endParaRPr lang="en-US"/>
           </a:p>
@@ -4719,7 +3361,7 @@
           <a:p>
             <a:fld id="{51BBFFC7-5AFF-4374-B478-E246B74FFF84}" type="datetimeFigureOut">
               <a:rPr lang="en-US" smtClean="0"/>
-              <a:t>12/8/18</a:t>
+              <a:t>12/8/2018</a:t>
             </a:fld>
             <a:endParaRPr lang="en-US"/>
           </a:p>
@@ -5581,7 +4223,7 @@
   <p:timing>
     <p:tnLst>
       <p:par>
-        <p:cTn xmlns:p14="http://schemas.microsoft.com/office/powerpoint/2010/main" id="1" dur="indefinite" restart="never" nodeType="tmRoot"/>
+        <p:cTn id="1" dur="indefinite" restart="never" nodeType="tmRoot"/>
       </p:par>
     </p:tnLst>
   </p:timing>
@@ -5589,6 +4231,1314 @@
 </file>
 
 <file path=ppt/slides/slide10.xml><?xml version="1.0" encoding="utf-8"?>
+<p:sld xmlns:a="http://schemas.openxmlformats.org/drawingml/2006/main" xmlns:r="http://schemas.openxmlformats.org/officeDocument/2006/relationships" xmlns:p="http://schemas.openxmlformats.org/presentationml/2006/main">
+  <p:cSld>
+    <p:bg>
+      <p:bgPr>
+        <a:blipFill dpi="0" rotWithShape="1">
+          <a:blip r:embed="rId2">
+            <a:lum/>
+          </a:blip>
+          <a:srcRect/>
+          <a:stretch>
+            <a:fillRect t="-6000" b="-6000"/>
+          </a:stretch>
+        </a:blipFill>
+        <a:effectLst/>
+      </p:bgPr>
+    </p:bg>
+    <p:spTree>
+      <p:nvGrpSpPr>
+        <p:cNvPr id="1" name=""/>
+        <p:cNvGrpSpPr/>
+        <p:nvPr/>
+      </p:nvGrpSpPr>
+      <p:grpSpPr>
+        <a:xfrm>
+          <a:off x="0" y="0"/>
+          <a:ext cx="0" cy="0"/>
+          <a:chOff x="0" y="0"/>
+          <a:chExt cx="0" cy="0"/>
+        </a:xfrm>
+      </p:grpSpPr>
+      <p:sp>
+        <p:nvSpPr>
+          <p:cNvPr id="8" name="TextBox 7"/>
+          <p:cNvSpPr txBox="1"/>
+          <p:nvPr/>
+        </p:nvSpPr>
+        <p:spPr>
+          <a:xfrm>
+            <a:off x="11731397" y="6704111"/>
+            <a:ext cx="329610" cy="107722"/>
+          </a:xfrm>
+          <a:prstGeom prst="rect">
+            <a:avLst/>
+          </a:prstGeom>
+          <a:noFill/>
+        </p:spPr>
+        <p:txBody>
+          <a:bodyPr wrap="square" rtlCol="0">
+            <a:spAutoFit/>
+          </a:bodyPr>
+          <a:lstStyle/>
+          <a:p>
+            <a:r>
+              <a:rPr lang="en-US" sz="100" dirty="0" smtClean="0">
+                <a:solidFill>
+                  <a:schemeClr val="bg1">
+                    <a:lumMod val="75000"/>
+                  </a:schemeClr>
+                </a:solidFill>
+                <a:hlinkClick r:id="rId3"/>
+              </a:rPr>
+              <a:t>Free PowerPoint Templates</a:t>
+            </a:r>
+            <a:endParaRPr lang="en-US" sz="100" dirty="0">
+              <a:solidFill>
+                <a:schemeClr val="bg1">
+                  <a:lumMod val="75000"/>
+                </a:schemeClr>
+              </a:solidFill>
+            </a:endParaRPr>
+          </a:p>
+        </p:txBody>
+      </p:sp>
+      <p:sp>
+        <p:nvSpPr>
+          <p:cNvPr id="36" name="Oval 35"/>
+          <p:cNvSpPr/>
+          <p:nvPr/>
+        </p:nvSpPr>
+        <p:spPr>
+          <a:xfrm>
+            <a:off x="8503920" y="2616200"/>
+            <a:ext cx="1371600" cy="1371600"/>
+          </a:xfrm>
+          <a:prstGeom prst="ellipse">
+            <a:avLst/>
+          </a:prstGeom>
+          <a:solidFill>
+            <a:schemeClr val="bg2">
+              <a:lumMod val="10000"/>
+            </a:schemeClr>
+          </a:solidFill>
+          <a:ln>
+            <a:noFill/>
+          </a:ln>
+        </p:spPr>
+        <p:style>
+          <a:lnRef idx="2">
+            <a:schemeClr val="accent1">
+              <a:shade val="50000"/>
+            </a:schemeClr>
+          </a:lnRef>
+          <a:fillRef idx="1">
+            <a:schemeClr val="accent1"/>
+          </a:fillRef>
+          <a:effectRef idx="0">
+            <a:schemeClr val="accent1"/>
+          </a:effectRef>
+          <a:fontRef idx="minor">
+            <a:schemeClr val="lt1"/>
+          </a:fontRef>
+        </p:style>
+        <p:txBody>
+          <a:bodyPr rtlCol="0" anchor="ctr"/>
+          <a:lstStyle/>
+          <a:p>
+            <a:pPr algn="ctr"/>
+            <a:endParaRPr lang="en-US"/>
+          </a:p>
+        </p:txBody>
+      </p:sp>
+      <p:sp>
+        <p:nvSpPr>
+          <p:cNvPr id="37" name="Oval 36"/>
+          <p:cNvSpPr/>
+          <p:nvPr/>
+        </p:nvSpPr>
+        <p:spPr>
+          <a:xfrm>
+            <a:off x="6446520" y="2616200"/>
+            <a:ext cx="1371600" cy="1371600"/>
+          </a:xfrm>
+          <a:prstGeom prst="ellipse">
+            <a:avLst/>
+          </a:prstGeom>
+          <a:solidFill>
+            <a:schemeClr val="accent1"/>
+          </a:solidFill>
+          <a:ln>
+            <a:noFill/>
+          </a:ln>
+        </p:spPr>
+        <p:style>
+          <a:lnRef idx="2">
+            <a:schemeClr val="accent1">
+              <a:shade val="50000"/>
+            </a:schemeClr>
+          </a:lnRef>
+          <a:fillRef idx="1">
+            <a:schemeClr val="accent1"/>
+          </a:fillRef>
+          <a:effectRef idx="0">
+            <a:schemeClr val="accent1"/>
+          </a:effectRef>
+          <a:fontRef idx="minor">
+            <a:schemeClr val="lt1"/>
+          </a:fontRef>
+        </p:style>
+        <p:txBody>
+          <a:bodyPr rtlCol="0" anchor="ctr"/>
+          <a:lstStyle/>
+          <a:p>
+            <a:pPr algn="ctr"/>
+            <a:endParaRPr lang="en-US"/>
+          </a:p>
+        </p:txBody>
+      </p:sp>
+      <p:sp>
+        <p:nvSpPr>
+          <p:cNvPr id="39" name="Oval 38"/>
+          <p:cNvSpPr/>
+          <p:nvPr/>
+        </p:nvSpPr>
+        <p:spPr>
+          <a:xfrm>
+            <a:off x="4389120" y="2616200"/>
+            <a:ext cx="1371600" cy="1371600"/>
+          </a:xfrm>
+          <a:prstGeom prst="ellipse">
+            <a:avLst/>
+          </a:prstGeom>
+          <a:solidFill>
+            <a:schemeClr val="bg2">
+              <a:lumMod val="10000"/>
+            </a:schemeClr>
+          </a:solidFill>
+          <a:ln>
+            <a:noFill/>
+          </a:ln>
+        </p:spPr>
+        <p:style>
+          <a:lnRef idx="2">
+            <a:schemeClr val="accent1">
+              <a:shade val="50000"/>
+            </a:schemeClr>
+          </a:lnRef>
+          <a:fillRef idx="1">
+            <a:schemeClr val="accent1"/>
+          </a:fillRef>
+          <a:effectRef idx="0">
+            <a:schemeClr val="accent1"/>
+          </a:effectRef>
+          <a:fontRef idx="minor">
+            <a:schemeClr val="lt1"/>
+          </a:fontRef>
+        </p:style>
+        <p:txBody>
+          <a:bodyPr rtlCol="0" anchor="ctr"/>
+          <a:lstStyle/>
+          <a:p>
+            <a:pPr algn="ctr"/>
+            <a:endParaRPr lang="en-US"/>
+          </a:p>
+        </p:txBody>
+      </p:sp>
+      <p:sp>
+        <p:nvSpPr>
+          <p:cNvPr id="40" name="Oval 39"/>
+          <p:cNvSpPr/>
+          <p:nvPr/>
+        </p:nvSpPr>
+        <p:spPr>
+          <a:xfrm>
+            <a:off x="274320" y="2616200"/>
+            <a:ext cx="1371600" cy="1371600"/>
+          </a:xfrm>
+          <a:prstGeom prst="ellipse">
+            <a:avLst/>
+          </a:prstGeom>
+          <a:solidFill>
+            <a:schemeClr val="bg2">
+              <a:lumMod val="10000"/>
+            </a:schemeClr>
+          </a:solidFill>
+          <a:ln>
+            <a:noFill/>
+          </a:ln>
+        </p:spPr>
+        <p:style>
+          <a:lnRef idx="2">
+            <a:schemeClr val="accent1">
+              <a:shade val="50000"/>
+            </a:schemeClr>
+          </a:lnRef>
+          <a:fillRef idx="1">
+            <a:schemeClr val="accent1"/>
+          </a:fillRef>
+          <a:effectRef idx="0">
+            <a:schemeClr val="accent1"/>
+          </a:effectRef>
+          <a:fontRef idx="minor">
+            <a:schemeClr val="lt1"/>
+          </a:fontRef>
+        </p:style>
+        <p:txBody>
+          <a:bodyPr rtlCol="0" anchor="ctr"/>
+          <a:lstStyle/>
+          <a:p>
+            <a:pPr algn="ctr"/>
+            <a:endParaRPr lang="en-US"/>
+          </a:p>
+        </p:txBody>
+      </p:sp>
+      <p:sp>
+        <p:nvSpPr>
+          <p:cNvPr id="41" name="Oval 40"/>
+          <p:cNvSpPr/>
+          <p:nvPr/>
+        </p:nvSpPr>
+        <p:spPr>
+          <a:xfrm>
+            <a:off x="2331720" y="2616200"/>
+            <a:ext cx="1371600" cy="1371600"/>
+          </a:xfrm>
+          <a:prstGeom prst="ellipse">
+            <a:avLst/>
+          </a:prstGeom>
+          <a:solidFill>
+            <a:schemeClr val="accent1"/>
+          </a:solidFill>
+          <a:ln>
+            <a:noFill/>
+          </a:ln>
+        </p:spPr>
+        <p:style>
+          <a:lnRef idx="2">
+            <a:schemeClr val="accent1">
+              <a:shade val="50000"/>
+            </a:schemeClr>
+          </a:lnRef>
+          <a:fillRef idx="1">
+            <a:schemeClr val="accent1"/>
+          </a:fillRef>
+          <a:effectRef idx="0">
+            <a:schemeClr val="accent1"/>
+          </a:effectRef>
+          <a:fontRef idx="minor">
+            <a:schemeClr val="lt1"/>
+          </a:fontRef>
+        </p:style>
+        <p:txBody>
+          <a:bodyPr rtlCol="0" anchor="ctr"/>
+          <a:lstStyle/>
+          <a:p>
+            <a:pPr algn="ctr"/>
+            <a:endParaRPr lang="en-US"/>
+          </a:p>
+        </p:txBody>
+      </p:sp>
+      <p:sp>
+        <p:nvSpPr>
+          <p:cNvPr id="26" name="TextBox 25"/>
+          <p:cNvSpPr txBox="1"/>
+          <p:nvPr/>
+        </p:nvSpPr>
+        <p:spPr>
+          <a:xfrm>
+            <a:off x="402293" y="2999648"/>
+            <a:ext cx="1105999" cy="707886"/>
+          </a:xfrm>
+          <a:prstGeom prst="rect">
+            <a:avLst/>
+          </a:prstGeom>
+          <a:noFill/>
+        </p:spPr>
+        <p:txBody>
+          <a:bodyPr wrap="square" rtlCol="0">
+            <a:spAutoFit/>
+          </a:bodyPr>
+          <a:lstStyle/>
+          <a:p>
+            <a:pPr algn="ctr"/>
+            <a:r>
+              <a:rPr lang="en-US" sz="2000" dirty="0" smtClean="0">
+                <a:solidFill>
+                  <a:schemeClr val="bg1"/>
+                </a:solidFill>
+                <a:latin typeface="Candara" panose="020E0502030303020204" pitchFamily="34" charset="0"/>
+                <a:cs typeface="Estrangelo Edessa" panose="03080600000000000000" pitchFamily="66" charset="0"/>
+              </a:rPr>
+              <a:t>Play game</a:t>
+            </a:r>
+            <a:endParaRPr lang="en-US" sz="2000" dirty="0">
+              <a:solidFill>
+                <a:schemeClr val="bg1"/>
+              </a:solidFill>
+              <a:latin typeface="Candara" panose="020E0502030303020204" pitchFamily="34" charset="0"/>
+              <a:cs typeface="Estrangelo Edessa" panose="03080600000000000000" pitchFamily="66" charset="0"/>
+            </a:endParaRPr>
+          </a:p>
+        </p:txBody>
+      </p:sp>
+      <p:sp>
+        <p:nvSpPr>
+          <p:cNvPr id="43" name="TextBox 42"/>
+          <p:cNvSpPr txBox="1"/>
+          <p:nvPr/>
+        </p:nvSpPr>
+        <p:spPr>
+          <a:xfrm>
+            <a:off x="2464520" y="2999648"/>
+            <a:ext cx="1105999" cy="415498"/>
+          </a:xfrm>
+          <a:prstGeom prst="rect">
+            <a:avLst/>
+          </a:prstGeom>
+          <a:noFill/>
+        </p:spPr>
+        <p:txBody>
+          <a:bodyPr wrap="square" rtlCol="0">
+            <a:spAutoFit/>
+          </a:bodyPr>
+          <a:lstStyle/>
+          <a:p>
+            <a:pPr algn="ctr"/>
+            <a:r>
+              <a:rPr lang="en-US" sz="2100" dirty="0" smtClean="0">
+                <a:solidFill>
+                  <a:schemeClr val="bg1"/>
+                </a:solidFill>
+                <a:latin typeface="Candara" panose="020E0502030303020204" pitchFamily="34" charset="0"/>
+                <a:cs typeface="Estrangelo Edessa" panose="03080600000000000000" pitchFamily="66" charset="0"/>
+              </a:rPr>
+              <a:t>Settings</a:t>
+            </a:r>
+            <a:endParaRPr lang="en-US" sz="2100" dirty="0">
+              <a:solidFill>
+                <a:schemeClr val="bg1"/>
+              </a:solidFill>
+              <a:latin typeface="Candara" panose="020E0502030303020204" pitchFamily="34" charset="0"/>
+              <a:cs typeface="Estrangelo Edessa" panose="03080600000000000000" pitchFamily="66" charset="0"/>
+            </a:endParaRPr>
+          </a:p>
+        </p:txBody>
+      </p:sp>
+      <p:sp>
+        <p:nvSpPr>
+          <p:cNvPr id="44" name="TextBox 43"/>
+          <p:cNvSpPr txBox="1"/>
+          <p:nvPr/>
+        </p:nvSpPr>
+        <p:spPr>
+          <a:xfrm>
+            <a:off x="4521796" y="2999648"/>
+            <a:ext cx="1105999" cy="584775"/>
+          </a:xfrm>
+          <a:prstGeom prst="rect">
+            <a:avLst/>
+          </a:prstGeom>
+          <a:noFill/>
+        </p:spPr>
+        <p:txBody>
+          <a:bodyPr wrap="square" rtlCol="0">
+            <a:spAutoFit/>
+          </a:bodyPr>
+          <a:lstStyle/>
+          <a:p>
+            <a:pPr algn="ctr"/>
+            <a:r>
+              <a:rPr lang="en-US" sz="3200" dirty="0" smtClean="0">
+                <a:solidFill>
+                  <a:schemeClr val="bg1"/>
+                </a:solidFill>
+                <a:latin typeface="Candara" panose="020E0502030303020204" pitchFamily="34" charset="0"/>
+              </a:rPr>
+              <a:t>Quit</a:t>
+            </a:r>
+            <a:endParaRPr lang="en-US" sz="3200" dirty="0">
+              <a:solidFill>
+                <a:schemeClr val="bg1"/>
+              </a:solidFill>
+              <a:latin typeface="Candara" panose="020E0502030303020204" pitchFamily="34" charset="0"/>
+              <a:cs typeface="Estrangelo Edessa" panose="03080600000000000000" pitchFamily="66" charset="0"/>
+            </a:endParaRPr>
+          </a:p>
+        </p:txBody>
+      </p:sp>
+      <p:sp>
+        <p:nvSpPr>
+          <p:cNvPr id="45" name="TextBox 44"/>
+          <p:cNvSpPr txBox="1"/>
+          <p:nvPr/>
+        </p:nvSpPr>
+        <p:spPr>
+          <a:xfrm>
+            <a:off x="6585588" y="2999648"/>
+            <a:ext cx="1105999" cy="461665"/>
+          </a:xfrm>
+          <a:prstGeom prst="rect">
+            <a:avLst/>
+          </a:prstGeom>
+          <a:noFill/>
+        </p:spPr>
+        <p:txBody>
+          <a:bodyPr wrap="square" rtlCol="0">
+            <a:spAutoFit/>
+          </a:bodyPr>
+          <a:lstStyle/>
+          <a:p>
+            <a:pPr algn="ctr"/>
+            <a:r>
+              <a:rPr lang="en-US" sz="2400" dirty="0" smtClean="0">
+                <a:solidFill>
+                  <a:schemeClr val="bg1"/>
+                </a:solidFill>
+                <a:latin typeface="Candara" panose="020E0502030303020204" pitchFamily="34" charset="0"/>
+              </a:rPr>
+              <a:t>Credits</a:t>
+            </a:r>
+            <a:endParaRPr lang="en-US" sz="2400" dirty="0">
+              <a:solidFill>
+                <a:schemeClr val="bg1"/>
+              </a:solidFill>
+              <a:latin typeface="Candara" panose="020E0502030303020204" pitchFamily="34" charset="0"/>
+              <a:cs typeface="Estrangelo Edessa" panose="03080600000000000000" pitchFamily="66" charset="0"/>
+            </a:endParaRPr>
+          </a:p>
+        </p:txBody>
+      </p:sp>
+      <p:sp>
+        <p:nvSpPr>
+          <p:cNvPr id="46" name="TextBox 45"/>
+          <p:cNvSpPr txBox="1"/>
+          <p:nvPr/>
+        </p:nvSpPr>
+        <p:spPr>
+          <a:xfrm>
+            <a:off x="8642180" y="2999648"/>
+            <a:ext cx="1105999" cy="584775"/>
+          </a:xfrm>
+          <a:prstGeom prst="rect">
+            <a:avLst/>
+          </a:prstGeom>
+          <a:noFill/>
+        </p:spPr>
+        <p:txBody>
+          <a:bodyPr wrap="square" rtlCol="0">
+            <a:spAutoFit/>
+          </a:bodyPr>
+          <a:lstStyle/>
+          <a:p>
+            <a:pPr algn="ctr"/>
+            <a:r>
+              <a:rPr lang="en-US" sz="3200" dirty="0" smtClean="0">
+                <a:solidFill>
+                  <a:schemeClr val="bg1"/>
+                </a:solidFill>
+                <a:latin typeface="Candara" panose="020E0502030303020204" pitchFamily="34" charset="0"/>
+              </a:rPr>
+              <a:t>Cash</a:t>
+            </a:r>
+            <a:endParaRPr lang="en-US" sz="3200" dirty="0">
+              <a:solidFill>
+                <a:schemeClr val="bg1"/>
+              </a:solidFill>
+              <a:latin typeface="Candara" panose="020E0502030303020204" pitchFamily="34" charset="0"/>
+              <a:cs typeface="Estrangelo Edessa" panose="03080600000000000000" pitchFamily="66" charset="0"/>
+            </a:endParaRPr>
+          </a:p>
+        </p:txBody>
+      </p:sp>
+      <p:sp>
+        <p:nvSpPr>
+          <p:cNvPr id="14" name="Up Arrow Callout 13"/>
+          <p:cNvSpPr/>
+          <p:nvPr/>
+        </p:nvSpPr>
+        <p:spPr>
+          <a:xfrm>
+            <a:off x="182880" y="4200637"/>
+            <a:ext cx="1554480" cy="2196581"/>
+          </a:xfrm>
+          <a:prstGeom prst="upArrowCallout">
+            <a:avLst/>
+          </a:prstGeom>
+          <a:solidFill>
+            <a:schemeClr val="bg2">
+              <a:lumMod val="10000"/>
+            </a:schemeClr>
+          </a:solidFill>
+          <a:ln>
+            <a:noFill/>
+          </a:ln>
+        </p:spPr>
+        <p:style>
+          <a:lnRef idx="2">
+            <a:schemeClr val="accent1">
+              <a:shade val="50000"/>
+            </a:schemeClr>
+          </a:lnRef>
+          <a:fillRef idx="1">
+            <a:schemeClr val="accent1"/>
+          </a:fillRef>
+          <a:effectRef idx="0">
+            <a:schemeClr val="accent1"/>
+          </a:effectRef>
+          <a:fontRef idx="minor">
+            <a:schemeClr val="lt1"/>
+          </a:fontRef>
+        </p:style>
+        <p:txBody>
+          <a:bodyPr rtlCol="0" anchor="ctr"/>
+          <a:lstStyle/>
+          <a:p>
+            <a:pPr algn="ctr"/>
+            <a:endParaRPr lang="en-US"/>
+          </a:p>
+        </p:txBody>
+      </p:sp>
+      <p:sp>
+        <p:nvSpPr>
+          <p:cNvPr id="10" name="TextBox 9"/>
+          <p:cNvSpPr txBox="1"/>
+          <p:nvPr/>
+        </p:nvSpPr>
+        <p:spPr>
+          <a:xfrm>
+            <a:off x="274320" y="5115174"/>
+            <a:ext cx="1420944" cy="707886"/>
+          </a:xfrm>
+          <a:prstGeom prst="rect">
+            <a:avLst/>
+          </a:prstGeom>
+          <a:noFill/>
+        </p:spPr>
+        <p:txBody>
+          <a:bodyPr wrap="square" rtlCol="0">
+            <a:spAutoFit/>
+          </a:bodyPr>
+          <a:lstStyle/>
+          <a:p>
+            <a:pPr algn="ctr"/>
+            <a:r>
+              <a:rPr lang="en-US" sz="2000" dirty="0" smtClean="0">
+                <a:solidFill>
+                  <a:schemeClr val="bg1"/>
+                </a:solidFill>
+                <a:latin typeface="+mj-lt"/>
+              </a:rPr>
+              <a:t>Start the game</a:t>
+            </a:r>
+            <a:endParaRPr lang="en-US" sz="2000" dirty="0">
+              <a:solidFill>
+                <a:schemeClr val="bg1"/>
+              </a:solidFill>
+              <a:latin typeface="+mj-lt"/>
+              <a:cs typeface="Estrangelo Edessa" panose="03080600000000000000" pitchFamily="66" charset="0"/>
+            </a:endParaRPr>
+          </a:p>
+        </p:txBody>
+      </p:sp>
+      <p:sp>
+        <p:nvSpPr>
+          <p:cNvPr id="48" name="Up Arrow Callout 47"/>
+          <p:cNvSpPr/>
+          <p:nvPr/>
+        </p:nvSpPr>
+        <p:spPr>
+          <a:xfrm>
+            <a:off x="2240280" y="4200636"/>
+            <a:ext cx="1554480" cy="2196581"/>
+          </a:xfrm>
+          <a:prstGeom prst="upArrowCallout">
+            <a:avLst/>
+          </a:prstGeom>
+          <a:solidFill>
+            <a:schemeClr val="accent1"/>
+          </a:solidFill>
+          <a:ln>
+            <a:noFill/>
+          </a:ln>
+        </p:spPr>
+        <p:style>
+          <a:lnRef idx="2">
+            <a:schemeClr val="accent1">
+              <a:shade val="50000"/>
+            </a:schemeClr>
+          </a:lnRef>
+          <a:fillRef idx="1">
+            <a:schemeClr val="accent1"/>
+          </a:fillRef>
+          <a:effectRef idx="0">
+            <a:schemeClr val="accent1"/>
+          </a:effectRef>
+          <a:fontRef idx="minor">
+            <a:schemeClr val="lt1"/>
+          </a:fontRef>
+        </p:style>
+        <p:txBody>
+          <a:bodyPr rtlCol="0" anchor="ctr"/>
+          <a:lstStyle/>
+          <a:p>
+            <a:pPr algn="ctr"/>
+            <a:endParaRPr lang="en-US"/>
+          </a:p>
+        </p:txBody>
+      </p:sp>
+      <p:cxnSp>
+        <p:nvCxnSpPr>
+          <p:cNvPr id="19" name="Straight Arrow Connector 18"/>
+          <p:cNvCxnSpPr>
+            <a:stCxn id="40" idx="6"/>
+            <a:endCxn id="41" idx="2"/>
+          </p:cNvCxnSpPr>
+          <p:nvPr/>
+        </p:nvCxnSpPr>
+        <p:spPr>
+          <a:xfrm>
+            <a:off x="1645920" y="3302000"/>
+            <a:ext cx="685800" cy="0"/>
+          </a:xfrm>
+          <a:prstGeom prst="straightConnector1">
+            <a:avLst/>
+          </a:prstGeom>
+          <a:ln>
+            <a:solidFill>
+              <a:schemeClr val="bg1"/>
+            </a:solidFill>
+            <a:tailEnd type="triangle"/>
+          </a:ln>
+        </p:spPr>
+        <p:style>
+          <a:lnRef idx="1">
+            <a:schemeClr val="accent1"/>
+          </a:lnRef>
+          <a:fillRef idx="0">
+            <a:schemeClr val="accent1"/>
+          </a:fillRef>
+          <a:effectRef idx="0">
+            <a:schemeClr val="accent1"/>
+          </a:effectRef>
+          <a:fontRef idx="minor">
+            <a:schemeClr val="tx1"/>
+          </a:fontRef>
+        </p:style>
+      </p:cxnSp>
+      <p:cxnSp>
+        <p:nvCxnSpPr>
+          <p:cNvPr id="57" name="Straight Arrow Connector 56"/>
+          <p:cNvCxnSpPr>
+            <a:stCxn id="41" idx="6"/>
+            <a:endCxn id="39" idx="2"/>
+          </p:cNvCxnSpPr>
+          <p:nvPr/>
+        </p:nvCxnSpPr>
+        <p:spPr>
+          <a:xfrm>
+            <a:off x="3703320" y="3302000"/>
+            <a:ext cx="685800" cy="0"/>
+          </a:xfrm>
+          <a:prstGeom prst="straightConnector1">
+            <a:avLst/>
+          </a:prstGeom>
+          <a:ln>
+            <a:solidFill>
+              <a:schemeClr val="bg1"/>
+            </a:solidFill>
+            <a:tailEnd type="triangle"/>
+          </a:ln>
+        </p:spPr>
+        <p:style>
+          <a:lnRef idx="1">
+            <a:schemeClr val="accent1"/>
+          </a:lnRef>
+          <a:fillRef idx="0">
+            <a:schemeClr val="accent1"/>
+          </a:fillRef>
+          <a:effectRef idx="0">
+            <a:schemeClr val="accent1"/>
+          </a:effectRef>
+          <a:fontRef idx="minor">
+            <a:schemeClr val="tx1"/>
+          </a:fontRef>
+        </p:style>
+      </p:cxnSp>
+      <p:cxnSp>
+        <p:nvCxnSpPr>
+          <p:cNvPr id="59" name="Straight Arrow Connector 58"/>
+          <p:cNvCxnSpPr>
+            <a:stCxn id="39" idx="6"/>
+            <a:endCxn id="37" idx="2"/>
+          </p:cNvCxnSpPr>
+          <p:nvPr/>
+        </p:nvCxnSpPr>
+        <p:spPr>
+          <a:xfrm>
+            <a:off x="5760720" y="3302000"/>
+            <a:ext cx="685800" cy="0"/>
+          </a:xfrm>
+          <a:prstGeom prst="straightConnector1">
+            <a:avLst/>
+          </a:prstGeom>
+          <a:ln>
+            <a:solidFill>
+              <a:schemeClr val="bg1"/>
+            </a:solidFill>
+            <a:tailEnd type="triangle"/>
+          </a:ln>
+        </p:spPr>
+        <p:style>
+          <a:lnRef idx="1">
+            <a:schemeClr val="accent1"/>
+          </a:lnRef>
+          <a:fillRef idx="0">
+            <a:schemeClr val="accent1"/>
+          </a:fillRef>
+          <a:effectRef idx="0">
+            <a:schemeClr val="accent1"/>
+          </a:effectRef>
+          <a:fontRef idx="minor">
+            <a:schemeClr val="tx1"/>
+          </a:fontRef>
+        </p:style>
+      </p:cxnSp>
+      <p:cxnSp>
+        <p:nvCxnSpPr>
+          <p:cNvPr id="61" name="Straight Arrow Connector 60"/>
+          <p:cNvCxnSpPr>
+            <a:stCxn id="37" idx="6"/>
+            <a:endCxn id="36" idx="2"/>
+          </p:cNvCxnSpPr>
+          <p:nvPr/>
+        </p:nvCxnSpPr>
+        <p:spPr>
+          <a:xfrm>
+            <a:off x="7818120" y="3302000"/>
+            <a:ext cx="685800" cy="0"/>
+          </a:xfrm>
+          <a:prstGeom prst="straightConnector1">
+            <a:avLst/>
+          </a:prstGeom>
+          <a:ln>
+            <a:solidFill>
+              <a:schemeClr val="bg1"/>
+            </a:solidFill>
+            <a:tailEnd type="triangle"/>
+          </a:ln>
+        </p:spPr>
+        <p:style>
+          <a:lnRef idx="1">
+            <a:schemeClr val="accent1"/>
+          </a:lnRef>
+          <a:fillRef idx="0">
+            <a:schemeClr val="accent1"/>
+          </a:fillRef>
+          <a:effectRef idx="0">
+            <a:schemeClr val="accent1"/>
+          </a:effectRef>
+          <a:fontRef idx="minor">
+            <a:schemeClr val="tx1"/>
+          </a:fontRef>
+        </p:style>
+      </p:cxnSp>
+      <p:sp>
+        <p:nvSpPr>
+          <p:cNvPr id="64" name="Up Arrow Callout 63"/>
+          <p:cNvSpPr/>
+          <p:nvPr/>
+        </p:nvSpPr>
+        <p:spPr>
+          <a:xfrm>
+            <a:off x="6355080" y="4200634"/>
+            <a:ext cx="1554480" cy="2196581"/>
+          </a:xfrm>
+          <a:prstGeom prst="upArrowCallout">
+            <a:avLst/>
+          </a:prstGeom>
+          <a:solidFill>
+            <a:schemeClr val="accent1"/>
+          </a:solidFill>
+          <a:ln>
+            <a:noFill/>
+          </a:ln>
+        </p:spPr>
+        <p:style>
+          <a:lnRef idx="2">
+            <a:schemeClr val="accent1">
+              <a:shade val="50000"/>
+            </a:schemeClr>
+          </a:lnRef>
+          <a:fillRef idx="1">
+            <a:schemeClr val="accent1"/>
+          </a:fillRef>
+          <a:effectRef idx="0">
+            <a:schemeClr val="accent1"/>
+          </a:effectRef>
+          <a:fontRef idx="minor">
+            <a:schemeClr val="lt1"/>
+          </a:fontRef>
+        </p:style>
+        <p:txBody>
+          <a:bodyPr rtlCol="0" anchor="ctr"/>
+          <a:lstStyle/>
+          <a:p>
+            <a:pPr algn="ctr"/>
+            <a:endParaRPr lang="en-US"/>
+          </a:p>
+        </p:txBody>
+      </p:sp>
+      <p:sp>
+        <p:nvSpPr>
+          <p:cNvPr id="66" name="Up Arrow Callout 65"/>
+          <p:cNvSpPr/>
+          <p:nvPr/>
+        </p:nvSpPr>
+        <p:spPr>
+          <a:xfrm>
+            <a:off x="4297680" y="4181513"/>
+            <a:ext cx="1554480" cy="2196581"/>
+          </a:xfrm>
+          <a:prstGeom prst="upArrowCallout">
+            <a:avLst/>
+          </a:prstGeom>
+          <a:solidFill>
+            <a:schemeClr val="bg2">
+              <a:lumMod val="10000"/>
+            </a:schemeClr>
+          </a:solidFill>
+          <a:ln>
+            <a:noFill/>
+          </a:ln>
+        </p:spPr>
+        <p:style>
+          <a:lnRef idx="2">
+            <a:schemeClr val="accent1">
+              <a:shade val="50000"/>
+            </a:schemeClr>
+          </a:lnRef>
+          <a:fillRef idx="1">
+            <a:schemeClr val="accent1"/>
+          </a:fillRef>
+          <a:effectRef idx="0">
+            <a:schemeClr val="accent1"/>
+          </a:effectRef>
+          <a:fontRef idx="minor">
+            <a:schemeClr val="lt1"/>
+          </a:fontRef>
+        </p:style>
+        <p:txBody>
+          <a:bodyPr rtlCol="0" anchor="ctr"/>
+          <a:lstStyle/>
+          <a:p>
+            <a:pPr algn="ctr"/>
+            <a:endParaRPr lang="en-US"/>
+          </a:p>
+        </p:txBody>
+      </p:sp>
+      <p:sp>
+        <p:nvSpPr>
+          <p:cNvPr id="67" name="Up Arrow Callout 66"/>
+          <p:cNvSpPr/>
+          <p:nvPr/>
+        </p:nvSpPr>
+        <p:spPr>
+          <a:xfrm>
+            <a:off x="8401924" y="4200633"/>
+            <a:ext cx="1554480" cy="2196581"/>
+          </a:xfrm>
+          <a:prstGeom prst="upArrowCallout">
+            <a:avLst/>
+          </a:prstGeom>
+          <a:solidFill>
+            <a:schemeClr val="bg2">
+              <a:lumMod val="10000"/>
+            </a:schemeClr>
+          </a:solidFill>
+          <a:ln>
+            <a:noFill/>
+          </a:ln>
+        </p:spPr>
+        <p:style>
+          <a:lnRef idx="2">
+            <a:schemeClr val="accent1">
+              <a:shade val="50000"/>
+            </a:schemeClr>
+          </a:lnRef>
+          <a:fillRef idx="1">
+            <a:schemeClr val="accent1"/>
+          </a:fillRef>
+          <a:effectRef idx="0">
+            <a:schemeClr val="accent1"/>
+          </a:effectRef>
+          <a:fontRef idx="minor">
+            <a:schemeClr val="lt1"/>
+          </a:fontRef>
+        </p:style>
+        <p:txBody>
+          <a:bodyPr rtlCol="0" anchor="ctr"/>
+          <a:lstStyle/>
+          <a:p>
+            <a:pPr algn="ctr"/>
+            <a:endParaRPr lang="en-US"/>
+          </a:p>
+        </p:txBody>
+      </p:sp>
+      <p:sp>
+        <p:nvSpPr>
+          <p:cNvPr id="68" name="TextBox 67"/>
+          <p:cNvSpPr txBox="1"/>
+          <p:nvPr/>
+        </p:nvSpPr>
+        <p:spPr>
+          <a:xfrm>
+            <a:off x="2303116" y="5114073"/>
+            <a:ext cx="1420944" cy="707886"/>
+          </a:xfrm>
+          <a:prstGeom prst="rect">
+            <a:avLst/>
+          </a:prstGeom>
+          <a:noFill/>
+        </p:spPr>
+        <p:txBody>
+          <a:bodyPr wrap="square" rtlCol="0">
+            <a:spAutoFit/>
+          </a:bodyPr>
+          <a:lstStyle/>
+          <a:p>
+            <a:pPr algn="ctr"/>
+            <a:r>
+              <a:rPr lang="en-US" sz="2000" dirty="0" smtClean="0">
+                <a:latin typeface="+mj-lt"/>
+                <a:cs typeface="Estrangelo Edessa" panose="03080600000000000000" pitchFamily="66" charset="0"/>
+              </a:rPr>
+              <a:t>Sound</a:t>
+            </a:r>
+          </a:p>
+          <a:p>
+            <a:pPr algn="ctr"/>
+            <a:r>
+              <a:rPr lang="en-US" sz="2000" dirty="0" smtClean="0">
+                <a:latin typeface="+mj-lt"/>
+                <a:cs typeface="Estrangelo Edessa" panose="03080600000000000000" pitchFamily="66" charset="0"/>
+              </a:rPr>
+              <a:t>Display</a:t>
+            </a:r>
+            <a:endParaRPr lang="en-US" sz="2000" dirty="0">
+              <a:latin typeface="+mj-lt"/>
+              <a:cs typeface="Estrangelo Edessa" panose="03080600000000000000" pitchFamily="66" charset="0"/>
+            </a:endParaRPr>
+          </a:p>
+        </p:txBody>
+      </p:sp>
+      <p:sp>
+        <p:nvSpPr>
+          <p:cNvPr id="69" name="TextBox 68"/>
+          <p:cNvSpPr txBox="1"/>
+          <p:nvPr/>
+        </p:nvSpPr>
+        <p:spPr>
+          <a:xfrm>
+            <a:off x="4339776" y="5114073"/>
+            <a:ext cx="1420944" cy="707886"/>
+          </a:xfrm>
+          <a:prstGeom prst="rect">
+            <a:avLst/>
+          </a:prstGeom>
+          <a:noFill/>
+        </p:spPr>
+        <p:txBody>
+          <a:bodyPr wrap="square" rtlCol="0">
+            <a:spAutoFit/>
+          </a:bodyPr>
+          <a:lstStyle/>
+          <a:p>
+            <a:pPr algn="ctr"/>
+            <a:r>
+              <a:rPr lang="en-US" sz="2000" dirty="0" smtClean="0">
+                <a:solidFill>
+                  <a:schemeClr val="bg1"/>
+                </a:solidFill>
+                <a:latin typeface="+mj-lt"/>
+                <a:cs typeface="Estrangelo Edessa" panose="03080600000000000000" pitchFamily="66" charset="0"/>
+              </a:rPr>
+              <a:t>Exit the game</a:t>
+            </a:r>
+            <a:endParaRPr lang="en-US" sz="2000" dirty="0">
+              <a:solidFill>
+                <a:schemeClr val="bg1"/>
+              </a:solidFill>
+              <a:latin typeface="+mj-lt"/>
+              <a:cs typeface="Estrangelo Edessa" panose="03080600000000000000" pitchFamily="66" charset="0"/>
+            </a:endParaRPr>
+          </a:p>
+        </p:txBody>
+      </p:sp>
+      <p:sp>
+        <p:nvSpPr>
+          <p:cNvPr id="70" name="TextBox 69"/>
+          <p:cNvSpPr txBox="1"/>
+          <p:nvPr/>
+        </p:nvSpPr>
+        <p:spPr>
+          <a:xfrm>
+            <a:off x="6421848" y="5112972"/>
+            <a:ext cx="1420944" cy="1015663"/>
+          </a:xfrm>
+          <a:prstGeom prst="rect">
+            <a:avLst/>
+          </a:prstGeom>
+          <a:noFill/>
+        </p:spPr>
+        <p:txBody>
+          <a:bodyPr wrap="square" rtlCol="0">
+            <a:spAutoFit/>
+          </a:bodyPr>
+          <a:lstStyle/>
+          <a:p>
+            <a:pPr algn="ctr"/>
+            <a:r>
+              <a:rPr lang="en-US" sz="2000" dirty="0" smtClean="0">
+                <a:latin typeface="+mj-lt"/>
+                <a:cs typeface="Estrangelo Edessa" panose="03080600000000000000" pitchFamily="66" charset="0"/>
+              </a:rPr>
+              <a:t>Game developer’s name</a:t>
+            </a:r>
+            <a:endParaRPr lang="en-US" sz="2000" dirty="0">
+              <a:latin typeface="+mj-lt"/>
+              <a:cs typeface="Estrangelo Edessa" panose="03080600000000000000" pitchFamily="66" charset="0"/>
+            </a:endParaRPr>
+          </a:p>
+        </p:txBody>
+      </p:sp>
+      <p:sp>
+        <p:nvSpPr>
+          <p:cNvPr id="71" name="TextBox 70"/>
+          <p:cNvSpPr txBox="1"/>
+          <p:nvPr/>
+        </p:nvSpPr>
+        <p:spPr>
+          <a:xfrm>
+            <a:off x="8479248" y="5112972"/>
+            <a:ext cx="1420944" cy="400110"/>
+          </a:xfrm>
+          <a:prstGeom prst="rect">
+            <a:avLst/>
+          </a:prstGeom>
+          <a:noFill/>
+        </p:spPr>
+        <p:txBody>
+          <a:bodyPr wrap="square" rtlCol="0">
+            <a:spAutoFit/>
+          </a:bodyPr>
+          <a:lstStyle/>
+          <a:p>
+            <a:pPr algn="ctr"/>
+            <a:r>
+              <a:rPr lang="en-US" sz="2000" dirty="0" smtClean="0">
+                <a:solidFill>
+                  <a:schemeClr val="bg1"/>
+                </a:solidFill>
+                <a:latin typeface="+mj-lt"/>
+                <a:cs typeface="Estrangelo Edessa" panose="03080600000000000000" pitchFamily="66" charset="0"/>
+              </a:rPr>
+              <a:t>Total cash</a:t>
+            </a:r>
+            <a:endParaRPr lang="en-US" sz="2000" dirty="0">
+              <a:solidFill>
+                <a:schemeClr val="bg1"/>
+              </a:solidFill>
+              <a:latin typeface="+mj-lt"/>
+              <a:cs typeface="Estrangelo Edessa" panose="03080600000000000000" pitchFamily="66" charset="0"/>
+            </a:endParaRPr>
+          </a:p>
+        </p:txBody>
+      </p:sp>
+      <p:sp>
+        <p:nvSpPr>
+          <p:cNvPr id="49" name="Rectangle 48"/>
+          <p:cNvSpPr/>
+          <p:nvPr/>
+        </p:nvSpPr>
+        <p:spPr>
+          <a:xfrm>
+            <a:off x="132707" y="143202"/>
+            <a:ext cx="2690649" cy="494753"/>
+          </a:xfrm>
+          <a:prstGeom prst="rect">
+            <a:avLst/>
+          </a:prstGeom>
+          <a:solidFill>
+            <a:schemeClr val="accent1">
+              <a:alpha val="50000"/>
+            </a:schemeClr>
+          </a:solidFill>
+          <a:ln>
+            <a:noFill/>
+          </a:ln>
+        </p:spPr>
+        <p:style>
+          <a:lnRef idx="2">
+            <a:schemeClr val="accent1">
+              <a:shade val="50000"/>
+            </a:schemeClr>
+          </a:lnRef>
+          <a:fillRef idx="1">
+            <a:schemeClr val="accent1"/>
+          </a:fillRef>
+          <a:effectRef idx="0">
+            <a:schemeClr val="accent1"/>
+          </a:effectRef>
+          <a:fontRef idx="minor">
+            <a:schemeClr val="lt1"/>
+          </a:fontRef>
+        </p:style>
+        <p:txBody>
+          <a:bodyPr rtlCol="0" anchor="ctr"/>
+          <a:lstStyle/>
+          <a:p>
+            <a:pPr algn="ctr"/>
+            <a:endParaRPr lang="en-US"/>
+          </a:p>
+        </p:txBody>
+      </p:sp>
+      <p:sp>
+        <p:nvSpPr>
+          <p:cNvPr id="50" name="TextBox 49"/>
+          <p:cNvSpPr txBox="1"/>
+          <p:nvPr/>
+        </p:nvSpPr>
+        <p:spPr>
+          <a:xfrm>
+            <a:off x="321894" y="113579"/>
+            <a:ext cx="2035932" cy="1015663"/>
+          </a:xfrm>
+          <a:prstGeom prst="rect">
+            <a:avLst/>
+          </a:prstGeom>
+          <a:noFill/>
+        </p:spPr>
+        <p:txBody>
+          <a:bodyPr wrap="square" rtlCol="0">
+            <a:spAutoFit/>
+          </a:bodyPr>
+          <a:lstStyle/>
+          <a:p>
+            <a:pPr algn="ctr"/>
+            <a:r>
+              <a:rPr lang="en-US" sz="3000" dirty="0" smtClean="0">
+                <a:solidFill>
+                  <a:schemeClr val="bg1"/>
+                </a:solidFill>
+                <a:cs typeface="Browallia New" panose="020B0604020202020204" pitchFamily="34" charset="-34"/>
+              </a:rPr>
+              <a:t>10</a:t>
+            </a:r>
+          </a:p>
+          <a:p>
+            <a:pPr algn="ctr"/>
+            <a:endParaRPr lang="en-US" sz="3000" dirty="0">
+              <a:solidFill>
+                <a:schemeClr val="bg1"/>
+              </a:solidFill>
+              <a:cs typeface="Browallia New" panose="020B0604020202020204" pitchFamily="34" charset="-34"/>
+            </a:endParaRPr>
+          </a:p>
+        </p:txBody>
+      </p:sp>
+      <p:sp>
+        <p:nvSpPr>
+          <p:cNvPr id="35" name="Rounded Rectangle 34"/>
+          <p:cNvSpPr/>
+          <p:nvPr/>
+        </p:nvSpPr>
+        <p:spPr>
+          <a:xfrm>
+            <a:off x="3685372" y="298652"/>
+            <a:ext cx="4970907" cy="950507"/>
+          </a:xfrm>
+          <a:prstGeom prst="roundRect">
+            <a:avLst/>
+          </a:prstGeom>
+          <a:solidFill>
+            <a:schemeClr val="accent1"/>
+          </a:solidFill>
+          <a:ln>
+            <a:noFill/>
+          </a:ln>
+        </p:spPr>
+        <p:style>
+          <a:lnRef idx="2">
+            <a:schemeClr val="accent1">
+              <a:shade val="50000"/>
+            </a:schemeClr>
+          </a:lnRef>
+          <a:fillRef idx="1">
+            <a:schemeClr val="accent1"/>
+          </a:fillRef>
+          <a:effectRef idx="0">
+            <a:schemeClr val="accent1"/>
+          </a:effectRef>
+          <a:fontRef idx="minor">
+            <a:schemeClr val="lt1"/>
+          </a:fontRef>
+        </p:style>
+        <p:txBody>
+          <a:bodyPr rtlCol="0" anchor="ctr"/>
+          <a:lstStyle/>
+          <a:p>
+            <a:pPr algn="ctr"/>
+            <a:r>
+              <a:rPr lang="en-US" sz="2400" dirty="0">
+                <a:solidFill>
+                  <a:schemeClr val="tx1"/>
+                </a:solidFill>
+              </a:rPr>
+              <a:t>Game Description: Menus</a:t>
+            </a:r>
+            <a:endParaRPr lang="en-US" sz="2400" dirty="0">
+              <a:solidFill>
+                <a:schemeClr val="tx1"/>
+              </a:solidFill>
+            </a:endParaRPr>
+          </a:p>
+        </p:txBody>
+      </p:sp>
+    </p:spTree>
+    <p:extLst>
+      <p:ext uri="{BB962C8B-B14F-4D97-AF65-F5344CB8AC3E}">
+        <p14:creationId xmlns:p14="http://schemas.microsoft.com/office/powerpoint/2010/main" val="2302145438"/>
+      </p:ext>
+    </p:extLst>
+  </p:cSld>
+  <p:clrMapOvr>
+    <a:masterClrMapping/>
+  </p:clrMapOvr>
+  <mc:AlternateContent xmlns:mc="http://schemas.openxmlformats.org/markup-compatibility/2006" xmlns:p14="http://schemas.microsoft.com/office/powerpoint/2010/main">
+    <mc:Choice Requires="p14">
+      <p:transition spd="slow" p14:dur="1600">
+        <p14:conveyor dir="l"/>
+      </p:transition>
+    </mc:Choice>
+    <mc:Fallback xmlns="">
+      <p:transition spd="slow">
+        <p:fade/>
+      </p:transition>
+    </mc:Fallback>
+  </mc:AlternateContent>
+  <p:timing>
+    <p:tnLst>
+      <p:par>
+        <p:cTn id="1" dur="indefinite" restart="never" nodeType="tmRoot"/>
+      </p:par>
+    </p:tnLst>
+  </p:timing>
+</p:sld>
+</file>
+
+<file path=ppt/slides/slide11.xml><?xml version="1.0" encoding="utf-8"?>
 <p:sld xmlns:a="http://schemas.openxmlformats.org/drawingml/2006/main" xmlns:r="http://schemas.openxmlformats.org/officeDocument/2006/relationships" xmlns:p="http://schemas.openxmlformats.org/presentationml/2006/main">
   <p:cSld>
     <p:bg>
@@ -5664,22 +5614,20 @@
       </p:sp>
       <p:sp>
         <p:nvSpPr>
-          <p:cNvPr id="6" name="Rectangle 5"/>
+          <p:cNvPr id="20" name="Rounded Rectangle 19"/>
           <p:cNvSpPr/>
           <p:nvPr/>
         </p:nvSpPr>
         <p:spPr>
           <a:xfrm>
-            <a:off x="0" y="0"/>
-            <a:ext cx="12192000" cy="6858000"/>
-          </a:xfrm>
-          <a:prstGeom prst="rect">
+            <a:off x="587530" y="2436814"/>
+            <a:ext cx="2560320" cy="3657600"/>
+          </a:xfrm>
+          <a:prstGeom prst="roundRect">
             <a:avLst/>
           </a:prstGeom>
           <a:solidFill>
-            <a:schemeClr val="tx1">
-              <a:alpha val="50000"/>
-            </a:schemeClr>
+            <a:schemeClr val="accent1"/>
           </a:solidFill>
           <a:ln>
             <a:noFill/>
@@ -5705,20 +5653,33 @@
           <a:bodyPr rtlCol="0" anchor="ctr"/>
           <a:lstStyle/>
           <a:p>
-            <a:pPr algn="ctr"/>
-            <a:endParaRPr lang="en-US"/>
-          </a:p>
-        </p:txBody>
-      </p:sp>
-      <p:sp>
-        <p:nvSpPr>
-          <p:cNvPr id="20" name="Rounded Rectangle 19"/>
+            <a:r>
+              <a:rPr lang="en-US" dirty="0">
+                <a:cs typeface="Browallia New" panose="020B0604020202020204" pitchFamily="34" charset="-34"/>
+              </a:rPr>
+              <a:t>Control with W,A,S,D of the </a:t>
+            </a:r>
+            <a:r>
+              <a:rPr lang="en-US" dirty="0" err="1" smtClean="0">
+                <a:cs typeface="Browallia New" panose="020B0604020202020204" pitchFamily="34" charset="-34"/>
+              </a:rPr>
+              <a:t>keyboardz</a:t>
+            </a:r>
+            <a:endParaRPr lang="en-US" dirty="0">
+              <a:cs typeface="Browallia New" panose="020B0604020202020204" pitchFamily="34" charset="-34"/>
+            </a:endParaRPr>
+          </a:p>
+        </p:txBody>
+      </p:sp>
+      <p:sp>
+        <p:nvSpPr>
+          <p:cNvPr id="31" name="Rounded Rectangle 30"/>
           <p:cNvSpPr/>
           <p:nvPr/>
         </p:nvSpPr>
         <p:spPr>
           <a:xfrm>
-            <a:off x="587530" y="2436814"/>
+            <a:off x="3412388" y="2436814"/>
             <a:ext cx="2560320" cy="3657600"/>
           </a:xfrm>
           <a:prstGeom prst="roundRect">
@@ -5752,115 +5713,22 @@
           <a:lstStyle/>
           <a:p>
             <a:pPr algn="ctr"/>
-            <a:endParaRPr lang="en-US"/>
-          </a:p>
-        </p:txBody>
-      </p:sp>
-      <p:sp>
-        <p:nvSpPr>
-          <p:cNvPr id="24" name="TextBox 23"/>
-          <p:cNvSpPr txBox="1"/>
-          <p:nvPr/>
-        </p:nvSpPr>
-        <p:spPr>
-          <a:xfrm>
-            <a:off x="883448" y="3934989"/>
-            <a:ext cx="1983956" cy="1569660"/>
-          </a:xfrm>
-          <a:prstGeom prst="rect">
-            <a:avLst/>
-          </a:prstGeom>
-          <a:noFill/>
-        </p:spPr>
-        <p:txBody>
-          <a:bodyPr wrap="square" rtlCol="0">
-            <a:spAutoFit/>
-          </a:bodyPr>
-          <a:lstStyle/>
-          <a:p>
-            <a:r>
-              <a:rPr lang="en-US" sz="2400" dirty="0">
-                <a:latin typeface="+mj-lt"/>
-              </a:rPr>
-              <a:t>Lorem ipsum dolor sit </a:t>
-            </a:r>
-            <a:r>
-              <a:rPr lang="en-US" sz="2400" dirty="0" smtClean="0">
-                <a:latin typeface="+mj-lt"/>
-              </a:rPr>
-              <a:t>amet </a:t>
-            </a:r>
-            <a:r>
-              <a:rPr lang="en-US" sz="2400" dirty="0">
-                <a:latin typeface="+mj-lt"/>
-              </a:rPr>
-              <a:t>urna ipsum dolor sit amet </a:t>
-            </a:r>
-            <a:endParaRPr lang="en-US" sz="2400" dirty="0">
-              <a:latin typeface="+mj-lt"/>
-              <a:cs typeface="Browallia New" panose="020B0604020202020204" pitchFamily="34" charset="-34"/>
-            </a:endParaRPr>
-          </a:p>
-        </p:txBody>
-      </p:sp>
-      <p:sp>
-        <p:nvSpPr>
-          <p:cNvPr id="10" name="Rectangle 9"/>
+            <a:endParaRPr lang="en-US" dirty="0"/>
+          </a:p>
+        </p:txBody>
+      </p:sp>
+      <p:sp>
+        <p:nvSpPr>
+          <p:cNvPr id="35" name="Rounded Rectangle 34"/>
           <p:cNvSpPr/>
           <p:nvPr/>
         </p:nvSpPr>
         <p:spPr>
           <a:xfrm>
-            <a:off x="587532" y="1257299"/>
-            <a:ext cx="5394960" cy="1016000"/>
-          </a:xfrm>
-          <a:prstGeom prst="rect">
-            <a:avLst/>
-          </a:prstGeom>
-          <a:solidFill>
-            <a:schemeClr val="accent1"/>
-          </a:solidFill>
-          <a:ln>
-            <a:noFill/>
-          </a:ln>
-        </p:spPr>
-        <p:style>
-          <a:lnRef idx="2">
-            <a:schemeClr val="accent1">
-              <a:shade val="50000"/>
-            </a:schemeClr>
-          </a:lnRef>
-          <a:fillRef idx="1">
-            <a:schemeClr val="accent1"/>
-          </a:fillRef>
-          <a:effectRef idx="0">
-            <a:schemeClr val="accent1"/>
-          </a:effectRef>
-          <a:fontRef idx="minor">
-            <a:schemeClr val="lt1"/>
-          </a:fontRef>
-        </p:style>
-        <p:txBody>
-          <a:bodyPr rtlCol="0" anchor="ctr"/>
-          <a:lstStyle/>
-          <a:p>
-            <a:pPr algn="ctr"/>
-            <a:endParaRPr lang="en-US"/>
-          </a:p>
-        </p:txBody>
-      </p:sp>
-      <p:sp>
-        <p:nvSpPr>
-          <p:cNvPr id="26" name="Rectangle 25"/>
-          <p:cNvSpPr/>
-          <p:nvPr/>
-        </p:nvSpPr>
-        <p:spPr>
-          <a:xfrm>
-            <a:off x="6237861" y="1257299"/>
-            <a:ext cx="5394960" cy="1016000"/>
-          </a:xfrm>
-          <a:prstGeom prst="rect">
+            <a:off x="9076113" y="2436814"/>
+            <a:ext cx="2560320" cy="3657600"/>
+          </a:xfrm>
+          <a:prstGeom prst="roundRect">
             <a:avLst/>
           </a:prstGeom>
           <a:solidFill>
@@ -5899,273 +5767,13 @@
       </p:sp>
       <p:sp>
         <p:nvSpPr>
-          <p:cNvPr id="27" name="TextBox 26"/>
-          <p:cNvSpPr txBox="1"/>
-          <p:nvPr/>
-        </p:nvSpPr>
-        <p:spPr>
-          <a:xfrm>
-            <a:off x="655214" y="1225837"/>
-            <a:ext cx="1482213" cy="830997"/>
-          </a:xfrm>
-          <a:prstGeom prst="rect">
-            <a:avLst/>
-          </a:prstGeom>
-          <a:noFill/>
-        </p:spPr>
-        <p:txBody>
-          <a:bodyPr wrap="square" rtlCol="0">
-            <a:spAutoFit/>
-          </a:bodyPr>
-          <a:lstStyle/>
-          <a:p>
-            <a:pPr algn="ctr"/>
-            <a:r>
-              <a:rPr lang="en-US" sz="4800" b="1" dirty="0" smtClean="0">
-                <a:solidFill>
-                  <a:schemeClr val="bg1"/>
-                </a:solidFill>
-                <a:latin typeface="Candara" panose="020E0502030303020204" pitchFamily="34" charset="0"/>
-                <a:cs typeface="Estrangelo Edessa" panose="03080600000000000000" pitchFamily="66" charset="0"/>
-              </a:rPr>
-              <a:t>35%</a:t>
-            </a:r>
-            <a:endParaRPr lang="en-US" sz="4800" b="1" dirty="0">
-              <a:solidFill>
-                <a:schemeClr val="bg1"/>
-              </a:solidFill>
-              <a:latin typeface="Candara" panose="020E0502030303020204" pitchFamily="34" charset="0"/>
-              <a:cs typeface="Estrangelo Edessa" panose="03080600000000000000" pitchFamily="66" charset="0"/>
-            </a:endParaRPr>
-          </a:p>
-        </p:txBody>
-      </p:sp>
-      <p:sp>
-        <p:nvSpPr>
-          <p:cNvPr id="28" name="TextBox 27"/>
-          <p:cNvSpPr txBox="1"/>
-          <p:nvPr/>
-        </p:nvSpPr>
-        <p:spPr>
-          <a:xfrm>
-            <a:off x="2219879" y="1349801"/>
-            <a:ext cx="3708966" cy="830997"/>
-          </a:xfrm>
-          <a:prstGeom prst="rect">
-            <a:avLst/>
-          </a:prstGeom>
-          <a:noFill/>
-        </p:spPr>
-        <p:txBody>
-          <a:bodyPr wrap="square" rtlCol="0">
-            <a:spAutoFit/>
-          </a:bodyPr>
-          <a:lstStyle/>
-          <a:p>
-            <a:r>
-              <a:rPr lang="en-US" sz="2400" dirty="0">
-                <a:solidFill>
-                  <a:schemeClr val="bg1"/>
-                </a:solidFill>
-                <a:latin typeface="+mj-lt"/>
-              </a:rPr>
-              <a:t>Lorem ipsum dolor sit </a:t>
-            </a:r>
-            <a:r>
-              <a:rPr lang="en-US" sz="2400" dirty="0" smtClean="0">
-                <a:solidFill>
-                  <a:schemeClr val="bg1"/>
-                </a:solidFill>
-                <a:latin typeface="+mj-lt"/>
-              </a:rPr>
-              <a:t>amet urna </a:t>
-            </a:r>
-            <a:r>
-              <a:rPr lang="en-US" sz="2400" dirty="0">
-                <a:solidFill>
-                  <a:schemeClr val="bg1"/>
-                </a:solidFill>
-                <a:latin typeface="+mj-lt"/>
-              </a:rPr>
-              <a:t>scelerisque</a:t>
-            </a:r>
-            <a:endParaRPr lang="en-US" sz="2400" dirty="0">
-              <a:solidFill>
-                <a:schemeClr val="bg1"/>
-              </a:solidFill>
-              <a:latin typeface="+mj-lt"/>
-              <a:cs typeface="Browallia New" panose="020B0604020202020204" pitchFamily="34" charset="-34"/>
-            </a:endParaRPr>
-          </a:p>
-        </p:txBody>
-      </p:sp>
-      <p:sp>
-        <p:nvSpPr>
-          <p:cNvPr id="29" name="TextBox 28"/>
-          <p:cNvSpPr txBox="1"/>
-          <p:nvPr/>
-        </p:nvSpPr>
-        <p:spPr>
-          <a:xfrm>
-            <a:off x="7814319" y="1349107"/>
-            <a:ext cx="3708966" cy="830997"/>
-          </a:xfrm>
-          <a:prstGeom prst="rect">
-            <a:avLst/>
-          </a:prstGeom>
-          <a:noFill/>
-        </p:spPr>
-        <p:txBody>
-          <a:bodyPr wrap="square" rtlCol="0">
-            <a:spAutoFit/>
-          </a:bodyPr>
-          <a:lstStyle/>
-          <a:p>
-            <a:r>
-              <a:rPr lang="en-US" sz="2400" dirty="0">
-                <a:solidFill>
-                  <a:schemeClr val="bg1"/>
-                </a:solidFill>
-                <a:latin typeface="+mj-lt"/>
-              </a:rPr>
-              <a:t>Lorem ipsum dolor sit </a:t>
-            </a:r>
-            <a:r>
-              <a:rPr lang="en-US" sz="2400" dirty="0" smtClean="0">
-                <a:solidFill>
-                  <a:schemeClr val="bg1"/>
-                </a:solidFill>
-                <a:latin typeface="+mj-lt"/>
-              </a:rPr>
-              <a:t>amet urna </a:t>
-            </a:r>
-            <a:r>
-              <a:rPr lang="en-US" sz="2400" dirty="0">
-                <a:solidFill>
-                  <a:schemeClr val="bg1"/>
-                </a:solidFill>
-                <a:latin typeface="+mj-lt"/>
-              </a:rPr>
-              <a:t>scelerisque</a:t>
-            </a:r>
-            <a:endParaRPr lang="en-US" sz="2400" dirty="0">
-              <a:solidFill>
-                <a:schemeClr val="bg1"/>
-              </a:solidFill>
-              <a:latin typeface="+mj-lt"/>
-              <a:cs typeface="Browallia New" panose="020B0604020202020204" pitchFamily="34" charset="-34"/>
-            </a:endParaRPr>
-          </a:p>
-        </p:txBody>
-      </p:sp>
-      <p:sp>
-        <p:nvSpPr>
-          <p:cNvPr id="30" name="TextBox 29"/>
-          <p:cNvSpPr txBox="1"/>
-          <p:nvPr/>
-        </p:nvSpPr>
-        <p:spPr>
-          <a:xfrm>
-            <a:off x="6370110" y="1225837"/>
-            <a:ext cx="1326081" cy="830997"/>
-          </a:xfrm>
-          <a:prstGeom prst="rect">
-            <a:avLst/>
-          </a:prstGeom>
-          <a:noFill/>
-        </p:spPr>
-        <p:txBody>
-          <a:bodyPr wrap="square" rtlCol="0">
-            <a:spAutoFit/>
-          </a:bodyPr>
-          <a:lstStyle/>
-          <a:p>
-            <a:pPr algn="ctr"/>
-            <a:r>
-              <a:rPr lang="en-US" sz="4800" b="1" dirty="0">
-                <a:solidFill>
-                  <a:schemeClr val="bg1"/>
-                </a:solidFill>
-                <a:latin typeface="Candara" panose="020E0502030303020204" pitchFamily="34" charset="0"/>
-                <a:cs typeface="Estrangelo Edessa" panose="03080600000000000000" pitchFamily="66" charset="0"/>
-              </a:rPr>
-              <a:t>4</a:t>
-            </a:r>
-            <a:r>
-              <a:rPr lang="en-US" sz="4800" b="1" dirty="0" smtClean="0">
-                <a:solidFill>
-                  <a:schemeClr val="bg1"/>
-                </a:solidFill>
-                <a:latin typeface="Candara" panose="020E0502030303020204" pitchFamily="34" charset="0"/>
-                <a:cs typeface="Estrangelo Edessa" panose="03080600000000000000" pitchFamily="66" charset="0"/>
-              </a:rPr>
-              <a:t>5%</a:t>
-            </a:r>
-            <a:endParaRPr lang="en-US" sz="4800" b="1" dirty="0">
-              <a:solidFill>
-                <a:schemeClr val="bg1"/>
-              </a:solidFill>
-              <a:latin typeface="Candara" panose="020E0502030303020204" pitchFamily="34" charset="0"/>
-              <a:cs typeface="Estrangelo Edessa" panose="03080600000000000000" pitchFamily="66" charset="0"/>
-            </a:endParaRPr>
-          </a:p>
-        </p:txBody>
-      </p:sp>
-      <p:sp>
-        <p:nvSpPr>
-          <p:cNvPr id="31" name="Rounded Rectangle 30"/>
+          <p:cNvPr id="36" name="Rounded Rectangle 35"/>
           <p:cNvSpPr/>
           <p:nvPr/>
         </p:nvSpPr>
         <p:spPr>
           <a:xfrm>
-            <a:off x="3412388" y="2436814"/>
-            <a:ext cx="2560320" cy="3657600"/>
-          </a:xfrm>
-          <a:prstGeom prst="roundRect">
-            <a:avLst/>
-          </a:prstGeom>
-          <a:solidFill>
-            <a:schemeClr val="accent1"/>
-          </a:solidFill>
-          <a:ln>
-            <a:noFill/>
-          </a:ln>
-        </p:spPr>
-        <p:style>
-          <a:lnRef idx="2">
-            <a:schemeClr val="accent1">
-              <a:shade val="50000"/>
-            </a:schemeClr>
-          </a:lnRef>
-          <a:fillRef idx="1">
-            <a:schemeClr val="accent1"/>
-          </a:fillRef>
-          <a:effectRef idx="0">
-            <a:schemeClr val="accent1"/>
-          </a:effectRef>
-          <a:fontRef idx="minor">
-            <a:schemeClr val="lt1"/>
-          </a:fontRef>
-        </p:style>
-        <p:txBody>
-          <a:bodyPr rtlCol="0" anchor="ctr"/>
-          <a:lstStyle/>
-          <a:p>
-            <a:pPr algn="ctr"/>
-            <a:endParaRPr lang="en-US"/>
-          </a:p>
-        </p:txBody>
-      </p:sp>
-      <p:sp>
-        <p:nvSpPr>
-          <p:cNvPr id="35" name="Rounded Rectangle 34"/>
-          <p:cNvSpPr/>
-          <p:nvPr/>
-        </p:nvSpPr>
-        <p:spPr>
-          <a:xfrm>
-            <a:off x="9076113" y="2436814"/>
+            <a:off x="6237861" y="2436814"/>
             <a:ext cx="2560320" cy="3657600"/>
           </a:xfrm>
           <a:prstGeom prst="roundRect">
@@ -6207,21 +5815,158 @@
       </p:sp>
       <p:sp>
         <p:nvSpPr>
-          <p:cNvPr id="36" name="Rounded Rectangle 35"/>
+          <p:cNvPr id="37" name="TextBox 36"/>
+          <p:cNvSpPr txBox="1"/>
+          <p:nvPr/>
+        </p:nvSpPr>
+        <p:spPr>
+          <a:xfrm>
+            <a:off x="3700570" y="4689986"/>
+            <a:ext cx="1983956" cy="1200329"/>
+          </a:xfrm>
+          <a:prstGeom prst="rect">
+            <a:avLst/>
+          </a:prstGeom>
+          <a:noFill/>
+        </p:spPr>
+        <p:txBody>
+          <a:bodyPr wrap="square" rtlCol="0">
+            <a:spAutoFit/>
+          </a:bodyPr>
+          <a:lstStyle/>
+          <a:p>
+            <a:r>
+              <a:rPr lang="en-US" sz="2400" dirty="0" smtClean="0">
+                <a:latin typeface="+mj-lt"/>
+                <a:cs typeface="Browallia New" panose="020B0604020202020204" pitchFamily="34" charset="-34"/>
+              </a:rPr>
+              <a:t>Control with</a:t>
+            </a:r>
+            <a:r>
+              <a:rPr lang="en-US" sz="2400" dirty="0" smtClean="0">
+                <a:latin typeface="+mj-lt"/>
+                <a:cs typeface="Browallia New" panose="020B0604020202020204" pitchFamily="34" charset="-34"/>
+              </a:rPr>
+              <a:t> W,A,S,D of the keyboard</a:t>
+            </a:r>
+            <a:endParaRPr lang="en-US" sz="2400" dirty="0">
+              <a:latin typeface="+mj-lt"/>
+              <a:cs typeface="Browallia New" panose="020B0604020202020204" pitchFamily="34" charset="-34"/>
+            </a:endParaRPr>
+          </a:p>
+        </p:txBody>
+      </p:sp>
+      <p:sp>
+        <p:nvSpPr>
+          <p:cNvPr id="38" name="TextBox 37"/>
+          <p:cNvSpPr txBox="1"/>
+          <p:nvPr/>
+        </p:nvSpPr>
+        <p:spPr>
+          <a:xfrm>
+            <a:off x="6532431" y="4720838"/>
+            <a:ext cx="1983956" cy="1200329"/>
+          </a:xfrm>
+          <a:prstGeom prst="rect">
+            <a:avLst/>
+          </a:prstGeom>
+          <a:noFill/>
+        </p:spPr>
+        <p:txBody>
+          <a:bodyPr wrap="square" rtlCol="0">
+            <a:spAutoFit/>
+          </a:bodyPr>
+          <a:lstStyle/>
+          <a:p>
+            <a:r>
+              <a:rPr lang="en-US" sz="2400" dirty="0" smtClean="0">
+                <a:solidFill>
+                  <a:schemeClr val="bg1"/>
+                </a:solidFill>
+                <a:latin typeface="+mj-lt"/>
+                <a:cs typeface="Browallia New" panose="020B0604020202020204" pitchFamily="34" charset="-34"/>
+              </a:rPr>
+              <a:t>Pause the game with “esc” and “P”</a:t>
+            </a:r>
+            <a:endParaRPr lang="en-US" sz="2400" dirty="0">
+              <a:solidFill>
+                <a:schemeClr val="bg1"/>
+              </a:solidFill>
+              <a:latin typeface="+mj-lt"/>
+              <a:cs typeface="Browallia New" panose="020B0604020202020204" pitchFamily="34" charset="-34"/>
+            </a:endParaRPr>
+          </a:p>
+        </p:txBody>
+      </p:sp>
+      <p:sp>
+        <p:nvSpPr>
+          <p:cNvPr id="39" name="TextBox 38"/>
+          <p:cNvSpPr txBox="1"/>
+          <p:nvPr/>
+        </p:nvSpPr>
+        <p:spPr>
+          <a:xfrm>
+            <a:off x="9364295" y="4720838"/>
+            <a:ext cx="1983956" cy="830997"/>
+          </a:xfrm>
+          <a:prstGeom prst="rect">
+            <a:avLst/>
+          </a:prstGeom>
+          <a:noFill/>
+        </p:spPr>
+        <p:txBody>
+          <a:bodyPr wrap="square" rtlCol="0">
+            <a:spAutoFit/>
+          </a:bodyPr>
+          <a:lstStyle/>
+          <a:p>
+            <a:r>
+              <a:rPr lang="en-US" sz="2400" dirty="0" smtClean="0">
+                <a:solidFill>
+                  <a:schemeClr val="bg1"/>
+                </a:solidFill>
+                <a:latin typeface="+mj-lt"/>
+                <a:cs typeface="Browallia New" panose="020B0604020202020204" pitchFamily="34" charset="-34"/>
+              </a:rPr>
+              <a:t>Switch</a:t>
+            </a:r>
+            <a:r>
+              <a:rPr lang="en-US" sz="2400" dirty="0" smtClean="0">
+                <a:solidFill>
+                  <a:schemeClr val="bg1"/>
+                </a:solidFill>
+                <a:latin typeface="+mj-lt"/>
+                <a:cs typeface="Browallia New" panose="020B0604020202020204" pitchFamily="34" charset="-34"/>
+              </a:rPr>
+              <a:t> camera view with “C”</a:t>
+            </a:r>
+            <a:endParaRPr lang="en-US" sz="2400" dirty="0">
+              <a:solidFill>
+                <a:schemeClr val="bg1"/>
+              </a:solidFill>
+              <a:latin typeface="+mj-lt"/>
+              <a:cs typeface="Browallia New" panose="020B0604020202020204" pitchFamily="34" charset="-34"/>
+            </a:endParaRPr>
+          </a:p>
+        </p:txBody>
+      </p:sp>
+      <p:sp>
+        <p:nvSpPr>
+          <p:cNvPr id="25" name="Rectangle 24"/>
           <p:cNvSpPr/>
           <p:nvPr/>
         </p:nvSpPr>
         <p:spPr>
           <a:xfrm>
-            <a:off x="6237861" y="2436814"/>
-            <a:ext cx="2560320" cy="3657600"/>
-          </a:xfrm>
-          <a:prstGeom prst="roundRect">
+            <a:off x="132707" y="143202"/>
+            <a:ext cx="2690649" cy="494753"/>
+          </a:xfrm>
+          <a:prstGeom prst="rect">
             <a:avLst/>
           </a:prstGeom>
           <a:solidFill>
-            <a:schemeClr val="bg2">
-              <a:lumMod val="10000"/>
+            <a:schemeClr val="accent1">
+              <a:alpha val="50000"/>
             </a:schemeClr>
           </a:solidFill>
           <a:ln>
@@ -6253,16 +5998,109 @@
           </a:p>
         </p:txBody>
       </p:sp>
+      <p:sp>
+        <p:nvSpPr>
+          <p:cNvPr id="34" name="TextBox 33"/>
+          <p:cNvSpPr txBox="1"/>
+          <p:nvPr/>
+        </p:nvSpPr>
+        <p:spPr>
+          <a:xfrm>
+            <a:off x="321894" y="113579"/>
+            <a:ext cx="2035932" cy="553998"/>
+          </a:xfrm>
+          <a:prstGeom prst="rect">
+            <a:avLst/>
+          </a:prstGeom>
+          <a:noFill/>
+        </p:spPr>
+        <p:txBody>
+          <a:bodyPr wrap="square" rtlCol="0">
+            <a:spAutoFit/>
+          </a:bodyPr>
+          <a:lstStyle/>
+          <a:p>
+            <a:pPr algn="ctr"/>
+            <a:r>
+              <a:rPr lang="en-US" sz="3000" dirty="0" smtClean="0">
+                <a:cs typeface="Browallia New" panose="020B0604020202020204" pitchFamily="34" charset="-34"/>
+              </a:rPr>
+              <a:t>11</a:t>
+            </a:r>
+            <a:endParaRPr lang="en-US" sz="3000" dirty="0">
+              <a:cs typeface="Browallia New" panose="020B0604020202020204" pitchFamily="34" charset="-34"/>
+            </a:endParaRPr>
+          </a:p>
+        </p:txBody>
+      </p:sp>
+      <p:sp>
+        <p:nvSpPr>
+          <p:cNvPr id="32" name="Rounded Rectangle 31"/>
+          <p:cNvSpPr/>
+          <p:nvPr/>
+        </p:nvSpPr>
+        <p:spPr>
+          <a:xfrm>
+            <a:off x="3692882" y="249263"/>
+            <a:ext cx="4970907" cy="950507"/>
+          </a:xfrm>
+          <a:prstGeom prst="roundRect">
+            <a:avLst/>
+          </a:prstGeom>
+          <a:solidFill>
+            <a:schemeClr val="accent1"/>
+          </a:solidFill>
+          <a:ln>
+            <a:noFill/>
+          </a:ln>
+        </p:spPr>
+        <p:style>
+          <a:lnRef idx="2">
+            <a:schemeClr val="accent1">
+              <a:shade val="50000"/>
+            </a:schemeClr>
+          </a:lnRef>
+          <a:fillRef idx="1">
+            <a:schemeClr val="accent1"/>
+          </a:fillRef>
+          <a:effectRef idx="0">
+            <a:schemeClr val="accent1"/>
+          </a:effectRef>
+          <a:fontRef idx="minor">
+            <a:schemeClr val="lt1"/>
+          </a:fontRef>
+        </p:style>
+        <p:txBody>
+          <a:bodyPr rtlCol="0" anchor="ctr"/>
+          <a:lstStyle/>
+          <a:p>
+            <a:pPr algn="ctr"/>
+            <a:r>
+              <a:rPr lang="en-US" sz="2400" dirty="0">
+                <a:solidFill>
+                  <a:schemeClr val="tx1"/>
+                </a:solidFill>
+              </a:rPr>
+              <a:t>Game Description: Controls</a:t>
+            </a:r>
+            <a:endParaRPr lang="en-US" sz="2400" dirty="0">
+              <a:solidFill>
+                <a:schemeClr val="tx1"/>
+              </a:solidFill>
+            </a:endParaRPr>
+          </a:p>
+        </p:txBody>
+      </p:sp>
       <p:pic>
         <p:nvPicPr>
-          <p:cNvPr id="9" name="Picture 8"/>
+          <p:cNvPr id="2" name="Picture 1"/>
           <p:cNvPicPr>
             <a:picLocks noChangeAspect="1"/>
           </p:cNvPicPr>
           <p:nvPr/>
         </p:nvPicPr>
         <p:blipFill>
-          <a:blip r:embed="rId5">
+          <a:blip r:embed="rId5" cstate="print">
             <a:extLst>
               <a:ext uri="{28A0092B-C50C-407E-A947-70E740481C1C}">
                 <a14:useLocalDpi xmlns:a14="http://schemas.microsoft.com/office/drawing/2010/main" val="0"/>
@@ -6275,8 +6113,8 @@
         </p:blipFill>
         <p:spPr>
           <a:xfrm>
-            <a:off x="6952818" y="2551872"/>
-            <a:ext cx="1130405" cy="1280160"/>
+            <a:off x="598449" y="2834059"/>
+            <a:ext cx="2563500" cy="1855928"/>
           </a:xfrm>
           <a:prstGeom prst="rect">
             <a:avLst/>
@@ -6285,14 +6123,14 @@
       </p:pic>
       <p:pic>
         <p:nvPicPr>
-          <p:cNvPr id="3" name="Picture 2"/>
+          <p:cNvPr id="4" name="Picture 3"/>
           <p:cNvPicPr>
             <a:picLocks noChangeAspect="1"/>
           </p:cNvPicPr>
           <p:nvPr/>
         </p:nvPicPr>
         <p:blipFill>
-          <a:blip r:embed="rId6" cstate="print">
+          <a:blip r:embed="rId6">
             <a:extLst>
               <a:ext uri="{28A0092B-C50C-407E-A947-70E740481C1C}">
                 <a14:useLocalDpi xmlns:a14="http://schemas.microsoft.com/office/drawing/2010/main" val="0"/>
@@ -6305,17 +6143,74 @@
         </p:blipFill>
         <p:spPr>
           <a:xfrm>
-            <a:off x="9796733" y="2571914"/>
-            <a:ext cx="1130406" cy="1280160"/>
+            <a:off x="3398288" y="2809788"/>
+            <a:ext cx="2551389" cy="1880199"/>
           </a:xfrm>
           <a:prstGeom prst="rect">
             <a:avLst/>
           </a:prstGeom>
         </p:spPr>
       </p:pic>
+      <p:sp>
+        <p:nvSpPr>
+          <p:cNvPr id="33" name="TextBox 32"/>
+          <p:cNvSpPr txBox="1"/>
+          <p:nvPr/>
+        </p:nvSpPr>
+        <p:spPr>
+          <a:xfrm>
+            <a:off x="888221" y="4689987"/>
+            <a:ext cx="1983956" cy="1200329"/>
+          </a:xfrm>
+          <a:prstGeom prst="rect">
+            <a:avLst/>
+          </a:prstGeom>
+          <a:noFill/>
+        </p:spPr>
+        <p:txBody>
+          <a:bodyPr wrap="square" rtlCol="0">
+            <a:spAutoFit/>
+          </a:bodyPr>
+          <a:lstStyle/>
+          <a:p>
+            <a:r>
+              <a:rPr lang="en-US" sz="2400" dirty="0" smtClean="0">
+                <a:latin typeface="+mj-lt"/>
+                <a:cs typeface="Browallia New" panose="020B0604020202020204" pitchFamily="34" charset="-34"/>
+              </a:rPr>
+              <a:t>Control with</a:t>
+            </a:r>
+            <a:r>
+              <a:rPr lang="en-US" sz="2400" dirty="0">
+                <a:latin typeface="+mj-lt"/>
+                <a:cs typeface="Browallia New" panose="020B0604020202020204" pitchFamily="34" charset="-34"/>
+              </a:rPr>
+              <a:t> </a:t>
+            </a:r>
+            <a:r>
+              <a:rPr lang="en-US" sz="2400" dirty="0" smtClean="0">
+                <a:latin typeface="+mj-lt"/>
+                <a:cs typeface="Browallia New" panose="020B0604020202020204" pitchFamily="34" charset="-34"/>
+              </a:rPr>
+              <a:t>arrow key</a:t>
+            </a:r>
+            <a:r>
+              <a:rPr lang="en-US" sz="2400" dirty="0" smtClean="0">
+                <a:latin typeface="+mj-lt"/>
+                <a:cs typeface="Browallia New" panose="020B0604020202020204" pitchFamily="34" charset="-34"/>
+              </a:rPr>
+              <a:t> of the keyboard</a:t>
+            </a:r>
+            <a:endParaRPr lang="en-US" sz="2400" dirty="0">
+              <a:latin typeface="+mj-lt"/>
+              <a:cs typeface="Browallia New" panose="020B0604020202020204" pitchFamily="34" charset="-34"/>
+            </a:endParaRPr>
+          </a:p>
+        </p:txBody>
+      </p:sp>
       <p:pic>
         <p:nvPicPr>
-          <p:cNvPr id="11" name="Picture 10"/>
+          <p:cNvPr id="5" name="Picture 4"/>
           <p:cNvPicPr>
             <a:picLocks noChangeAspect="1"/>
           </p:cNvPicPr>
@@ -6335,8 +6230,8 @@
         </p:blipFill>
         <p:spPr>
           <a:xfrm>
-            <a:off x="1059936" y="2497439"/>
-            <a:ext cx="1411606" cy="1280160"/>
+            <a:off x="6260889" y="2828388"/>
+            <a:ext cx="2527041" cy="1861599"/>
           </a:xfrm>
           <a:prstGeom prst="rect">
             <a:avLst/>
@@ -6345,7 +6240,7 @@
       </p:pic>
       <p:pic>
         <p:nvPicPr>
-          <p:cNvPr id="16" name="Picture 15"/>
+          <p:cNvPr id="7" name="Picture 6"/>
           <p:cNvPicPr>
             <a:picLocks noChangeAspect="1"/>
           </p:cNvPicPr>
@@ -6365,268 +6260,14 @@
         </p:blipFill>
         <p:spPr>
           <a:xfrm>
-            <a:off x="3615034" y="2551872"/>
-            <a:ext cx="1844612" cy="1280160"/>
+            <a:off x="9076113" y="2809788"/>
+            <a:ext cx="2560320" cy="1880199"/>
           </a:xfrm>
           <a:prstGeom prst="rect">
             <a:avLst/>
           </a:prstGeom>
         </p:spPr>
       </p:pic>
-      <p:sp>
-        <p:nvSpPr>
-          <p:cNvPr id="37" name="TextBox 36"/>
-          <p:cNvSpPr txBox="1"/>
-          <p:nvPr/>
-        </p:nvSpPr>
-        <p:spPr>
-          <a:xfrm>
-            <a:off x="3692882" y="3995547"/>
-            <a:ext cx="1983956" cy="1569660"/>
-          </a:xfrm>
-          <a:prstGeom prst="rect">
-            <a:avLst/>
-          </a:prstGeom>
-          <a:noFill/>
-        </p:spPr>
-        <p:txBody>
-          <a:bodyPr wrap="square" rtlCol="0">
-            <a:spAutoFit/>
-          </a:bodyPr>
-          <a:lstStyle/>
-          <a:p>
-            <a:r>
-              <a:rPr lang="en-US" sz="2400" dirty="0">
-                <a:latin typeface="+mj-lt"/>
-              </a:rPr>
-              <a:t>Lorem ipsum dolor sit </a:t>
-            </a:r>
-            <a:r>
-              <a:rPr lang="en-US" sz="2400" dirty="0" smtClean="0">
-                <a:latin typeface="+mj-lt"/>
-              </a:rPr>
-              <a:t>amet </a:t>
-            </a:r>
-            <a:r>
-              <a:rPr lang="en-US" sz="2400" dirty="0">
-                <a:latin typeface="+mj-lt"/>
-              </a:rPr>
-              <a:t>urna ipsum dolor sit amet </a:t>
-            </a:r>
-            <a:endParaRPr lang="en-US" sz="2400" dirty="0">
-              <a:latin typeface="+mj-lt"/>
-              <a:cs typeface="Browallia New" panose="020B0604020202020204" pitchFamily="34" charset="-34"/>
-            </a:endParaRPr>
-          </a:p>
-        </p:txBody>
-      </p:sp>
-      <p:sp>
-        <p:nvSpPr>
-          <p:cNvPr id="38" name="TextBox 37"/>
-          <p:cNvSpPr txBox="1"/>
-          <p:nvPr/>
-        </p:nvSpPr>
-        <p:spPr>
-          <a:xfrm>
-            <a:off x="6526042" y="3934989"/>
-            <a:ext cx="1983956" cy="1569660"/>
-          </a:xfrm>
-          <a:prstGeom prst="rect">
-            <a:avLst/>
-          </a:prstGeom>
-          <a:noFill/>
-        </p:spPr>
-        <p:txBody>
-          <a:bodyPr wrap="square" rtlCol="0">
-            <a:spAutoFit/>
-          </a:bodyPr>
-          <a:lstStyle/>
-          <a:p>
-            <a:r>
-              <a:rPr lang="en-US" sz="2400" dirty="0">
-                <a:solidFill>
-                  <a:schemeClr val="bg1"/>
-                </a:solidFill>
-                <a:latin typeface="+mj-lt"/>
-              </a:rPr>
-              <a:t>Lorem ipsum dolor sit </a:t>
-            </a:r>
-            <a:r>
-              <a:rPr lang="en-US" sz="2400" dirty="0" smtClean="0">
-                <a:solidFill>
-                  <a:schemeClr val="bg1"/>
-                </a:solidFill>
-                <a:latin typeface="+mj-lt"/>
-              </a:rPr>
-              <a:t>amet </a:t>
-            </a:r>
-            <a:r>
-              <a:rPr lang="en-US" sz="2400" dirty="0">
-                <a:solidFill>
-                  <a:schemeClr val="bg1"/>
-                </a:solidFill>
-                <a:latin typeface="+mj-lt"/>
-              </a:rPr>
-              <a:t>urna ipsum dolor sit amet </a:t>
-            </a:r>
-            <a:endParaRPr lang="en-US" sz="2400" dirty="0">
-              <a:solidFill>
-                <a:schemeClr val="bg1"/>
-              </a:solidFill>
-              <a:latin typeface="+mj-lt"/>
-              <a:cs typeface="Browallia New" panose="020B0604020202020204" pitchFamily="34" charset="-34"/>
-            </a:endParaRPr>
-          </a:p>
-        </p:txBody>
-      </p:sp>
-      <p:sp>
-        <p:nvSpPr>
-          <p:cNvPr id="39" name="TextBox 38"/>
-          <p:cNvSpPr txBox="1"/>
-          <p:nvPr/>
-        </p:nvSpPr>
-        <p:spPr>
-          <a:xfrm>
-            <a:off x="9364295" y="3934989"/>
-            <a:ext cx="1983956" cy="1569660"/>
-          </a:xfrm>
-          <a:prstGeom prst="rect">
-            <a:avLst/>
-          </a:prstGeom>
-          <a:noFill/>
-        </p:spPr>
-        <p:txBody>
-          <a:bodyPr wrap="square" rtlCol="0">
-            <a:spAutoFit/>
-          </a:bodyPr>
-          <a:lstStyle/>
-          <a:p>
-            <a:r>
-              <a:rPr lang="en-US" sz="2400" dirty="0">
-                <a:solidFill>
-                  <a:schemeClr val="bg1"/>
-                </a:solidFill>
-                <a:latin typeface="+mj-lt"/>
-              </a:rPr>
-              <a:t>Lorem ipsum dolor sit </a:t>
-            </a:r>
-            <a:r>
-              <a:rPr lang="en-US" sz="2400" dirty="0" smtClean="0">
-                <a:solidFill>
-                  <a:schemeClr val="bg1"/>
-                </a:solidFill>
-                <a:latin typeface="+mj-lt"/>
-              </a:rPr>
-              <a:t>amet </a:t>
-            </a:r>
-            <a:r>
-              <a:rPr lang="en-US" sz="2400" dirty="0">
-                <a:solidFill>
-                  <a:schemeClr val="bg1"/>
-                </a:solidFill>
-                <a:latin typeface="+mj-lt"/>
-              </a:rPr>
-              <a:t>urna ipsum dolor sit amet </a:t>
-            </a:r>
-            <a:endParaRPr lang="en-US" sz="2400" dirty="0">
-              <a:solidFill>
-                <a:schemeClr val="bg1"/>
-              </a:solidFill>
-              <a:latin typeface="+mj-lt"/>
-              <a:cs typeface="Browallia New" panose="020B0604020202020204" pitchFamily="34" charset="-34"/>
-            </a:endParaRPr>
-          </a:p>
-        </p:txBody>
-      </p:sp>
-      <p:sp>
-        <p:nvSpPr>
-          <p:cNvPr id="25" name="Rectangle 24"/>
-          <p:cNvSpPr/>
-          <p:nvPr/>
-        </p:nvSpPr>
-        <p:spPr>
-          <a:xfrm>
-            <a:off x="132707" y="143202"/>
-            <a:ext cx="2690649" cy="494753"/>
-          </a:xfrm>
-          <a:prstGeom prst="rect">
-            <a:avLst/>
-          </a:prstGeom>
-          <a:solidFill>
-            <a:schemeClr val="accent1">
-              <a:alpha val="50000"/>
-            </a:schemeClr>
-          </a:solidFill>
-          <a:ln>
-            <a:noFill/>
-          </a:ln>
-        </p:spPr>
-        <p:style>
-          <a:lnRef idx="2">
-            <a:schemeClr val="accent1">
-              <a:shade val="50000"/>
-            </a:schemeClr>
-          </a:lnRef>
-          <a:fillRef idx="1">
-            <a:schemeClr val="accent1"/>
-          </a:fillRef>
-          <a:effectRef idx="0">
-            <a:schemeClr val="accent1"/>
-          </a:effectRef>
-          <a:fontRef idx="minor">
-            <a:schemeClr val="lt1"/>
-          </a:fontRef>
-        </p:style>
-        <p:txBody>
-          <a:bodyPr rtlCol="0" anchor="ctr"/>
-          <a:lstStyle/>
-          <a:p>
-            <a:pPr algn="ctr"/>
-            <a:endParaRPr lang="en-US"/>
-          </a:p>
-        </p:txBody>
-      </p:sp>
-      <p:sp>
-        <p:nvSpPr>
-          <p:cNvPr id="34" name="TextBox 33"/>
-          <p:cNvSpPr txBox="1"/>
-          <p:nvPr/>
-        </p:nvSpPr>
-        <p:spPr>
-          <a:xfrm>
-            <a:off x="321894" y="113579"/>
-            <a:ext cx="2035932" cy="553998"/>
-          </a:xfrm>
-          <a:prstGeom prst="rect">
-            <a:avLst/>
-          </a:prstGeom>
-          <a:noFill/>
-        </p:spPr>
-        <p:txBody>
-          <a:bodyPr wrap="square" rtlCol="0">
-            <a:spAutoFit/>
-          </a:bodyPr>
-          <a:lstStyle/>
-          <a:p>
-            <a:pPr algn="ctr"/>
-            <a:r>
-              <a:rPr lang="en-US" sz="3000" dirty="0" smtClean="0">
-                <a:solidFill>
-                  <a:schemeClr val="bg1"/>
-                </a:solidFill>
-                <a:cs typeface="Browallia New" panose="020B0604020202020204" pitchFamily="34" charset="-34"/>
-              </a:rPr>
-              <a:t>Slide Title</a:t>
-            </a:r>
-            <a:endParaRPr lang="en-US" sz="3000" dirty="0">
-              <a:solidFill>
-                <a:schemeClr val="bg1"/>
-              </a:solidFill>
-              <a:cs typeface="Browallia New" panose="020B0604020202020204" pitchFamily="34" charset="-34"/>
-            </a:endParaRPr>
-          </a:p>
-        </p:txBody>
-      </p:sp>
     </p:spTree>
     <p:extLst>
       <p:ext uri="{BB962C8B-B14F-4D97-AF65-F5344CB8AC3E}">
@@ -6652,1540 +6293,7 @@
   <p:timing>
     <p:tnLst>
       <p:par>
-        <p:cTn xmlns:p14="http://schemas.microsoft.com/office/powerpoint/2010/main" id="1" dur="indefinite" restart="never" nodeType="tmRoot"/>
-      </p:par>
-    </p:tnLst>
-  </p:timing>
-</p:sld>
-</file>
-
-<file path=ppt/slides/slide11.xml><?xml version="1.0" encoding="utf-8"?>
-<p:sld xmlns:a="http://schemas.openxmlformats.org/drawingml/2006/main" xmlns:r="http://schemas.openxmlformats.org/officeDocument/2006/relationships" xmlns:p="http://schemas.openxmlformats.org/presentationml/2006/main">
-  <p:cSld>
-    <p:bg>
-      <p:bgPr>
-        <a:blipFill dpi="0" rotWithShape="1">
-          <a:blip r:embed="rId2">
-            <a:lum/>
-          </a:blip>
-          <a:srcRect/>
-          <a:stretch>
-            <a:fillRect t="-6000" b="-6000"/>
-          </a:stretch>
-        </a:blipFill>
-        <a:effectLst/>
-      </p:bgPr>
-    </p:bg>
-    <p:spTree>
-      <p:nvGrpSpPr>
-        <p:cNvPr id="1" name=""/>
-        <p:cNvGrpSpPr/>
-        <p:nvPr/>
-      </p:nvGrpSpPr>
-      <p:grpSpPr>
-        <a:xfrm>
-          <a:off x="0" y="0"/>
-          <a:ext cx="0" cy="0"/>
-          <a:chOff x="0" y="0"/>
-          <a:chExt cx="0" cy="0"/>
-        </a:xfrm>
-      </p:grpSpPr>
-      <p:sp>
-        <p:nvSpPr>
-          <p:cNvPr id="6" name="Rectangle 5"/>
-          <p:cNvSpPr/>
-          <p:nvPr/>
-        </p:nvSpPr>
-        <p:spPr>
-          <a:xfrm>
-            <a:off x="0" y="0"/>
-            <a:ext cx="12192000" cy="6858000"/>
-          </a:xfrm>
-          <a:prstGeom prst="rect">
-            <a:avLst/>
-          </a:prstGeom>
-          <a:solidFill>
-            <a:schemeClr val="tx1">
-              <a:alpha val="50000"/>
-            </a:schemeClr>
-          </a:solidFill>
-          <a:ln>
-            <a:noFill/>
-          </a:ln>
-        </p:spPr>
-        <p:style>
-          <a:lnRef idx="2">
-            <a:schemeClr val="accent1">
-              <a:shade val="50000"/>
-            </a:schemeClr>
-          </a:lnRef>
-          <a:fillRef idx="1">
-            <a:schemeClr val="accent1"/>
-          </a:fillRef>
-          <a:effectRef idx="0">
-            <a:schemeClr val="accent1"/>
-          </a:effectRef>
-          <a:fontRef idx="minor">
-            <a:schemeClr val="lt1"/>
-          </a:fontRef>
-        </p:style>
-        <p:txBody>
-          <a:bodyPr rtlCol="0" anchor="ctr"/>
-          <a:lstStyle/>
-          <a:p>
-            <a:pPr algn="ctr"/>
-            <a:endParaRPr lang="en-US"/>
-          </a:p>
-        </p:txBody>
-      </p:sp>
-      <p:sp>
-        <p:nvSpPr>
-          <p:cNvPr id="8" name="TextBox 7"/>
-          <p:cNvSpPr txBox="1"/>
-          <p:nvPr/>
-        </p:nvSpPr>
-        <p:spPr>
-          <a:xfrm>
-            <a:off x="11731397" y="6704111"/>
-            <a:ext cx="329610" cy="107722"/>
-          </a:xfrm>
-          <a:prstGeom prst="rect">
-            <a:avLst/>
-          </a:prstGeom>
-          <a:noFill/>
-        </p:spPr>
-        <p:txBody>
-          <a:bodyPr wrap="square" rtlCol="0">
-            <a:spAutoFit/>
-          </a:bodyPr>
-          <a:lstStyle/>
-          <a:p>
-            <a:r>
-              <a:rPr lang="en-US" sz="100" dirty="0" smtClean="0">
-                <a:solidFill>
-                  <a:schemeClr val="bg1">
-                    <a:lumMod val="75000"/>
-                  </a:schemeClr>
-                </a:solidFill>
-                <a:hlinkClick r:id="rId3"/>
-              </a:rPr>
-              <a:t>Free PowerPoint Templates</a:t>
-            </a:r>
-            <a:endParaRPr lang="en-US" sz="100" dirty="0">
-              <a:solidFill>
-                <a:schemeClr val="bg1">
-                  <a:lumMod val="75000"/>
-                </a:schemeClr>
-              </a:solidFill>
-            </a:endParaRPr>
-          </a:p>
-        </p:txBody>
-      </p:sp>
-      <p:sp>
-        <p:nvSpPr>
-          <p:cNvPr id="36" name="Oval 35"/>
-          <p:cNvSpPr/>
-          <p:nvPr/>
-        </p:nvSpPr>
-        <p:spPr>
-          <a:xfrm>
-            <a:off x="8503920" y="2616200"/>
-            <a:ext cx="1371600" cy="1371600"/>
-          </a:xfrm>
-          <a:prstGeom prst="ellipse">
-            <a:avLst/>
-          </a:prstGeom>
-          <a:solidFill>
-            <a:schemeClr val="bg2">
-              <a:lumMod val="10000"/>
-            </a:schemeClr>
-          </a:solidFill>
-          <a:ln>
-            <a:noFill/>
-          </a:ln>
-        </p:spPr>
-        <p:style>
-          <a:lnRef idx="2">
-            <a:schemeClr val="accent1">
-              <a:shade val="50000"/>
-            </a:schemeClr>
-          </a:lnRef>
-          <a:fillRef idx="1">
-            <a:schemeClr val="accent1"/>
-          </a:fillRef>
-          <a:effectRef idx="0">
-            <a:schemeClr val="accent1"/>
-          </a:effectRef>
-          <a:fontRef idx="minor">
-            <a:schemeClr val="lt1"/>
-          </a:fontRef>
-        </p:style>
-        <p:txBody>
-          <a:bodyPr rtlCol="0" anchor="ctr"/>
-          <a:lstStyle/>
-          <a:p>
-            <a:pPr algn="ctr"/>
-            <a:endParaRPr lang="en-US"/>
-          </a:p>
-        </p:txBody>
-      </p:sp>
-      <p:sp>
-        <p:nvSpPr>
-          <p:cNvPr id="37" name="Oval 36"/>
-          <p:cNvSpPr/>
-          <p:nvPr/>
-        </p:nvSpPr>
-        <p:spPr>
-          <a:xfrm>
-            <a:off x="6446520" y="2616200"/>
-            <a:ext cx="1371600" cy="1371600"/>
-          </a:xfrm>
-          <a:prstGeom prst="ellipse">
-            <a:avLst/>
-          </a:prstGeom>
-          <a:solidFill>
-            <a:schemeClr val="accent1"/>
-          </a:solidFill>
-          <a:ln>
-            <a:noFill/>
-          </a:ln>
-        </p:spPr>
-        <p:style>
-          <a:lnRef idx="2">
-            <a:schemeClr val="accent1">
-              <a:shade val="50000"/>
-            </a:schemeClr>
-          </a:lnRef>
-          <a:fillRef idx="1">
-            <a:schemeClr val="accent1"/>
-          </a:fillRef>
-          <a:effectRef idx="0">
-            <a:schemeClr val="accent1"/>
-          </a:effectRef>
-          <a:fontRef idx="minor">
-            <a:schemeClr val="lt1"/>
-          </a:fontRef>
-        </p:style>
-        <p:txBody>
-          <a:bodyPr rtlCol="0" anchor="ctr"/>
-          <a:lstStyle/>
-          <a:p>
-            <a:pPr algn="ctr"/>
-            <a:endParaRPr lang="en-US"/>
-          </a:p>
-        </p:txBody>
-      </p:sp>
-      <p:sp>
-        <p:nvSpPr>
-          <p:cNvPr id="38" name="Oval 37"/>
-          <p:cNvSpPr/>
-          <p:nvPr/>
-        </p:nvSpPr>
-        <p:spPr>
-          <a:xfrm>
-            <a:off x="10561320" y="2616200"/>
-            <a:ext cx="1371600" cy="1371600"/>
-          </a:xfrm>
-          <a:prstGeom prst="ellipse">
-            <a:avLst/>
-          </a:prstGeom>
-          <a:solidFill>
-            <a:schemeClr val="accent1"/>
-          </a:solidFill>
-          <a:ln>
-            <a:noFill/>
-          </a:ln>
-        </p:spPr>
-        <p:style>
-          <a:lnRef idx="2">
-            <a:schemeClr val="accent1">
-              <a:shade val="50000"/>
-            </a:schemeClr>
-          </a:lnRef>
-          <a:fillRef idx="1">
-            <a:schemeClr val="accent1"/>
-          </a:fillRef>
-          <a:effectRef idx="0">
-            <a:schemeClr val="accent1"/>
-          </a:effectRef>
-          <a:fontRef idx="minor">
-            <a:schemeClr val="lt1"/>
-          </a:fontRef>
-        </p:style>
-        <p:txBody>
-          <a:bodyPr rtlCol="0" anchor="ctr"/>
-          <a:lstStyle/>
-          <a:p>
-            <a:pPr algn="ctr"/>
-            <a:endParaRPr lang="en-US"/>
-          </a:p>
-        </p:txBody>
-      </p:sp>
-      <p:sp>
-        <p:nvSpPr>
-          <p:cNvPr id="39" name="Oval 38"/>
-          <p:cNvSpPr/>
-          <p:nvPr/>
-        </p:nvSpPr>
-        <p:spPr>
-          <a:xfrm>
-            <a:off x="4389120" y="2616200"/>
-            <a:ext cx="1371600" cy="1371600"/>
-          </a:xfrm>
-          <a:prstGeom prst="ellipse">
-            <a:avLst/>
-          </a:prstGeom>
-          <a:solidFill>
-            <a:schemeClr val="bg2">
-              <a:lumMod val="10000"/>
-            </a:schemeClr>
-          </a:solidFill>
-          <a:ln>
-            <a:noFill/>
-          </a:ln>
-        </p:spPr>
-        <p:style>
-          <a:lnRef idx="2">
-            <a:schemeClr val="accent1">
-              <a:shade val="50000"/>
-            </a:schemeClr>
-          </a:lnRef>
-          <a:fillRef idx="1">
-            <a:schemeClr val="accent1"/>
-          </a:fillRef>
-          <a:effectRef idx="0">
-            <a:schemeClr val="accent1"/>
-          </a:effectRef>
-          <a:fontRef idx="minor">
-            <a:schemeClr val="lt1"/>
-          </a:fontRef>
-        </p:style>
-        <p:txBody>
-          <a:bodyPr rtlCol="0" anchor="ctr"/>
-          <a:lstStyle/>
-          <a:p>
-            <a:pPr algn="ctr"/>
-            <a:endParaRPr lang="en-US"/>
-          </a:p>
-        </p:txBody>
-      </p:sp>
-      <p:sp>
-        <p:nvSpPr>
-          <p:cNvPr id="40" name="Oval 39"/>
-          <p:cNvSpPr/>
-          <p:nvPr/>
-        </p:nvSpPr>
-        <p:spPr>
-          <a:xfrm>
-            <a:off x="274320" y="2616200"/>
-            <a:ext cx="1371600" cy="1371600"/>
-          </a:xfrm>
-          <a:prstGeom prst="ellipse">
-            <a:avLst/>
-          </a:prstGeom>
-          <a:solidFill>
-            <a:schemeClr val="bg2">
-              <a:lumMod val="10000"/>
-            </a:schemeClr>
-          </a:solidFill>
-          <a:ln>
-            <a:noFill/>
-          </a:ln>
-        </p:spPr>
-        <p:style>
-          <a:lnRef idx="2">
-            <a:schemeClr val="accent1">
-              <a:shade val="50000"/>
-            </a:schemeClr>
-          </a:lnRef>
-          <a:fillRef idx="1">
-            <a:schemeClr val="accent1"/>
-          </a:fillRef>
-          <a:effectRef idx="0">
-            <a:schemeClr val="accent1"/>
-          </a:effectRef>
-          <a:fontRef idx="minor">
-            <a:schemeClr val="lt1"/>
-          </a:fontRef>
-        </p:style>
-        <p:txBody>
-          <a:bodyPr rtlCol="0" anchor="ctr"/>
-          <a:lstStyle/>
-          <a:p>
-            <a:pPr algn="ctr"/>
-            <a:endParaRPr lang="en-US"/>
-          </a:p>
-        </p:txBody>
-      </p:sp>
-      <p:sp>
-        <p:nvSpPr>
-          <p:cNvPr id="41" name="Oval 40"/>
-          <p:cNvSpPr/>
-          <p:nvPr/>
-        </p:nvSpPr>
-        <p:spPr>
-          <a:xfrm>
-            <a:off x="2331720" y="2616200"/>
-            <a:ext cx="1371600" cy="1371600"/>
-          </a:xfrm>
-          <a:prstGeom prst="ellipse">
-            <a:avLst/>
-          </a:prstGeom>
-          <a:solidFill>
-            <a:schemeClr val="accent1"/>
-          </a:solidFill>
-          <a:ln>
-            <a:noFill/>
-          </a:ln>
-        </p:spPr>
-        <p:style>
-          <a:lnRef idx="2">
-            <a:schemeClr val="accent1">
-              <a:shade val="50000"/>
-            </a:schemeClr>
-          </a:lnRef>
-          <a:fillRef idx="1">
-            <a:schemeClr val="accent1"/>
-          </a:fillRef>
-          <a:effectRef idx="0">
-            <a:schemeClr val="accent1"/>
-          </a:effectRef>
-          <a:fontRef idx="minor">
-            <a:schemeClr val="lt1"/>
-          </a:fontRef>
-        </p:style>
-        <p:txBody>
-          <a:bodyPr rtlCol="0" anchor="ctr"/>
-          <a:lstStyle/>
-          <a:p>
-            <a:pPr algn="ctr"/>
-            <a:endParaRPr lang="en-US"/>
-          </a:p>
-        </p:txBody>
-      </p:sp>
-      <p:sp>
-        <p:nvSpPr>
-          <p:cNvPr id="26" name="TextBox 25"/>
-          <p:cNvSpPr txBox="1"/>
-          <p:nvPr/>
-        </p:nvSpPr>
-        <p:spPr>
-          <a:xfrm>
-            <a:off x="402293" y="2999648"/>
-            <a:ext cx="1105999" cy="584775"/>
-          </a:xfrm>
-          <a:prstGeom prst="rect">
-            <a:avLst/>
-          </a:prstGeom>
-          <a:noFill/>
-        </p:spPr>
-        <p:txBody>
-          <a:bodyPr wrap="square" rtlCol="0">
-            <a:spAutoFit/>
-          </a:bodyPr>
-          <a:lstStyle/>
-          <a:p>
-            <a:pPr algn="ctr"/>
-            <a:r>
-              <a:rPr lang="en-US" sz="3200" dirty="0" smtClean="0">
-                <a:solidFill>
-                  <a:schemeClr val="bg1"/>
-                </a:solidFill>
-                <a:latin typeface="Candara" panose="020E0502030303020204" pitchFamily="34" charset="0"/>
-              </a:rPr>
-              <a:t>1492</a:t>
-            </a:r>
-            <a:endParaRPr lang="en-US" sz="3200" dirty="0">
-              <a:solidFill>
-                <a:schemeClr val="bg1"/>
-              </a:solidFill>
-              <a:latin typeface="Candara" panose="020E0502030303020204" pitchFamily="34" charset="0"/>
-              <a:cs typeface="Estrangelo Edessa" panose="03080600000000000000" pitchFamily="66" charset="0"/>
-            </a:endParaRPr>
-          </a:p>
-        </p:txBody>
-      </p:sp>
-      <p:sp>
-        <p:nvSpPr>
-          <p:cNvPr id="43" name="TextBox 42"/>
-          <p:cNvSpPr txBox="1"/>
-          <p:nvPr/>
-        </p:nvSpPr>
-        <p:spPr>
-          <a:xfrm>
-            <a:off x="2464520" y="2999648"/>
-            <a:ext cx="1105999" cy="584775"/>
-          </a:xfrm>
-          <a:prstGeom prst="rect">
-            <a:avLst/>
-          </a:prstGeom>
-          <a:noFill/>
-        </p:spPr>
-        <p:txBody>
-          <a:bodyPr wrap="square" rtlCol="0">
-            <a:spAutoFit/>
-          </a:bodyPr>
-          <a:lstStyle/>
-          <a:p>
-            <a:pPr algn="ctr"/>
-            <a:r>
-              <a:rPr lang="en-US" sz="3200" dirty="0" smtClean="0">
-                <a:solidFill>
-                  <a:schemeClr val="bg1"/>
-                </a:solidFill>
-                <a:latin typeface="Candara" panose="020E0502030303020204" pitchFamily="34" charset="0"/>
-              </a:rPr>
-              <a:t>1776</a:t>
-            </a:r>
-            <a:endParaRPr lang="en-US" sz="3200" dirty="0">
-              <a:solidFill>
-                <a:schemeClr val="bg1"/>
-              </a:solidFill>
-              <a:latin typeface="Candara" panose="020E0502030303020204" pitchFamily="34" charset="0"/>
-              <a:cs typeface="Estrangelo Edessa" panose="03080600000000000000" pitchFamily="66" charset="0"/>
-            </a:endParaRPr>
-          </a:p>
-        </p:txBody>
-      </p:sp>
-      <p:sp>
-        <p:nvSpPr>
-          <p:cNvPr id="44" name="TextBox 43"/>
-          <p:cNvSpPr txBox="1"/>
-          <p:nvPr/>
-        </p:nvSpPr>
-        <p:spPr>
-          <a:xfrm>
-            <a:off x="4521796" y="2999648"/>
-            <a:ext cx="1105999" cy="584775"/>
-          </a:xfrm>
-          <a:prstGeom prst="rect">
-            <a:avLst/>
-          </a:prstGeom>
-          <a:noFill/>
-        </p:spPr>
-        <p:txBody>
-          <a:bodyPr wrap="square" rtlCol="0">
-            <a:spAutoFit/>
-          </a:bodyPr>
-          <a:lstStyle/>
-          <a:p>
-            <a:pPr algn="ctr"/>
-            <a:r>
-              <a:rPr lang="en-US" sz="3200" dirty="0" smtClean="0">
-                <a:solidFill>
-                  <a:schemeClr val="bg1"/>
-                </a:solidFill>
-                <a:latin typeface="Candara" panose="020E0502030303020204" pitchFamily="34" charset="0"/>
-              </a:rPr>
-              <a:t>1861</a:t>
-            </a:r>
-            <a:endParaRPr lang="en-US" sz="3200" dirty="0">
-              <a:solidFill>
-                <a:schemeClr val="bg1"/>
-              </a:solidFill>
-              <a:latin typeface="Candara" panose="020E0502030303020204" pitchFamily="34" charset="0"/>
-              <a:cs typeface="Estrangelo Edessa" panose="03080600000000000000" pitchFamily="66" charset="0"/>
-            </a:endParaRPr>
-          </a:p>
-        </p:txBody>
-      </p:sp>
-      <p:sp>
-        <p:nvSpPr>
-          <p:cNvPr id="45" name="TextBox 44"/>
-          <p:cNvSpPr txBox="1"/>
-          <p:nvPr/>
-        </p:nvSpPr>
-        <p:spPr>
-          <a:xfrm>
-            <a:off x="6585588" y="2999648"/>
-            <a:ext cx="1105999" cy="584775"/>
-          </a:xfrm>
-          <a:prstGeom prst="rect">
-            <a:avLst/>
-          </a:prstGeom>
-          <a:noFill/>
-        </p:spPr>
-        <p:txBody>
-          <a:bodyPr wrap="square" rtlCol="0">
-            <a:spAutoFit/>
-          </a:bodyPr>
-          <a:lstStyle/>
-          <a:p>
-            <a:pPr algn="ctr"/>
-            <a:r>
-              <a:rPr lang="en-US" sz="3200" dirty="0" smtClean="0">
-                <a:solidFill>
-                  <a:schemeClr val="bg1"/>
-                </a:solidFill>
-                <a:latin typeface="Candara" panose="020E0502030303020204" pitchFamily="34" charset="0"/>
-              </a:rPr>
-              <a:t>1914</a:t>
-            </a:r>
-            <a:endParaRPr lang="en-US" sz="3200" dirty="0">
-              <a:solidFill>
-                <a:schemeClr val="bg1"/>
-              </a:solidFill>
-              <a:latin typeface="Candara" panose="020E0502030303020204" pitchFamily="34" charset="0"/>
-              <a:cs typeface="Estrangelo Edessa" panose="03080600000000000000" pitchFamily="66" charset="0"/>
-            </a:endParaRPr>
-          </a:p>
-        </p:txBody>
-      </p:sp>
-      <p:sp>
-        <p:nvSpPr>
-          <p:cNvPr id="46" name="TextBox 45"/>
-          <p:cNvSpPr txBox="1"/>
-          <p:nvPr/>
-        </p:nvSpPr>
-        <p:spPr>
-          <a:xfrm>
-            <a:off x="8642180" y="2999648"/>
-            <a:ext cx="1105999" cy="584775"/>
-          </a:xfrm>
-          <a:prstGeom prst="rect">
-            <a:avLst/>
-          </a:prstGeom>
-          <a:noFill/>
-        </p:spPr>
-        <p:txBody>
-          <a:bodyPr wrap="square" rtlCol="0">
-            <a:spAutoFit/>
-          </a:bodyPr>
-          <a:lstStyle/>
-          <a:p>
-            <a:pPr algn="ctr"/>
-            <a:r>
-              <a:rPr lang="en-US" sz="3200" dirty="0" smtClean="0">
-                <a:solidFill>
-                  <a:schemeClr val="bg1"/>
-                </a:solidFill>
-                <a:latin typeface="Candara" panose="020E0502030303020204" pitchFamily="34" charset="0"/>
-              </a:rPr>
-              <a:t>1939</a:t>
-            </a:r>
-            <a:endParaRPr lang="en-US" sz="3200" dirty="0">
-              <a:solidFill>
-                <a:schemeClr val="bg1"/>
-              </a:solidFill>
-              <a:latin typeface="Candara" panose="020E0502030303020204" pitchFamily="34" charset="0"/>
-              <a:cs typeface="Estrangelo Edessa" panose="03080600000000000000" pitchFamily="66" charset="0"/>
-            </a:endParaRPr>
-          </a:p>
-        </p:txBody>
-      </p:sp>
-      <p:sp>
-        <p:nvSpPr>
-          <p:cNvPr id="47" name="TextBox 46"/>
-          <p:cNvSpPr txBox="1"/>
-          <p:nvPr/>
-        </p:nvSpPr>
-        <p:spPr>
-          <a:xfrm>
-            <a:off x="10694120" y="2999648"/>
-            <a:ext cx="1105999" cy="584775"/>
-          </a:xfrm>
-          <a:prstGeom prst="rect">
-            <a:avLst/>
-          </a:prstGeom>
-          <a:noFill/>
-        </p:spPr>
-        <p:txBody>
-          <a:bodyPr wrap="square" rtlCol="0">
-            <a:spAutoFit/>
-          </a:bodyPr>
-          <a:lstStyle/>
-          <a:p>
-            <a:pPr algn="ctr"/>
-            <a:r>
-              <a:rPr lang="en-US" sz="3200" dirty="0" smtClean="0">
-                <a:solidFill>
-                  <a:schemeClr val="bg1"/>
-                </a:solidFill>
-                <a:latin typeface="Candara" panose="020E0502030303020204" pitchFamily="34" charset="0"/>
-              </a:rPr>
-              <a:t>2023</a:t>
-            </a:r>
-            <a:endParaRPr lang="en-US" sz="3200" dirty="0">
-              <a:solidFill>
-                <a:schemeClr val="bg1"/>
-              </a:solidFill>
-              <a:latin typeface="Candara" panose="020E0502030303020204" pitchFamily="34" charset="0"/>
-              <a:cs typeface="Estrangelo Edessa" panose="03080600000000000000" pitchFamily="66" charset="0"/>
-            </a:endParaRPr>
-          </a:p>
-        </p:txBody>
-      </p:sp>
-      <p:sp>
-        <p:nvSpPr>
-          <p:cNvPr id="14" name="Up Arrow Callout 13"/>
-          <p:cNvSpPr/>
-          <p:nvPr/>
-        </p:nvSpPr>
-        <p:spPr>
-          <a:xfrm>
-            <a:off x="182880" y="4200637"/>
-            <a:ext cx="1554480" cy="2196581"/>
-          </a:xfrm>
-          <a:prstGeom prst="upArrowCallout">
-            <a:avLst/>
-          </a:prstGeom>
-          <a:solidFill>
-            <a:schemeClr val="bg2">
-              <a:lumMod val="10000"/>
-            </a:schemeClr>
-          </a:solidFill>
-          <a:ln>
-            <a:noFill/>
-          </a:ln>
-        </p:spPr>
-        <p:style>
-          <a:lnRef idx="2">
-            <a:schemeClr val="accent1">
-              <a:shade val="50000"/>
-            </a:schemeClr>
-          </a:lnRef>
-          <a:fillRef idx="1">
-            <a:schemeClr val="accent1"/>
-          </a:fillRef>
-          <a:effectRef idx="0">
-            <a:schemeClr val="accent1"/>
-          </a:effectRef>
-          <a:fontRef idx="minor">
-            <a:schemeClr val="lt1"/>
-          </a:fontRef>
-        </p:style>
-        <p:txBody>
-          <a:bodyPr rtlCol="0" anchor="ctr"/>
-          <a:lstStyle/>
-          <a:p>
-            <a:pPr algn="ctr"/>
-            <a:endParaRPr lang="en-US"/>
-          </a:p>
-        </p:txBody>
-      </p:sp>
-      <p:sp>
-        <p:nvSpPr>
-          <p:cNvPr id="10" name="TextBox 9"/>
-          <p:cNvSpPr txBox="1"/>
-          <p:nvPr/>
-        </p:nvSpPr>
-        <p:spPr>
-          <a:xfrm>
-            <a:off x="274320" y="5115174"/>
-            <a:ext cx="1420944" cy="1077218"/>
-          </a:xfrm>
-          <a:prstGeom prst="rect">
-            <a:avLst/>
-          </a:prstGeom>
-          <a:noFill/>
-        </p:spPr>
-        <p:txBody>
-          <a:bodyPr wrap="square" rtlCol="0">
-            <a:spAutoFit/>
-          </a:bodyPr>
-          <a:lstStyle/>
-          <a:p>
-            <a:pPr algn="ctr"/>
-            <a:r>
-              <a:rPr lang="en-US" sz="1600" dirty="0">
-                <a:solidFill>
-                  <a:schemeClr val="bg1"/>
-                </a:solidFill>
-                <a:latin typeface="+mj-lt"/>
-              </a:rPr>
-              <a:t>Lorem ipsum dolor sit amet, urna </a:t>
-            </a:r>
-            <a:r>
-              <a:rPr lang="en-US" sz="1600" dirty="0" smtClean="0">
-                <a:solidFill>
-                  <a:schemeClr val="bg1"/>
-                </a:solidFill>
-                <a:latin typeface="+mj-lt"/>
-              </a:rPr>
-              <a:t>scelerisque</a:t>
-            </a:r>
-            <a:endParaRPr lang="en-US" sz="1600" dirty="0">
-              <a:solidFill>
-                <a:schemeClr val="bg1"/>
-              </a:solidFill>
-              <a:latin typeface="+mj-lt"/>
-              <a:cs typeface="Estrangelo Edessa" panose="03080600000000000000" pitchFamily="66" charset="0"/>
-            </a:endParaRPr>
-          </a:p>
-        </p:txBody>
-      </p:sp>
-      <p:sp>
-        <p:nvSpPr>
-          <p:cNvPr id="48" name="Up Arrow Callout 47"/>
-          <p:cNvSpPr/>
-          <p:nvPr/>
-        </p:nvSpPr>
-        <p:spPr>
-          <a:xfrm>
-            <a:off x="2240280" y="4200636"/>
-            <a:ext cx="1554480" cy="2196581"/>
-          </a:xfrm>
-          <a:prstGeom prst="upArrowCallout">
-            <a:avLst/>
-          </a:prstGeom>
-          <a:solidFill>
-            <a:schemeClr val="accent1"/>
-          </a:solidFill>
-          <a:ln>
-            <a:noFill/>
-          </a:ln>
-        </p:spPr>
-        <p:style>
-          <a:lnRef idx="2">
-            <a:schemeClr val="accent1">
-              <a:shade val="50000"/>
-            </a:schemeClr>
-          </a:lnRef>
-          <a:fillRef idx="1">
-            <a:schemeClr val="accent1"/>
-          </a:fillRef>
-          <a:effectRef idx="0">
-            <a:schemeClr val="accent1"/>
-          </a:effectRef>
-          <a:fontRef idx="minor">
-            <a:schemeClr val="lt1"/>
-          </a:fontRef>
-        </p:style>
-        <p:txBody>
-          <a:bodyPr rtlCol="0" anchor="ctr"/>
-          <a:lstStyle/>
-          <a:p>
-            <a:pPr algn="ctr"/>
-            <a:endParaRPr lang="en-US"/>
-          </a:p>
-        </p:txBody>
-      </p:sp>
-      <p:cxnSp>
-        <p:nvCxnSpPr>
-          <p:cNvPr id="19" name="Straight Arrow Connector 18"/>
-          <p:cNvCxnSpPr>
-            <a:stCxn id="40" idx="6"/>
-            <a:endCxn id="41" idx="2"/>
-          </p:cNvCxnSpPr>
-          <p:nvPr/>
-        </p:nvCxnSpPr>
-        <p:spPr>
-          <a:xfrm>
-            <a:off x="1645920" y="3302000"/>
-            <a:ext cx="685800" cy="0"/>
-          </a:xfrm>
-          <a:prstGeom prst="straightConnector1">
-            <a:avLst/>
-          </a:prstGeom>
-          <a:ln>
-            <a:solidFill>
-              <a:schemeClr val="bg1"/>
-            </a:solidFill>
-            <a:tailEnd type="triangle"/>
-          </a:ln>
-        </p:spPr>
-        <p:style>
-          <a:lnRef idx="1">
-            <a:schemeClr val="accent1"/>
-          </a:lnRef>
-          <a:fillRef idx="0">
-            <a:schemeClr val="accent1"/>
-          </a:fillRef>
-          <a:effectRef idx="0">
-            <a:schemeClr val="accent1"/>
-          </a:effectRef>
-          <a:fontRef idx="minor">
-            <a:schemeClr val="tx1"/>
-          </a:fontRef>
-        </p:style>
-      </p:cxnSp>
-      <p:cxnSp>
-        <p:nvCxnSpPr>
-          <p:cNvPr id="57" name="Straight Arrow Connector 56"/>
-          <p:cNvCxnSpPr>
-            <a:stCxn id="41" idx="6"/>
-            <a:endCxn id="39" idx="2"/>
-          </p:cNvCxnSpPr>
-          <p:nvPr/>
-        </p:nvCxnSpPr>
-        <p:spPr>
-          <a:xfrm>
-            <a:off x="3703320" y="3302000"/>
-            <a:ext cx="685800" cy="0"/>
-          </a:xfrm>
-          <a:prstGeom prst="straightConnector1">
-            <a:avLst/>
-          </a:prstGeom>
-          <a:ln>
-            <a:solidFill>
-              <a:schemeClr val="bg1"/>
-            </a:solidFill>
-            <a:tailEnd type="triangle"/>
-          </a:ln>
-        </p:spPr>
-        <p:style>
-          <a:lnRef idx="1">
-            <a:schemeClr val="accent1"/>
-          </a:lnRef>
-          <a:fillRef idx="0">
-            <a:schemeClr val="accent1"/>
-          </a:fillRef>
-          <a:effectRef idx="0">
-            <a:schemeClr val="accent1"/>
-          </a:effectRef>
-          <a:fontRef idx="minor">
-            <a:schemeClr val="tx1"/>
-          </a:fontRef>
-        </p:style>
-      </p:cxnSp>
-      <p:cxnSp>
-        <p:nvCxnSpPr>
-          <p:cNvPr id="59" name="Straight Arrow Connector 58"/>
-          <p:cNvCxnSpPr>
-            <a:stCxn id="39" idx="6"/>
-            <a:endCxn id="37" idx="2"/>
-          </p:cNvCxnSpPr>
-          <p:nvPr/>
-        </p:nvCxnSpPr>
-        <p:spPr>
-          <a:xfrm>
-            <a:off x="5760720" y="3302000"/>
-            <a:ext cx="685800" cy="0"/>
-          </a:xfrm>
-          <a:prstGeom prst="straightConnector1">
-            <a:avLst/>
-          </a:prstGeom>
-          <a:ln>
-            <a:solidFill>
-              <a:schemeClr val="bg1"/>
-            </a:solidFill>
-            <a:tailEnd type="triangle"/>
-          </a:ln>
-        </p:spPr>
-        <p:style>
-          <a:lnRef idx="1">
-            <a:schemeClr val="accent1"/>
-          </a:lnRef>
-          <a:fillRef idx="0">
-            <a:schemeClr val="accent1"/>
-          </a:fillRef>
-          <a:effectRef idx="0">
-            <a:schemeClr val="accent1"/>
-          </a:effectRef>
-          <a:fontRef idx="minor">
-            <a:schemeClr val="tx1"/>
-          </a:fontRef>
-        </p:style>
-      </p:cxnSp>
-      <p:cxnSp>
-        <p:nvCxnSpPr>
-          <p:cNvPr id="61" name="Straight Arrow Connector 60"/>
-          <p:cNvCxnSpPr>
-            <a:stCxn id="37" idx="6"/>
-            <a:endCxn id="36" idx="2"/>
-          </p:cNvCxnSpPr>
-          <p:nvPr/>
-        </p:nvCxnSpPr>
-        <p:spPr>
-          <a:xfrm>
-            <a:off x="7818120" y="3302000"/>
-            <a:ext cx="685800" cy="0"/>
-          </a:xfrm>
-          <a:prstGeom prst="straightConnector1">
-            <a:avLst/>
-          </a:prstGeom>
-          <a:ln>
-            <a:solidFill>
-              <a:schemeClr val="bg1"/>
-            </a:solidFill>
-            <a:tailEnd type="triangle"/>
-          </a:ln>
-        </p:spPr>
-        <p:style>
-          <a:lnRef idx="1">
-            <a:schemeClr val="accent1"/>
-          </a:lnRef>
-          <a:fillRef idx="0">
-            <a:schemeClr val="accent1"/>
-          </a:fillRef>
-          <a:effectRef idx="0">
-            <a:schemeClr val="accent1"/>
-          </a:effectRef>
-          <a:fontRef idx="minor">
-            <a:schemeClr val="tx1"/>
-          </a:fontRef>
-        </p:style>
-      </p:cxnSp>
-      <p:cxnSp>
-        <p:nvCxnSpPr>
-          <p:cNvPr id="63" name="Straight Arrow Connector 62"/>
-          <p:cNvCxnSpPr>
-            <a:stCxn id="36" idx="6"/>
-            <a:endCxn id="38" idx="2"/>
-          </p:cNvCxnSpPr>
-          <p:nvPr/>
-        </p:nvCxnSpPr>
-        <p:spPr>
-          <a:xfrm>
-            <a:off x="9875520" y="3302000"/>
-            <a:ext cx="685800" cy="0"/>
-          </a:xfrm>
-          <a:prstGeom prst="straightConnector1">
-            <a:avLst/>
-          </a:prstGeom>
-          <a:ln>
-            <a:solidFill>
-              <a:schemeClr val="bg1"/>
-            </a:solidFill>
-            <a:tailEnd type="triangle"/>
-          </a:ln>
-        </p:spPr>
-        <p:style>
-          <a:lnRef idx="1">
-            <a:schemeClr val="accent1"/>
-          </a:lnRef>
-          <a:fillRef idx="0">
-            <a:schemeClr val="accent1"/>
-          </a:fillRef>
-          <a:effectRef idx="0">
-            <a:schemeClr val="accent1"/>
-          </a:effectRef>
-          <a:fontRef idx="minor">
-            <a:schemeClr val="tx1"/>
-          </a:fontRef>
-        </p:style>
-      </p:cxnSp>
-      <p:sp>
-        <p:nvSpPr>
-          <p:cNvPr id="64" name="Up Arrow Callout 63"/>
-          <p:cNvSpPr/>
-          <p:nvPr/>
-        </p:nvSpPr>
-        <p:spPr>
-          <a:xfrm>
-            <a:off x="6355080" y="4200634"/>
-            <a:ext cx="1554480" cy="2196581"/>
-          </a:xfrm>
-          <a:prstGeom prst="upArrowCallout">
-            <a:avLst/>
-          </a:prstGeom>
-          <a:solidFill>
-            <a:schemeClr val="accent1"/>
-          </a:solidFill>
-          <a:ln>
-            <a:noFill/>
-          </a:ln>
-        </p:spPr>
-        <p:style>
-          <a:lnRef idx="2">
-            <a:schemeClr val="accent1">
-              <a:shade val="50000"/>
-            </a:schemeClr>
-          </a:lnRef>
-          <a:fillRef idx="1">
-            <a:schemeClr val="accent1"/>
-          </a:fillRef>
-          <a:effectRef idx="0">
-            <a:schemeClr val="accent1"/>
-          </a:effectRef>
-          <a:fontRef idx="minor">
-            <a:schemeClr val="lt1"/>
-          </a:fontRef>
-        </p:style>
-        <p:txBody>
-          <a:bodyPr rtlCol="0" anchor="ctr"/>
-          <a:lstStyle/>
-          <a:p>
-            <a:pPr algn="ctr"/>
-            <a:endParaRPr lang="en-US"/>
-          </a:p>
-        </p:txBody>
-      </p:sp>
-      <p:sp>
-        <p:nvSpPr>
-          <p:cNvPr id="65" name="Up Arrow Callout 64"/>
-          <p:cNvSpPr/>
-          <p:nvPr/>
-        </p:nvSpPr>
-        <p:spPr>
-          <a:xfrm>
-            <a:off x="10469880" y="4200632"/>
-            <a:ext cx="1554480" cy="2196581"/>
-          </a:xfrm>
-          <a:prstGeom prst="upArrowCallout">
-            <a:avLst/>
-          </a:prstGeom>
-          <a:solidFill>
-            <a:schemeClr val="accent1"/>
-          </a:solidFill>
-          <a:ln>
-            <a:noFill/>
-          </a:ln>
-        </p:spPr>
-        <p:style>
-          <a:lnRef idx="2">
-            <a:schemeClr val="accent1">
-              <a:shade val="50000"/>
-            </a:schemeClr>
-          </a:lnRef>
-          <a:fillRef idx="1">
-            <a:schemeClr val="accent1"/>
-          </a:fillRef>
-          <a:effectRef idx="0">
-            <a:schemeClr val="accent1"/>
-          </a:effectRef>
-          <a:fontRef idx="minor">
-            <a:schemeClr val="lt1"/>
-          </a:fontRef>
-        </p:style>
-        <p:txBody>
-          <a:bodyPr rtlCol="0" anchor="ctr"/>
-          <a:lstStyle/>
-          <a:p>
-            <a:pPr algn="ctr"/>
-            <a:endParaRPr lang="en-US"/>
-          </a:p>
-        </p:txBody>
-      </p:sp>
-      <p:sp>
-        <p:nvSpPr>
-          <p:cNvPr id="66" name="Up Arrow Callout 65"/>
-          <p:cNvSpPr/>
-          <p:nvPr/>
-        </p:nvSpPr>
-        <p:spPr>
-          <a:xfrm>
-            <a:off x="4297680" y="4181513"/>
-            <a:ext cx="1554480" cy="2196581"/>
-          </a:xfrm>
-          <a:prstGeom prst="upArrowCallout">
-            <a:avLst/>
-          </a:prstGeom>
-          <a:solidFill>
-            <a:schemeClr val="bg2">
-              <a:lumMod val="10000"/>
-            </a:schemeClr>
-          </a:solidFill>
-          <a:ln>
-            <a:noFill/>
-          </a:ln>
-        </p:spPr>
-        <p:style>
-          <a:lnRef idx="2">
-            <a:schemeClr val="accent1">
-              <a:shade val="50000"/>
-            </a:schemeClr>
-          </a:lnRef>
-          <a:fillRef idx="1">
-            <a:schemeClr val="accent1"/>
-          </a:fillRef>
-          <a:effectRef idx="0">
-            <a:schemeClr val="accent1"/>
-          </a:effectRef>
-          <a:fontRef idx="minor">
-            <a:schemeClr val="lt1"/>
-          </a:fontRef>
-        </p:style>
-        <p:txBody>
-          <a:bodyPr rtlCol="0" anchor="ctr"/>
-          <a:lstStyle/>
-          <a:p>
-            <a:pPr algn="ctr"/>
-            <a:endParaRPr lang="en-US"/>
-          </a:p>
-        </p:txBody>
-      </p:sp>
-      <p:sp>
-        <p:nvSpPr>
-          <p:cNvPr id="67" name="Up Arrow Callout 66"/>
-          <p:cNvSpPr/>
-          <p:nvPr/>
-        </p:nvSpPr>
-        <p:spPr>
-          <a:xfrm>
-            <a:off x="8401924" y="4200633"/>
-            <a:ext cx="1554480" cy="2196581"/>
-          </a:xfrm>
-          <a:prstGeom prst="upArrowCallout">
-            <a:avLst/>
-          </a:prstGeom>
-          <a:solidFill>
-            <a:schemeClr val="bg2">
-              <a:lumMod val="10000"/>
-            </a:schemeClr>
-          </a:solidFill>
-          <a:ln>
-            <a:noFill/>
-          </a:ln>
-        </p:spPr>
-        <p:style>
-          <a:lnRef idx="2">
-            <a:schemeClr val="accent1">
-              <a:shade val="50000"/>
-            </a:schemeClr>
-          </a:lnRef>
-          <a:fillRef idx="1">
-            <a:schemeClr val="accent1"/>
-          </a:fillRef>
-          <a:effectRef idx="0">
-            <a:schemeClr val="accent1"/>
-          </a:effectRef>
-          <a:fontRef idx="minor">
-            <a:schemeClr val="lt1"/>
-          </a:fontRef>
-        </p:style>
-        <p:txBody>
-          <a:bodyPr rtlCol="0" anchor="ctr"/>
-          <a:lstStyle/>
-          <a:p>
-            <a:pPr algn="ctr"/>
-            <a:endParaRPr lang="en-US"/>
-          </a:p>
-        </p:txBody>
-      </p:sp>
-      <p:sp>
-        <p:nvSpPr>
-          <p:cNvPr id="68" name="TextBox 67"/>
-          <p:cNvSpPr txBox="1"/>
-          <p:nvPr/>
-        </p:nvSpPr>
-        <p:spPr>
-          <a:xfrm>
-            <a:off x="2303116" y="5114073"/>
-            <a:ext cx="1420944" cy="1077218"/>
-          </a:xfrm>
-          <a:prstGeom prst="rect">
-            <a:avLst/>
-          </a:prstGeom>
-          <a:noFill/>
-        </p:spPr>
-        <p:txBody>
-          <a:bodyPr wrap="square" rtlCol="0">
-            <a:spAutoFit/>
-          </a:bodyPr>
-          <a:lstStyle/>
-          <a:p>
-            <a:pPr algn="ctr"/>
-            <a:r>
-              <a:rPr lang="en-US" sz="1600" dirty="0">
-                <a:latin typeface="+mj-lt"/>
-              </a:rPr>
-              <a:t>Lorem ipsum dolor sit amet, urna </a:t>
-            </a:r>
-            <a:r>
-              <a:rPr lang="en-US" sz="1600" dirty="0" smtClean="0">
-                <a:latin typeface="+mj-lt"/>
-              </a:rPr>
-              <a:t>scelerisque</a:t>
-            </a:r>
-            <a:endParaRPr lang="en-US" sz="1600" dirty="0">
-              <a:latin typeface="+mj-lt"/>
-              <a:cs typeface="Estrangelo Edessa" panose="03080600000000000000" pitchFamily="66" charset="0"/>
-            </a:endParaRPr>
-          </a:p>
-        </p:txBody>
-      </p:sp>
-      <p:sp>
-        <p:nvSpPr>
-          <p:cNvPr id="69" name="TextBox 68"/>
-          <p:cNvSpPr txBox="1"/>
-          <p:nvPr/>
-        </p:nvSpPr>
-        <p:spPr>
-          <a:xfrm>
-            <a:off x="4339776" y="5114073"/>
-            <a:ext cx="1420944" cy="1077218"/>
-          </a:xfrm>
-          <a:prstGeom prst="rect">
-            <a:avLst/>
-          </a:prstGeom>
-          <a:noFill/>
-        </p:spPr>
-        <p:txBody>
-          <a:bodyPr wrap="square" rtlCol="0">
-            <a:spAutoFit/>
-          </a:bodyPr>
-          <a:lstStyle/>
-          <a:p>
-            <a:pPr algn="ctr"/>
-            <a:r>
-              <a:rPr lang="en-US" sz="1600" dirty="0">
-                <a:solidFill>
-                  <a:schemeClr val="bg1"/>
-                </a:solidFill>
-                <a:latin typeface="+mj-lt"/>
-              </a:rPr>
-              <a:t>Lorem ipsum dolor sit amet, urna </a:t>
-            </a:r>
-            <a:r>
-              <a:rPr lang="en-US" sz="1600" dirty="0" smtClean="0">
-                <a:solidFill>
-                  <a:schemeClr val="bg1"/>
-                </a:solidFill>
-                <a:latin typeface="+mj-lt"/>
-              </a:rPr>
-              <a:t>scelerisque</a:t>
-            </a:r>
-            <a:endParaRPr lang="en-US" sz="1600" dirty="0">
-              <a:solidFill>
-                <a:schemeClr val="bg1"/>
-              </a:solidFill>
-              <a:latin typeface="+mj-lt"/>
-              <a:cs typeface="Estrangelo Edessa" panose="03080600000000000000" pitchFamily="66" charset="0"/>
-            </a:endParaRPr>
-          </a:p>
-        </p:txBody>
-      </p:sp>
-      <p:sp>
-        <p:nvSpPr>
-          <p:cNvPr id="70" name="TextBox 69"/>
-          <p:cNvSpPr txBox="1"/>
-          <p:nvPr/>
-        </p:nvSpPr>
-        <p:spPr>
-          <a:xfrm>
-            <a:off x="6421848" y="5112972"/>
-            <a:ext cx="1420944" cy="1077218"/>
-          </a:xfrm>
-          <a:prstGeom prst="rect">
-            <a:avLst/>
-          </a:prstGeom>
-          <a:noFill/>
-        </p:spPr>
-        <p:txBody>
-          <a:bodyPr wrap="square" rtlCol="0">
-            <a:spAutoFit/>
-          </a:bodyPr>
-          <a:lstStyle/>
-          <a:p>
-            <a:pPr algn="ctr"/>
-            <a:r>
-              <a:rPr lang="en-US" sz="1600" dirty="0">
-                <a:latin typeface="+mj-lt"/>
-              </a:rPr>
-              <a:t>Lorem ipsum dolor sit amet, urna </a:t>
-            </a:r>
-            <a:r>
-              <a:rPr lang="en-US" sz="1600" dirty="0" smtClean="0">
-                <a:latin typeface="+mj-lt"/>
-              </a:rPr>
-              <a:t>scelerisque</a:t>
-            </a:r>
-            <a:endParaRPr lang="en-US" sz="1600" dirty="0">
-              <a:latin typeface="+mj-lt"/>
-              <a:cs typeface="Estrangelo Edessa" panose="03080600000000000000" pitchFamily="66" charset="0"/>
-            </a:endParaRPr>
-          </a:p>
-        </p:txBody>
-      </p:sp>
-      <p:sp>
-        <p:nvSpPr>
-          <p:cNvPr id="71" name="TextBox 70"/>
-          <p:cNvSpPr txBox="1"/>
-          <p:nvPr/>
-        </p:nvSpPr>
-        <p:spPr>
-          <a:xfrm>
-            <a:off x="8479248" y="5112972"/>
-            <a:ext cx="1420944" cy="1077218"/>
-          </a:xfrm>
-          <a:prstGeom prst="rect">
-            <a:avLst/>
-          </a:prstGeom>
-          <a:noFill/>
-        </p:spPr>
-        <p:txBody>
-          <a:bodyPr wrap="square" rtlCol="0">
-            <a:spAutoFit/>
-          </a:bodyPr>
-          <a:lstStyle/>
-          <a:p>
-            <a:pPr algn="ctr"/>
-            <a:r>
-              <a:rPr lang="en-US" sz="1600" dirty="0">
-                <a:solidFill>
-                  <a:schemeClr val="bg1"/>
-                </a:solidFill>
-                <a:latin typeface="+mj-lt"/>
-              </a:rPr>
-              <a:t>Lorem ipsum dolor sit amet, urna </a:t>
-            </a:r>
-            <a:r>
-              <a:rPr lang="en-US" sz="1600" dirty="0" smtClean="0">
-                <a:solidFill>
-                  <a:schemeClr val="bg1"/>
-                </a:solidFill>
-                <a:latin typeface="+mj-lt"/>
-              </a:rPr>
-              <a:t>scelerisque</a:t>
-            </a:r>
-            <a:endParaRPr lang="en-US" sz="1600" dirty="0">
-              <a:solidFill>
-                <a:schemeClr val="bg1"/>
-              </a:solidFill>
-              <a:latin typeface="+mj-lt"/>
-              <a:cs typeface="Estrangelo Edessa" panose="03080600000000000000" pitchFamily="66" charset="0"/>
-            </a:endParaRPr>
-          </a:p>
-        </p:txBody>
-      </p:sp>
-      <p:sp>
-        <p:nvSpPr>
-          <p:cNvPr id="72" name="TextBox 71"/>
-          <p:cNvSpPr txBox="1"/>
-          <p:nvPr/>
-        </p:nvSpPr>
-        <p:spPr>
-          <a:xfrm>
-            <a:off x="10561320" y="5112972"/>
-            <a:ext cx="1420944" cy="1077218"/>
-          </a:xfrm>
-          <a:prstGeom prst="rect">
-            <a:avLst/>
-          </a:prstGeom>
-          <a:noFill/>
-        </p:spPr>
-        <p:txBody>
-          <a:bodyPr wrap="square" rtlCol="0">
-            <a:spAutoFit/>
-          </a:bodyPr>
-          <a:lstStyle/>
-          <a:p>
-            <a:pPr algn="ctr"/>
-            <a:r>
-              <a:rPr lang="en-US" sz="1600" dirty="0">
-                <a:latin typeface="+mj-lt"/>
-              </a:rPr>
-              <a:t>Lorem ipsum dolor sit amet, urna </a:t>
-            </a:r>
-            <a:r>
-              <a:rPr lang="en-US" sz="1600" dirty="0" smtClean="0">
-                <a:latin typeface="+mj-lt"/>
-              </a:rPr>
-              <a:t>scelerisque</a:t>
-            </a:r>
-            <a:endParaRPr lang="en-US" sz="1600" dirty="0">
-              <a:latin typeface="+mj-lt"/>
-              <a:cs typeface="Estrangelo Edessa" panose="03080600000000000000" pitchFamily="66" charset="0"/>
-            </a:endParaRPr>
-          </a:p>
-        </p:txBody>
-      </p:sp>
-      <p:sp>
-        <p:nvSpPr>
-          <p:cNvPr id="49" name="Rectangle 48"/>
-          <p:cNvSpPr/>
-          <p:nvPr/>
-        </p:nvSpPr>
-        <p:spPr>
-          <a:xfrm>
-            <a:off x="132707" y="143202"/>
-            <a:ext cx="2690649" cy="494753"/>
-          </a:xfrm>
-          <a:prstGeom prst="rect">
-            <a:avLst/>
-          </a:prstGeom>
-          <a:solidFill>
-            <a:schemeClr val="accent1">
-              <a:alpha val="50000"/>
-            </a:schemeClr>
-          </a:solidFill>
-          <a:ln>
-            <a:noFill/>
-          </a:ln>
-        </p:spPr>
-        <p:style>
-          <a:lnRef idx="2">
-            <a:schemeClr val="accent1">
-              <a:shade val="50000"/>
-            </a:schemeClr>
-          </a:lnRef>
-          <a:fillRef idx="1">
-            <a:schemeClr val="accent1"/>
-          </a:fillRef>
-          <a:effectRef idx="0">
-            <a:schemeClr val="accent1"/>
-          </a:effectRef>
-          <a:fontRef idx="minor">
-            <a:schemeClr val="lt1"/>
-          </a:fontRef>
-        </p:style>
-        <p:txBody>
-          <a:bodyPr rtlCol="0" anchor="ctr"/>
-          <a:lstStyle/>
-          <a:p>
-            <a:pPr algn="ctr"/>
-            <a:endParaRPr lang="en-US"/>
-          </a:p>
-        </p:txBody>
-      </p:sp>
-      <p:sp>
-        <p:nvSpPr>
-          <p:cNvPr id="50" name="TextBox 49"/>
-          <p:cNvSpPr txBox="1"/>
-          <p:nvPr/>
-        </p:nvSpPr>
-        <p:spPr>
-          <a:xfrm>
-            <a:off x="321894" y="113579"/>
-            <a:ext cx="2035932" cy="553998"/>
-          </a:xfrm>
-          <a:prstGeom prst="rect">
-            <a:avLst/>
-          </a:prstGeom>
-          <a:noFill/>
-        </p:spPr>
-        <p:txBody>
-          <a:bodyPr wrap="square" rtlCol="0">
-            <a:spAutoFit/>
-          </a:bodyPr>
-          <a:lstStyle/>
-          <a:p>
-            <a:pPr algn="ctr"/>
-            <a:r>
-              <a:rPr lang="en-US" sz="3000" dirty="0" smtClean="0">
-                <a:solidFill>
-                  <a:schemeClr val="bg1"/>
-                </a:solidFill>
-                <a:cs typeface="Browallia New" panose="020B0604020202020204" pitchFamily="34" charset="-34"/>
-              </a:rPr>
-              <a:t>Slide Title</a:t>
-            </a:r>
-            <a:endParaRPr lang="en-US" sz="3000" dirty="0">
-              <a:solidFill>
-                <a:schemeClr val="bg1"/>
-              </a:solidFill>
-              <a:cs typeface="Browallia New" panose="020B0604020202020204" pitchFamily="34" charset="-34"/>
-            </a:endParaRPr>
-          </a:p>
-        </p:txBody>
-      </p:sp>
-    </p:spTree>
-    <p:extLst>
-      <p:ext uri="{BB962C8B-B14F-4D97-AF65-F5344CB8AC3E}">
-        <p14:creationId xmlns:p14="http://schemas.microsoft.com/office/powerpoint/2010/main" val="2302145438"/>
-      </p:ext>
-    </p:extLst>
-  </p:cSld>
-  <p:clrMapOvr>
-    <a:masterClrMapping/>
-  </p:clrMapOvr>
-  <mc:AlternateContent xmlns:mc="http://schemas.openxmlformats.org/markup-compatibility/2006" xmlns:p14="http://schemas.microsoft.com/office/powerpoint/2010/main">
-    <mc:Choice Requires="p14">
-      <p:transition spd="slow" p14:dur="1600">
-        <p14:conveyor dir="l"/>
-      </p:transition>
-    </mc:Choice>
-    <mc:Fallback xmlns="">
-      <p:transition spd="slow">
-        <p:fade/>
-      </p:transition>
-    </mc:Fallback>
-  </mc:AlternateContent>
-  <p:timing>
-    <p:tnLst>
-      <p:par>
-        <p:cTn xmlns:p14="http://schemas.microsoft.com/office/powerpoint/2010/main" id="1" dur="indefinite" restart="never" nodeType="tmRoot"/>
+        <p:cTn id="1" dur="indefinite" restart="never" nodeType="tmRoot"/>
       </p:par>
     </p:tnLst>
   </p:timing>
@@ -8225,54 +6333,6 @@
       </p:grpSpPr>
       <p:sp>
         <p:nvSpPr>
-          <p:cNvPr id="6" name="Rectangle 5"/>
-          <p:cNvSpPr/>
-          <p:nvPr/>
-        </p:nvSpPr>
-        <p:spPr>
-          <a:xfrm>
-            <a:off x="0" y="0"/>
-            <a:ext cx="12192000" cy="6858000"/>
-          </a:xfrm>
-          <a:prstGeom prst="rect">
-            <a:avLst/>
-          </a:prstGeom>
-          <a:solidFill>
-            <a:schemeClr val="tx1">
-              <a:alpha val="50000"/>
-            </a:schemeClr>
-          </a:solidFill>
-          <a:ln>
-            <a:noFill/>
-          </a:ln>
-        </p:spPr>
-        <p:style>
-          <a:lnRef idx="2">
-            <a:schemeClr val="accent1">
-              <a:shade val="50000"/>
-            </a:schemeClr>
-          </a:lnRef>
-          <a:fillRef idx="1">
-            <a:schemeClr val="accent1"/>
-          </a:fillRef>
-          <a:effectRef idx="0">
-            <a:schemeClr val="accent1"/>
-          </a:effectRef>
-          <a:fontRef idx="minor">
-            <a:schemeClr val="lt1"/>
-          </a:fontRef>
-        </p:style>
-        <p:txBody>
-          <a:bodyPr rtlCol="0" anchor="ctr"/>
-          <a:lstStyle/>
-          <a:p>
-            <a:pPr algn="ctr"/>
-            <a:endParaRPr lang="en-US"/>
-          </a:p>
-        </p:txBody>
-      </p:sp>
-      <p:sp>
-        <p:nvSpPr>
           <p:cNvPr id="8" name="TextBox 7"/>
           <p:cNvSpPr txBox="1"/>
           <p:nvPr/>
@@ -8355,8 +6415,13 @@
           <a:bodyPr rtlCol="0" anchor="ctr"/>
           <a:lstStyle/>
           <a:p>
-            <a:pPr algn="ctr"/>
-            <a:endParaRPr lang="en-US"/>
+            <a:pPr algn="just"/>
+            <a:endParaRPr lang="en-US" dirty="0">
+              <a:solidFill>
+                <a:schemeClr val="bg1"/>
+              </a:solidFill>
+              <a:cs typeface="Browallia New" panose="020B0604020202020204" pitchFamily="34" charset="-34"/>
+            </a:endParaRPr>
           </a:p>
         </p:txBody>
       </p:sp>
@@ -8414,8 +6479,8 @@
         </p:nvSpPr>
         <p:spPr>
           <a:xfrm>
-            <a:off x="737947" y="3479734"/>
-            <a:ext cx="2770133" cy="400110"/>
+            <a:off x="459038" y="1919916"/>
+            <a:ext cx="3377998" cy="553998"/>
           </a:xfrm>
           <a:prstGeom prst="rect">
             <a:avLst/>
@@ -8430,13 +6495,19 @@
           <a:p>
             <a:pPr algn="ctr"/>
             <a:r>
-              <a:rPr lang="en-US" sz="2000" dirty="0" smtClean="0">
+              <a:rPr lang="en-US" sz="3000" dirty="0" smtClean="0">
+                <a:solidFill>
+                  <a:schemeClr val="bg1"/>
+                </a:solidFill>
                 <a:latin typeface="+mj-lt"/>
                 <a:cs typeface="Browallia New" panose="020B0604020202020204" pitchFamily="34" charset="-34"/>
               </a:rPr>
-              <a:t>CLICK TO CHANGE</a:t>
-            </a:r>
-            <a:endParaRPr lang="en-US" sz="2000" dirty="0">
+              <a:t>Menu music</a:t>
+            </a:r>
+            <a:endParaRPr lang="en-US" sz="3000" dirty="0">
+              <a:solidFill>
+                <a:schemeClr val="bg1"/>
+              </a:solidFill>
               <a:latin typeface="+mj-lt"/>
               <a:cs typeface="Browallia New" panose="020B0604020202020204" pitchFamily="34" charset="-34"/>
             </a:endParaRPr>
@@ -8499,8 +6570,8 @@
         </p:nvSpPr>
         <p:spPr>
           <a:xfrm>
-            <a:off x="737947" y="4113125"/>
-            <a:ext cx="2967003" cy="1323439"/>
+            <a:off x="737947" y="4107257"/>
+            <a:ext cx="2967003" cy="400110"/>
           </a:xfrm>
           <a:prstGeom prst="rect">
             <a:avLst/>
@@ -8515,24 +6586,19 @@
           <a:p>
             <a:pPr algn="just"/>
             <a:r>
-              <a:rPr lang="en-US" sz="1600" dirty="0">
+              <a:rPr lang="en-US" sz="2000" dirty="0" err="1" smtClean="0">
+                <a:solidFill>
+                  <a:schemeClr val="bg1"/>
+                </a:solidFill>
                 <a:latin typeface="+mj-lt"/>
+                <a:cs typeface="Browallia New" panose="020B0604020202020204" pitchFamily="34" charset="-34"/>
               </a:rPr>
-              <a:t>Lorem ipsum dolor sit amet, urna scelerisque, lacus wisi, congue </a:t>
-            </a:r>
-            <a:r>
-              <a:rPr lang="en-US" sz="1600" dirty="0" smtClean="0">
-                <a:latin typeface="+mj-lt"/>
-              </a:rPr>
-              <a:t>ipsum suspendisse </a:t>
-            </a:r>
-            <a:r>
-              <a:rPr lang="en-US" sz="1600" dirty="0">
-                <a:latin typeface="+mj-lt"/>
-              </a:rPr>
-              <a:t>eget scelerisque in porta est, ipsum cras. Ornare sit</a:t>
-            </a:r>
-            <a:endParaRPr lang="en-US" sz="1600" dirty="0">
+              <a:t>Run_the_drum</a:t>
+            </a:r>
+            <a:endParaRPr lang="en-US" sz="2000" dirty="0" smtClean="0">
+              <a:solidFill>
+                <a:schemeClr val="bg1"/>
+              </a:solidFill>
               <a:latin typeface="+mj-lt"/>
               <a:cs typeface="Browallia New" panose="020B0604020202020204" pitchFamily="34" charset="-34"/>
             </a:endParaRPr>
@@ -8547,7 +6613,7 @@
         </p:nvCxnSpPr>
         <p:spPr>
           <a:xfrm flipV="1">
-            <a:off x="990867" y="3975382"/>
+            <a:off x="768010" y="3243355"/>
             <a:ext cx="2461161" cy="14068"/>
           </a:xfrm>
           <a:prstGeom prst="line">
@@ -8574,36 +6640,6 @@
           </a:fontRef>
         </p:style>
       </p:cxnSp>
-      <p:pic>
-        <p:nvPicPr>
-          <p:cNvPr id="9" name="Picture 8"/>
-          <p:cNvPicPr>
-            <a:picLocks noChangeAspect="1"/>
-          </p:cNvPicPr>
-          <p:nvPr/>
-        </p:nvPicPr>
-        <p:blipFill>
-          <a:blip r:embed="rId4">
-            <a:extLst>
-              <a:ext uri="{28A0092B-C50C-407E-A947-70E740481C1C}">
-                <a14:useLocalDpi xmlns:a14="http://schemas.microsoft.com/office/drawing/2010/main" val="0"/>
-              </a:ext>
-            </a:extLst>
-          </a:blip>
-          <a:stretch>
-            <a:fillRect/>
-          </a:stretch>
-        </p:blipFill>
-        <p:spPr>
-          <a:xfrm>
-            <a:off x="9136731" y="1925666"/>
-            <a:ext cx="1589568" cy="1596633"/>
-          </a:xfrm>
-          <a:prstGeom prst="rect">
-            <a:avLst/>
-          </a:prstGeom>
-        </p:spPr>
-      </p:pic>
       <p:sp>
         <p:nvSpPr>
           <p:cNvPr id="28" name="TextBox 27"/>
@@ -8612,8 +6648,8 @@
         </p:nvSpPr>
         <p:spPr>
           <a:xfrm>
-            <a:off x="4685142" y="3477460"/>
-            <a:ext cx="2770133" cy="400110"/>
+            <a:off x="4584947" y="1927637"/>
+            <a:ext cx="2770133" cy="553998"/>
           </a:xfrm>
           <a:prstGeom prst="rect">
             <a:avLst/>
@@ -8628,16 +6664,16 @@
           <a:p>
             <a:pPr algn="ctr"/>
             <a:r>
-              <a:rPr lang="en-US" sz="2000" dirty="0" smtClean="0">
+              <a:rPr lang="en-US" sz="3000" dirty="0" smtClean="0">
                 <a:solidFill>
                   <a:schemeClr val="bg1"/>
                 </a:solidFill>
                 <a:latin typeface="+mj-lt"/>
                 <a:cs typeface="Browallia New" panose="020B0604020202020204" pitchFamily="34" charset="-34"/>
               </a:rPr>
-              <a:t>CLICK TO CHANGE</a:t>
-            </a:r>
-            <a:endParaRPr lang="en-US" sz="2000" dirty="0">
+              <a:t>Car - sound</a:t>
+            </a:r>
+            <a:endParaRPr lang="en-US" sz="3000" dirty="0">
               <a:solidFill>
                 <a:schemeClr val="bg1"/>
               </a:solidFill>
@@ -8655,8 +6691,8 @@
         </p:nvSpPr>
         <p:spPr>
           <a:xfrm>
-            <a:off x="8547968" y="3477460"/>
-            <a:ext cx="2770133" cy="400110"/>
+            <a:off x="8393483" y="1927637"/>
+            <a:ext cx="2770133" cy="553998"/>
           </a:xfrm>
           <a:prstGeom prst="rect">
             <a:avLst/>
@@ -8671,13 +6707,19 @@
           <a:p>
             <a:pPr algn="ctr"/>
             <a:r>
-              <a:rPr lang="en-US" sz="2000" dirty="0" smtClean="0">
+              <a:rPr lang="en-US" sz="3000" dirty="0" smtClean="0">
+                <a:solidFill>
+                  <a:schemeClr val="bg1"/>
+                </a:solidFill>
                 <a:latin typeface="+mj-lt"/>
                 <a:cs typeface="Browallia New" panose="020B0604020202020204" pitchFamily="34" charset="-34"/>
               </a:rPr>
-              <a:t>CLICK TO CHANGE</a:t>
-            </a:r>
-            <a:endParaRPr lang="en-US" sz="2000" dirty="0">
+              <a:t>In race music</a:t>
+            </a:r>
+            <a:endParaRPr lang="en-US" sz="3000" dirty="0">
+              <a:solidFill>
+                <a:schemeClr val="bg1"/>
+              </a:solidFill>
               <a:latin typeface="+mj-lt"/>
               <a:cs typeface="Browallia New" panose="020B0604020202020204" pitchFamily="34" charset="-34"/>
             </a:endParaRPr>
@@ -8692,7 +6734,7 @@
         </p:nvCxnSpPr>
         <p:spPr>
           <a:xfrm flipV="1">
-            <a:off x="4865416" y="3955096"/>
+            <a:off x="4752695" y="3185823"/>
             <a:ext cx="2461161" cy="14068"/>
           </a:xfrm>
           <a:prstGeom prst="line">
@@ -8727,7 +6769,7 @@
         </p:nvCxnSpPr>
         <p:spPr>
           <a:xfrm flipV="1">
-            <a:off x="8702453" y="3962130"/>
+            <a:off x="8702455" y="3193843"/>
             <a:ext cx="2461161" cy="14068"/>
           </a:xfrm>
           <a:prstGeom prst="line">
@@ -8762,7 +6804,7 @@
         </p:nvSpPr>
         <p:spPr>
           <a:xfrm>
-            <a:off x="4612496" y="4113125"/>
+            <a:off x="4612494" y="4113124"/>
             <a:ext cx="2967003" cy="1323439"/>
           </a:xfrm>
           <a:prstGeom prst="rect">
@@ -8778,33 +6820,65 @@
           <a:p>
             <a:pPr algn="just"/>
             <a:r>
-              <a:rPr lang="en-US" sz="1600" dirty="0">
+              <a:rPr lang="en-US" sz="2000" dirty="0" smtClean="0">
                 <a:solidFill>
                   <a:schemeClr val="bg1"/>
                 </a:solidFill>
                 <a:latin typeface="+mj-lt"/>
+                <a:cs typeface="Browallia New" panose="020B0604020202020204" pitchFamily="34" charset="-34"/>
               </a:rPr>
-              <a:t>Lorem ipsum dolor sit amet, urna scelerisque, lacus wisi, congue </a:t>
-            </a:r>
-            <a:r>
-              <a:rPr lang="en-US" sz="1600" dirty="0" smtClean="0">
+              <a:t>Engine sound </a:t>
+            </a:r>
+          </a:p>
+          <a:p>
+            <a:pPr algn="just"/>
+            <a:r>
+              <a:rPr lang="en-US" sz="2000" dirty="0">
                 <a:solidFill>
                   <a:schemeClr val="bg1"/>
                 </a:solidFill>
                 <a:latin typeface="+mj-lt"/>
+                <a:cs typeface="Browallia New" panose="020B0604020202020204" pitchFamily="34" charset="-34"/>
               </a:rPr>
-              <a:t>ipsum suspendisse </a:t>
-            </a:r>
-            <a:r>
-              <a:rPr lang="en-US" sz="1600" dirty="0">
+              <a:t>A</a:t>
+            </a:r>
+            <a:r>
+              <a:rPr lang="en-US" sz="2000" dirty="0" smtClean="0">
                 <a:solidFill>
                   <a:schemeClr val="bg1"/>
                 </a:solidFill>
                 <a:latin typeface="+mj-lt"/>
+                <a:cs typeface="Browallia New" panose="020B0604020202020204" pitchFamily="34" charset="-34"/>
               </a:rPr>
-              <a:t>eget scelerisque in porta est, ipsum cras. Ornare sit</a:t>
-            </a:r>
-            <a:endParaRPr lang="en-US" sz="1600" dirty="0">
+              <a:t>cceleration sound</a:t>
+            </a:r>
+          </a:p>
+          <a:p>
+            <a:pPr algn="just"/>
+            <a:r>
+              <a:rPr lang="en-US" sz="2000" dirty="0" smtClean="0">
+                <a:solidFill>
+                  <a:schemeClr val="bg1"/>
+                </a:solidFill>
+                <a:latin typeface="+mj-lt"/>
+                <a:cs typeface="Browallia New" panose="020B0604020202020204" pitchFamily="34" charset="-34"/>
+              </a:rPr>
+              <a:t>Crash sound</a:t>
+            </a:r>
+          </a:p>
+          <a:p>
+            <a:pPr algn="just"/>
+            <a:r>
+              <a:rPr lang="en-US" sz="2000" dirty="0" smtClean="0">
+                <a:solidFill>
+                  <a:schemeClr val="bg1"/>
+                </a:solidFill>
+                <a:latin typeface="+mj-lt"/>
+                <a:cs typeface="Browallia New" panose="020B0604020202020204" pitchFamily="34" charset="-34"/>
+              </a:rPr>
+              <a:t>Brake sound</a:t>
+            </a:r>
+            <a:endParaRPr lang="en-US" sz="2000" dirty="0">
               <a:solidFill>
                 <a:schemeClr val="bg1"/>
               </a:solidFill>
@@ -8822,8 +6896,8 @@
         </p:nvSpPr>
         <p:spPr>
           <a:xfrm>
-            <a:off x="8547968" y="4113124"/>
-            <a:ext cx="2967003" cy="1323439"/>
+            <a:off x="8449533" y="3953369"/>
+            <a:ext cx="2967003" cy="1200329"/>
           </a:xfrm>
           <a:prstGeom prst="rect">
             <a:avLst/>
@@ -8838,90 +6912,66 @@
           <a:p>
             <a:pPr algn="just"/>
             <a:r>
-              <a:rPr lang="en-US" sz="1600" dirty="0">
-                <a:latin typeface="+mj-lt"/>
+              <a:rPr lang="en-US" sz="2000" dirty="0" err="1" smtClean="0">
+                <a:solidFill>
+                  <a:schemeClr val="bg1"/>
+                </a:solidFill>
               </a:rPr>
-              <a:t>Lorem ipsum dolor sit amet, urna scelerisque, lacus wisi, congue </a:t>
-            </a:r>
-            <a:r>
-              <a:rPr lang="en-US" sz="1600" dirty="0" smtClean="0">
-                <a:latin typeface="+mj-lt"/>
+              <a:t>The_punisher</a:t>
+            </a:r>
+            <a:endParaRPr lang="en-US" sz="2000" dirty="0" smtClean="0">
+              <a:solidFill>
+                <a:schemeClr val="bg1"/>
+              </a:solidFill>
+            </a:endParaRPr>
+          </a:p>
+          <a:p>
+            <a:pPr algn="just"/>
+            <a:r>
+              <a:rPr lang="en-US" sz="2000" dirty="0" err="1">
+                <a:solidFill>
+                  <a:schemeClr val="bg1"/>
+                </a:solidFill>
+                <a:cs typeface="Browallia New" panose="020B0604020202020204" pitchFamily="34" charset="-34"/>
               </a:rPr>
-              <a:t>ipsum suspendisse </a:t>
-            </a:r>
-            <a:r>
-              <a:rPr lang="en-US" sz="1600" dirty="0">
-                <a:latin typeface="+mj-lt"/>
-              </a:rPr>
-              <a:t>eget scelerisque in porta est, ipsum cras. Ornare sit</a:t>
-            </a:r>
-            <a:endParaRPr lang="en-US" sz="1600" dirty="0">
-              <a:latin typeface="+mj-lt"/>
+              <a:t>RaceFinish</a:t>
+            </a:r>
+            <a:endParaRPr lang="en-US" sz="2000" dirty="0">
+              <a:solidFill>
+                <a:schemeClr val="bg1"/>
+              </a:solidFill>
               <a:cs typeface="Browallia New" panose="020B0604020202020204" pitchFamily="34" charset="-34"/>
             </a:endParaRPr>
           </a:p>
-        </p:txBody>
-      </p:sp>
-      <p:pic>
-        <p:nvPicPr>
-          <p:cNvPr id="2" name="Picture 1"/>
-          <p:cNvPicPr>
-            <a:picLocks noChangeAspect="1"/>
-          </p:cNvPicPr>
-          <p:nvPr/>
-        </p:nvPicPr>
-        <p:blipFill>
-          <a:blip r:embed="rId5">
-            <a:extLst>
-              <a:ext uri="{28A0092B-C50C-407E-A947-70E740481C1C}">
-                <a14:useLocalDpi xmlns:a14="http://schemas.microsoft.com/office/drawing/2010/main" val="0"/>
-              </a:ext>
-            </a:extLst>
-          </a:blip>
-          <a:stretch>
-            <a:fillRect/>
-          </a:stretch>
-        </p:blipFill>
-        <p:spPr>
-          <a:xfrm>
-            <a:off x="1416066" y="2196249"/>
-            <a:ext cx="1453658" cy="1318296"/>
-          </a:xfrm>
-          <a:prstGeom prst="rect">
-            <a:avLst/>
-          </a:prstGeom>
-        </p:spPr>
-      </p:pic>
-      <p:pic>
-        <p:nvPicPr>
-          <p:cNvPr id="5" name="Picture 4"/>
-          <p:cNvPicPr>
-            <a:picLocks noChangeAspect="1"/>
-          </p:cNvPicPr>
-          <p:nvPr/>
-        </p:nvPicPr>
-        <p:blipFill>
-          <a:blip r:embed="rId6">
-            <a:extLst>
-              <a:ext uri="{28A0092B-C50C-407E-A947-70E740481C1C}">
-                <a14:useLocalDpi xmlns:a14="http://schemas.microsoft.com/office/drawing/2010/main" val="0"/>
-              </a:ext>
-            </a:extLst>
-          </a:blip>
-          <a:stretch>
-            <a:fillRect/>
-          </a:stretch>
-        </p:blipFill>
-        <p:spPr>
-          <a:xfrm>
-            <a:off x="5374980" y="2128568"/>
-            <a:ext cx="1298219" cy="1303989"/>
-          </a:xfrm>
-          <a:prstGeom prst="rect">
-            <a:avLst/>
-          </a:prstGeom>
-        </p:spPr>
-      </p:pic>
+          <a:p>
+            <a:pPr algn="just"/>
+            <a:r>
+              <a:rPr lang="en-US" sz="1600" dirty="0" smtClean="0">
+                <a:solidFill>
+                  <a:schemeClr val="bg1"/>
+                </a:solidFill>
+              </a:rPr>
+              <a:t>Countdown FX</a:t>
+            </a:r>
+          </a:p>
+          <a:p>
+            <a:pPr algn="just"/>
+            <a:r>
+              <a:rPr lang="en-US" sz="1600" dirty="0" smtClean="0">
+                <a:solidFill>
+                  <a:schemeClr val="bg1"/>
+                </a:solidFill>
+              </a:rPr>
+              <a:t>Applause FX</a:t>
+            </a:r>
+            <a:endParaRPr lang="en-US" sz="1600" dirty="0">
+              <a:solidFill>
+                <a:schemeClr val="bg1"/>
+              </a:solidFill>
+            </a:endParaRPr>
+          </a:p>
+        </p:txBody>
+      </p:sp>
       <p:sp>
         <p:nvSpPr>
           <p:cNvPr id="22" name="Rectangle 21"/>
@@ -8979,7 +7029,7 @@
         <p:spPr>
           <a:xfrm>
             <a:off x="321894" y="113579"/>
-            <a:ext cx="2035932" cy="553998"/>
+            <a:ext cx="2035932" cy="1015663"/>
           </a:xfrm>
           <a:prstGeom prst="rect">
             <a:avLst/>
@@ -9000,13 +7050,70 @@
                 </a:solidFill>
                 <a:cs typeface="Browallia New" panose="020B0604020202020204" pitchFamily="34" charset="-34"/>
               </a:rPr>
-              <a:t>Slide Title</a:t>
-            </a:r>
-            <a:endParaRPr lang="en-US" sz="3000" dirty="0">
+              <a:t>12</a:t>
+            </a:r>
+          </a:p>
+          <a:p>
+            <a:pPr algn="ctr"/>
+            <a:endParaRPr lang="en-US" sz="3000" dirty="0" smtClean="0">
               <a:solidFill>
                 <a:schemeClr val="bg1"/>
               </a:solidFill>
               <a:cs typeface="Browallia New" panose="020B0604020202020204" pitchFamily="34" charset="-34"/>
+            </a:endParaRPr>
+          </a:p>
+        </p:txBody>
+      </p:sp>
+      <p:sp>
+        <p:nvSpPr>
+          <p:cNvPr id="34" name="Rounded Rectangle 33"/>
+          <p:cNvSpPr/>
+          <p:nvPr/>
+        </p:nvSpPr>
+        <p:spPr>
+          <a:xfrm>
+            <a:off x="3685372" y="298652"/>
+            <a:ext cx="4970907" cy="950507"/>
+          </a:xfrm>
+          <a:prstGeom prst="roundRect">
+            <a:avLst/>
+          </a:prstGeom>
+          <a:solidFill>
+            <a:schemeClr val="accent1"/>
+          </a:solidFill>
+          <a:ln>
+            <a:noFill/>
+          </a:ln>
+        </p:spPr>
+        <p:style>
+          <a:lnRef idx="2">
+            <a:schemeClr val="accent1">
+              <a:shade val="50000"/>
+            </a:schemeClr>
+          </a:lnRef>
+          <a:fillRef idx="1">
+            <a:schemeClr val="accent1"/>
+          </a:fillRef>
+          <a:effectRef idx="0">
+            <a:schemeClr val="accent1"/>
+          </a:effectRef>
+          <a:fontRef idx="minor">
+            <a:schemeClr val="lt1"/>
+          </a:fontRef>
+        </p:style>
+        <p:txBody>
+          <a:bodyPr rtlCol="0" anchor="ctr"/>
+          <a:lstStyle/>
+          <a:p>
+            <a:pPr algn="ctr"/>
+            <a:r>
+              <a:rPr lang="en-US" sz="2400" dirty="0"/>
+              <a:t>Game Description: Sounds: </a:t>
+            </a:r>
+            <a:endParaRPr lang="en-US" sz="2400" dirty="0">
+              <a:solidFill>
+                <a:schemeClr val="tx1"/>
+              </a:solidFill>
             </a:endParaRPr>
           </a:p>
         </p:txBody>
@@ -9036,7 +7143,7 @@
   <p:timing>
     <p:tnLst>
       <p:par>
-        <p:cTn xmlns:p14="http://schemas.microsoft.com/office/powerpoint/2010/main" id="1" dur="indefinite" restart="never" nodeType="tmRoot"/>
+        <p:cTn id="1" dur="indefinite" restart="never" nodeType="tmRoot"/>
       </p:par>
     </p:tnLst>
   </p:timing>
@@ -9076,54 +7183,6 @@
       </p:grpSpPr>
       <p:sp>
         <p:nvSpPr>
-          <p:cNvPr id="6" name="Rectangle 5"/>
-          <p:cNvSpPr/>
-          <p:nvPr/>
-        </p:nvSpPr>
-        <p:spPr>
-          <a:xfrm>
-            <a:off x="0" y="0"/>
-            <a:ext cx="12192000" cy="6858000"/>
-          </a:xfrm>
-          <a:prstGeom prst="rect">
-            <a:avLst/>
-          </a:prstGeom>
-          <a:solidFill>
-            <a:schemeClr val="tx1">
-              <a:alpha val="50000"/>
-            </a:schemeClr>
-          </a:solidFill>
-          <a:ln>
-            <a:noFill/>
-          </a:ln>
-        </p:spPr>
-        <p:style>
-          <a:lnRef idx="2">
-            <a:schemeClr val="accent1">
-              <a:shade val="50000"/>
-            </a:schemeClr>
-          </a:lnRef>
-          <a:fillRef idx="1">
-            <a:schemeClr val="accent1"/>
-          </a:fillRef>
-          <a:effectRef idx="0">
-            <a:schemeClr val="accent1"/>
-          </a:effectRef>
-          <a:fontRef idx="minor">
-            <a:schemeClr val="lt1"/>
-          </a:fontRef>
-        </p:style>
-        <p:txBody>
-          <a:bodyPr rtlCol="0" anchor="ctr"/>
-          <a:lstStyle/>
-          <a:p>
-            <a:pPr algn="ctr"/>
-            <a:endParaRPr lang="en-US"/>
-          </a:p>
-        </p:txBody>
-      </p:sp>
-      <p:sp>
-        <p:nvSpPr>
           <p:cNvPr id="8" name="TextBox 7"/>
           <p:cNvSpPr txBox="1"/>
           <p:nvPr/>
@@ -9165,879 +7224,16 @@
           </a:p>
         </p:txBody>
       </p:sp>
-      <p:sp>
-        <p:nvSpPr>
-          <p:cNvPr id="4" name="TextBox 3"/>
-          <p:cNvSpPr txBox="1"/>
-          <p:nvPr/>
-        </p:nvSpPr>
-        <p:spPr>
-          <a:xfrm>
-            <a:off x="2274862" y="4048062"/>
-            <a:ext cx="7642275" cy="769441"/>
-          </a:xfrm>
-          <a:prstGeom prst="rect">
-            <a:avLst/>
-          </a:prstGeom>
-          <a:noFill/>
-        </p:spPr>
-        <p:txBody>
-          <a:bodyPr wrap="square" rtlCol="0">
-            <a:spAutoFit/>
-          </a:bodyPr>
-          <a:lstStyle/>
-          <a:p>
-            <a:pPr algn="ctr"/>
-            <a:r>
-              <a:rPr lang="en-US" sz="4400" dirty="0" smtClean="0">
-                <a:solidFill>
-                  <a:schemeClr val="bg1"/>
-                </a:solidFill>
-                <a:latin typeface="+mj-lt"/>
-                <a:cs typeface="Estrangelo Edessa" panose="03080600000000000000" pitchFamily="66" charset="0"/>
-              </a:rPr>
-              <a:t>Topic and Topic Comparison</a:t>
-            </a:r>
-            <a:endParaRPr lang="en-US" sz="4400" dirty="0">
-              <a:solidFill>
-                <a:schemeClr val="bg1"/>
-              </a:solidFill>
-              <a:latin typeface="+mj-lt"/>
-              <a:cs typeface="Estrangelo Edessa" panose="03080600000000000000" pitchFamily="66" charset="0"/>
-            </a:endParaRPr>
-          </a:p>
-        </p:txBody>
-      </p:sp>
-      <p:sp>
-        <p:nvSpPr>
-          <p:cNvPr id="2" name="Oval 1"/>
-          <p:cNvSpPr/>
-          <p:nvPr/>
-        </p:nvSpPr>
-        <p:spPr>
-          <a:xfrm>
-            <a:off x="2202534" y="1348615"/>
-            <a:ext cx="2743200" cy="2583543"/>
-          </a:xfrm>
-          <a:prstGeom prst="ellipse">
-            <a:avLst/>
-          </a:prstGeom>
-          <a:solidFill>
-            <a:schemeClr val="bg2">
-              <a:lumMod val="10000"/>
-            </a:schemeClr>
-          </a:solidFill>
-          <a:ln>
-            <a:noFill/>
-          </a:ln>
-        </p:spPr>
-        <p:style>
-          <a:lnRef idx="2">
-            <a:schemeClr val="accent1">
-              <a:shade val="50000"/>
-            </a:schemeClr>
-          </a:lnRef>
-          <a:fillRef idx="1">
-            <a:schemeClr val="accent1"/>
-          </a:fillRef>
-          <a:effectRef idx="0">
-            <a:schemeClr val="accent1"/>
-          </a:effectRef>
-          <a:fontRef idx="minor">
-            <a:schemeClr val="lt1"/>
-          </a:fontRef>
-        </p:style>
-        <p:txBody>
-          <a:bodyPr rtlCol="0" anchor="ctr"/>
-          <a:lstStyle/>
-          <a:p>
-            <a:pPr algn="ctr"/>
-            <a:endParaRPr lang="en-US"/>
-          </a:p>
-        </p:txBody>
-      </p:sp>
-      <p:sp>
-        <p:nvSpPr>
-          <p:cNvPr id="12" name="Oval 11"/>
-          <p:cNvSpPr/>
-          <p:nvPr/>
-        </p:nvSpPr>
-        <p:spPr>
-          <a:xfrm>
-            <a:off x="7064823" y="1350015"/>
-            <a:ext cx="2743200" cy="2583543"/>
-          </a:xfrm>
-          <a:prstGeom prst="ellipse">
-            <a:avLst/>
-          </a:prstGeom>
-          <a:solidFill>
-            <a:schemeClr val="accent1"/>
-          </a:solidFill>
-          <a:ln>
-            <a:noFill/>
-          </a:ln>
-        </p:spPr>
-        <p:style>
-          <a:lnRef idx="2">
-            <a:schemeClr val="accent1">
-              <a:shade val="50000"/>
-            </a:schemeClr>
-          </a:lnRef>
-          <a:fillRef idx="1">
-            <a:schemeClr val="accent1"/>
-          </a:fillRef>
-          <a:effectRef idx="0">
-            <a:schemeClr val="accent1"/>
-          </a:effectRef>
-          <a:fontRef idx="minor">
-            <a:schemeClr val="lt1"/>
-          </a:fontRef>
-        </p:style>
-        <p:txBody>
-          <a:bodyPr rtlCol="0" anchor="ctr"/>
-          <a:lstStyle/>
-          <a:p>
-            <a:pPr algn="ctr"/>
-            <a:endParaRPr lang="en-US"/>
-          </a:p>
-        </p:txBody>
-      </p:sp>
-      <p:sp>
-        <p:nvSpPr>
-          <p:cNvPr id="13" name="TextBox 12"/>
-          <p:cNvSpPr txBox="1"/>
-          <p:nvPr/>
-        </p:nvSpPr>
-        <p:spPr>
-          <a:xfrm>
-            <a:off x="4981769" y="1973844"/>
-            <a:ext cx="2141368" cy="1569660"/>
-          </a:xfrm>
-          <a:prstGeom prst="rect">
-            <a:avLst/>
-          </a:prstGeom>
-          <a:noFill/>
-        </p:spPr>
-        <p:txBody>
-          <a:bodyPr wrap="square" rtlCol="0">
-            <a:spAutoFit/>
-          </a:bodyPr>
-          <a:lstStyle/>
-          <a:p>
-            <a:pPr algn="ctr"/>
-            <a:r>
-              <a:rPr lang="en-US" sz="9600" dirty="0" smtClean="0">
-                <a:solidFill>
-                  <a:schemeClr val="bg1"/>
-                </a:solidFill>
-                <a:cs typeface="Estrangelo Edessa" panose="03080600000000000000" pitchFamily="66" charset="0"/>
-              </a:rPr>
-              <a:t>VS</a:t>
-            </a:r>
-            <a:endParaRPr lang="en-US" sz="9600" dirty="0">
-              <a:solidFill>
-                <a:schemeClr val="bg1"/>
-              </a:solidFill>
-              <a:cs typeface="Estrangelo Edessa" panose="03080600000000000000" pitchFamily="66" charset="0"/>
-            </a:endParaRPr>
-          </a:p>
-        </p:txBody>
-      </p:sp>
-      <p:sp>
-        <p:nvSpPr>
-          <p:cNvPr id="17" name="TextBox 16"/>
-          <p:cNvSpPr txBox="1"/>
-          <p:nvPr/>
-        </p:nvSpPr>
-        <p:spPr>
-          <a:xfrm>
-            <a:off x="2636145" y="2287843"/>
-            <a:ext cx="1875977" cy="830997"/>
-          </a:xfrm>
-          <a:prstGeom prst="rect">
-            <a:avLst/>
-          </a:prstGeom>
-          <a:noFill/>
-        </p:spPr>
-        <p:txBody>
-          <a:bodyPr wrap="square" rtlCol="0">
-            <a:spAutoFit/>
-          </a:bodyPr>
-          <a:lstStyle/>
-          <a:p>
-            <a:pPr algn="ctr"/>
-            <a:r>
-              <a:rPr lang="en-US" sz="4800" b="1" dirty="0" smtClean="0">
-                <a:solidFill>
-                  <a:schemeClr val="bg1"/>
-                </a:solidFill>
-                <a:cs typeface="Estrangelo Edessa" panose="03080600000000000000" pitchFamily="66" charset="0"/>
-              </a:rPr>
-              <a:t>TOPIC</a:t>
-            </a:r>
-            <a:endParaRPr lang="en-US" sz="4800" b="1" dirty="0">
-              <a:solidFill>
-                <a:schemeClr val="bg1"/>
-              </a:solidFill>
-              <a:cs typeface="Estrangelo Edessa" panose="03080600000000000000" pitchFamily="66" charset="0"/>
-            </a:endParaRPr>
-          </a:p>
-        </p:txBody>
-      </p:sp>
-      <p:sp>
-        <p:nvSpPr>
-          <p:cNvPr id="18" name="TextBox 17"/>
-          <p:cNvSpPr txBox="1"/>
-          <p:nvPr/>
-        </p:nvSpPr>
-        <p:spPr>
-          <a:xfrm>
-            <a:off x="7498434" y="2280189"/>
-            <a:ext cx="1875977" cy="830997"/>
-          </a:xfrm>
-          <a:prstGeom prst="rect">
-            <a:avLst/>
-          </a:prstGeom>
-          <a:noFill/>
-        </p:spPr>
-        <p:txBody>
-          <a:bodyPr wrap="square" rtlCol="0">
-            <a:spAutoFit/>
-          </a:bodyPr>
-          <a:lstStyle/>
-          <a:p>
-            <a:pPr algn="ctr"/>
-            <a:r>
-              <a:rPr lang="en-US" sz="4800" b="1" dirty="0" smtClean="0">
-                <a:solidFill>
-                  <a:schemeClr val="bg1"/>
-                </a:solidFill>
-                <a:cs typeface="Estrangelo Edessa" panose="03080600000000000000" pitchFamily="66" charset="0"/>
-              </a:rPr>
-              <a:t>TOPIC</a:t>
-            </a:r>
-            <a:endParaRPr lang="en-US" sz="4800" b="1" dirty="0">
-              <a:solidFill>
-                <a:schemeClr val="bg1"/>
-              </a:solidFill>
-              <a:cs typeface="Estrangelo Edessa" panose="03080600000000000000" pitchFamily="66" charset="0"/>
-            </a:endParaRPr>
-          </a:p>
-        </p:txBody>
-      </p:sp>
-      <p:sp>
-        <p:nvSpPr>
-          <p:cNvPr id="19" name="Rounded Rectangle 18"/>
-          <p:cNvSpPr/>
-          <p:nvPr/>
-        </p:nvSpPr>
-        <p:spPr>
-          <a:xfrm>
-            <a:off x="1509482" y="5024846"/>
-            <a:ext cx="9269354" cy="1098881"/>
-          </a:xfrm>
-          <a:prstGeom prst="roundRect">
-            <a:avLst/>
-          </a:prstGeom>
-          <a:solidFill>
-            <a:schemeClr val="bg2">
-              <a:lumMod val="10000"/>
-            </a:schemeClr>
-          </a:solidFill>
-          <a:ln>
-            <a:noFill/>
-          </a:ln>
-        </p:spPr>
-        <p:style>
-          <a:lnRef idx="2">
-            <a:schemeClr val="accent1">
-              <a:shade val="50000"/>
-            </a:schemeClr>
-          </a:lnRef>
-          <a:fillRef idx="1">
-            <a:schemeClr val="accent1"/>
-          </a:fillRef>
-          <a:effectRef idx="0">
-            <a:schemeClr val="accent1"/>
-          </a:effectRef>
-          <a:fontRef idx="minor">
-            <a:schemeClr val="lt1"/>
-          </a:fontRef>
-        </p:style>
-        <p:txBody>
-          <a:bodyPr rtlCol="0" anchor="ctr"/>
-          <a:lstStyle/>
-          <a:p>
-            <a:pPr algn="ctr"/>
-            <a:endParaRPr lang="en-US"/>
-          </a:p>
-        </p:txBody>
-      </p:sp>
-      <p:sp>
-        <p:nvSpPr>
-          <p:cNvPr id="10" name="TextBox 9"/>
-          <p:cNvSpPr txBox="1"/>
-          <p:nvPr/>
-        </p:nvSpPr>
-        <p:spPr>
-          <a:xfrm>
-            <a:off x="1690252" y="5046509"/>
-            <a:ext cx="9085943" cy="1077218"/>
-          </a:xfrm>
-          <a:prstGeom prst="rect">
-            <a:avLst/>
-          </a:prstGeom>
-          <a:noFill/>
-        </p:spPr>
-        <p:txBody>
-          <a:bodyPr wrap="square" rtlCol="0">
-            <a:spAutoFit/>
-          </a:bodyPr>
-          <a:lstStyle/>
-          <a:p>
-            <a:pPr algn="ctr"/>
-            <a:r>
-              <a:rPr lang="en-US" sz="1600" dirty="0">
-                <a:solidFill>
-                  <a:schemeClr val="bg1"/>
-                </a:solidFill>
-                <a:latin typeface="+mj-lt"/>
-              </a:rPr>
-              <a:t>Lorem ipsum dolor sit amet, urna scelerisque, lacus wisi, congue suspendisse eget scelerisque in porta est, ipsum cras. Ornare sit elit, litora lacus ea sed fermentum inceptos. Dolor aliquam maecenas elit sed amet, tellus vivamus mattis. Augue metus feugiat vivamus pellentesque qui. Vestibulum sit massa quis a, mattis vestibulum ac viverra vel. Venenatis ultrices metus sed</a:t>
-            </a:r>
-            <a:endParaRPr lang="en-US" sz="1600" dirty="0">
-              <a:solidFill>
-                <a:schemeClr val="bg1"/>
-              </a:solidFill>
-              <a:latin typeface="+mj-lt"/>
-              <a:cs typeface="Estrangelo Edessa" panose="03080600000000000000" pitchFamily="66" charset="0"/>
-            </a:endParaRPr>
-          </a:p>
-        </p:txBody>
-      </p:sp>
-      <p:sp>
-        <p:nvSpPr>
-          <p:cNvPr id="14" name="Rectangle 13"/>
-          <p:cNvSpPr/>
-          <p:nvPr/>
-        </p:nvSpPr>
-        <p:spPr>
-          <a:xfrm>
-            <a:off x="132707" y="143202"/>
-            <a:ext cx="2690649" cy="494753"/>
-          </a:xfrm>
-          <a:prstGeom prst="rect">
-            <a:avLst/>
-          </a:prstGeom>
-          <a:solidFill>
-            <a:schemeClr val="accent1">
-              <a:alpha val="50000"/>
-            </a:schemeClr>
-          </a:solidFill>
-          <a:ln>
-            <a:noFill/>
-          </a:ln>
-        </p:spPr>
-        <p:style>
-          <a:lnRef idx="2">
-            <a:schemeClr val="accent1">
-              <a:shade val="50000"/>
-            </a:schemeClr>
-          </a:lnRef>
-          <a:fillRef idx="1">
-            <a:schemeClr val="accent1"/>
-          </a:fillRef>
-          <a:effectRef idx="0">
-            <a:schemeClr val="accent1"/>
-          </a:effectRef>
-          <a:fontRef idx="minor">
-            <a:schemeClr val="lt1"/>
-          </a:fontRef>
-        </p:style>
-        <p:txBody>
-          <a:bodyPr rtlCol="0" anchor="ctr"/>
-          <a:lstStyle/>
-          <a:p>
-            <a:pPr algn="ctr"/>
-            <a:endParaRPr lang="en-US"/>
-          </a:p>
-        </p:txBody>
-      </p:sp>
-      <p:sp>
-        <p:nvSpPr>
-          <p:cNvPr id="16" name="TextBox 15"/>
-          <p:cNvSpPr txBox="1"/>
-          <p:nvPr/>
-        </p:nvSpPr>
-        <p:spPr>
-          <a:xfrm>
-            <a:off x="321894" y="113579"/>
-            <a:ext cx="2035932" cy="553998"/>
-          </a:xfrm>
-          <a:prstGeom prst="rect">
-            <a:avLst/>
-          </a:prstGeom>
-          <a:noFill/>
-        </p:spPr>
-        <p:txBody>
-          <a:bodyPr wrap="square" rtlCol="0">
-            <a:spAutoFit/>
-          </a:bodyPr>
-          <a:lstStyle/>
-          <a:p>
-            <a:pPr algn="ctr"/>
-            <a:r>
-              <a:rPr lang="en-US" sz="3000" dirty="0" smtClean="0">
-                <a:solidFill>
-                  <a:schemeClr val="bg1"/>
-                </a:solidFill>
-                <a:cs typeface="Browallia New" panose="020B0604020202020204" pitchFamily="34" charset="-34"/>
-              </a:rPr>
-              <a:t>Slide Title</a:t>
-            </a:r>
-            <a:endParaRPr lang="en-US" sz="3000" dirty="0">
-              <a:solidFill>
-                <a:schemeClr val="bg1"/>
-              </a:solidFill>
-              <a:cs typeface="Browallia New" panose="020B0604020202020204" pitchFamily="34" charset="-34"/>
-            </a:endParaRPr>
-          </a:p>
-        </p:txBody>
-      </p:sp>
-    </p:spTree>
-    <p:extLst>
-      <p:ext uri="{BB962C8B-B14F-4D97-AF65-F5344CB8AC3E}">
-        <p14:creationId xmlns:p14="http://schemas.microsoft.com/office/powerpoint/2010/main" val="1874371196"/>
-      </p:ext>
-    </p:extLst>
-  </p:cSld>
-  <p:clrMapOvr>
-    <a:masterClrMapping/>
-  </p:clrMapOvr>
-  <mc:AlternateContent xmlns:mc="http://schemas.openxmlformats.org/markup-compatibility/2006" xmlns:p14="http://schemas.microsoft.com/office/powerpoint/2010/main">
-    <mc:Choice Requires="p14">
-      <p:transition spd="slow" p14:dur="1600">
-        <p14:conveyor dir="l"/>
-      </p:transition>
-    </mc:Choice>
-    <mc:Fallback xmlns="">
-      <p:transition spd="slow">
-        <p:fade/>
-      </p:transition>
-    </mc:Fallback>
-  </mc:AlternateContent>
-  <p:timing>
-    <p:tnLst>
-      <p:par>
-        <p:cTn xmlns:p14="http://schemas.microsoft.com/office/powerpoint/2010/main" id="1" dur="indefinite" restart="never" nodeType="tmRoot"/>
-      </p:par>
-    </p:tnLst>
-  </p:timing>
-</p:sld>
-</file>
-
-<file path=ppt/slides/slide14.xml><?xml version="1.0" encoding="utf-8"?>
-<p:sld xmlns:a="http://schemas.openxmlformats.org/drawingml/2006/main" xmlns:r="http://schemas.openxmlformats.org/officeDocument/2006/relationships" xmlns:p="http://schemas.openxmlformats.org/presentationml/2006/main">
-  <p:cSld>
-    <p:bg>
-      <p:bgPr>
-        <a:blipFill dpi="0" rotWithShape="1">
-          <a:blip r:embed="rId3">
-            <a:lum/>
-          </a:blip>
-          <a:srcRect/>
-          <a:stretch>
-            <a:fillRect t="-6000" b="-6000"/>
-          </a:stretch>
-        </a:blipFill>
-        <a:effectLst/>
-      </p:bgPr>
-    </p:bg>
-    <p:spTree>
-      <p:nvGrpSpPr>
-        <p:cNvPr id="1" name=""/>
-        <p:cNvGrpSpPr/>
-        <p:nvPr/>
-      </p:nvGrpSpPr>
-      <p:grpSpPr>
-        <a:xfrm>
-          <a:off x="0" y="0"/>
-          <a:ext cx="0" cy="0"/>
-          <a:chOff x="0" y="0"/>
-          <a:chExt cx="0" cy="0"/>
-        </a:xfrm>
-      </p:grpSpPr>
-      <p:sp>
-        <p:nvSpPr>
-          <p:cNvPr id="6" name="Rectangle 5"/>
-          <p:cNvSpPr/>
-          <p:nvPr/>
-        </p:nvSpPr>
-        <p:spPr>
-          <a:xfrm>
-            <a:off x="0" y="0"/>
-            <a:ext cx="12192000" cy="6858000"/>
-          </a:xfrm>
-          <a:prstGeom prst="rect">
-            <a:avLst/>
-          </a:prstGeom>
-          <a:solidFill>
-            <a:schemeClr val="tx1">
-              <a:alpha val="50000"/>
-            </a:schemeClr>
-          </a:solidFill>
-          <a:ln>
-            <a:noFill/>
-          </a:ln>
-        </p:spPr>
-        <p:style>
-          <a:lnRef idx="2">
-            <a:schemeClr val="accent1">
-              <a:shade val="50000"/>
-            </a:schemeClr>
-          </a:lnRef>
-          <a:fillRef idx="1">
-            <a:schemeClr val="accent1"/>
-          </a:fillRef>
-          <a:effectRef idx="0">
-            <a:schemeClr val="accent1"/>
-          </a:effectRef>
-          <a:fontRef idx="minor">
-            <a:schemeClr val="lt1"/>
-          </a:fontRef>
-        </p:style>
-        <p:txBody>
-          <a:bodyPr rtlCol="0" anchor="ctr"/>
-          <a:lstStyle/>
-          <a:p>
-            <a:pPr algn="ctr"/>
-            <a:endParaRPr lang="en-US"/>
-          </a:p>
-        </p:txBody>
-      </p:sp>
-      <p:sp>
-        <p:nvSpPr>
-          <p:cNvPr id="8" name="TextBox 7"/>
-          <p:cNvSpPr txBox="1"/>
-          <p:nvPr/>
-        </p:nvSpPr>
-        <p:spPr>
-          <a:xfrm>
-            <a:off x="11731397" y="6704111"/>
-            <a:ext cx="329610" cy="107722"/>
-          </a:xfrm>
-          <a:prstGeom prst="rect">
-            <a:avLst/>
-          </a:prstGeom>
-          <a:noFill/>
-        </p:spPr>
-        <p:txBody>
-          <a:bodyPr wrap="square" rtlCol="0">
-            <a:spAutoFit/>
-          </a:bodyPr>
-          <a:lstStyle/>
-          <a:p>
-            <a:r>
-              <a:rPr lang="en-US" sz="100" dirty="0" smtClean="0">
-                <a:solidFill>
-                  <a:schemeClr val="bg1">
-                    <a:lumMod val="75000"/>
-                  </a:schemeClr>
-                </a:solidFill>
-                <a:hlinkClick r:id="rId4"/>
-              </a:rPr>
-              <a:t>Free PowerPoint Templates</a:t>
-            </a:r>
-            <a:endParaRPr lang="en-US" sz="100" dirty="0">
-              <a:solidFill>
-                <a:schemeClr val="bg1">
-                  <a:lumMod val="75000"/>
-                </a:schemeClr>
-              </a:solidFill>
-            </a:endParaRPr>
-          </a:p>
-        </p:txBody>
-      </p:sp>
-      <p:graphicFrame>
-        <p:nvGraphicFramePr>
-          <p:cNvPr id="11" name="Chart 10"/>
-          <p:cNvGraphicFramePr/>
-          <p:nvPr>
-            <p:extLst>
-              <p:ext uri="{D42A27DB-BD31-4B8C-83A1-F6EECF244321}">
-                <p14:modId xmlns:p14="http://schemas.microsoft.com/office/powerpoint/2010/main" val="1453773801"/>
-              </p:ext>
-            </p:extLst>
-          </p:nvPr>
-        </p:nvGraphicFramePr>
-        <p:xfrm>
-          <a:off x="410423" y="1262265"/>
-          <a:ext cx="11320974" cy="4979686"/>
-        </p:xfrm>
-        <a:graphic>
-          <a:graphicData uri="http://schemas.openxmlformats.org/drawingml/2006/chart">
-            <c:chart xmlns:c="http://schemas.openxmlformats.org/drawingml/2006/chart" xmlns:r="http://schemas.openxmlformats.org/officeDocument/2006/relationships" r:id="rId5"/>
-          </a:graphicData>
-        </a:graphic>
-      </p:graphicFrame>
-      <p:sp>
-        <p:nvSpPr>
-          <p:cNvPr id="7" name="Rectangle 6"/>
-          <p:cNvSpPr/>
-          <p:nvPr/>
-        </p:nvSpPr>
-        <p:spPr>
-          <a:xfrm>
-            <a:off x="132707" y="143202"/>
-            <a:ext cx="2690649" cy="494753"/>
-          </a:xfrm>
-          <a:prstGeom prst="rect">
-            <a:avLst/>
-          </a:prstGeom>
-          <a:solidFill>
-            <a:schemeClr val="accent1">
-              <a:alpha val="50000"/>
-            </a:schemeClr>
-          </a:solidFill>
-          <a:ln>
-            <a:noFill/>
-          </a:ln>
-        </p:spPr>
-        <p:style>
-          <a:lnRef idx="2">
-            <a:schemeClr val="accent1">
-              <a:shade val="50000"/>
-            </a:schemeClr>
-          </a:lnRef>
-          <a:fillRef idx="1">
-            <a:schemeClr val="accent1"/>
-          </a:fillRef>
-          <a:effectRef idx="0">
-            <a:schemeClr val="accent1"/>
-          </a:effectRef>
-          <a:fontRef idx="minor">
-            <a:schemeClr val="lt1"/>
-          </a:fontRef>
-        </p:style>
-        <p:txBody>
-          <a:bodyPr rtlCol="0" anchor="ctr"/>
-          <a:lstStyle/>
-          <a:p>
-            <a:pPr algn="ctr"/>
-            <a:endParaRPr lang="en-US"/>
-          </a:p>
-        </p:txBody>
-      </p:sp>
-      <p:sp>
-        <p:nvSpPr>
-          <p:cNvPr id="9" name="TextBox 8"/>
-          <p:cNvSpPr txBox="1"/>
-          <p:nvPr/>
-        </p:nvSpPr>
-        <p:spPr>
-          <a:xfrm>
-            <a:off x="321894" y="113579"/>
-            <a:ext cx="2035932" cy="553998"/>
-          </a:xfrm>
-          <a:prstGeom prst="rect">
-            <a:avLst/>
-          </a:prstGeom>
-          <a:noFill/>
-        </p:spPr>
-        <p:txBody>
-          <a:bodyPr wrap="square" rtlCol="0">
-            <a:spAutoFit/>
-          </a:bodyPr>
-          <a:lstStyle/>
-          <a:p>
-            <a:pPr algn="ctr"/>
-            <a:r>
-              <a:rPr lang="en-US" sz="3000" dirty="0" smtClean="0">
-                <a:solidFill>
-                  <a:schemeClr val="bg1"/>
-                </a:solidFill>
-                <a:cs typeface="Browallia New" panose="020B0604020202020204" pitchFamily="34" charset="-34"/>
-              </a:rPr>
-              <a:t>Slide Title</a:t>
-            </a:r>
-            <a:endParaRPr lang="en-US" sz="3000" dirty="0">
-              <a:solidFill>
-                <a:schemeClr val="bg1"/>
-              </a:solidFill>
-              <a:cs typeface="Browallia New" panose="020B0604020202020204" pitchFamily="34" charset="-34"/>
-            </a:endParaRPr>
-          </a:p>
-        </p:txBody>
-      </p:sp>
-    </p:spTree>
-    <p:extLst>
-      <p:ext uri="{BB962C8B-B14F-4D97-AF65-F5344CB8AC3E}">
-        <p14:creationId xmlns:p14="http://schemas.microsoft.com/office/powerpoint/2010/main" val="1783579986"/>
-      </p:ext>
-    </p:extLst>
-  </p:cSld>
-  <p:clrMapOvr>
-    <a:masterClrMapping/>
-  </p:clrMapOvr>
-  <mc:AlternateContent xmlns:mc="http://schemas.openxmlformats.org/markup-compatibility/2006" xmlns:p14="http://schemas.microsoft.com/office/powerpoint/2010/main">
-    <mc:Choice Requires="p14">
-      <p:transition spd="slow" p14:dur="1600">
-        <p14:conveyor dir="l"/>
-      </p:transition>
-    </mc:Choice>
-    <mc:Fallback xmlns="">
-      <p:transition spd="slow">
-        <p:fade/>
-      </p:transition>
-    </mc:Fallback>
-  </mc:AlternateContent>
-  <p:timing>
-    <p:tnLst>
-      <p:par>
-        <p:cTn xmlns:p14="http://schemas.microsoft.com/office/powerpoint/2010/main" id="1" dur="indefinite" restart="never" nodeType="tmRoot"/>
-      </p:par>
-    </p:tnLst>
-  </p:timing>
-</p:sld>
-</file>
-
-<file path=ppt/slides/slide15.xml><?xml version="1.0" encoding="utf-8"?>
-<p:sld xmlns:a="http://schemas.openxmlformats.org/drawingml/2006/main" xmlns:r="http://schemas.openxmlformats.org/officeDocument/2006/relationships" xmlns:p="http://schemas.openxmlformats.org/presentationml/2006/main">
-  <p:cSld>
-    <p:bg>
-      <p:bgPr>
-        <a:blipFill dpi="0" rotWithShape="1">
-          <a:blip r:embed="rId2">
-            <a:lum/>
-          </a:blip>
-          <a:srcRect/>
-          <a:stretch>
-            <a:fillRect t="-6000" b="-6000"/>
-          </a:stretch>
-        </a:blipFill>
-        <a:effectLst/>
-      </p:bgPr>
-    </p:bg>
-    <p:spTree>
-      <p:nvGrpSpPr>
-        <p:cNvPr id="1" name=""/>
-        <p:cNvGrpSpPr/>
-        <p:nvPr/>
-      </p:nvGrpSpPr>
-      <p:grpSpPr>
-        <a:xfrm>
-          <a:off x="0" y="0"/>
-          <a:ext cx="0" cy="0"/>
-          <a:chOff x="0" y="0"/>
-          <a:chExt cx="0" cy="0"/>
-        </a:xfrm>
-      </p:grpSpPr>
-      <p:sp>
-        <p:nvSpPr>
-          <p:cNvPr id="6" name="Rectangle 5"/>
-          <p:cNvSpPr/>
-          <p:nvPr/>
-        </p:nvSpPr>
-        <p:spPr>
-          <a:xfrm>
-            <a:off x="0" y="0"/>
-            <a:ext cx="12191999" cy="6858000"/>
-          </a:xfrm>
-          <a:prstGeom prst="rect">
-            <a:avLst/>
-          </a:prstGeom>
-          <a:solidFill>
-            <a:schemeClr val="tx1">
-              <a:alpha val="50000"/>
-            </a:schemeClr>
-          </a:solidFill>
-          <a:ln>
-            <a:noFill/>
-          </a:ln>
-        </p:spPr>
-        <p:style>
-          <a:lnRef idx="2">
-            <a:schemeClr val="accent1">
-              <a:shade val="50000"/>
-            </a:schemeClr>
-          </a:lnRef>
-          <a:fillRef idx="1">
-            <a:schemeClr val="accent1"/>
-          </a:fillRef>
-          <a:effectRef idx="0">
-            <a:schemeClr val="accent1"/>
-          </a:effectRef>
-          <a:fontRef idx="minor">
-            <a:schemeClr val="lt1"/>
-          </a:fontRef>
-        </p:style>
-        <p:txBody>
-          <a:bodyPr rtlCol="0" anchor="ctr"/>
-          <a:lstStyle/>
-          <a:p>
-            <a:pPr algn="ctr"/>
-            <a:endParaRPr lang="en-US"/>
-          </a:p>
-        </p:txBody>
-      </p:sp>
-      <p:sp>
-        <p:nvSpPr>
-          <p:cNvPr id="9" name="Rounded Rectangle 8"/>
-          <p:cNvSpPr/>
-          <p:nvPr/>
-        </p:nvSpPr>
-        <p:spPr>
-          <a:xfrm>
-            <a:off x="519578" y="2390786"/>
-            <a:ext cx="11152842" cy="2544357"/>
-          </a:xfrm>
-          <a:prstGeom prst="roundRect">
-            <a:avLst/>
-          </a:prstGeom>
-          <a:solidFill>
-            <a:schemeClr val="bg2">
-              <a:lumMod val="10000"/>
-            </a:schemeClr>
-          </a:solidFill>
-          <a:ln>
-            <a:noFill/>
-          </a:ln>
-        </p:spPr>
-        <p:style>
-          <a:lnRef idx="2">
-            <a:schemeClr val="accent1">
-              <a:shade val="50000"/>
-            </a:schemeClr>
-          </a:lnRef>
-          <a:fillRef idx="1">
-            <a:schemeClr val="accent1"/>
-          </a:fillRef>
-          <a:effectRef idx="0">
-            <a:schemeClr val="accent1"/>
-          </a:effectRef>
-          <a:fontRef idx="minor">
-            <a:schemeClr val="lt1"/>
-          </a:fontRef>
-        </p:style>
-        <p:txBody>
-          <a:bodyPr rtlCol="0" anchor="ctr"/>
-          <a:lstStyle/>
-          <a:p>
-            <a:pPr algn="ctr"/>
-            <a:endParaRPr lang="en-US"/>
-          </a:p>
-        </p:txBody>
-      </p:sp>
       <p:pic>
         <p:nvPicPr>
-          <p:cNvPr id="3" name="Picture 2"/>
+          <p:cNvPr id="13" name="Picture 12"/>
           <p:cNvPicPr>
             <a:picLocks noChangeAspect="1"/>
           </p:cNvPicPr>
           <p:nvPr/>
         </p:nvPicPr>
         <p:blipFill>
-          <a:blip r:embed="rId3" cstate="print">
+          <a:blip r:embed="rId4" cstate="print">
             <a:extLst>
               <a:ext uri="{28A0092B-C50C-407E-A947-70E740481C1C}">
                 <a14:useLocalDpi xmlns:a14="http://schemas.microsoft.com/office/drawing/2010/main" val="0"/>
@@ -10050,138 +7246,17 @@
         </p:blipFill>
         <p:spPr>
           <a:xfrm>
-            <a:off x="519577" y="1585468"/>
-            <a:ext cx="1059704" cy="962293"/>
+            <a:off x="10774588" y="113579"/>
+            <a:ext cx="1417412" cy="1583591"/>
           </a:xfrm>
           <a:prstGeom prst="rect">
             <a:avLst/>
           </a:prstGeom>
-          <a:noFill/>
         </p:spPr>
       </p:pic>
       <p:sp>
         <p:nvSpPr>
-          <p:cNvPr id="8" name="TextBox 7"/>
-          <p:cNvSpPr txBox="1"/>
-          <p:nvPr/>
-        </p:nvSpPr>
-        <p:spPr>
-          <a:xfrm>
-            <a:off x="11731397" y="6704111"/>
-            <a:ext cx="329610" cy="107722"/>
-          </a:xfrm>
-          <a:prstGeom prst="rect">
-            <a:avLst/>
-          </a:prstGeom>
-          <a:noFill/>
-        </p:spPr>
-        <p:txBody>
-          <a:bodyPr wrap="square" rtlCol="0">
-            <a:spAutoFit/>
-          </a:bodyPr>
-          <a:lstStyle/>
-          <a:p>
-            <a:r>
-              <a:rPr lang="en-US" sz="100" dirty="0" smtClean="0">
-                <a:solidFill>
-                  <a:schemeClr val="bg1">
-                    <a:lumMod val="75000"/>
-                  </a:schemeClr>
-                </a:solidFill>
-                <a:hlinkClick r:id="rId4"/>
-              </a:rPr>
-              <a:t>Free PowerPoint Templates</a:t>
-            </a:r>
-            <a:endParaRPr lang="en-US" sz="100" dirty="0">
-              <a:solidFill>
-                <a:schemeClr val="bg1">
-                  <a:lumMod val="75000"/>
-                </a:schemeClr>
-              </a:solidFill>
-            </a:endParaRPr>
-          </a:p>
-        </p:txBody>
-      </p:sp>
-      <p:sp>
-        <p:nvSpPr>
-          <p:cNvPr id="14" name="TextBox 13"/>
-          <p:cNvSpPr txBox="1"/>
-          <p:nvPr/>
-        </p:nvSpPr>
-        <p:spPr>
-          <a:xfrm>
-            <a:off x="1411515" y="2547761"/>
-            <a:ext cx="9347926" cy="1754326"/>
-          </a:xfrm>
-          <a:prstGeom prst="rect">
-            <a:avLst/>
-          </a:prstGeom>
-          <a:noFill/>
-        </p:spPr>
-        <p:txBody>
-          <a:bodyPr wrap="square" rtlCol="0">
-            <a:spAutoFit/>
-          </a:bodyPr>
-          <a:lstStyle/>
-          <a:p>
-            <a:r>
-              <a:rPr lang="en-US" sz="3600" i="1" dirty="0">
-                <a:solidFill>
-                  <a:schemeClr val="bg1"/>
-                </a:solidFill>
-                <a:latin typeface="+mj-lt"/>
-              </a:rPr>
-              <a:t>If your actions inspire others to dream more, learn more, do more and become more, you are a leader.</a:t>
-            </a:r>
-          </a:p>
-        </p:txBody>
-      </p:sp>
-      <p:sp>
-        <p:nvSpPr>
-          <p:cNvPr id="4" name="TextBox 3"/>
-          <p:cNvSpPr txBox="1"/>
-          <p:nvPr/>
-        </p:nvSpPr>
-        <p:spPr>
-          <a:xfrm>
-            <a:off x="6871142" y="4000227"/>
-            <a:ext cx="4407877" cy="646331"/>
-          </a:xfrm>
-          <a:prstGeom prst="rect">
-            <a:avLst/>
-          </a:prstGeom>
-          <a:noFill/>
-        </p:spPr>
-        <p:txBody>
-          <a:bodyPr wrap="square" rtlCol="0">
-            <a:spAutoFit/>
-          </a:bodyPr>
-          <a:lstStyle/>
-          <a:p>
-            <a:r>
-              <a:rPr lang="en-US" sz="3600" i="1" dirty="0" smtClean="0">
-                <a:solidFill>
-                  <a:schemeClr val="bg1"/>
-                </a:solidFill>
-                <a:latin typeface="+mj-lt"/>
-              </a:rPr>
-              <a:t>-- </a:t>
-            </a:r>
-            <a:r>
-              <a:rPr lang="en-US" sz="3600" i="1" dirty="0">
-                <a:solidFill>
-                  <a:schemeClr val="bg1"/>
-                </a:solidFill>
-                <a:latin typeface="+mj-lt"/>
-              </a:rPr>
-              <a:t>John Quincy Adams</a:t>
-            </a:r>
-          </a:p>
-        </p:txBody>
-      </p:sp>
-      <p:sp>
-        <p:nvSpPr>
-          <p:cNvPr id="10" name="Rectangle 9"/>
+          <p:cNvPr id="27" name="Rectangle 26"/>
           <p:cNvSpPr/>
           <p:nvPr/>
         </p:nvSpPr>
@@ -10229,7 +7304,7 @@
       </p:sp>
       <p:sp>
         <p:nvSpPr>
-          <p:cNvPr id="11" name="TextBox 10"/>
+          <p:cNvPr id="29" name="TextBox 28"/>
           <p:cNvSpPr txBox="1"/>
           <p:nvPr/>
         </p:nvSpPr>
@@ -10257,7 +7332,7 @@
                 </a:solidFill>
                 <a:cs typeface="Browallia New" panose="020B0604020202020204" pitchFamily="34" charset="-34"/>
               </a:rPr>
-              <a:t>Slide Title</a:t>
+              <a:t>13</a:t>
             </a:r>
             <a:endParaRPr lang="en-US" sz="3000" dirty="0">
               <a:solidFill>
@@ -10268,311 +7343,16 @@
           </a:p>
         </p:txBody>
       </p:sp>
-    </p:spTree>
-    <p:extLst>
-      <p:ext uri="{BB962C8B-B14F-4D97-AF65-F5344CB8AC3E}">
-        <p14:creationId xmlns:p14="http://schemas.microsoft.com/office/powerpoint/2010/main" val="2039785544"/>
-      </p:ext>
-    </p:extLst>
-  </p:cSld>
-  <p:clrMapOvr>
-    <a:masterClrMapping/>
-  </p:clrMapOvr>
-  <mc:AlternateContent xmlns:mc="http://schemas.openxmlformats.org/markup-compatibility/2006" xmlns:p14="http://schemas.microsoft.com/office/powerpoint/2010/main">
-    <mc:Choice Requires="p14">
-      <p:transition spd="slow" p14:dur="1600">
-        <p14:conveyor dir="l"/>
-      </p:transition>
-    </mc:Choice>
-    <mc:Fallback xmlns="">
-      <p:transition spd="slow">
-        <p:fade/>
-      </p:transition>
-    </mc:Fallback>
-  </mc:AlternateContent>
-  <p:timing>
-    <p:tnLst>
-      <p:par>
-        <p:cTn xmlns:p14="http://schemas.microsoft.com/office/powerpoint/2010/main" id="1" dur="indefinite" restart="never" nodeType="tmRoot"/>
-      </p:par>
-    </p:tnLst>
-  </p:timing>
-</p:sld>
-</file>
-
-<file path=ppt/slides/slide16.xml><?xml version="1.0" encoding="utf-8"?>
-<p:sld xmlns:a="http://schemas.openxmlformats.org/drawingml/2006/main" xmlns:r="http://schemas.openxmlformats.org/officeDocument/2006/relationships" xmlns:p="http://schemas.openxmlformats.org/presentationml/2006/main">
-  <p:cSld>
-    <p:bg>
-      <p:bgPr>
-        <a:blipFill dpi="0" rotWithShape="1">
-          <a:blip r:embed="rId2">
-            <a:lum/>
-          </a:blip>
-          <a:srcRect/>
-          <a:stretch>
-            <a:fillRect t="-6000" b="-6000"/>
-          </a:stretch>
-        </a:blipFill>
-        <a:effectLst/>
-      </p:bgPr>
-    </p:bg>
-    <p:spTree>
-      <p:nvGrpSpPr>
-        <p:cNvPr id="1" name=""/>
-        <p:cNvGrpSpPr/>
-        <p:nvPr/>
-      </p:nvGrpSpPr>
-      <p:grpSpPr>
-        <a:xfrm>
-          <a:off x="0" y="0"/>
-          <a:ext cx="0" cy="0"/>
-          <a:chOff x="0" y="0"/>
-          <a:chExt cx="0" cy="0"/>
-        </a:xfrm>
-      </p:grpSpPr>
-      <p:sp>
-        <p:nvSpPr>
-          <p:cNvPr id="6" name="Rectangle 5"/>
-          <p:cNvSpPr/>
-          <p:nvPr/>
-        </p:nvSpPr>
-        <p:spPr>
-          <a:xfrm>
-            <a:off x="0" y="-15091"/>
-            <a:ext cx="12192000" cy="6858000"/>
-          </a:xfrm>
-          <a:prstGeom prst="rect">
-            <a:avLst/>
-          </a:prstGeom>
-          <a:solidFill>
-            <a:schemeClr val="tx1">
-              <a:alpha val="50000"/>
-            </a:schemeClr>
-          </a:solidFill>
-        </p:spPr>
-        <p:style>
-          <a:lnRef idx="2">
-            <a:schemeClr val="accent1">
-              <a:shade val="50000"/>
-            </a:schemeClr>
-          </a:lnRef>
-          <a:fillRef idx="1">
-            <a:schemeClr val="accent1"/>
-          </a:fillRef>
-          <a:effectRef idx="0">
-            <a:schemeClr val="accent1"/>
-          </a:effectRef>
-          <a:fontRef idx="minor">
-            <a:schemeClr val="lt1"/>
-          </a:fontRef>
-        </p:style>
-        <p:txBody>
-          <a:bodyPr rtlCol="0" anchor="ctr"/>
-          <a:lstStyle/>
-          <a:p>
-            <a:pPr algn="ctr"/>
-            <a:endParaRPr lang="en-US"/>
-          </a:p>
-        </p:txBody>
-      </p:sp>
-      <p:sp>
-        <p:nvSpPr>
-          <p:cNvPr id="44" name="Rounded Rectangle 43"/>
-          <p:cNvSpPr/>
-          <p:nvPr/>
-        </p:nvSpPr>
-        <p:spPr>
-          <a:xfrm>
-            <a:off x="9132475" y="4514439"/>
-            <a:ext cx="2251314" cy="1824375"/>
-          </a:xfrm>
-          <a:prstGeom prst="roundRect">
-            <a:avLst/>
-          </a:prstGeom>
-          <a:solidFill>
-            <a:schemeClr val="bg2">
-              <a:lumMod val="10000"/>
-            </a:schemeClr>
-          </a:solidFill>
-          <a:ln>
-            <a:noFill/>
-          </a:ln>
-        </p:spPr>
-        <p:style>
-          <a:lnRef idx="2">
-            <a:schemeClr val="accent1">
-              <a:shade val="50000"/>
-            </a:schemeClr>
-          </a:lnRef>
-          <a:fillRef idx="1">
-            <a:schemeClr val="accent1"/>
-          </a:fillRef>
-          <a:effectRef idx="0">
-            <a:schemeClr val="accent1"/>
-          </a:effectRef>
-          <a:fontRef idx="minor">
-            <a:schemeClr val="lt1"/>
-          </a:fontRef>
-        </p:style>
-        <p:txBody>
-          <a:bodyPr rtlCol="0" anchor="ctr"/>
-          <a:lstStyle/>
-          <a:p>
-            <a:pPr algn="ctr"/>
-            <a:endParaRPr lang="en-US"/>
-          </a:p>
-        </p:txBody>
-      </p:sp>
-      <p:sp>
-        <p:nvSpPr>
-          <p:cNvPr id="43" name="Rounded Rectangle 42"/>
-          <p:cNvSpPr/>
-          <p:nvPr/>
-        </p:nvSpPr>
-        <p:spPr>
-          <a:xfrm>
-            <a:off x="5383381" y="4525061"/>
-            <a:ext cx="2251314" cy="1824375"/>
-          </a:xfrm>
-          <a:prstGeom prst="roundRect">
-            <a:avLst/>
-          </a:prstGeom>
-          <a:solidFill>
-            <a:schemeClr val="bg2">
-              <a:lumMod val="10000"/>
-            </a:schemeClr>
-          </a:solidFill>
-          <a:ln>
-            <a:noFill/>
-          </a:ln>
-        </p:spPr>
-        <p:style>
-          <a:lnRef idx="2">
-            <a:schemeClr val="accent1">
-              <a:shade val="50000"/>
-            </a:schemeClr>
-          </a:lnRef>
-          <a:fillRef idx="1">
-            <a:schemeClr val="accent1"/>
-          </a:fillRef>
-          <a:effectRef idx="0">
-            <a:schemeClr val="accent1"/>
-          </a:effectRef>
-          <a:fontRef idx="minor">
-            <a:schemeClr val="lt1"/>
-          </a:fontRef>
-        </p:style>
-        <p:txBody>
-          <a:bodyPr rtlCol="0" anchor="ctr"/>
-          <a:lstStyle/>
-          <a:p>
-            <a:pPr algn="ctr"/>
-            <a:endParaRPr lang="en-US"/>
-          </a:p>
-        </p:txBody>
-      </p:sp>
-      <p:sp>
-        <p:nvSpPr>
-          <p:cNvPr id="28" name="Rounded Rectangle 27"/>
-          <p:cNvSpPr/>
-          <p:nvPr/>
-        </p:nvSpPr>
-        <p:spPr>
-          <a:xfrm>
-            <a:off x="1678482" y="4543251"/>
-            <a:ext cx="2251314" cy="1824375"/>
-          </a:xfrm>
-          <a:prstGeom prst="roundRect">
-            <a:avLst/>
-          </a:prstGeom>
-          <a:solidFill>
-            <a:schemeClr val="bg2">
-              <a:lumMod val="10000"/>
-            </a:schemeClr>
-          </a:solidFill>
-          <a:ln>
-            <a:noFill/>
-          </a:ln>
-        </p:spPr>
-        <p:style>
-          <a:lnRef idx="2">
-            <a:schemeClr val="accent1">
-              <a:shade val="50000"/>
-            </a:schemeClr>
-          </a:lnRef>
-          <a:fillRef idx="1">
-            <a:schemeClr val="accent1"/>
-          </a:fillRef>
-          <a:effectRef idx="0">
-            <a:schemeClr val="accent1"/>
-          </a:effectRef>
-          <a:fontRef idx="minor">
-            <a:schemeClr val="lt1"/>
-          </a:fontRef>
-        </p:style>
-        <p:txBody>
-          <a:bodyPr rtlCol="0" anchor="ctr"/>
-          <a:lstStyle/>
-          <a:p>
-            <a:pPr algn="ctr"/>
-            <a:endParaRPr lang="en-US"/>
-          </a:p>
-        </p:txBody>
-      </p:sp>
-      <p:sp>
-        <p:nvSpPr>
-          <p:cNvPr id="8" name="TextBox 7"/>
-          <p:cNvSpPr txBox="1"/>
-          <p:nvPr/>
-        </p:nvSpPr>
-        <p:spPr>
-          <a:xfrm>
-            <a:off x="11731397" y="6704111"/>
-            <a:ext cx="329610" cy="107722"/>
-          </a:xfrm>
-          <a:prstGeom prst="rect">
-            <a:avLst/>
-          </a:prstGeom>
-          <a:noFill/>
-        </p:spPr>
-        <p:txBody>
-          <a:bodyPr wrap="square" rtlCol="0">
-            <a:spAutoFit/>
-          </a:bodyPr>
-          <a:lstStyle/>
-          <a:p>
-            <a:r>
-              <a:rPr lang="en-US" sz="100" dirty="0" smtClean="0">
-                <a:solidFill>
-                  <a:schemeClr val="bg1">
-                    <a:lumMod val="75000"/>
-                  </a:schemeClr>
-                </a:solidFill>
-                <a:hlinkClick r:id="rId3"/>
-              </a:rPr>
-              <a:t>Free PowerPoint Templates</a:t>
-            </a:r>
-            <a:endParaRPr lang="en-US" sz="100" dirty="0">
-              <a:solidFill>
-                <a:schemeClr val="bg1">
-                  <a:lumMod val="75000"/>
-                </a:schemeClr>
-              </a:solidFill>
-            </a:endParaRPr>
-          </a:p>
-        </p:txBody>
-      </p:sp>
       <p:pic>
         <p:nvPicPr>
-          <p:cNvPr id="3" name="Picture 2"/>
+          <p:cNvPr id="14" name="Picture 13"/>
           <p:cNvPicPr>
             <a:picLocks noChangeAspect="1"/>
           </p:cNvPicPr>
           <p:nvPr/>
         </p:nvPicPr>
         <p:blipFill>
-          <a:blip r:embed="rId4">
+          <a:blip r:embed="rId5">
             <a:extLst>
               <a:ext uri="{28A0092B-C50C-407E-A947-70E740481C1C}">
                 <a14:useLocalDpi xmlns:a14="http://schemas.microsoft.com/office/drawing/2010/main" val="0"/>
@@ -10585,195 +7365,24 @@
         </p:blipFill>
         <p:spPr>
           <a:xfrm>
-            <a:off x="705949" y="1149323"/>
-            <a:ext cx="3324225" cy="3324225"/>
+            <a:off x="5935052" y="4640322"/>
+            <a:ext cx="2963045" cy="2056450"/>
           </a:xfrm>
           <a:prstGeom prst="rect">
             <a:avLst/>
           </a:prstGeom>
         </p:spPr>
       </p:pic>
-      <p:sp>
-        <p:nvSpPr>
-          <p:cNvPr id="7" name="Rectangle 6"/>
-          <p:cNvSpPr/>
-          <p:nvPr/>
-        </p:nvSpPr>
-        <p:spPr>
-          <a:xfrm>
-            <a:off x="763351" y="3784209"/>
-            <a:ext cx="820752" cy="2583418"/>
-          </a:xfrm>
-          <a:prstGeom prst="rect">
-            <a:avLst/>
-          </a:prstGeom>
-          <a:solidFill>
-            <a:schemeClr val="accent1"/>
-          </a:solidFill>
-          <a:ln>
-            <a:solidFill>
-              <a:schemeClr val="bg1"/>
-            </a:solidFill>
-          </a:ln>
-        </p:spPr>
-        <p:style>
-          <a:lnRef idx="2">
-            <a:schemeClr val="accent1">
-              <a:shade val="50000"/>
-            </a:schemeClr>
-          </a:lnRef>
-          <a:fillRef idx="1">
-            <a:schemeClr val="accent1"/>
-          </a:fillRef>
-          <a:effectRef idx="0">
-            <a:schemeClr val="accent1"/>
-          </a:effectRef>
-          <a:fontRef idx="minor">
-            <a:schemeClr val="lt1"/>
-          </a:fontRef>
-        </p:style>
-        <p:txBody>
-          <a:bodyPr rtlCol="0" anchor="ctr"/>
-          <a:lstStyle/>
-          <a:p>
-            <a:pPr algn="ctr"/>
-            <a:endParaRPr lang="en-US"/>
-          </a:p>
-        </p:txBody>
-      </p:sp>
-      <p:sp>
-        <p:nvSpPr>
-          <p:cNvPr id="4" name="TextBox 3"/>
-          <p:cNvSpPr txBox="1"/>
-          <p:nvPr/>
-        </p:nvSpPr>
-        <p:spPr>
-          <a:xfrm>
-            <a:off x="1743883" y="4469317"/>
-            <a:ext cx="2164702" cy="461665"/>
-          </a:xfrm>
-          <a:prstGeom prst="rect">
-            <a:avLst/>
-          </a:prstGeom>
-          <a:noFill/>
-        </p:spPr>
-        <p:txBody>
-          <a:bodyPr wrap="square" rtlCol="0">
-            <a:spAutoFit/>
-          </a:bodyPr>
-          <a:lstStyle/>
-          <a:p>
-            <a:r>
-              <a:rPr lang="en-US" sz="2400" dirty="0" smtClean="0">
-                <a:solidFill>
-                  <a:schemeClr val="bg1"/>
-                </a:solidFill>
-                <a:latin typeface="+mj-lt"/>
-              </a:rPr>
-              <a:t>James Sager</a:t>
-            </a:r>
-            <a:endParaRPr lang="en-US" sz="2400" dirty="0">
-              <a:solidFill>
-                <a:schemeClr val="bg1"/>
-              </a:solidFill>
-              <a:latin typeface="+mj-lt"/>
-              <a:cs typeface="Estrangelo Edessa" panose="03080600000000000000" pitchFamily="66" charset="0"/>
-            </a:endParaRPr>
-          </a:p>
-        </p:txBody>
-      </p:sp>
-      <p:sp>
-        <p:nvSpPr>
-          <p:cNvPr id="31" name="TextBox 30"/>
-          <p:cNvSpPr txBox="1"/>
-          <p:nvPr/>
-        </p:nvSpPr>
-        <p:spPr>
-          <a:xfrm>
-            <a:off x="1717043" y="4914548"/>
-            <a:ext cx="2064542" cy="400110"/>
-          </a:xfrm>
-          <a:prstGeom prst="rect">
-            <a:avLst/>
-          </a:prstGeom>
-          <a:noFill/>
-        </p:spPr>
-        <p:txBody>
-          <a:bodyPr wrap="square" rtlCol="0">
-            <a:spAutoFit/>
-          </a:bodyPr>
-          <a:lstStyle/>
-          <a:p>
-            <a:r>
-              <a:rPr lang="en-US" sz="2000" i="1" dirty="0" smtClean="0">
-                <a:solidFill>
-                  <a:schemeClr val="bg1"/>
-                </a:solidFill>
-                <a:latin typeface="+mj-lt"/>
-              </a:rPr>
-              <a:t>Developer</a:t>
-            </a:r>
-            <a:endParaRPr lang="en-US" sz="2000" i="1" dirty="0">
-              <a:solidFill>
-                <a:schemeClr val="bg1"/>
-              </a:solidFill>
-              <a:latin typeface="+mj-lt"/>
-              <a:cs typeface="Estrangelo Edessa" panose="03080600000000000000" pitchFamily="66" charset="0"/>
-            </a:endParaRPr>
-          </a:p>
-        </p:txBody>
-      </p:sp>
-      <p:sp>
-        <p:nvSpPr>
-          <p:cNvPr id="10" name="TextBox 9"/>
-          <p:cNvSpPr txBox="1"/>
-          <p:nvPr/>
-        </p:nvSpPr>
-        <p:spPr>
-          <a:xfrm>
-            <a:off x="1649841" y="5409221"/>
-            <a:ext cx="2345066" cy="523220"/>
-          </a:xfrm>
-          <a:prstGeom prst="rect">
-            <a:avLst/>
-          </a:prstGeom>
-          <a:noFill/>
-        </p:spPr>
-        <p:txBody>
-          <a:bodyPr wrap="square" rtlCol="0">
-            <a:spAutoFit/>
-          </a:bodyPr>
-          <a:lstStyle/>
-          <a:p>
-            <a:r>
-              <a:rPr lang="en-US" sz="1400" i="1" dirty="0" smtClean="0">
-                <a:solidFill>
-                  <a:schemeClr val="bg1"/>
-                </a:solidFill>
-                <a:latin typeface="+mj-lt"/>
-              </a:rPr>
-              <a:t>I do what Jimmy and Morgan tell me to do.</a:t>
-            </a:r>
-            <a:endParaRPr lang="en-US" sz="1400" i="1" dirty="0">
-              <a:solidFill>
-                <a:schemeClr val="bg1"/>
-              </a:solidFill>
-              <a:latin typeface="+mj-lt"/>
-              <a:cs typeface="Estrangelo Edessa" panose="03080600000000000000" pitchFamily="66" charset="0"/>
-            </a:endParaRPr>
-          </a:p>
-        </p:txBody>
-      </p:sp>
       <p:pic>
         <p:nvPicPr>
-          <p:cNvPr id="9" name="Picture 8"/>
+          <p:cNvPr id="15" name="Picture 14"/>
           <p:cNvPicPr>
             <a:picLocks noChangeAspect="1"/>
           </p:cNvPicPr>
           <p:nvPr/>
         </p:nvPicPr>
         <p:blipFill>
-          <a:blip r:embed="rId5" cstate="print">
+          <a:blip r:embed="rId6" cstate="print">
             <a:extLst>
               <a:ext uri="{28A0092B-C50C-407E-A947-70E740481C1C}">
                 <a14:useLocalDpi xmlns:a14="http://schemas.microsoft.com/office/drawing/2010/main" val="0"/>
@@ -10786,65 +7395,33 @@
         </p:blipFill>
         <p:spPr>
           <a:xfrm>
-            <a:off x="4434695" y="1146709"/>
-            <a:ext cx="3401237" cy="3247531"/>
+            <a:off x="9185626" y="4632983"/>
+            <a:ext cx="3006374" cy="2071128"/>
           </a:xfrm>
           <a:prstGeom prst="rect">
             <a:avLst/>
           </a:prstGeom>
         </p:spPr>
       </p:pic>
-      <p:pic>
-        <p:nvPicPr>
-          <p:cNvPr id="11" name="Picture 10"/>
-          <p:cNvPicPr>
-            <a:picLocks noChangeAspect="1"/>
-          </p:cNvPicPr>
-          <p:nvPr/>
-        </p:nvPicPr>
-        <p:blipFill>
-          <a:blip r:embed="rId6">
-            <a:extLst>
-              <a:ext uri="{28A0092B-C50C-407E-A947-70E740481C1C}">
-                <a14:useLocalDpi xmlns:a14="http://schemas.microsoft.com/office/drawing/2010/main" val="0"/>
-              </a:ext>
-            </a:extLst>
-          </a:blip>
-          <a:stretch>
-            <a:fillRect/>
-          </a:stretch>
-        </p:blipFill>
-        <p:spPr>
-          <a:xfrm>
-            <a:off x="8161826" y="1155339"/>
-            <a:ext cx="3322608" cy="3250670"/>
-          </a:xfrm>
-          <a:prstGeom prst="rect">
-            <a:avLst/>
-          </a:prstGeom>
-        </p:spPr>
-      </p:pic>
-      <p:sp>
-        <p:nvSpPr>
-          <p:cNvPr id="32" name="Rectangle 31"/>
+      <p:sp>
+        <p:nvSpPr>
+          <p:cNvPr id="38" name="Rounded Rectangle 37"/>
           <p:cNvSpPr/>
           <p:nvPr/>
         </p:nvSpPr>
         <p:spPr>
           <a:xfrm>
-            <a:off x="4492420" y="3784209"/>
-            <a:ext cx="820752" cy="2583418"/>
-          </a:xfrm>
-          <a:prstGeom prst="rect">
+            <a:off x="3685372" y="298652"/>
+            <a:ext cx="4970907" cy="950507"/>
+          </a:xfrm>
+          <a:prstGeom prst="roundRect">
             <a:avLst/>
           </a:prstGeom>
           <a:solidFill>
             <a:schemeClr val="accent1"/>
           </a:solidFill>
           <a:ln>
-            <a:solidFill>
-              <a:schemeClr val="bg1"/>
-            </a:solidFill>
+            <a:noFill/>
           </a:ln>
         </p:spPr>
         <p:style>
@@ -10868,479 +7445,20 @@
           <a:lstStyle/>
           <a:p>
             <a:pPr algn="ctr"/>
-            <a:endParaRPr lang="en-US"/>
-          </a:p>
-        </p:txBody>
-      </p:sp>
-      <p:sp>
-        <p:nvSpPr>
-          <p:cNvPr id="33" name="Rectangle 32"/>
-          <p:cNvSpPr/>
-          <p:nvPr/>
-        </p:nvSpPr>
-        <p:spPr>
-          <a:xfrm>
-            <a:off x="8216281" y="3784209"/>
-            <a:ext cx="820752" cy="2583418"/>
-          </a:xfrm>
-          <a:prstGeom prst="rect">
-            <a:avLst/>
-          </a:prstGeom>
-          <a:solidFill>
-            <a:schemeClr val="accent1"/>
-          </a:solidFill>
-          <a:ln>
-            <a:solidFill>
-              <a:schemeClr val="bg1"/>
-            </a:solidFill>
-          </a:ln>
-        </p:spPr>
-        <p:style>
-          <a:lnRef idx="2">
-            <a:schemeClr val="accent1">
-              <a:shade val="50000"/>
-            </a:schemeClr>
-          </a:lnRef>
-          <a:fillRef idx="1">
-            <a:schemeClr val="accent1"/>
-          </a:fillRef>
-          <a:effectRef idx="0">
-            <a:schemeClr val="accent1"/>
-          </a:effectRef>
-          <a:fontRef idx="minor">
-            <a:schemeClr val="lt1"/>
-          </a:fontRef>
-        </p:style>
-        <p:txBody>
-          <a:bodyPr rtlCol="0" anchor="ctr"/>
-          <a:lstStyle/>
-          <a:p>
-            <a:pPr algn="ctr"/>
-            <a:endParaRPr lang="en-US"/>
-          </a:p>
-        </p:txBody>
-      </p:sp>
-      <p:sp>
-        <p:nvSpPr>
-          <p:cNvPr id="34" name="TextBox 33"/>
-          <p:cNvSpPr txBox="1"/>
-          <p:nvPr/>
-        </p:nvSpPr>
-        <p:spPr>
-          <a:xfrm>
-            <a:off x="5426687" y="4483271"/>
-            <a:ext cx="2164702" cy="461665"/>
-          </a:xfrm>
-          <a:prstGeom prst="rect">
-            <a:avLst/>
-          </a:prstGeom>
-          <a:noFill/>
-        </p:spPr>
-        <p:txBody>
-          <a:bodyPr wrap="square" rtlCol="0">
-            <a:spAutoFit/>
-          </a:bodyPr>
-          <a:lstStyle/>
-          <a:p>
-            <a:r>
-              <a:rPr lang="en-US" sz="2400" dirty="0" smtClean="0">
+            <a:r>
+              <a:rPr lang="en-US" sz="2400" dirty="0">
                 <a:solidFill>
                   <a:schemeClr val="bg1"/>
                 </a:solidFill>
-                <a:latin typeface="+mj-lt"/>
+                <a:latin typeface="Arial" pitchFamily="34" charset="0"/>
+                <a:cs typeface="Arial" pitchFamily="34" charset="0"/>
               </a:rPr>
-              <a:t>Jimmy Sager</a:t>
+              <a:t>Summary</a:t>
             </a:r>
             <a:endParaRPr lang="en-US" sz="2400" dirty="0">
               <a:solidFill>
                 <a:schemeClr val="bg1"/>
               </a:solidFill>
-              <a:latin typeface="+mj-lt"/>
-              <a:cs typeface="Estrangelo Edessa" panose="03080600000000000000" pitchFamily="66" charset="0"/>
-            </a:endParaRPr>
-          </a:p>
-        </p:txBody>
-      </p:sp>
-      <p:sp>
-        <p:nvSpPr>
-          <p:cNvPr id="35" name="TextBox 34"/>
-          <p:cNvSpPr txBox="1"/>
-          <p:nvPr/>
-        </p:nvSpPr>
-        <p:spPr>
-          <a:xfrm>
-            <a:off x="9202446" y="4483270"/>
-            <a:ext cx="2164702" cy="461665"/>
-          </a:xfrm>
-          <a:prstGeom prst="rect">
-            <a:avLst/>
-          </a:prstGeom>
-          <a:noFill/>
-        </p:spPr>
-        <p:txBody>
-          <a:bodyPr wrap="square" rtlCol="0">
-            <a:spAutoFit/>
-          </a:bodyPr>
-          <a:lstStyle/>
-          <a:p>
-            <a:r>
-              <a:rPr lang="en-US" sz="2400" dirty="0" smtClean="0">
-                <a:solidFill>
-                  <a:schemeClr val="bg1"/>
-                </a:solidFill>
-                <a:latin typeface="+mj-lt"/>
-              </a:rPr>
-              <a:t>Morgan Sager</a:t>
-            </a:r>
-            <a:endParaRPr lang="en-US" sz="2400" dirty="0">
-              <a:solidFill>
-                <a:schemeClr val="bg1"/>
-              </a:solidFill>
-              <a:latin typeface="+mj-lt"/>
-              <a:cs typeface="Estrangelo Edessa" panose="03080600000000000000" pitchFamily="66" charset="0"/>
-            </a:endParaRPr>
-          </a:p>
-        </p:txBody>
-      </p:sp>
-      <p:sp>
-        <p:nvSpPr>
-          <p:cNvPr id="36" name="TextBox 35"/>
-          <p:cNvSpPr txBox="1"/>
-          <p:nvPr/>
-        </p:nvSpPr>
-        <p:spPr>
-          <a:xfrm>
-            <a:off x="5426686" y="4914548"/>
-            <a:ext cx="2074921" cy="400110"/>
-          </a:xfrm>
-          <a:prstGeom prst="rect">
-            <a:avLst/>
-          </a:prstGeom>
-          <a:noFill/>
-        </p:spPr>
-        <p:txBody>
-          <a:bodyPr wrap="square" rtlCol="0">
-            <a:spAutoFit/>
-          </a:bodyPr>
-          <a:lstStyle/>
-          <a:p>
-            <a:r>
-              <a:rPr lang="en-US" sz="2000" i="1" dirty="0" smtClean="0">
-                <a:solidFill>
-                  <a:schemeClr val="bg1"/>
-                </a:solidFill>
-                <a:latin typeface="+mj-lt"/>
-              </a:rPr>
-              <a:t>CEO</a:t>
-            </a:r>
-            <a:endParaRPr lang="en-US" sz="2000" i="1" dirty="0">
-              <a:solidFill>
-                <a:schemeClr val="bg1"/>
-              </a:solidFill>
-              <a:latin typeface="+mj-lt"/>
-              <a:cs typeface="Estrangelo Edessa" panose="03080600000000000000" pitchFamily="66" charset="0"/>
-            </a:endParaRPr>
-          </a:p>
-        </p:txBody>
-      </p:sp>
-      <p:sp>
-        <p:nvSpPr>
-          <p:cNvPr id="37" name="TextBox 36"/>
-          <p:cNvSpPr txBox="1"/>
-          <p:nvPr/>
-        </p:nvSpPr>
-        <p:spPr>
-          <a:xfrm>
-            <a:off x="9202445" y="4914548"/>
-            <a:ext cx="2047855" cy="400110"/>
-          </a:xfrm>
-          <a:prstGeom prst="rect">
-            <a:avLst/>
-          </a:prstGeom>
-          <a:noFill/>
-        </p:spPr>
-        <p:txBody>
-          <a:bodyPr wrap="square" rtlCol="0">
-            <a:spAutoFit/>
-          </a:bodyPr>
-          <a:lstStyle/>
-          <a:p>
-            <a:r>
-              <a:rPr lang="en-US" sz="2000" i="1" dirty="0" smtClean="0">
-                <a:solidFill>
-                  <a:schemeClr val="bg1"/>
-                </a:solidFill>
-                <a:latin typeface="+mj-lt"/>
-              </a:rPr>
-              <a:t>CFO</a:t>
-            </a:r>
-            <a:endParaRPr lang="en-US" sz="2000" i="1" dirty="0">
-              <a:solidFill>
-                <a:schemeClr val="bg1"/>
-              </a:solidFill>
-              <a:latin typeface="+mj-lt"/>
-              <a:cs typeface="Estrangelo Edessa" panose="03080600000000000000" pitchFamily="66" charset="0"/>
-            </a:endParaRPr>
-          </a:p>
-        </p:txBody>
-      </p:sp>
-      <p:sp>
-        <p:nvSpPr>
-          <p:cNvPr id="40" name="TextBox 39"/>
-          <p:cNvSpPr txBox="1"/>
-          <p:nvPr/>
-        </p:nvSpPr>
-        <p:spPr>
-          <a:xfrm>
-            <a:off x="5370896" y="5409221"/>
-            <a:ext cx="2345066" cy="738664"/>
-          </a:xfrm>
-          <a:prstGeom prst="rect">
-            <a:avLst/>
-          </a:prstGeom>
-          <a:noFill/>
-        </p:spPr>
-        <p:txBody>
-          <a:bodyPr wrap="square" rtlCol="0">
-            <a:spAutoFit/>
-          </a:bodyPr>
-          <a:lstStyle/>
-          <a:p>
-            <a:r>
-              <a:rPr lang="en-US" sz="1400" i="1" dirty="0" smtClean="0">
-                <a:solidFill>
-                  <a:schemeClr val="bg1"/>
-                </a:solidFill>
-                <a:latin typeface="+mj-lt"/>
-              </a:rPr>
-              <a:t>Management of overall operations, development  &amp; integration.</a:t>
-            </a:r>
-            <a:endParaRPr lang="en-US" sz="1400" i="1" dirty="0">
-              <a:solidFill>
-                <a:schemeClr val="bg1"/>
-              </a:solidFill>
-              <a:latin typeface="+mj-lt"/>
-              <a:cs typeface="Estrangelo Edessa" panose="03080600000000000000" pitchFamily="66" charset="0"/>
-            </a:endParaRPr>
-          </a:p>
-        </p:txBody>
-      </p:sp>
-      <p:sp>
-        <p:nvSpPr>
-          <p:cNvPr id="41" name="TextBox 40"/>
-          <p:cNvSpPr txBox="1"/>
-          <p:nvPr/>
-        </p:nvSpPr>
-        <p:spPr>
-          <a:xfrm>
-            <a:off x="9112264" y="5349992"/>
-            <a:ext cx="2345066" cy="738664"/>
-          </a:xfrm>
-          <a:prstGeom prst="rect">
-            <a:avLst/>
-          </a:prstGeom>
-          <a:noFill/>
-        </p:spPr>
-        <p:txBody>
-          <a:bodyPr wrap="square" rtlCol="0">
-            <a:spAutoFit/>
-          </a:bodyPr>
-          <a:lstStyle/>
-          <a:p>
-            <a:r>
-              <a:rPr lang="en-US" sz="1400" i="1" dirty="0" smtClean="0">
-                <a:solidFill>
-                  <a:schemeClr val="bg1"/>
-                </a:solidFill>
-                <a:latin typeface="+mj-lt"/>
-              </a:rPr>
-              <a:t>Financial planning, risk management and cart integration.</a:t>
-            </a:r>
-            <a:endParaRPr lang="en-US" sz="1400" i="1" dirty="0">
-              <a:solidFill>
-                <a:schemeClr val="bg1"/>
-              </a:solidFill>
-              <a:latin typeface="+mj-lt"/>
-              <a:cs typeface="Estrangelo Edessa" panose="03080600000000000000" pitchFamily="66" charset="0"/>
-            </a:endParaRPr>
-          </a:p>
-        </p:txBody>
-      </p:sp>
-      <p:pic>
-        <p:nvPicPr>
-          <p:cNvPr id="12" name="Picture 11"/>
-          <p:cNvPicPr>
-            <a:picLocks noChangeAspect="1"/>
-          </p:cNvPicPr>
-          <p:nvPr/>
-        </p:nvPicPr>
-        <p:blipFill>
-          <a:blip r:embed="rId7">
-            <a:extLst>
-              <a:ext uri="{28A0092B-C50C-407E-A947-70E740481C1C}">
-                <a14:useLocalDpi xmlns:a14="http://schemas.microsoft.com/office/drawing/2010/main" val="0"/>
-              </a:ext>
-            </a:extLst>
-          </a:blip>
-          <a:stretch>
-            <a:fillRect/>
-          </a:stretch>
-        </p:blipFill>
-        <p:spPr>
-          <a:xfrm>
-            <a:off x="4582413" y="3858941"/>
-            <a:ext cx="655718" cy="703486"/>
-          </a:xfrm>
-          <a:prstGeom prst="rect">
-            <a:avLst/>
-          </a:prstGeom>
-        </p:spPr>
-      </p:pic>
-      <p:pic>
-        <p:nvPicPr>
-          <p:cNvPr id="13" name="Picture 12"/>
-          <p:cNvPicPr>
-            <a:picLocks noChangeAspect="1"/>
-          </p:cNvPicPr>
-          <p:nvPr/>
-        </p:nvPicPr>
-        <p:blipFill>
-          <a:blip r:embed="rId8" cstate="print">
-            <a:extLst>
-              <a:ext uri="{28A0092B-C50C-407E-A947-70E740481C1C}">
-                <a14:useLocalDpi xmlns:a14="http://schemas.microsoft.com/office/drawing/2010/main" val="0"/>
-              </a:ext>
-            </a:extLst>
-          </a:blip>
-          <a:stretch>
-            <a:fillRect/>
-          </a:stretch>
-        </p:blipFill>
-        <p:spPr>
-          <a:xfrm>
-            <a:off x="826150" y="3850895"/>
-            <a:ext cx="601179" cy="671662"/>
-          </a:xfrm>
-          <a:prstGeom prst="rect">
-            <a:avLst/>
-          </a:prstGeom>
-        </p:spPr>
-      </p:pic>
-      <p:pic>
-        <p:nvPicPr>
-          <p:cNvPr id="18" name="Picture 17"/>
-          <p:cNvPicPr>
-            <a:picLocks noChangeAspect="1"/>
-          </p:cNvPicPr>
-          <p:nvPr/>
-        </p:nvPicPr>
-        <p:blipFill>
-          <a:blip r:embed="rId9" cstate="print">
-            <a:extLst>
-              <a:ext uri="{28A0092B-C50C-407E-A947-70E740481C1C}">
-                <a14:useLocalDpi xmlns:a14="http://schemas.microsoft.com/office/drawing/2010/main" val="0"/>
-              </a:ext>
-            </a:extLst>
-          </a:blip>
-          <a:stretch>
-            <a:fillRect/>
-          </a:stretch>
-        </p:blipFill>
-        <p:spPr>
-          <a:xfrm>
-            <a:off x="8268399" y="3862325"/>
-            <a:ext cx="716515" cy="781325"/>
-          </a:xfrm>
-          <a:prstGeom prst="rect">
-            <a:avLst/>
-          </a:prstGeom>
-        </p:spPr>
-      </p:pic>
-      <p:sp>
-        <p:nvSpPr>
-          <p:cNvPr id="27" name="Rectangle 26"/>
-          <p:cNvSpPr/>
-          <p:nvPr/>
-        </p:nvSpPr>
-        <p:spPr>
-          <a:xfrm>
-            <a:off x="132707" y="143202"/>
-            <a:ext cx="2690649" cy="494753"/>
-          </a:xfrm>
-          <a:prstGeom prst="rect">
-            <a:avLst/>
-          </a:prstGeom>
-          <a:solidFill>
-            <a:schemeClr val="accent1">
-              <a:alpha val="50000"/>
-            </a:schemeClr>
-          </a:solidFill>
-          <a:ln>
-            <a:noFill/>
-          </a:ln>
-        </p:spPr>
-        <p:style>
-          <a:lnRef idx="2">
-            <a:schemeClr val="accent1">
-              <a:shade val="50000"/>
-            </a:schemeClr>
-          </a:lnRef>
-          <a:fillRef idx="1">
-            <a:schemeClr val="accent1"/>
-          </a:fillRef>
-          <a:effectRef idx="0">
-            <a:schemeClr val="accent1"/>
-          </a:effectRef>
-          <a:fontRef idx="minor">
-            <a:schemeClr val="lt1"/>
-          </a:fontRef>
-        </p:style>
-        <p:txBody>
-          <a:bodyPr rtlCol="0" anchor="ctr"/>
-          <a:lstStyle/>
-          <a:p>
-            <a:pPr algn="ctr"/>
-            <a:endParaRPr lang="en-US"/>
-          </a:p>
-        </p:txBody>
-      </p:sp>
-      <p:sp>
-        <p:nvSpPr>
-          <p:cNvPr id="29" name="TextBox 28"/>
-          <p:cNvSpPr txBox="1"/>
-          <p:nvPr/>
-        </p:nvSpPr>
-        <p:spPr>
-          <a:xfrm>
-            <a:off x="321894" y="113579"/>
-            <a:ext cx="2035932" cy="553998"/>
-          </a:xfrm>
-          <a:prstGeom prst="rect">
-            <a:avLst/>
-          </a:prstGeom>
-          <a:noFill/>
-        </p:spPr>
-        <p:txBody>
-          <a:bodyPr wrap="square" rtlCol="0">
-            <a:spAutoFit/>
-          </a:bodyPr>
-          <a:lstStyle/>
-          <a:p>
-            <a:pPr algn="ctr"/>
-            <a:r>
-              <a:rPr lang="en-US" sz="3000" dirty="0" smtClean="0">
-                <a:solidFill>
-                  <a:schemeClr val="bg1"/>
-                </a:solidFill>
-                <a:cs typeface="Browallia New" panose="020B0604020202020204" pitchFamily="34" charset="-34"/>
-              </a:rPr>
-              <a:t>Slide Title</a:t>
-            </a:r>
-            <a:endParaRPr lang="en-US" sz="3000" dirty="0">
-              <a:solidFill>
-                <a:schemeClr val="bg1"/>
-              </a:solidFill>
-              <a:cs typeface="Browallia New" panose="020B0604020202020204" pitchFamily="34" charset="-34"/>
             </a:endParaRPr>
           </a:p>
         </p:txBody>
@@ -11370,30 +7488,16 @@
   <p:timing>
     <p:tnLst>
       <p:par>
-        <p:cTn xmlns:p14="http://schemas.microsoft.com/office/powerpoint/2010/main" id="1" dur="indefinite" restart="never" nodeType="tmRoot"/>
+        <p:cTn id="1" dur="indefinite" restart="never" nodeType="tmRoot"/>
       </p:par>
     </p:tnLst>
   </p:timing>
 </p:sld>
 </file>
 
-<file path=ppt/slides/slide17.xml><?xml version="1.0" encoding="utf-8"?>
+<file path=ppt/slides/slide14.xml><?xml version="1.0" encoding="utf-8"?>
 <p:sld xmlns:a="http://schemas.openxmlformats.org/drawingml/2006/main" xmlns:r="http://schemas.openxmlformats.org/officeDocument/2006/relationships" xmlns:p="http://schemas.openxmlformats.org/presentationml/2006/main">
   <p:cSld>
-    <p:bg>
-      <p:bgPr>
-        <a:blipFill dpi="0" rotWithShape="1">
-          <a:blip r:embed="rId2">
-            <a:lum/>
-          </a:blip>
-          <a:srcRect/>
-          <a:stretch>
-            <a:fillRect t="-6000" b="-6000"/>
-          </a:stretch>
-        </a:blipFill>
-        <a:effectLst/>
-      </p:bgPr>
-    </p:bg>
     <p:spTree>
       <p:nvGrpSpPr>
         <p:cNvPr id="1" name=""/>
@@ -11410,97 +7514,36 @@
       </p:grpSpPr>
       <p:sp>
         <p:nvSpPr>
-          <p:cNvPr id="6" name="Rectangle 5"/>
-          <p:cNvSpPr/>
-          <p:nvPr/>
-        </p:nvSpPr>
-        <p:spPr>
-          <a:xfrm>
-            <a:off x="0" y="0"/>
-            <a:ext cx="12191999" cy="6858000"/>
-          </a:xfrm>
-          <a:prstGeom prst="rect">
-            <a:avLst/>
-          </a:prstGeom>
-          <a:solidFill>
-            <a:schemeClr val="tx1">
-              <a:alpha val="50000"/>
-            </a:schemeClr>
-          </a:solidFill>
-          <a:ln>
-            <a:noFill/>
-          </a:ln>
-        </p:spPr>
-        <p:style>
-          <a:lnRef idx="2">
-            <a:schemeClr val="accent1">
-              <a:shade val="50000"/>
-            </a:schemeClr>
-          </a:lnRef>
-          <a:fillRef idx="1">
-            <a:schemeClr val="accent1"/>
-          </a:fillRef>
-          <a:effectRef idx="0">
-            <a:schemeClr val="accent1"/>
-          </a:effectRef>
-          <a:fontRef idx="minor">
-            <a:schemeClr val="lt1"/>
-          </a:fontRef>
-        </p:style>
-        <p:txBody>
-          <a:bodyPr rtlCol="0" anchor="ctr"/>
+          <p:cNvPr id="2" name="Title 1"/>
+          <p:cNvSpPr>
+            <a:spLocks noGrp="1"/>
+          </p:cNvSpPr>
+          <p:nvPr>
+            <p:ph type="title"/>
+          </p:nvPr>
+        </p:nvSpPr>
+        <p:spPr/>
+        <p:txBody>
+          <a:bodyPr/>
           <a:lstStyle/>
           <a:p>
             <a:pPr algn="ctr"/>
-            <a:endParaRPr lang="en-US"/>
-          </a:p>
-        </p:txBody>
-      </p:sp>
-      <p:sp>
-        <p:nvSpPr>
-          <p:cNvPr id="7" name="Rectangle 6"/>
-          <p:cNvSpPr/>
-          <p:nvPr/>
-        </p:nvSpPr>
-        <p:spPr>
-          <a:xfrm>
-            <a:off x="132707" y="143202"/>
-            <a:ext cx="2690649" cy="494753"/>
-          </a:xfrm>
-          <a:prstGeom prst="rect">
-            <a:avLst/>
-          </a:prstGeom>
-          <a:solidFill>
-            <a:schemeClr val="accent1">
-              <a:alpha val="50000"/>
-            </a:schemeClr>
-          </a:solidFill>
-          <a:ln>
-            <a:noFill/>
-          </a:ln>
-        </p:spPr>
-        <p:style>
-          <a:lnRef idx="2">
-            <a:schemeClr val="accent1">
-              <a:shade val="50000"/>
-            </a:schemeClr>
-          </a:lnRef>
-          <a:fillRef idx="1">
-            <a:schemeClr val="accent1"/>
-          </a:fillRef>
-          <a:effectRef idx="0">
-            <a:schemeClr val="accent1"/>
-          </a:effectRef>
-          <a:fontRef idx="minor">
-            <a:schemeClr val="lt1"/>
-          </a:fontRef>
-        </p:style>
-        <p:txBody>
-          <a:bodyPr rtlCol="0" anchor="ctr"/>
-          <a:lstStyle/>
-          <a:p>
-            <a:pPr algn="ctr"/>
-            <a:endParaRPr lang="en-US"/>
+            <a:r>
+              <a:rPr lang="en-US" dirty="0">
+                <a:solidFill>
+                  <a:srgbClr val="000000"/>
+                </a:solidFill>
+              </a:rPr>
+              <a:t>Behind the Scenes and Demo</a:t>
+            </a:r>
+            <a:r>
+              <a:rPr lang="en-US" dirty="0"/>
+              <a:t/>
+            </a:r>
+            <a:br>
+              <a:rPr lang="en-US" dirty="0"/>
+            </a:br>
+            <a:endParaRPr lang="ru-RU" dirty="0"/>
           </a:p>
         </p:txBody>
       </p:sp>
@@ -11514,325 +7557,108 @@
             <p:ph idx="1"/>
           </p:nvPr>
         </p:nvSpPr>
-        <p:spPr>
-          <a:xfrm>
-            <a:off x="1693889" y="4976734"/>
-            <a:ext cx="9039068" cy="1781238"/>
-          </a:xfrm>
-          <a:solidFill>
-            <a:schemeClr val="bg1">
-              <a:lumMod val="85000"/>
-              <a:alpha val="75000"/>
-            </a:schemeClr>
-          </a:solidFill>
-          <a:ln w="12700">
-            <a:noFill/>
-          </a:ln>
-        </p:spPr>
-        <p:txBody>
-          <a:bodyPr>
-            <a:normAutofit fontScale="92500" lnSpcReduction="10000"/>
-          </a:bodyPr>
-          <a:lstStyle/>
-          <a:p>
-            <a:pPr>
-              <a:buFont typeface="Wingdings" panose="05000000000000000000" pitchFamily="2" charset="2"/>
-              <a:buChar char="§"/>
-            </a:pPr>
-            <a:r>
-              <a:rPr lang="en-US" sz="2000" dirty="0"/>
-              <a:t>Sager, J. (2015, October 1). Free </a:t>
-            </a:r>
-            <a:r>
-              <a:rPr lang="en-US" sz="2000" dirty="0" smtClean="0"/>
-              <a:t>PowerPoint </a:t>
-            </a:r>
-            <a:r>
-              <a:rPr lang="en-US" sz="2000" dirty="0"/>
-              <a:t>T</a:t>
-            </a:r>
-            <a:r>
-              <a:rPr lang="en-US" sz="2000" dirty="0" smtClean="0"/>
-              <a:t>emplate</a:t>
-            </a:r>
-            <a:r>
-              <a:rPr lang="en-US" sz="2000" dirty="0"/>
-              <a:t>. Retrieved 2016, from </a:t>
-            </a:r>
-            <a:r>
-              <a:rPr lang="en-US" sz="2000" dirty="0">
+        <p:spPr/>
+        <p:txBody>
+          <a:bodyPr/>
+          <a:lstStyle/>
+          <a:p>
+            <a:r>
+              <a:rPr lang="en-US" dirty="0" smtClean="0"/>
+              <a:t>Demo gameplay video</a:t>
+            </a:r>
+          </a:p>
+          <a:p>
+            <a:r>
+              <a:rPr lang="en-US" dirty="0" smtClean="0">
+                <a:solidFill>
+                  <a:srgbClr val="0000FF"/>
+                </a:solidFill>
+                <a:hlinkClick r:id="rId2"/>
+              </a:rPr>
+              <a:t>https</a:t>
+            </a:r>
+            <a:r>
+              <a:rPr lang="en-US" dirty="0">
+                <a:solidFill>
+                  <a:srgbClr val="0000FF"/>
+                </a:solidFill>
+                <a:hlinkClick r:id="rId2"/>
+              </a:rPr>
+              <a:t>://www.facebook.com/Ahmadov.Elvin/videos/2764056110486671/</a:t>
+            </a:r>
+            <a:endParaRPr lang="en-US" dirty="0">
+              <a:solidFill>
+                <a:srgbClr val="0000FF"/>
+              </a:solidFill>
+            </a:endParaRPr>
+          </a:p>
+          <a:p>
+            <a:r>
+              <a:rPr lang="en-US" dirty="0">
+                <a:solidFill>
+                  <a:srgbClr val="0000FF"/>
+                </a:solidFill>
                 <a:hlinkClick r:id="rId3"/>
               </a:rPr>
-              <a:t>http://sage-fox.com</a:t>
-            </a:r>
-            <a:r>
-              <a:rPr lang="en-US" sz="2000" dirty="0" smtClean="0">
-                <a:hlinkClick r:id="rId3"/>
-              </a:rPr>
-              <a:t>/</a:t>
-            </a:r>
-            <a:endParaRPr lang="en-US" sz="2000" dirty="0" smtClean="0"/>
-          </a:p>
-          <a:p>
-            <a:pPr>
-              <a:buFont typeface="Wingdings" panose="05000000000000000000" pitchFamily="2" charset="2"/>
-              <a:buChar char="§"/>
+              <a:t>https://youtu.be/xu7iVcxGSHE</a:t>
+            </a:r>
+            <a:endParaRPr lang="en-US" dirty="0">
+              <a:solidFill>
+                <a:srgbClr val="0000FF"/>
+              </a:solidFill>
+            </a:endParaRPr>
+          </a:p>
+          <a:p>
+            <a:pPr marL="0" indent="0">
+              <a:buNone/>
             </a:pPr>
-            <a:r>
-              <a:rPr lang="en-US" sz="2000" dirty="0" err="1" smtClean="0"/>
-              <a:t>Lastname</a:t>
-            </a:r>
-            <a:r>
-              <a:rPr lang="en-US" sz="2000" dirty="0" smtClean="0"/>
-              <a:t>, </a:t>
-            </a:r>
-            <a:r>
-              <a:rPr lang="en-US" sz="2000" dirty="0"/>
-              <a:t>F. (</a:t>
-            </a:r>
-            <a:r>
-              <a:rPr lang="en-US" sz="2000" dirty="0" err="1"/>
-              <a:t>n.d.</a:t>
-            </a:r>
-            <a:r>
-              <a:rPr lang="en-US" sz="2000" dirty="0"/>
-              <a:t>). Chapter title. In </a:t>
-            </a:r>
-            <a:r>
-              <a:rPr lang="en-US" sz="2000" i="1" dirty="0" err="1" smtClean="0"/>
-              <a:t>Booktitle</a:t>
-            </a:r>
-            <a:r>
-              <a:rPr lang="en-US" sz="2000" dirty="0"/>
-              <a:t> (Edition ed., Vol. </a:t>
-            </a:r>
-            <a:r>
-              <a:rPr lang="en-US" sz="2000" dirty="0" smtClean="0"/>
-              <a:t>Volume#, </a:t>
-            </a:r>
-            <a:r>
-              <a:rPr lang="en-US" sz="2000" dirty="0"/>
-              <a:t>p. </a:t>
-            </a:r>
-            <a:r>
-              <a:rPr lang="en-US" sz="2000" dirty="0" smtClean="0"/>
-              <a:t>Page#). </a:t>
-            </a:r>
-            <a:r>
-              <a:rPr lang="en-US" sz="2000" dirty="0"/>
-              <a:t>City, State: Publisher</a:t>
-            </a:r>
-            <a:r>
-              <a:rPr lang="en-US" sz="2000" dirty="0" smtClean="0"/>
-              <a:t>.</a:t>
-            </a:r>
-          </a:p>
-          <a:p>
-            <a:pPr>
-              <a:buFont typeface="Wingdings" panose="05000000000000000000" pitchFamily="2" charset="2"/>
-              <a:buChar char="§"/>
-            </a:pPr>
-            <a:r>
-              <a:rPr lang="en-US" sz="2000" dirty="0" err="1"/>
-              <a:t>Lastname</a:t>
-            </a:r>
-            <a:r>
-              <a:rPr lang="en-US" sz="2000" dirty="0"/>
-              <a:t>, F. (</a:t>
-            </a:r>
-            <a:r>
-              <a:rPr lang="en-US" sz="2000" dirty="0" err="1"/>
-              <a:t>n.d.</a:t>
-            </a:r>
-            <a:r>
-              <a:rPr lang="en-US" sz="2000" dirty="0"/>
-              <a:t>). </a:t>
-            </a:r>
-            <a:r>
-              <a:rPr lang="en-US" sz="2000" dirty="0" err="1"/>
-              <a:t>Articletitle</a:t>
-            </a:r>
-            <a:r>
-              <a:rPr lang="en-US" sz="2000" dirty="0"/>
-              <a:t>. </a:t>
-            </a:r>
-            <a:r>
-              <a:rPr lang="en-US" sz="2000" i="1" dirty="0" err="1"/>
-              <a:t>Journaltitle</a:t>
-            </a:r>
-            <a:r>
-              <a:rPr lang="en-US" sz="2000" i="1" dirty="0"/>
-              <a:t>,</a:t>
-            </a:r>
-            <a:r>
-              <a:rPr lang="en-US" sz="2000" dirty="0"/>
-              <a:t> </a:t>
-            </a:r>
-            <a:r>
-              <a:rPr lang="en-US" sz="2000" i="1" dirty="0"/>
-              <a:t>Volume#</a:t>
-            </a:r>
-            <a:r>
-              <a:rPr lang="en-US" sz="2000" dirty="0"/>
-              <a:t>(Issue#), Page#-Page#. Retrieved from </a:t>
-            </a:r>
-            <a:r>
-              <a:rPr lang="en-US" sz="2000" dirty="0" err="1"/>
-              <a:t>websiteurl</a:t>
-            </a:r>
-            <a:endParaRPr lang="en-US" sz="2000" dirty="0" smtClean="0"/>
-          </a:p>
-          <a:p>
-            <a:pPr>
-              <a:buFont typeface="Wingdings" panose="05000000000000000000" pitchFamily="2" charset="2"/>
-              <a:buChar char="§"/>
-            </a:pPr>
-            <a:endParaRPr lang="en-US" sz="1400" dirty="0"/>
-          </a:p>
-        </p:txBody>
-      </p:sp>
-      <p:sp>
-        <p:nvSpPr>
-          <p:cNvPr id="9" name="TextBox 8"/>
-          <p:cNvSpPr txBox="1"/>
-          <p:nvPr/>
-        </p:nvSpPr>
-        <p:spPr>
-          <a:xfrm>
-            <a:off x="1616439" y="1401939"/>
-            <a:ext cx="8959121" cy="400110"/>
-          </a:xfrm>
-          <a:prstGeom prst="rect">
-            <a:avLst/>
-          </a:prstGeom>
-          <a:solidFill>
-            <a:schemeClr val="bg1"/>
-          </a:solidFill>
-        </p:spPr>
-        <p:txBody>
-          <a:bodyPr wrap="square" rtlCol="0">
-            <a:spAutoFit/>
-          </a:bodyPr>
-          <a:lstStyle/>
-          <a:p>
-            <a:pPr algn="ctr"/>
-            <a:r>
-              <a:rPr lang="en-US" sz="2000" dirty="0" smtClean="0"/>
-              <a:t>Delete this slide if you do not need a works cited slide. This is formatted APA format.</a:t>
-            </a:r>
-          </a:p>
-        </p:txBody>
-      </p:sp>
-      <p:sp>
-        <p:nvSpPr>
-          <p:cNvPr id="10" name="TextBox 9"/>
-          <p:cNvSpPr txBox="1"/>
-          <p:nvPr/>
-        </p:nvSpPr>
-        <p:spPr>
-          <a:xfrm>
-            <a:off x="11731397" y="6704111"/>
-            <a:ext cx="329610" cy="107722"/>
-          </a:xfrm>
-          <a:prstGeom prst="rect">
-            <a:avLst/>
-          </a:prstGeom>
-          <a:noFill/>
-        </p:spPr>
-        <p:txBody>
-          <a:bodyPr wrap="square" rtlCol="0">
-            <a:spAutoFit/>
-          </a:bodyPr>
-          <a:lstStyle/>
-          <a:p>
-            <a:r>
-              <a:rPr lang="en-US" sz="100" dirty="0" smtClean="0">
+            <a:endParaRPr lang="en-US" dirty="0">
+              <a:solidFill>
+                <a:srgbClr val="0000FF"/>
+              </a:solidFill>
+            </a:endParaRPr>
+          </a:p>
+          <a:p>
+            <a:r>
+              <a:rPr lang="en-US" dirty="0"/>
+              <a:t>Behind the Scenes </a:t>
+            </a:r>
+          </a:p>
+          <a:p>
+            <a:r>
+              <a:rPr lang="en-US" sz="3200" dirty="0">
                 <a:solidFill>
-                  <a:schemeClr val="bg1">
-                    <a:lumMod val="75000"/>
-                  </a:schemeClr>
+                  <a:srgbClr val="0D0296"/>
                 </a:solidFill>
                 <a:hlinkClick r:id="rId4"/>
               </a:rPr>
-              <a:t>Free PowerPoint Templates</a:t>
-            </a:r>
-            <a:endParaRPr lang="en-US" sz="100" dirty="0">
+              <a:t>https://www.facebook.com/Ahmadov.Elvin/videos/2764063577152591/</a:t>
+            </a:r>
+            <a:endParaRPr lang="en-US" sz="3200" dirty="0">
               <a:solidFill>
-                <a:schemeClr val="bg1">
-                  <a:lumMod val="75000"/>
-                </a:schemeClr>
+                <a:srgbClr val="0D0296"/>
               </a:solidFill>
             </a:endParaRPr>
           </a:p>
-        </p:txBody>
-      </p:sp>
-      <p:sp>
-        <p:nvSpPr>
-          <p:cNvPr id="8" name="TextBox 7"/>
-          <p:cNvSpPr txBox="1"/>
-          <p:nvPr/>
-        </p:nvSpPr>
-        <p:spPr>
-          <a:xfrm>
-            <a:off x="321894" y="113579"/>
-            <a:ext cx="2395180" cy="553998"/>
-          </a:xfrm>
-          <a:prstGeom prst="rect">
-            <a:avLst/>
-          </a:prstGeom>
-          <a:noFill/>
-        </p:spPr>
-        <p:txBody>
-          <a:bodyPr wrap="square" rtlCol="0">
-            <a:spAutoFit/>
-          </a:bodyPr>
-          <a:lstStyle/>
-          <a:p>
-            <a:pPr algn="ctr"/>
-            <a:r>
-              <a:rPr lang="en-US" sz="3000" dirty="0" smtClean="0">
-                <a:solidFill>
-                  <a:schemeClr val="bg1"/>
-                </a:solidFill>
-                <a:cs typeface="Browallia New" panose="020B0604020202020204" pitchFamily="34" charset="-34"/>
-              </a:rPr>
-              <a:t>Works Cited</a:t>
-            </a:r>
-            <a:endParaRPr lang="en-US" sz="3000" dirty="0">
-              <a:solidFill>
-                <a:schemeClr val="bg1"/>
-              </a:solidFill>
-              <a:cs typeface="Browallia New" panose="020B0604020202020204" pitchFamily="34" charset="-34"/>
-            </a:endParaRPr>
+          <a:p>
+            <a:endParaRPr lang="ru-RU" dirty="0"/>
           </a:p>
         </p:txBody>
       </p:sp>
     </p:spTree>
     <p:extLst>
       <p:ext uri="{BB962C8B-B14F-4D97-AF65-F5344CB8AC3E}">
-        <p14:creationId xmlns:p14="http://schemas.microsoft.com/office/powerpoint/2010/main" val="576897723"/>
+        <p14:creationId xmlns:p14="http://schemas.microsoft.com/office/powerpoint/2010/main" val="2600807545"/>
       </p:ext>
     </p:extLst>
   </p:cSld>
   <p:clrMapOvr>
     <a:masterClrMapping/>
   </p:clrMapOvr>
-  <mc:AlternateContent xmlns:mc="http://schemas.openxmlformats.org/markup-compatibility/2006" xmlns:p14="http://schemas.microsoft.com/office/powerpoint/2010/main">
-    <mc:Choice Requires="p14">
-      <p:transition spd="slow" p14:dur="1600">
-        <p14:conveyor dir="l"/>
-      </p:transition>
-    </mc:Choice>
-    <mc:Fallback xmlns="">
-      <p:transition spd="slow">
-        <p:fade/>
-      </p:transition>
-    </mc:Fallback>
-  </mc:AlternateContent>
   <p:timing>
     <p:tnLst>
       <p:par>
-        <p:cTn xmlns:p14="http://schemas.microsoft.com/office/powerpoint/2010/main" id="1" dur="indefinite" restart="never" nodeType="tmRoot"/>
+        <p:cTn id="1" dur="indefinite" restart="never" nodeType="tmRoot"/>
       </p:par>
     </p:tnLst>
   </p:timing>
@@ -12097,14 +7923,14 @@
           <p:nvPr>
             <p:extLst>
               <p:ext uri="{D42A27DB-BD31-4B8C-83A1-F6EECF244321}">
-                <p14:modId xmlns:p14="http://schemas.microsoft.com/office/powerpoint/2010/main" val="871539035"/>
+                <p14:modId xmlns:p14="http://schemas.microsoft.com/office/powerpoint/2010/main" val="3230020337"/>
               </p:ext>
             </p:extLst>
           </p:nvPr>
         </p:nvGraphicFramePr>
         <p:xfrm>
           <a:off x="2873895" y="2765723"/>
-          <a:ext cx="9100391" cy="3896180"/>
+          <a:ext cx="9100391" cy="3816231"/>
         </p:xfrm>
         <a:graphic>
           <a:graphicData uri="http://schemas.openxmlformats.org/drawingml/2006/table">
@@ -12116,21 +7942,21 @@
                 <a:gridCol w="2216295">
                   <a:extLst>
                     <a:ext uri="{9D8B030D-6E8A-4147-A177-3AD203B41FA5}">
-                      <a16:colId xmlns="" xmlns:a16="http://schemas.microsoft.com/office/drawing/2014/main" val="20000"/>
+                      <a16:colId xmlns:a16="http://schemas.microsoft.com/office/drawing/2014/main" val="20000"/>
                     </a:ext>
                   </a:extLst>
                 </a:gridCol>
                 <a:gridCol w="4640766">
                   <a:extLst>
                     <a:ext uri="{9D8B030D-6E8A-4147-A177-3AD203B41FA5}">
-                      <a16:colId xmlns="" xmlns:a16="http://schemas.microsoft.com/office/drawing/2014/main" val="20001"/>
+                      <a16:colId xmlns:a16="http://schemas.microsoft.com/office/drawing/2014/main" val="20001"/>
                     </a:ext>
                   </a:extLst>
                 </a:gridCol>
                 <a:gridCol w="2243330">
                   <a:extLst>
                     <a:ext uri="{9D8B030D-6E8A-4147-A177-3AD203B41FA5}">
-                      <a16:colId xmlns="" xmlns:a16="http://schemas.microsoft.com/office/drawing/2014/main" val="20002"/>
+                      <a16:colId xmlns:a16="http://schemas.microsoft.com/office/drawing/2014/main" val="20002"/>
                     </a:ext>
                   </a:extLst>
                 </a:gridCol>
@@ -12317,7 +8143,7 @@
                 </a:tc>
                 <a:extLst>
                   <a:ext uri="{0D108BD9-81ED-4DB2-BD59-A6C34878D82A}">
-                    <a16:rowId xmlns="" xmlns:a16="http://schemas.microsoft.com/office/drawing/2014/main" val="10000"/>
+                    <a16:rowId xmlns:a16="http://schemas.microsoft.com/office/drawing/2014/main" val="10000"/>
                   </a:ext>
                 </a:extLst>
               </a:tr>
@@ -12424,7 +8250,7 @@
                         </a:spcAft>
                       </a:pPr>
                       <a:r>
-                        <a:rPr lang="en-US" sz="1700" dirty="0" err="1" smtClean="0">
+                        <a:rPr lang="en-US" sz="1700" dirty="0" smtClean="0">
                           <a:solidFill>
                             <a:schemeClr val="bg1"/>
                           </a:solidFill>
@@ -12432,7 +8258,7 @@
                           <a:ea typeface="Times New Roman"/>
                           <a:cs typeface="Arial" pitchFamily="34" charset="0"/>
                         </a:rPr>
-                        <a:t>Introduction,Questions</a:t>
+                        <a:t>Introduction, Questions</a:t>
                       </a:r>
                       <a:endParaRPr lang="en-US" sz="1700" dirty="0" smtClean="0">
                         <a:solidFill>
@@ -12600,7 +8426,7 @@
                 </a:tc>
                 <a:extLst>
                   <a:ext uri="{0D108BD9-81ED-4DB2-BD59-A6C34878D82A}">
-                    <a16:rowId xmlns="" xmlns:a16="http://schemas.microsoft.com/office/drawing/2014/main" val="10001"/>
+                    <a16:rowId xmlns:a16="http://schemas.microsoft.com/office/drawing/2014/main" val="10001"/>
                   </a:ext>
                 </a:extLst>
               </a:tr>
@@ -12707,17 +8533,6 @@
                         </a:spcAft>
                       </a:pPr>
                       <a:r>
-                        <a:rPr lang="en-US" sz="1700" dirty="0">
-                          <a:solidFill>
-                            <a:schemeClr val="bg1"/>
-                          </a:solidFill>
-                          <a:latin typeface="Arial" pitchFamily="34" charset="0"/>
-                          <a:ea typeface="Times New Roman"/>
-                          <a:cs typeface="Arial" pitchFamily="34" charset="0"/>
-                        </a:rPr>
-                        <a:t>Introduction and </a:t>
-                      </a:r>
-                      <a:r>
                         <a:rPr lang="en-US" sz="1700" dirty="0" smtClean="0">
                           <a:solidFill>
                             <a:schemeClr val="bg1"/>
@@ -12726,17 +8541,10 @@
                           <a:ea typeface="Times New Roman"/>
                           <a:cs typeface="Arial" pitchFamily="34" charset="0"/>
                         </a:rPr>
-                        <a:t>Questions</a:t>
+                        <a:t>Main Character</a:t>
                       </a:r>
-                    </a:p>
-                    <a:p>
-                      <a:pPr>
-                        <a:spcAft>
-                          <a:spcPts val="0"/>
-                        </a:spcAft>
-                      </a:pPr>
                       <a:r>
-                        <a:rPr lang="en-US" sz="1700" dirty="0" smtClean="0">
+                        <a:rPr lang="en-US" sz="1700" baseline="0" dirty="0" smtClean="0">
                           <a:solidFill>
                             <a:schemeClr val="bg1"/>
                           </a:solidFill>
@@ -12744,7 +8552,7 @@
                           <a:ea typeface="Times New Roman"/>
                           <a:cs typeface="Arial" pitchFamily="34" charset="0"/>
                         </a:rPr>
-                        <a:t>Controls and Sounds </a:t>
+                        <a:t> and Opponents</a:t>
                       </a:r>
                       <a:endParaRPr lang="en-US" sz="1700" dirty="0">
                         <a:solidFill>
@@ -12859,7 +8667,7 @@
                 </a:tc>
                 <a:extLst>
                   <a:ext uri="{0D108BD9-81ED-4DB2-BD59-A6C34878D82A}">
-                    <a16:rowId xmlns="" xmlns:a16="http://schemas.microsoft.com/office/drawing/2014/main" val="10002"/>
+                    <a16:rowId xmlns:a16="http://schemas.microsoft.com/office/drawing/2014/main" val="10002"/>
                   </a:ext>
                 </a:extLst>
               </a:tr>
@@ -12955,7 +8763,7 @@
                         </a:spcAft>
                       </a:pPr>
                       <a:r>
-                        <a:rPr lang="en-US" sz="1700" dirty="0">
+                        <a:rPr lang="en-US" sz="1700" dirty="0" smtClean="0">
                           <a:solidFill>
                             <a:schemeClr val="bg1"/>
                           </a:solidFill>
@@ -12963,8 +8771,16 @@
                           <a:ea typeface="Times New Roman"/>
                           <a:cs typeface="Arial" pitchFamily="34" charset="0"/>
                         </a:rPr>
-                        <a:t>Overview and Quest </a:t>
+                        <a:t>Environment, Menus</a:t>
                       </a:r>
+                      <a:endParaRPr lang="en-US" sz="1700" dirty="0">
+                        <a:solidFill>
+                          <a:schemeClr val="bg1"/>
+                        </a:solidFill>
+                        <a:latin typeface="Arial" pitchFamily="34" charset="0"/>
+                        <a:ea typeface="Times New Roman"/>
+                        <a:cs typeface="Arial" pitchFamily="34" charset="0"/>
+                      </a:endParaRPr>
                     </a:p>
                   </a:txBody>
                   <a:tcPr marL="249122" marR="149473" marT="149473" marB="149473">
@@ -13070,7 +8886,7 @@
                 </a:tc>
                 <a:extLst>
                   <a:ext uri="{0D108BD9-81ED-4DB2-BD59-A6C34878D82A}">
-                    <a16:rowId xmlns="" xmlns:a16="http://schemas.microsoft.com/office/drawing/2014/main" val="10003"/>
+                    <a16:rowId xmlns:a16="http://schemas.microsoft.com/office/drawing/2014/main" val="10003"/>
                   </a:ext>
                 </a:extLst>
               </a:tr>
@@ -13164,17 +8980,6 @@
                         </a:spcAft>
                       </a:pPr>
                       <a:r>
-                        <a:rPr lang="en-US" sz="1700" dirty="0">
-                          <a:solidFill>
-                            <a:schemeClr val="bg1"/>
-                          </a:solidFill>
-                          <a:latin typeface="Arial" pitchFamily="34" charset="0"/>
-                          <a:ea typeface="Times New Roman"/>
-                          <a:cs typeface="Arial" pitchFamily="34" charset="0"/>
-                        </a:rPr>
-                        <a:t>Menu, </a:t>
-                      </a:r>
-                      <a:r>
                         <a:rPr lang="en-US" sz="1700" dirty="0" smtClean="0">
                           <a:solidFill>
                             <a:schemeClr val="bg1"/>
@@ -13183,7 +8988,18 @@
                           <a:ea typeface="Times New Roman"/>
                           <a:cs typeface="Arial" pitchFamily="34" charset="0"/>
                         </a:rPr>
-                        <a:t>Controls and Sounds </a:t>
+                        <a:t>Controls,</a:t>
+                      </a:r>
+                      <a:r>
+                        <a:rPr lang="en-US" sz="1700" baseline="0" dirty="0" smtClean="0">
+                          <a:solidFill>
+                            <a:schemeClr val="bg1"/>
+                          </a:solidFill>
+                          <a:latin typeface="Arial" pitchFamily="34" charset="0"/>
+                          <a:ea typeface="Times New Roman"/>
+                          <a:cs typeface="Arial" pitchFamily="34" charset="0"/>
+                        </a:rPr>
+                        <a:t> Sounds,  Summary</a:t>
                       </a:r>
                       <a:endParaRPr lang="en-US" sz="1700" dirty="0">
                         <a:solidFill>
@@ -13294,7 +9110,7 @@
                 </a:tc>
                 <a:extLst>
                   <a:ext uri="{0D108BD9-81ED-4DB2-BD59-A6C34878D82A}">
-                    <a16:rowId xmlns="" xmlns:a16="http://schemas.microsoft.com/office/drawing/2014/main" val="10004"/>
+                    <a16:rowId xmlns:a16="http://schemas.microsoft.com/office/drawing/2014/main" val="10004"/>
                   </a:ext>
                 </a:extLst>
               </a:tr>
@@ -13443,7 +9259,7 @@
   <p:timing>
     <p:tnLst>
       <p:par>
-        <p:cTn xmlns:p14="http://schemas.microsoft.com/office/powerpoint/2010/main" id="1" dur="indefinite" restart="never" nodeType="tmRoot"/>
+        <p:cTn id="1" dur="indefinite" restart="never" nodeType="tmRoot"/>
       </p:par>
     </p:tnLst>
   </p:timing>
@@ -14378,7 +10194,7 @@
   <p:timing>
     <p:tnLst>
       <p:par>
-        <p:cTn xmlns:p14="http://schemas.microsoft.com/office/powerpoint/2010/main" id="1" dur="indefinite" restart="never" nodeType="tmRoot"/>
+        <p:cTn id="1" dur="indefinite" restart="never" nodeType="tmRoot"/>
       </p:par>
     </p:tnLst>
   </p:timing>
@@ -15217,48 +11033,6 @@
       </p:sp>
       <p:sp>
         <p:nvSpPr>
-          <p:cNvPr id="49" name="TextBox 48"/>
-          <p:cNvSpPr txBox="1"/>
-          <p:nvPr/>
-        </p:nvSpPr>
-        <p:spPr>
-          <a:xfrm>
-            <a:off x="6687265" y="1532168"/>
-            <a:ext cx="5373742" cy="461665"/>
-          </a:xfrm>
-          <a:prstGeom prst="rect">
-            <a:avLst/>
-          </a:prstGeom>
-          <a:noFill/>
-        </p:spPr>
-        <p:txBody>
-          <a:bodyPr wrap="square" rtlCol="0">
-            <a:spAutoFit/>
-          </a:bodyPr>
-          <a:lstStyle/>
-          <a:p>
-            <a:r>
-              <a:rPr lang="en-US" sz="2400" dirty="0" smtClean="0">
-                <a:solidFill>
-                  <a:schemeClr val="bg1"/>
-                </a:solidFill>
-                <a:latin typeface="+mj-lt"/>
-                <a:cs typeface="Browallia New" panose="020B0604020202020204" pitchFamily="34" charset="-34"/>
-              </a:rPr>
-              <a:t>Hmm</a:t>
-            </a:r>
-            <a:endParaRPr lang="en-US" sz="2400" dirty="0">
-              <a:solidFill>
-                <a:schemeClr val="bg1"/>
-              </a:solidFill>
-              <a:latin typeface="+mj-lt"/>
-              <a:cs typeface="Browallia New" panose="020B0604020202020204" pitchFamily="34" charset="-34"/>
-            </a:endParaRPr>
-          </a:p>
-        </p:txBody>
-      </p:sp>
-      <p:sp>
-        <p:nvSpPr>
           <p:cNvPr id="53" name="TextBox 52"/>
           <p:cNvSpPr txBox="1"/>
           <p:nvPr/>
@@ -15309,13 +11083,6 @@
               </a:rPr>
               <a:t>was used in Unity </a:t>
             </a:r>
-            <a:endParaRPr lang="en-US" sz="2400" dirty="0">
-              <a:solidFill>
-                <a:schemeClr val="bg1"/>
-              </a:solidFill>
-              <a:latin typeface="+mj-lt"/>
-              <a:cs typeface="Browallia New" panose="020B0604020202020204" pitchFamily="34" charset="-34"/>
-            </a:endParaRPr>
           </a:p>
         </p:txBody>
       </p:sp>
@@ -15706,7 +11473,7 @@
   <p:timing>
     <p:tnLst>
       <p:par>
-        <p:cTn xmlns:p14="http://schemas.microsoft.com/office/powerpoint/2010/main" id="1" dur="indefinite" restart="never" nodeType="tmRoot"/>
+        <p:cTn id="1" dur="indefinite" restart="never" nodeType="tmRoot"/>
       </p:par>
     </p:tnLst>
   </p:timing>
@@ -16463,7 +12230,7 @@
   <p:timing>
     <p:tnLst>
       <p:par>
-        <p:cTn xmlns:p14="http://schemas.microsoft.com/office/powerpoint/2010/main" id="1" dur="indefinite" restart="never" nodeType="tmRoot"/>
+        <p:cTn id="1" dur="indefinite" restart="never" nodeType="tmRoot"/>
       </p:par>
     </p:tnLst>
   </p:timing>
@@ -17367,7 +13134,7 @@
   <p:timing>
     <p:tnLst>
       <p:par>
-        <p:cTn xmlns:p14="http://schemas.microsoft.com/office/powerpoint/2010/main" id="1" dur="indefinite" restart="never" nodeType="tmRoot"/>
+        <p:cTn id="1" dur="indefinite" restart="never" nodeType="tmRoot"/>
       </p:par>
     </p:tnLst>
   </p:timing>
@@ -18049,7 +13816,7 @@
   <p:timing>
     <p:tnLst>
       <p:par>
-        <p:cTn xmlns:p14="http://schemas.microsoft.com/office/powerpoint/2010/main" id="1" dur="indefinite" restart="never" nodeType="tmRoot"/>
+        <p:cTn id="1" dur="indefinite" restart="never" nodeType="tmRoot"/>
       </p:par>
     </p:tnLst>
   </p:timing>
@@ -18554,7 +14321,7 @@
   <p:timing>
     <p:tnLst>
       <p:par>
-        <p:cTn xmlns:p14="http://schemas.microsoft.com/office/powerpoint/2010/main" id="1" dur="indefinite" restart="never" nodeType="tmRoot"/>
+        <p:cTn id="1" dur="indefinite" restart="never" nodeType="tmRoot"/>
       </p:par>
     </p:tnLst>
   </p:timing>
@@ -19194,7 +14961,7 @@
   <p:timing>
     <p:tnLst>
       <p:par>
-        <p:cTn xmlns:p14="http://schemas.microsoft.com/office/powerpoint/2010/main" id="1" dur="indefinite" restart="never" nodeType="tmRoot"/>
+        <p:cTn id="1" dur="indefinite" restart="never" nodeType="tmRoot"/>
       </p:par>
     </p:tnLst>
   </p:timing>
@@ -19456,7 +15223,7 @@
   <a:extraClrSchemeLst/>
   <a:extLst>
     <a:ext uri="{05A4C25C-085E-4340-85A3-A5531E510DB2}">
-      <thm15:themeFamily xmlns="" xmlns:thm15="http://schemas.microsoft.com/office/thememl/2012/main" name="Office Theme" id="{62F939B6-93AF-4DB8-9C6B-D6C7DFDC589F}" vid="{4A3C46E8-61CC-4603-A589-7422A47A8E4A}"/>
+      <thm15:themeFamily xmlns:thm15="http://schemas.microsoft.com/office/thememl/2012/main" name="Office Theme" id="{62F939B6-93AF-4DB8-9C6B-D6C7DFDC589F}" vid="{4A3C46E8-61CC-4603-A589-7422A47A8E4A}"/>
     </a:ext>
   </a:extLst>
 </a:theme>
@@ -19717,7 +15484,7 @@
   <a:extraClrSchemeLst/>
   <a:extLst>
     <a:ext uri="{05A4C25C-085E-4340-85A3-A5531E510DB2}">
-      <thm15:themeFamily xmlns="" xmlns:thm15="http://schemas.microsoft.com/office/thememl/2012/main" name="Office Theme" id="{62F939B6-93AF-4DB8-9C6B-D6C7DFDC589F}" vid="{4A3C46E8-61CC-4603-A589-7422A47A8E4A}"/>
+      <thm15:themeFamily xmlns:thm15="http://schemas.microsoft.com/office/thememl/2012/main" name="Office Theme" id="{62F939B6-93AF-4DB8-9C6B-D6C7DFDC589F}" vid="{4A3C46E8-61CC-4603-A589-7422A47A8E4A}"/>
     </a:ext>
   </a:extLst>
 </a:theme>
